--- a/PPT/DESIGN3.3 RB_example.pptx
+++ b/PPT/DESIGN3.3 RB_example.pptx
@@ -140,12 +140,12 @@
   <p:extLst>
     <p:ext uri="{EFAFB233-063F-42B5-8137-9DF3F51BA10A}">
       <p15:sldGuideLst xmlns:p15="http://schemas.microsoft.com/office/powerpoint/2012/main">
-        <p15:guide id="1" orient="horz" pos="1304">
+        <p15:guide id="1" orient="horz" pos="1304" userDrawn="1">
           <p15:clr>
             <a:srgbClr val="A4A3A4"/>
           </p15:clr>
         </p15:guide>
-        <p15:guide id="2" pos="2274">
+        <p15:guide id="2" pos="2274" userDrawn="1">
           <p15:clr>
             <a:srgbClr val="A4A3A4"/>
           </p15:clr>
@@ -185,7 +185,7 @@
         </p:nvSpPr>
         <p:spPr>
           <a:xfrm>
-            <a:off x="900090" y="589253"/>
+            <a:off x="900090" y="589254"/>
             <a:ext cx="5400538" cy="1253517"/>
           </a:xfrm>
         </p:spPr>
@@ -609,7 +609,7 @@
         </p:nvSpPr>
         <p:spPr>
           <a:xfrm>
-            <a:off x="5220520" y="144188"/>
+            <a:off x="5220522" y="144188"/>
             <a:ext cx="1620161" cy="3072117"/>
           </a:xfrm>
         </p:spPr>
@@ -636,7 +636,7 @@
         </p:nvSpPr>
         <p:spPr>
           <a:xfrm>
-            <a:off x="360036" y="144188"/>
+            <a:off x="360038" y="144188"/>
             <a:ext cx="4766563" cy="3072117"/>
           </a:xfrm>
         </p:spPr>
@@ -1021,7 +1021,7 @@
         </p:nvSpPr>
         <p:spPr>
           <a:xfrm>
-            <a:off x="491299" y="897632"/>
+            <a:off x="491301" y="897632"/>
             <a:ext cx="6210619" cy="1497720"/>
           </a:xfrm>
         </p:spPr>
@@ -1052,7 +1052,7 @@
         </p:nvSpPr>
         <p:spPr>
           <a:xfrm>
-            <a:off x="491299" y="2409521"/>
+            <a:off x="491301" y="2409521"/>
             <a:ext cx="6210619" cy="787616"/>
           </a:xfrm>
         </p:spPr>
@@ -1321,7 +1321,7 @@
         </p:nvSpPr>
         <p:spPr>
           <a:xfrm>
-            <a:off x="360036" y="840123"/>
+            <a:off x="360038" y="840123"/>
             <a:ext cx="3175517" cy="2376182"/>
           </a:xfrm>
         </p:spPr>
@@ -1377,7 +1377,7 @@
         </p:nvSpPr>
         <p:spPr>
           <a:xfrm>
-            <a:off x="3665166" y="840123"/>
+            <a:off x="3665168" y="840123"/>
             <a:ext cx="3175517" cy="2376182"/>
           </a:xfrm>
         </p:spPr>
@@ -1561,7 +1561,7 @@
         </p:nvSpPr>
         <p:spPr>
           <a:xfrm>
-            <a:off x="495987" y="191695"/>
+            <a:off x="495989" y="191695"/>
             <a:ext cx="6210619" cy="695936"/>
           </a:xfrm>
         </p:spPr>
@@ -1588,7 +1588,7 @@
         </p:nvSpPr>
         <p:spPr>
           <a:xfrm>
-            <a:off x="700921" y="933700"/>
+            <a:off x="700921" y="933701"/>
             <a:ext cx="2878382" cy="432563"/>
           </a:xfrm>
         </p:spPr>
@@ -1709,7 +1709,7 @@
         </p:nvSpPr>
         <p:spPr>
           <a:xfrm>
-            <a:off x="3695411" y="933700"/>
+            <a:off x="3695411" y="933701"/>
             <a:ext cx="2892558" cy="432563"/>
           </a:xfrm>
         </p:spPr>
@@ -2236,7 +2236,7 @@
         </p:nvSpPr>
         <p:spPr>
           <a:xfrm>
-            <a:off x="495987" y="240035"/>
+            <a:off x="495989" y="240035"/>
             <a:ext cx="2322419" cy="840123"/>
           </a:xfrm>
         </p:spPr>
@@ -2351,7 +2351,7 @@
         </p:nvSpPr>
         <p:spPr>
           <a:xfrm>
-            <a:off x="495987" y="1080158"/>
+            <a:off x="495989" y="1080159"/>
             <a:ext cx="2322419" cy="2001127"/>
           </a:xfrm>
         </p:spPr>
@@ -2544,7 +2544,7 @@
         </p:nvSpPr>
         <p:spPr>
           <a:xfrm>
-            <a:off x="495987" y="240035"/>
+            <a:off x="495989" y="240035"/>
             <a:ext cx="2460097" cy="840123"/>
           </a:xfrm>
         </p:spPr>
@@ -2636,7 +2636,7 @@
         </p:nvSpPr>
         <p:spPr>
           <a:xfrm>
-            <a:off x="495987" y="1080158"/>
+            <a:off x="495989" y="1080159"/>
             <a:ext cx="2460097" cy="2001127"/>
           </a:xfrm>
         </p:spPr>
@@ -2843,7 +2843,7 @@
         </p:nvSpPr>
         <p:spPr>
           <a:xfrm>
-            <a:off x="358775" y="144463"/>
+            <a:off x="358777" y="144463"/>
             <a:ext cx="6481763" cy="600075"/>
           </a:xfrm>
           <a:prstGeom prst="rect">
@@ -2884,7 +2884,7 @@
         </p:nvSpPr>
         <p:spPr>
           <a:xfrm>
-            <a:off x="358775" y="839788"/>
+            <a:off x="358777" y="839788"/>
             <a:ext cx="6481763" cy="2376487"/>
           </a:xfrm>
           <a:prstGeom prst="rect">
@@ -2953,7 +2953,7 @@
         </p:nvSpPr>
         <p:spPr>
           <a:xfrm>
-            <a:off x="358775" y="3279775"/>
+            <a:off x="358777" y="3279775"/>
             <a:ext cx="1681163" cy="249238"/>
           </a:xfrm>
           <a:prstGeom prst="rect">
@@ -3035,7 +3035,7 @@
         </p:nvSpPr>
         <p:spPr>
           <a:xfrm>
-            <a:off x="5159375" y="3279775"/>
+            <a:off x="5159377" y="3279775"/>
             <a:ext cx="1681163" cy="249238"/>
           </a:xfrm>
           <a:prstGeom prst="rect">
@@ -3608,8 +3608,8 @@
         </p:nvSpPr>
         <p:spPr bwMode="auto">
           <a:xfrm>
-            <a:off x="0" y="104775"/>
-            <a:ext cx="2144713" cy="368300"/>
+            <a:off x="37658" y="72889"/>
+            <a:ext cx="1550084" cy="276999"/>
           </a:xfrm>
           <a:prstGeom prst="rect">
             <a:avLst/>
@@ -3639,24 +3639,333 @@
           </a:extLst>
         </p:spPr>
         <p:txBody>
-          <a:bodyPr>
+          <a:bodyPr wrap="square" lIns="0" tIns="0" rIns="0" bIns="0">
             <a:spAutoFit/>
           </a:bodyPr>
           <a:lstStyle/>
           <a:p>
+            <a:pPr algn="r"/>
             <a:r>
-              <a:rPr lang="en-US" altLang="zh-CN"/>
-              <a:t>updates queue</a:t>
+              <a:rPr lang="en-US" altLang="zh-CN" dirty="0"/>
+              <a:t>update queue</a:t>
             </a:r>
           </a:p>
         </p:txBody>
       </p:sp>
+      <mc:AlternateContent xmlns:mc="http://schemas.openxmlformats.org/markup-compatibility/2006">
+        <mc:Choice xmlns:a14="http://schemas.microsoft.com/office/drawing/2010/main" Requires="a14">
+          <p:sp>
+            <p:nvSpPr>
+              <p:cNvPr id="12" name="矩形 11">
+                <a:extLst>
+                  <a:ext uri="{FF2B5EF4-FFF2-40B4-BE49-F238E27FC236}">
+                    <a16:creationId xmlns:a16="http://schemas.microsoft.com/office/drawing/2014/main" id="{CA819079-8AE5-5A36-C442-44BE3D44C970}"/>
+                  </a:ext>
+                </a:extLst>
+              </p:cNvPr>
+              <p:cNvSpPr/>
+              <p:nvPr/>
+            </p:nvSpPr>
+            <p:spPr>
+              <a:xfrm>
+                <a:off x="2054223" y="18504"/>
+                <a:ext cx="425450" cy="425450"/>
+              </a:xfrm>
+              <a:prstGeom prst="rect">
+                <a:avLst/>
+              </a:prstGeom>
+              <a:solidFill>
+                <a:schemeClr val="bg1"/>
+              </a:solidFill>
+              <a:ln w="25400">
+                <a:solidFill>
+                  <a:schemeClr val="tx1"/>
+                </a:solidFill>
+              </a:ln>
+            </p:spPr>
+            <p:style>
+              <a:lnRef idx="2">
+                <a:schemeClr val="accent1">
+                  <a:shade val="50000"/>
+                </a:schemeClr>
+              </a:lnRef>
+              <a:fillRef idx="1">
+                <a:schemeClr val="accent1"/>
+              </a:fillRef>
+              <a:effectRef idx="0">
+                <a:schemeClr val="accent1"/>
+              </a:effectRef>
+              <a:fontRef idx="minor">
+                <a:schemeClr val="lt1"/>
+              </a:fontRef>
+            </p:style>
+            <p:txBody>
+              <a:bodyPr lIns="0" tIns="0" rIns="0" bIns="0" anchor="ctr"/>
+              <a:lstStyle/>
+              <a:p>
+                <a:pPr algn="ctr"/>
+                <a14:m>
+                  <m:oMathPara xmlns:m="http://schemas.openxmlformats.org/officeDocument/2006/math">
+                    <m:oMathParaPr>
+                      <m:jc m:val="centerGroup"/>
+                    </m:oMathParaPr>
+                    <m:oMath xmlns:m="http://schemas.openxmlformats.org/officeDocument/2006/math">
+                      <m:sSub>
+                        <m:sSubPr>
+                          <m:ctrlPr>
+                            <a:rPr lang="en-US" altLang="zh-CN" sz="1600" i="1" noProof="1">
+                              <a:solidFill>
+                                <a:schemeClr val="tx1"/>
+                              </a:solidFill>
+                              <a:latin typeface="Cambria Math" panose="02040503050406030204" pitchFamily="18" charset="0"/>
+                            </a:rPr>
+                          </m:ctrlPr>
+                        </m:sSubPr>
+                        <m:e>
+                          <m:r>
+                            <a:rPr lang="en-US" altLang="zh-CN" sz="1600" i="1" noProof="1">
+                              <a:solidFill>
+                                <a:schemeClr val="tx1"/>
+                              </a:solidFill>
+                              <a:latin typeface="Cambria Math" panose="02040503050406030204" pitchFamily="18" charset="0"/>
+                            </a:rPr>
+                            <m:t>𝑎</m:t>
+                          </m:r>
+                        </m:e>
+                        <m:sub>
+                          <m:r>
+                            <a:rPr lang="en-US" altLang="zh-CN" sz="1600" i="1" noProof="1">
+                              <a:solidFill>
+                                <a:schemeClr val="tx1"/>
+                              </a:solidFill>
+                              <a:latin typeface="Cambria Math" panose="02040503050406030204" pitchFamily="18" charset="0"/>
+                            </a:rPr>
+                            <m:t>1</m:t>
+                          </m:r>
+                        </m:sub>
+                      </m:sSub>
+                    </m:oMath>
+                  </m:oMathPara>
+                </a14:m>
+                <a:endParaRPr lang="en-US" altLang="zh-CN" sz="1600" baseline="-25000" noProof="1">
+                  <a:solidFill>
+                    <a:schemeClr val="tx1"/>
+                  </a:solidFill>
+                </a:endParaRPr>
+              </a:p>
+            </p:txBody>
+          </p:sp>
+        </mc:Choice>
+        <mc:Fallback>
+          <p:sp>
+            <p:nvSpPr>
+              <p:cNvPr id="12" name="矩形 11">
+                <a:extLst>
+                  <a:ext uri="{FF2B5EF4-FFF2-40B4-BE49-F238E27FC236}">
+                    <a16:creationId xmlns:a16="http://schemas.microsoft.com/office/drawing/2014/main" id="{CA819079-8AE5-5A36-C442-44BE3D44C970}"/>
+                  </a:ext>
+                </a:extLst>
+              </p:cNvPr>
+              <p:cNvSpPr>
+                <a:spLocks noRot="1" noChangeAspect="1" noMove="1" noResize="1" noEditPoints="1" noAdjustHandles="1" noChangeArrowheads="1" noChangeShapeType="1" noTextEdit="1"/>
+              </p:cNvSpPr>
+              <p:nvPr/>
+            </p:nvSpPr>
+            <p:spPr>
+              <a:xfrm>
+                <a:off x="2054223" y="18504"/>
+                <a:ext cx="425450" cy="425450"/>
+              </a:xfrm>
+              <a:prstGeom prst="rect">
+                <a:avLst/>
+              </a:prstGeom>
+              <a:blipFill>
+                <a:blip r:embed="rId3"/>
+                <a:stretch>
+                  <a:fillRect/>
+                </a:stretch>
+              </a:blipFill>
+              <a:ln w="25400">
+                <a:solidFill>
+                  <a:schemeClr val="tx1"/>
+                </a:solidFill>
+              </a:ln>
+            </p:spPr>
+            <p:txBody>
+              <a:bodyPr/>
+              <a:lstStyle/>
+              <a:p>
+                <a:r>
+                  <a:rPr lang="zh-CN" altLang="en-US">
+                    <a:noFill/>
+                  </a:rPr>
+                  <a:t> </a:t>
+                </a:r>
+              </a:p>
+            </p:txBody>
+          </p:sp>
+        </mc:Fallback>
+      </mc:AlternateContent>
+      <mc:AlternateContent xmlns:mc="http://schemas.openxmlformats.org/markup-compatibility/2006">
+        <mc:Choice xmlns:a14="http://schemas.microsoft.com/office/drawing/2010/main" Requires="a14">
+          <p:sp>
+            <p:nvSpPr>
+              <p:cNvPr id="13" name="矩形 12">
+                <a:extLst>
+                  <a:ext uri="{FF2B5EF4-FFF2-40B4-BE49-F238E27FC236}">
+                    <a16:creationId xmlns:a16="http://schemas.microsoft.com/office/drawing/2014/main" id="{840C7D9E-5924-4D98-DE83-63EF68B0B873}"/>
+                  </a:ext>
+                </a:extLst>
+              </p:cNvPr>
+              <p:cNvSpPr/>
+              <p:nvPr/>
+            </p:nvSpPr>
+            <p:spPr>
+              <a:xfrm>
+                <a:off x="2479675" y="18504"/>
+                <a:ext cx="420687" cy="423863"/>
+              </a:xfrm>
+              <a:prstGeom prst="rect">
+                <a:avLst/>
+              </a:prstGeom>
+              <a:solidFill>
+                <a:schemeClr val="bg1"/>
+              </a:solidFill>
+              <a:ln w="25400">
+                <a:solidFill>
+                  <a:schemeClr val="tx1"/>
+                </a:solidFill>
+              </a:ln>
+            </p:spPr>
+            <p:style>
+              <a:lnRef idx="2">
+                <a:schemeClr val="accent1">
+                  <a:shade val="50000"/>
+                </a:schemeClr>
+              </a:lnRef>
+              <a:fillRef idx="1">
+                <a:schemeClr val="accent1"/>
+              </a:fillRef>
+              <a:effectRef idx="0">
+                <a:schemeClr val="accent1"/>
+              </a:effectRef>
+              <a:fontRef idx="minor">
+                <a:schemeClr val="lt1"/>
+              </a:fontRef>
+            </p:style>
+            <p:txBody>
+              <a:bodyPr lIns="0" tIns="0" rIns="0" bIns="0" anchor="ctr"/>
+              <a:lstStyle/>
+              <a:p>
+                <a:pPr algn="ctr"/>
+                <a14:m>
+                  <m:oMathPara xmlns:m="http://schemas.openxmlformats.org/officeDocument/2006/math">
+                    <m:oMathParaPr>
+                      <m:jc m:val="centerGroup"/>
+                    </m:oMathParaPr>
+                    <m:oMath xmlns:m="http://schemas.openxmlformats.org/officeDocument/2006/math">
+                      <m:sSub>
+                        <m:sSubPr>
+                          <m:ctrlPr>
+                            <a:rPr lang="en-US" altLang="zh-CN" sz="1600" i="1" noProof="1">
+                              <a:solidFill>
+                                <a:schemeClr val="tx1"/>
+                              </a:solidFill>
+                              <a:latin typeface="Cambria Math" panose="02040503050406030204" pitchFamily="18" charset="0"/>
+                            </a:rPr>
+                          </m:ctrlPr>
+                        </m:sSubPr>
+                        <m:e>
+                          <m:r>
+                            <a:rPr lang="en-US" altLang="zh-CN" sz="1600" i="1" noProof="1">
+                              <a:solidFill>
+                                <a:schemeClr val="tx1"/>
+                              </a:solidFill>
+                              <a:latin typeface="Cambria Math" panose="02040503050406030204" pitchFamily="18" charset="0"/>
+                            </a:rPr>
+                            <m:t>𝑎</m:t>
+                          </m:r>
+                        </m:e>
+                        <m:sub>
+                          <m:r>
+                            <a:rPr lang="en-US" altLang="zh-CN" sz="1600" i="1" noProof="1">
+                              <a:solidFill>
+                                <a:schemeClr val="tx1"/>
+                              </a:solidFill>
+                              <a:latin typeface="Cambria Math" panose="02040503050406030204" pitchFamily="18" charset="0"/>
+                            </a:rPr>
+                            <m:t>2</m:t>
+                          </m:r>
+                        </m:sub>
+                      </m:sSub>
+                    </m:oMath>
+                  </m:oMathPara>
+                </a14:m>
+                <a:endParaRPr lang="en-US" altLang="zh-CN" sz="1600" baseline="-25000" noProof="1">
+                  <a:solidFill>
+                    <a:schemeClr val="tx1"/>
+                  </a:solidFill>
+                </a:endParaRPr>
+              </a:p>
+            </p:txBody>
+          </p:sp>
+        </mc:Choice>
+        <mc:Fallback>
+          <p:sp>
+            <p:nvSpPr>
+              <p:cNvPr id="13" name="矩形 12">
+                <a:extLst>
+                  <a:ext uri="{FF2B5EF4-FFF2-40B4-BE49-F238E27FC236}">
+                    <a16:creationId xmlns:a16="http://schemas.microsoft.com/office/drawing/2014/main" id="{840C7D9E-5924-4D98-DE83-63EF68B0B873}"/>
+                  </a:ext>
+                </a:extLst>
+              </p:cNvPr>
+              <p:cNvSpPr>
+                <a:spLocks noRot="1" noChangeAspect="1" noMove="1" noResize="1" noEditPoints="1" noAdjustHandles="1" noChangeArrowheads="1" noChangeShapeType="1" noTextEdit="1"/>
+              </p:cNvSpPr>
+              <p:nvPr/>
+            </p:nvSpPr>
+            <p:spPr>
+              <a:xfrm>
+                <a:off x="2479675" y="18504"/>
+                <a:ext cx="420687" cy="423863"/>
+              </a:xfrm>
+              <a:prstGeom prst="rect">
+                <a:avLst/>
+              </a:prstGeom>
+              <a:blipFill>
+                <a:blip r:embed="rId4"/>
+                <a:stretch>
+                  <a:fillRect/>
+                </a:stretch>
+              </a:blipFill>
+              <a:ln w="25400">
+                <a:solidFill>
+                  <a:schemeClr val="tx1"/>
+                </a:solidFill>
+              </a:ln>
+            </p:spPr>
+            <p:txBody>
+              <a:bodyPr/>
+              <a:lstStyle/>
+              <a:p>
+                <a:r>
+                  <a:rPr lang="zh-CN" altLang="en-US">
+                    <a:noFill/>
+                  </a:rPr>
+                  <a:t> </a:t>
+                </a:r>
+              </a:p>
+            </p:txBody>
+          </p:sp>
+        </mc:Fallback>
+      </mc:AlternateContent>
       <p:sp>
         <p:nvSpPr>
-          <p:cNvPr id="12" name="矩形 11">
+          <p:cNvPr id="16" name="矩形 15">
             <a:extLst>
               <a:ext uri="{FF2B5EF4-FFF2-40B4-BE49-F238E27FC236}">
-                <a16:creationId xmlns:a16="http://schemas.microsoft.com/office/drawing/2014/main" id="{CA819079-8AE5-5A36-C442-44BE3D44C970}"/>
+                <a16:creationId xmlns:a16="http://schemas.microsoft.com/office/drawing/2014/main" id="{1B64A9B7-A09B-97C7-734A-54BAD10A6A73}"/>
               </a:ext>
             </a:extLst>
           </p:cNvPr>
@@ -3665,8 +3974,8 @@
         </p:nvSpPr>
         <p:spPr>
           <a:xfrm>
-            <a:off x="2074863" y="104775"/>
-            <a:ext cx="425450" cy="425450"/>
+            <a:off x="2900362" y="18504"/>
+            <a:ext cx="423863" cy="423863"/>
           </a:xfrm>
           <a:prstGeom prst="rect">
             <a:avLst/>
@@ -3674,7 +3983,7 @@
           <a:solidFill>
             <a:schemeClr val="bg1"/>
           </a:solidFill>
-          <a:ln>
+          <a:ln w="25400">
             <a:solidFill>
               <a:schemeClr val="tx1"/>
             </a:solidFill>
@@ -3697,145 +4006,7 @@
           </a:fontRef>
         </p:style>
         <p:txBody>
-          <a:bodyPr anchor="ctr"/>
-          <a:lstStyle/>
-          <a:p>
-            <a:pPr algn="ctr"/>
-            <a:r>
-              <a:rPr lang="en-US" altLang="zh-CN" sz="1600" noProof="1">
-                <a:solidFill>
-                  <a:schemeClr val="tx1"/>
-                </a:solidFill>
-              </a:rPr>
-              <a:t>a</a:t>
-            </a:r>
-            <a:r>
-              <a:rPr lang="en-US" altLang="zh-CN" sz="1600" baseline="-25000" noProof="1">
-                <a:solidFill>
-                  <a:schemeClr val="tx1"/>
-                </a:solidFill>
-              </a:rPr>
-              <a:t>1</a:t>
-            </a:r>
-          </a:p>
-        </p:txBody>
-      </p:sp>
-      <p:sp>
-        <p:nvSpPr>
-          <p:cNvPr id="13" name="矩形 12">
-            <a:extLst>
-              <a:ext uri="{FF2B5EF4-FFF2-40B4-BE49-F238E27FC236}">
-                <a16:creationId xmlns:a16="http://schemas.microsoft.com/office/drawing/2014/main" id="{840C7D9E-5924-4D98-DE83-63EF68B0B873}"/>
-              </a:ext>
-            </a:extLst>
-          </p:cNvPr>
-          <p:cNvSpPr/>
-          <p:nvPr/>
-        </p:nvSpPr>
-        <p:spPr>
-          <a:xfrm>
-            <a:off x="2500313" y="104775"/>
-            <a:ext cx="420687" cy="423863"/>
-          </a:xfrm>
-          <a:prstGeom prst="rect">
-            <a:avLst/>
-          </a:prstGeom>
-          <a:solidFill>
-            <a:schemeClr val="bg1"/>
-          </a:solidFill>
-          <a:ln>
-            <a:solidFill>
-              <a:schemeClr val="tx1"/>
-            </a:solidFill>
-          </a:ln>
-        </p:spPr>
-        <p:style>
-          <a:lnRef idx="2">
-            <a:schemeClr val="accent1">
-              <a:shade val="50000"/>
-            </a:schemeClr>
-          </a:lnRef>
-          <a:fillRef idx="1">
-            <a:schemeClr val="accent1"/>
-          </a:fillRef>
-          <a:effectRef idx="0">
-            <a:schemeClr val="accent1"/>
-          </a:effectRef>
-          <a:fontRef idx="minor">
-            <a:schemeClr val="lt1"/>
-          </a:fontRef>
-        </p:style>
-        <p:txBody>
-          <a:bodyPr anchor="ctr"/>
-          <a:lstStyle/>
-          <a:p>
-            <a:pPr algn="ctr"/>
-            <a:r>
-              <a:rPr lang="en-US" altLang="zh-CN" sz="1600" noProof="1">
-                <a:solidFill>
-                  <a:schemeClr val="tx1"/>
-                </a:solidFill>
-              </a:rPr>
-              <a:t>a</a:t>
-            </a:r>
-            <a:r>
-              <a:rPr lang="en-US" altLang="zh-CN" sz="1600" baseline="-25000" noProof="1">
-                <a:solidFill>
-                  <a:schemeClr val="tx1"/>
-                </a:solidFill>
-              </a:rPr>
-              <a:t>2</a:t>
-            </a:r>
-          </a:p>
-        </p:txBody>
-      </p:sp>
-      <p:sp>
-        <p:nvSpPr>
-          <p:cNvPr id="16" name="矩形 15">
-            <a:extLst>
-              <a:ext uri="{FF2B5EF4-FFF2-40B4-BE49-F238E27FC236}">
-                <a16:creationId xmlns:a16="http://schemas.microsoft.com/office/drawing/2014/main" id="{1B64A9B7-A09B-97C7-734A-54BAD10A6A73}"/>
-              </a:ext>
-            </a:extLst>
-          </p:cNvPr>
-          <p:cNvSpPr/>
-          <p:nvPr/>
-        </p:nvSpPr>
-        <p:spPr>
-          <a:xfrm>
-            <a:off x="2921000" y="104775"/>
-            <a:ext cx="423863" cy="423863"/>
-          </a:xfrm>
-          <a:prstGeom prst="rect">
-            <a:avLst/>
-          </a:prstGeom>
-          <a:solidFill>
-            <a:schemeClr val="bg1"/>
-          </a:solidFill>
-          <a:ln>
-            <a:solidFill>
-              <a:schemeClr val="tx1"/>
-            </a:solidFill>
-          </a:ln>
-        </p:spPr>
-        <p:style>
-          <a:lnRef idx="2">
-            <a:schemeClr val="accent1">
-              <a:shade val="50000"/>
-            </a:schemeClr>
-          </a:lnRef>
-          <a:fillRef idx="1">
-            <a:schemeClr val="accent1"/>
-          </a:fillRef>
-          <a:effectRef idx="0">
-            <a:schemeClr val="accent1"/>
-          </a:effectRef>
-          <a:fontRef idx="minor">
-            <a:schemeClr val="lt1"/>
-          </a:fontRef>
-        </p:style>
-        <p:txBody>
-          <a:bodyPr anchor="ctr"/>
+          <a:bodyPr lIns="0" tIns="0" rIns="0" bIns="0" anchor="ctr"/>
           <a:lstStyle/>
           <a:p>
             <a:pPr algn="ctr"/>
@@ -3850,923 +4021,1324 @@
           </a:p>
         </p:txBody>
       </p:sp>
-      <p:sp>
-        <p:nvSpPr>
-          <p:cNvPr id="17" name="矩形 16">
+      <mc:AlternateContent xmlns:mc="http://schemas.openxmlformats.org/markup-compatibility/2006">
+        <mc:Choice xmlns:a14="http://schemas.microsoft.com/office/drawing/2010/main" Requires="a14">
+          <p:sp>
+            <p:nvSpPr>
+              <p:cNvPr id="17" name="矩形 16">
+                <a:extLst>
+                  <a:ext uri="{FF2B5EF4-FFF2-40B4-BE49-F238E27FC236}">
+                    <a16:creationId xmlns:a16="http://schemas.microsoft.com/office/drawing/2014/main" id="{98EBF3D3-48A8-A51B-8264-193851FC69E7}"/>
+                  </a:ext>
+                </a:extLst>
+              </p:cNvPr>
+              <p:cNvSpPr/>
+              <p:nvPr/>
+            </p:nvSpPr>
+            <p:spPr>
+              <a:xfrm>
+                <a:off x="3324225" y="18504"/>
+                <a:ext cx="422275" cy="423863"/>
+              </a:xfrm>
+              <a:prstGeom prst="rect">
+                <a:avLst/>
+              </a:prstGeom>
+              <a:solidFill>
+                <a:schemeClr val="bg1"/>
+              </a:solidFill>
+              <a:ln w="25400">
+                <a:solidFill>
+                  <a:schemeClr val="tx1"/>
+                </a:solidFill>
+              </a:ln>
+            </p:spPr>
+            <p:style>
+              <a:lnRef idx="2">
+                <a:schemeClr val="accent1">
+                  <a:shade val="50000"/>
+                </a:schemeClr>
+              </a:lnRef>
+              <a:fillRef idx="1">
+                <a:schemeClr val="accent1"/>
+              </a:fillRef>
+              <a:effectRef idx="0">
+                <a:schemeClr val="accent1"/>
+              </a:effectRef>
+              <a:fontRef idx="minor">
+                <a:schemeClr val="lt1"/>
+              </a:fontRef>
+            </p:style>
+            <p:txBody>
+              <a:bodyPr lIns="0" tIns="0" rIns="0" bIns="0" anchor="ctr"/>
+              <a:lstStyle/>
+              <a:p>
+                <a:pPr algn="ctr"/>
+                <a14:m>
+                  <m:oMathPara xmlns:m="http://schemas.openxmlformats.org/officeDocument/2006/math">
+                    <m:oMathParaPr>
+                      <m:jc m:val="centerGroup"/>
+                    </m:oMathParaPr>
+                    <m:oMath xmlns:m="http://schemas.openxmlformats.org/officeDocument/2006/math">
+                      <m:sSub>
+                        <m:sSubPr>
+                          <m:ctrlPr>
+                            <a:rPr lang="en-US" altLang="zh-CN" sz="1600" i="1" noProof="1" smtClean="0">
+                              <a:solidFill>
+                                <a:schemeClr val="tx1"/>
+                              </a:solidFill>
+                              <a:latin typeface="Cambria Math" panose="02040503050406030204" pitchFamily="18" charset="0"/>
+                            </a:rPr>
+                          </m:ctrlPr>
+                        </m:sSubPr>
+                        <m:e>
+                          <m:r>
+                            <a:rPr lang="en-US" altLang="zh-CN" sz="1600" i="1" noProof="1">
+                              <a:solidFill>
+                                <a:schemeClr val="tx1"/>
+                              </a:solidFill>
+                              <a:latin typeface="Cambria Math" panose="02040503050406030204" pitchFamily="18" charset="0"/>
+                            </a:rPr>
+                            <m:t>𝑎</m:t>
+                          </m:r>
+                        </m:e>
+                        <m:sub>
+                          <m:r>
+                            <a:rPr lang="en-US" altLang="zh-CN" sz="1600" i="1" noProof="1">
+                              <a:solidFill>
+                                <a:schemeClr val="tx1"/>
+                              </a:solidFill>
+                              <a:latin typeface="Cambria Math" panose="02040503050406030204" pitchFamily="18" charset="0"/>
+                            </a:rPr>
+                            <m:t>9</m:t>
+                          </m:r>
+                        </m:sub>
+                      </m:sSub>
+                    </m:oMath>
+                  </m:oMathPara>
+                </a14:m>
+                <a:endParaRPr lang="en-US" altLang="zh-CN" sz="1600" baseline="-25000" noProof="1">
+                  <a:solidFill>
+                    <a:schemeClr val="tx1"/>
+                  </a:solidFill>
+                </a:endParaRPr>
+              </a:p>
+            </p:txBody>
+          </p:sp>
+        </mc:Choice>
+        <mc:Fallback>
+          <p:sp>
+            <p:nvSpPr>
+              <p:cNvPr id="17" name="矩形 16">
+                <a:extLst>
+                  <a:ext uri="{FF2B5EF4-FFF2-40B4-BE49-F238E27FC236}">
+                    <a16:creationId xmlns:a16="http://schemas.microsoft.com/office/drawing/2014/main" id="{98EBF3D3-48A8-A51B-8264-193851FC69E7}"/>
+                  </a:ext>
+                </a:extLst>
+              </p:cNvPr>
+              <p:cNvSpPr>
+                <a:spLocks noRot="1" noChangeAspect="1" noMove="1" noResize="1" noEditPoints="1" noAdjustHandles="1" noChangeArrowheads="1" noChangeShapeType="1" noTextEdit="1"/>
+              </p:cNvSpPr>
+              <p:nvPr/>
+            </p:nvSpPr>
+            <p:spPr>
+              <a:xfrm>
+                <a:off x="3324225" y="18504"/>
+                <a:ext cx="422275" cy="423863"/>
+              </a:xfrm>
+              <a:prstGeom prst="rect">
+                <a:avLst/>
+              </a:prstGeom>
+              <a:blipFill>
+                <a:blip r:embed="rId5"/>
+                <a:stretch>
+                  <a:fillRect/>
+                </a:stretch>
+              </a:blipFill>
+              <a:ln w="25400">
+                <a:solidFill>
+                  <a:schemeClr val="tx1"/>
+                </a:solidFill>
+              </a:ln>
+            </p:spPr>
+            <p:txBody>
+              <a:bodyPr/>
+              <a:lstStyle/>
+              <a:p>
+                <a:r>
+                  <a:rPr lang="zh-CN" altLang="en-US">
+                    <a:noFill/>
+                  </a:rPr>
+                  <a:t> </a:t>
+                </a:r>
+              </a:p>
+            </p:txBody>
+          </p:sp>
+        </mc:Fallback>
+      </mc:AlternateContent>
+      <p:grpSp>
+        <p:nvGrpSpPr>
+          <p:cNvPr id="67" name="组合 66">
             <a:extLst>
               <a:ext uri="{FF2B5EF4-FFF2-40B4-BE49-F238E27FC236}">
-                <a16:creationId xmlns:a16="http://schemas.microsoft.com/office/drawing/2014/main" id="{98EBF3D3-48A8-A51B-8264-193851FC69E7}"/>
+                <a16:creationId xmlns:a16="http://schemas.microsoft.com/office/drawing/2014/main" id="{B8D79659-4989-5D8E-7D10-9E687A63C071}"/>
               </a:ext>
             </a:extLst>
           </p:cNvPr>
-          <p:cNvSpPr/>
+          <p:cNvGrpSpPr/>
           <p:nvPr/>
-        </p:nvSpPr>
-        <p:spPr>
+        </p:nvGrpSpPr>
+        <p:grpSpPr>
           <a:xfrm>
-            <a:off x="3344863" y="104775"/>
-            <a:ext cx="422275" cy="423863"/>
+            <a:off x="503240" y="615407"/>
+            <a:ext cx="441325" cy="2511423"/>
+            <a:chOff x="503240" y="612232"/>
+            <a:chExt cx="441325" cy="2511423"/>
           </a:xfrm>
-          <a:prstGeom prst="rect">
-            <a:avLst/>
-          </a:prstGeom>
-          <a:solidFill>
-            <a:schemeClr val="bg1"/>
-          </a:solidFill>
-          <a:ln>
+        </p:grpSpPr>
+        <p:sp>
+          <p:nvSpPr>
+            <p:cNvPr id="27" name="矩形 26">
+              <a:extLst>
+                <a:ext uri="{FF2B5EF4-FFF2-40B4-BE49-F238E27FC236}">
+                  <a16:creationId xmlns:a16="http://schemas.microsoft.com/office/drawing/2014/main" id="{2A712D6D-EE5B-03BE-53BE-F0A5FF026CC6}"/>
+                </a:ext>
+              </a:extLst>
+            </p:cNvPr>
+            <p:cNvSpPr/>
+            <p:nvPr/>
+          </p:nvSpPr>
+          <p:spPr>
+            <a:xfrm>
+              <a:off x="503240" y="2844255"/>
+              <a:ext cx="441325" cy="279400"/>
+            </a:xfrm>
+            <a:prstGeom prst="rect">
+              <a:avLst/>
+            </a:prstGeom>
             <a:solidFill>
-              <a:schemeClr val="tx1"/>
+              <a:srgbClr val="9DD16F"/>
             </a:solidFill>
-          </a:ln>
-        </p:spPr>
-        <p:style>
-          <a:lnRef idx="2">
-            <a:schemeClr val="accent1">
-              <a:shade val="50000"/>
-            </a:schemeClr>
-          </a:lnRef>
-          <a:fillRef idx="1">
-            <a:schemeClr val="accent1"/>
-          </a:fillRef>
-          <a:effectRef idx="0">
-            <a:schemeClr val="accent1"/>
-          </a:effectRef>
-          <a:fontRef idx="minor">
-            <a:schemeClr val="lt1"/>
-          </a:fontRef>
-        </p:style>
-        <p:txBody>
-          <a:bodyPr anchor="ctr"/>
-          <a:lstStyle/>
-          <a:p>
-            <a:pPr algn="ctr"/>
-            <a:r>
-              <a:rPr lang="en-US" altLang="zh-CN" sz="1600" noProof="1">
+            <a:ln w="25400">
+              <a:solidFill>
+                <a:srgbClr val="89A4A7"/>
+              </a:solidFill>
+            </a:ln>
+          </p:spPr>
+          <p:style>
+            <a:lnRef idx="2">
+              <a:schemeClr val="accent1">
+                <a:shade val="50000"/>
+              </a:schemeClr>
+            </a:lnRef>
+            <a:fillRef idx="1">
+              <a:schemeClr val="accent1"/>
+            </a:fillRef>
+            <a:effectRef idx="0">
+              <a:schemeClr val="accent1"/>
+            </a:effectRef>
+            <a:fontRef idx="minor">
+              <a:schemeClr val="lt1"/>
+            </a:fontRef>
+          </p:style>
+          <p:txBody>
+            <a:bodyPr anchor="ctr"/>
+            <a:lstStyle/>
+            <a:p>
+              <a:pPr algn="ctr"/>
+              <a:endParaRPr lang="en-US" altLang="zh-CN" sz="1600" baseline="-25000" noProof="1">
                 <a:solidFill>
                   <a:schemeClr val="tx1"/>
                 </a:solidFill>
-              </a:rPr>
-              <a:t>a</a:t>
-            </a:r>
-            <a:r>
-              <a:rPr lang="en-US" altLang="zh-CN" sz="1600" baseline="-25000" noProof="1">
+              </a:endParaRPr>
+            </a:p>
+          </p:txBody>
+        </p:sp>
+        <p:sp>
+          <p:nvSpPr>
+            <p:cNvPr id="39" name="矩形 38">
+              <a:extLst>
+                <a:ext uri="{FF2B5EF4-FFF2-40B4-BE49-F238E27FC236}">
+                  <a16:creationId xmlns:a16="http://schemas.microsoft.com/office/drawing/2014/main" id="{B1F0EAC8-683A-FF8B-FF8E-01A681CC1354}"/>
+                </a:ext>
+              </a:extLst>
+            </p:cNvPr>
+            <p:cNvSpPr/>
+            <p:nvPr/>
+          </p:nvSpPr>
+          <p:spPr>
+            <a:xfrm>
+              <a:off x="503240" y="2645817"/>
+              <a:ext cx="441325" cy="198438"/>
+            </a:xfrm>
+            <a:prstGeom prst="rect">
+              <a:avLst/>
+            </a:prstGeom>
+            <a:solidFill>
+              <a:schemeClr val="bg1">
+                <a:lumMod val="85000"/>
+              </a:schemeClr>
+            </a:solidFill>
+            <a:ln w="25400">
+              <a:solidFill>
+                <a:srgbClr val="89A4A7"/>
+              </a:solidFill>
+            </a:ln>
+          </p:spPr>
+          <p:style>
+            <a:lnRef idx="2">
+              <a:schemeClr val="accent1">
+                <a:shade val="50000"/>
+              </a:schemeClr>
+            </a:lnRef>
+            <a:fillRef idx="1">
+              <a:schemeClr val="accent1"/>
+            </a:fillRef>
+            <a:effectRef idx="0">
+              <a:schemeClr val="accent1"/>
+            </a:effectRef>
+            <a:fontRef idx="minor">
+              <a:schemeClr val="lt1"/>
+            </a:fontRef>
+          </p:style>
+          <p:txBody>
+            <a:bodyPr anchor="ctr"/>
+            <a:lstStyle/>
+            <a:p>
+              <a:pPr algn="ctr"/>
+              <a:endParaRPr lang="en-US" altLang="zh-CN" sz="1600" noProof="1">
                 <a:solidFill>
                   <a:schemeClr val="tx1"/>
                 </a:solidFill>
-              </a:rPr>
-              <a:t>9</a:t>
-            </a:r>
-          </a:p>
-        </p:txBody>
-      </p:sp>
-      <p:sp>
-        <p:nvSpPr>
-          <p:cNvPr id="27" name="矩形 26">
+              </a:endParaRPr>
+            </a:p>
+          </p:txBody>
+        </p:sp>
+        <p:sp>
+          <p:nvSpPr>
+            <p:cNvPr id="40" name="矩形 39">
+              <a:extLst>
+                <a:ext uri="{FF2B5EF4-FFF2-40B4-BE49-F238E27FC236}">
+                  <a16:creationId xmlns:a16="http://schemas.microsoft.com/office/drawing/2014/main" id="{8C902DFC-2C8D-8361-C58B-5FEDD6D3031C}"/>
+                </a:ext>
+              </a:extLst>
+            </p:cNvPr>
+            <p:cNvSpPr/>
+            <p:nvPr/>
+          </p:nvSpPr>
+          <p:spPr>
+            <a:xfrm>
+              <a:off x="503240" y="2285455"/>
+              <a:ext cx="441325" cy="360362"/>
+            </a:xfrm>
+            <a:prstGeom prst="rect">
+              <a:avLst/>
+            </a:prstGeom>
+            <a:solidFill>
+              <a:srgbClr val="9DD16F"/>
+            </a:solidFill>
+            <a:ln w="25400">
+              <a:solidFill>
+                <a:srgbClr val="89A4A7"/>
+              </a:solidFill>
+            </a:ln>
+          </p:spPr>
+          <p:style>
+            <a:lnRef idx="2">
+              <a:schemeClr val="accent1">
+                <a:shade val="50000"/>
+              </a:schemeClr>
+            </a:lnRef>
+            <a:fillRef idx="1">
+              <a:schemeClr val="accent1"/>
+            </a:fillRef>
+            <a:effectRef idx="0">
+              <a:schemeClr val="accent1"/>
+            </a:effectRef>
+            <a:fontRef idx="minor">
+              <a:schemeClr val="lt1"/>
+            </a:fontRef>
+          </p:style>
+          <p:txBody>
+            <a:bodyPr anchor="ctr"/>
+            <a:lstStyle/>
+            <a:p>
+              <a:pPr algn="ctr"/>
+              <a:endParaRPr lang="en-US" altLang="zh-CN" sz="1600" baseline="-25000" noProof="1">
+                <a:solidFill>
+                  <a:schemeClr val="tx1"/>
+                </a:solidFill>
+              </a:endParaRPr>
+            </a:p>
+          </p:txBody>
+        </p:sp>
+        <p:sp>
+          <p:nvSpPr>
+            <p:cNvPr id="41" name="矩形 40">
+              <a:extLst>
+                <a:ext uri="{FF2B5EF4-FFF2-40B4-BE49-F238E27FC236}">
+                  <a16:creationId xmlns:a16="http://schemas.microsoft.com/office/drawing/2014/main" id="{499C04E4-5CDE-3CEC-CE73-C47DD6256D65}"/>
+                </a:ext>
+              </a:extLst>
+            </p:cNvPr>
+            <p:cNvSpPr/>
+            <p:nvPr/>
+          </p:nvSpPr>
+          <p:spPr>
+            <a:xfrm>
+              <a:off x="503240" y="612232"/>
+              <a:ext cx="441325" cy="1673225"/>
+            </a:xfrm>
+            <a:prstGeom prst="rect">
+              <a:avLst/>
+            </a:prstGeom>
+            <a:ln w="25400"/>
+          </p:spPr>
+          <p:style>
+            <a:lnRef idx="2">
+              <a:schemeClr val="accent1">
+                <a:shade val="50000"/>
+              </a:schemeClr>
+            </a:lnRef>
+            <a:fillRef idx="1">
+              <a:schemeClr val="accent1"/>
+            </a:fillRef>
+            <a:effectRef idx="0">
+              <a:schemeClr val="accent1"/>
+            </a:effectRef>
+            <a:fontRef idx="minor">
+              <a:schemeClr val="lt1"/>
+            </a:fontRef>
+          </p:style>
+          <p:txBody>
+            <a:bodyPr anchor="ctr"/>
+            <a:lstStyle/>
+            <a:p>
+              <a:pPr algn="ctr"/>
+              <a:endParaRPr lang="en-US" altLang="zh-CN" sz="1600" baseline="-25000" noProof="1">
+                <a:solidFill>
+                  <a:schemeClr val="tx1"/>
+                </a:solidFill>
+              </a:endParaRPr>
+            </a:p>
+          </p:txBody>
+        </p:sp>
+      </p:grpSp>
+      <p:grpSp>
+        <p:nvGrpSpPr>
+          <p:cNvPr id="65" name="组合 64">
             <a:extLst>
               <a:ext uri="{FF2B5EF4-FFF2-40B4-BE49-F238E27FC236}">
-                <a16:creationId xmlns:a16="http://schemas.microsoft.com/office/drawing/2014/main" id="{2A712D6D-EE5B-03BE-53BE-F0A5FF026CC6}"/>
+                <a16:creationId xmlns:a16="http://schemas.microsoft.com/office/drawing/2014/main" id="{AABEF110-2725-80FF-9E11-67F677959091}"/>
               </a:ext>
             </a:extLst>
           </p:cNvPr>
-          <p:cNvSpPr/>
+          <p:cNvGrpSpPr/>
           <p:nvPr/>
-        </p:nvSpPr>
-        <p:spPr>
+        </p:nvGrpSpPr>
+        <p:grpSpPr>
           <a:xfrm>
-            <a:off x="503238" y="3021013"/>
-            <a:ext cx="441325" cy="279400"/>
+            <a:off x="1619250" y="613817"/>
+            <a:ext cx="431800" cy="2513013"/>
+            <a:chOff x="1619250" y="613817"/>
+            <a:chExt cx="431800" cy="2513013"/>
           </a:xfrm>
-          <a:prstGeom prst="rect">
-            <a:avLst/>
-          </a:prstGeom>
-          <a:solidFill>
-            <a:srgbClr val="9DD16F"/>
-          </a:solidFill>
-        </p:spPr>
-        <p:style>
-          <a:lnRef idx="2">
-            <a:schemeClr val="accent1">
-              <a:shade val="50000"/>
-            </a:schemeClr>
-          </a:lnRef>
-          <a:fillRef idx="1">
-            <a:schemeClr val="accent1"/>
-          </a:fillRef>
-          <a:effectRef idx="0">
-            <a:schemeClr val="accent1"/>
-          </a:effectRef>
-          <a:fontRef idx="minor">
-            <a:schemeClr val="lt1"/>
-          </a:fontRef>
-        </p:style>
-        <p:txBody>
-          <a:bodyPr anchor="ctr"/>
-          <a:lstStyle/>
-          <a:p>
-            <a:pPr algn="ctr"/>
-            <a:endParaRPr lang="en-US" altLang="zh-CN" sz="700" baseline="-25000" noProof="1">
+        </p:grpSpPr>
+        <p:sp>
+          <p:nvSpPr>
+            <p:cNvPr id="56" name="矩形 55">
+              <a:extLst>
+                <a:ext uri="{FF2B5EF4-FFF2-40B4-BE49-F238E27FC236}">
+                  <a16:creationId xmlns:a16="http://schemas.microsoft.com/office/drawing/2014/main" id="{C5A153FD-AC9C-C8FA-AA75-656321F18332}"/>
+                </a:ext>
+              </a:extLst>
+            </p:cNvPr>
+            <p:cNvSpPr/>
+            <p:nvPr/>
+          </p:nvSpPr>
+          <p:spPr>
+            <a:xfrm>
+              <a:off x="1619250" y="2847430"/>
+              <a:ext cx="431800" cy="279400"/>
+            </a:xfrm>
+            <a:prstGeom prst="rect">
+              <a:avLst/>
+            </a:prstGeom>
+            <a:solidFill>
+              <a:srgbClr val="9DD16F"/>
+            </a:solidFill>
+            <a:ln w="25400">
               <a:solidFill>
-                <a:schemeClr val="tx1"/>
+                <a:srgbClr val="89A4A7"/>
               </a:solidFill>
-            </a:endParaRPr>
-          </a:p>
-        </p:txBody>
-      </p:sp>
-      <p:sp>
-        <p:nvSpPr>
-          <p:cNvPr id="2055" name="文本框 35">
-            <a:extLst>
-              <a:ext uri="{FF2B5EF4-FFF2-40B4-BE49-F238E27FC236}">
-                <a16:creationId xmlns:a16="http://schemas.microsoft.com/office/drawing/2014/main" id="{2ED3EF6F-A790-7119-074A-87685485751F}"/>
-              </a:ext>
-            </a:extLst>
-          </p:cNvPr>
-          <p:cNvSpPr txBox="1">
-            <a:spLocks noChangeArrowheads="1"/>
-          </p:cNvSpPr>
-          <p:nvPr/>
-        </p:nvSpPr>
-        <p:spPr bwMode="auto">
-          <a:xfrm>
-            <a:off x="12700" y="2159000"/>
-            <a:ext cx="539750" cy="338138"/>
-          </a:xfrm>
-          <a:prstGeom prst="rect">
-            <a:avLst/>
-          </a:prstGeom>
-          <a:noFill/>
-          <a:ln>
-            <a:noFill/>
-          </a:ln>
-          <a:extLst>
-            <a:ext uri="{909E8E84-426E-40DD-AFC4-6F175D3DCCD1}">
-              <a14:hiddenFill xmlns:a14="http://schemas.microsoft.com/office/drawing/2010/main">
-                <a:solidFill>
-                  <a:srgbClr val="FFFFFF"/>
-                </a:solidFill>
-              </a14:hiddenFill>
-            </a:ext>
-            <a:ext uri="{91240B29-F687-4F45-9708-019B960494DF}">
-              <a14:hiddenLine xmlns:a14="http://schemas.microsoft.com/office/drawing/2010/main" w="9525">
-                <a:solidFill>
-                  <a:srgbClr val="000000"/>
-                </a:solidFill>
-                <a:miter lim="800000"/>
-                <a:headEnd/>
-                <a:tailEnd/>
-              </a14:hiddenLine>
-            </a:ext>
-          </a:extLst>
-        </p:spPr>
-        <p:txBody>
-          <a:bodyPr>
-            <a:spAutoFit/>
-          </a:bodyPr>
-          <a:lstStyle/>
-          <a:p>
-            <a:pPr algn="ctr"/>
-            <a:r>
-              <a:rPr lang="en-US" altLang="zh-CN" sz="1600"/>
-              <a:t>tail</a:t>
-            </a:r>
-          </a:p>
-        </p:txBody>
-      </p:sp>
-      <p:sp>
-        <p:nvSpPr>
-          <p:cNvPr id="38" name="右箭头 37">
-            <a:extLst>
-              <a:ext uri="{FF2B5EF4-FFF2-40B4-BE49-F238E27FC236}">
-                <a16:creationId xmlns:a16="http://schemas.microsoft.com/office/drawing/2014/main" id="{BC283E75-0A3B-0117-121F-2F8C098DD618}"/>
-              </a:ext>
-            </a:extLst>
-          </p:cNvPr>
-          <p:cNvSpPr/>
-          <p:nvPr/>
-        </p:nvSpPr>
-        <p:spPr>
-          <a:xfrm>
-            <a:off x="133350" y="2432050"/>
-            <a:ext cx="331788" cy="139700"/>
-          </a:xfrm>
-          <a:prstGeom prst="rightArrow">
-            <a:avLst/>
-          </a:prstGeom>
-        </p:spPr>
-        <p:style>
-          <a:lnRef idx="2">
-            <a:schemeClr val="accent1">
-              <a:shade val="50000"/>
-            </a:schemeClr>
-          </a:lnRef>
-          <a:fillRef idx="1">
-            <a:schemeClr val="accent1"/>
-          </a:fillRef>
-          <a:effectRef idx="0">
-            <a:schemeClr val="accent1"/>
-          </a:effectRef>
-          <a:fontRef idx="minor">
-            <a:schemeClr val="lt1"/>
-          </a:fontRef>
-        </p:style>
-        <p:txBody>
-          <a:bodyPr anchor="ctr"/>
-          <a:lstStyle/>
-          <a:p>
-            <a:pPr algn="ctr"/>
-            <a:endParaRPr lang="zh-CN" altLang="en-US" noProof="1"/>
-          </a:p>
-        </p:txBody>
-      </p:sp>
-      <p:sp>
-        <p:nvSpPr>
-          <p:cNvPr id="39" name="矩形 38">
-            <a:extLst>
-              <a:ext uri="{FF2B5EF4-FFF2-40B4-BE49-F238E27FC236}">
-                <a16:creationId xmlns:a16="http://schemas.microsoft.com/office/drawing/2014/main" id="{B1F0EAC8-683A-FF8B-FF8E-01A681CC1354}"/>
-              </a:ext>
-            </a:extLst>
-          </p:cNvPr>
-          <p:cNvSpPr/>
-          <p:nvPr/>
-        </p:nvSpPr>
-        <p:spPr>
-          <a:xfrm>
-            <a:off x="503238" y="2822575"/>
-            <a:ext cx="441325" cy="198438"/>
-          </a:xfrm>
-          <a:prstGeom prst="rect">
-            <a:avLst/>
-          </a:prstGeom>
-          <a:solidFill>
-            <a:schemeClr val="bg1">
-              <a:lumMod val="85000"/>
-            </a:schemeClr>
-          </a:solidFill>
-        </p:spPr>
-        <p:style>
-          <a:lnRef idx="2">
-            <a:schemeClr val="accent1">
-              <a:shade val="50000"/>
-            </a:schemeClr>
-          </a:lnRef>
-          <a:fillRef idx="1">
-            <a:schemeClr val="accent1"/>
-          </a:fillRef>
-          <a:effectRef idx="0">
-            <a:schemeClr val="accent1"/>
-          </a:effectRef>
-          <a:fontRef idx="minor">
-            <a:schemeClr val="lt1"/>
-          </a:fontRef>
-        </p:style>
-        <p:txBody>
-          <a:bodyPr anchor="ctr"/>
-          <a:lstStyle/>
-          <a:p>
-            <a:pPr algn="ctr"/>
-            <a:endParaRPr lang="en-US" altLang="zh-CN" sz="700" baseline="-25000" noProof="1">
-              <a:solidFill>
-                <a:schemeClr val="tx1"/>
-              </a:solidFill>
-            </a:endParaRPr>
-          </a:p>
-        </p:txBody>
-      </p:sp>
-      <p:sp>
-        <p:nvSpPr>
-          <p:cNvPr id="40" name="矩形 39">
-            <a:extLst>
-              <a:ext uri="{FF2B5EF4-FFF2-40B4-BE49-F238E27FC236}">
-                <a16:creationId xmlns:a16="http://schemas.microsoft.com/office/drawing/2014/main" id="{8C902DFC-2C8D-8361-C58B-5FEDD6D3031C}"/>
-              </a:ext>
-            </a:extLst>
-          </p:cNvPr>
-          <p:cNvSpPr/>
-          <p:nvPr/>
-        </p:nvSpPr>
-        <p:spPr>
-          <a:xfrm>
-            <a:off x="503238" y="2462213"/>
-            <a:ext cx="441325" cy="360362"/>
-          </a:xfrm>
-          <a:prstGeom prst="rect">
-            <a:avLst/>
-          </a:prstGeom>
-          <a:solidFill>
-            <a:srgbClr val="9DD16F"/>
-          </a:solidFill>
-        </p:spPr>
-        <p:style>
-          <a:lnRef idx="2">
-            <a:schemeClr val="accent1">
-              <a:shade val="50000"/>
-            </a:schemeClr>
-          </a:lnRef>
-          <a:fillRef idx="1">
-            <a:schemeClr val="accent1"/>
-          </a:fillRef>
-          <a:effectRef idx="0">
-            <a:schemeClr val="accent1"/>
-          </a:effectRef>
-          <a:fontRef idx="minor">
-            <a:schemeClr val="lt1"/>
-          </a:fontRef>
-        </p:style>
-        <p:txBody>
-          <a:bodyPr anchor="ctr"/>
-          <a:lstStyle/>
-          <a:p>
-            <a:pPr algn="ctr"/>
-            <a:endParaRPr lang="en-US" altLang="zh-CN" sz="700" baseline="-25000" noProof="1">
-              <a:solidFill>
-                <a:schemeClr val="tx1"/>
-              </a:solidFill>
-            </a:endParaRPr>
-          </a:p>
-        </p:txBody>
-      </p:sp>
-      <p:sp>
-        <p:nvSpPr>
-          <p:cNvPr id="41" name="矩形 40">
-            <a:extLst>
-              <a:ext uri="{FF2B5EF4-FFF2-40B4-BE49-F238E27FC236}">
-                <a16:creationId xmlns:a16="http://schemas.microsoft.com/office/drawing/2014/main" id="{499C04E4-5CDE-3CEC-CE73-C47DD6256D65}"/>
-              </a:ext>
-            </a:extLst>
-          </p:cNvPr>
-          <p:cNvSpPr/>
-          <p:nvPr/>
-        </p:nvSpPr>
-        <p:spPr>
-          <a:xfrm>
-            <a:off x="503238" y="788988"/>
-            <a:ext cx="441325" cy="1673225"/>
-          </a:xfrm>
-          <a:prstGeom prst="rect">
-            <a:avLst/>
-          </a:prstGeom>
-        </p:spPr>
-        <p:style>
-          <a:lnRef idx="2">
-            <a:schemeClr val="accent1">
-              <a:shade val="50000"/>
-            </a:schemeClr>
-          </a:lnRef>
-          <a:fillRef idx="1">
-            <a:schemeClr val="accent1"/>
-          </a:fillRef>
-          <a:effectRef idx="0">
-            <a:schemeClr val="accent1"/>
-          </a:effectRef>
-          <a:fontRef idx="minor">
-            <a:schemeClr val="lt1"/>
-          </a:fontRef>
-        </p:style>
-        <p:txBody>
-          <a:bodyPr anchor="ctr"/>
-          <a:lstStyle/>
-          <a:p>
-            <a:pPr algn="ctr"/>
-            <a:endParaRPr lang="en-US" altLang="zh-CN" sz="700" baseline="-25000" noProof="1">
-              <a:solidFill>
-                <a:schemeClr val="tx1"/>
-              </a:solidFill>
-            </a:endParaRPr>
-          </a:p>
-        </p:txBody>
-      </p:sp>
-      <p:sp>
-        <p:nvSpPr>
-          <p:cNvPr id="56" name="矩形 55">
-            <a:extLst>
-              <a:ext uri="{FF2B5EF4-FFF2-40B4-BE49-F238E27FC236}">
-                <a16:creationId xmlns:a16="http://schemas.microsoft.com/office/drawing/2014/main" id="{C5A153FD-AC9C-C8FA-AA75-656321F18332}"/>
-              </a:ext>
-            </a:extLst>
-          </p:cNvPr>
-          <p:cNvSpPr/>
-          <p:nvPr/>
-        </p:nvSpPr>
-        <p:spPr>
-          <a:xfrm>
-            <a:off x="1619250" y="3024188"/>
-            <a:ext cx="431800" cy="279400"/>
-          </a:xfrm>
-          <a:prstGeom prst="rect">
-            <a:avLst/>
-          </a:prstGeom>
-          <a:solidFill>
-            <a:srgbClr val="9DD16F"/>
-          </a:solidFill>
-        </p:spPr>
-        <p:style>
-          <a:lnRef idx="2">
-            <a:schemeClr val="accent1">
-              <a:shade val="50000"/>
-            </a:schemeClr>
-          </a:lnRef>
-          <a:fillRef idx="1">
-            <a:schemeClr val="accent1"/>
-          </a:fillRef>
-          <a:effectRef idx="0">
-            <a:schemeClr val="accent1"/>
-          </a:effectRef>
-          <a:fontRef idx="minor">
-            <a:schemeClr val="lt1"/>
-          </a:fontRef>
-        </p:style>
-        <p:txBody>
-          <a:bodyPr anchor="ctr"/>
-          <a:lstStyle/>
-          <a:p>
-            <a:pPr algn="ctr"/>
-            <a:endParaRPr lang="en-US" altLang="zh-CN" sz="700" baseline="-25000" noProof="1">
-              <a:solidFill>
-                <a:schemeClr val="tx1"/>
-              </a:solidFill>
-            </a:endParaRPr>
-          </a:p>
-        </p:txBody>
-      </p:sp>
-      <p:sp>
-        <p:nvSpPr>
-          <p:cNvPr id="57" name="矩形 56">
-            <a:extLst>
-              <a:ext uri="{FF2B5EF4-FFF2-40B4-BE49-F238E27FC236}">
-                <a16:creationId xmlns:a16="http://schemas.microsoft.com/office/drawing/2014/main" id="{E69E1633-B140-46D7-719E-F6A7E1DDEB95}"/>
-              </a:ext>
-            </a:extLst>
-          </p:cNvPr>
-          <p:cNvSpPr/>
-          <p:nvPr/>
-        </p:nvSpPr>
-        <p:spPr>
-          <a:xfrm>
-            <a:off x="1619250" y="2825750"/>
-            <a:ext cx="431800" cy="198438"/>
-          </a:xfrm>
-          <a:prstGeom prst="rect">
-            <a:avLst/>
-          </a:prstGeom>
-          <a:solidFill>
-            <a:schemeClr val="bg1">
-              <a:lumMod val="85000"/>
-            </a:schemeClr>
-          </a:solidFill>
-        </p:spPr>
-        <p:style>
-          <a:lnRef idx="2">
-            <a:schemeClr val="accent1">
-              <a:shade val="50000"/>
-            </a:schemeClr>
-          </a:lnRef>
-          <a:fillRef idx="1">
-            <a:schemeClr val="accent1"/>
-          </a:fillRef>
-          <a:effectRef idx="0">
-            <a:schemeClr val="accent1"/>
-          </a:effectRef>
-          <a:fontRef idx="minor">
-            <a:schemeClr val="lt1"/>
-          </a:fontRef>
-        </p:style>
-        <p:txBody>
-          <a:bodyPr anchor="ctr"/>
-          <a:lstStyle/>
-          <a:p>
-            <a:pPr algn="ctr"/>
-            <a:endParaRPr lang="en-US" altLang="zh-CN" sz="700" baseline="-25000" noProof="1">
-              <a:solidFill>
-                <a:schemeClr val="tx1"/>
-              </a:solidFill>
-            </a:endParaRPr>
-          </a:p>
-        </p:txBody>
-      </p:sp>
-      <p:sp>
-        <p:nvSpPr>
-          <p:cNvPr id="58" name="矩形 57">
-            <a:extLst>
-              <a:ext uri="{FF2B5EF4-FFF2-40B4-BE49-F238E27FC236}">
-                <a16:creationId xmlns:a16="http://schemas.microsoft.com/office/drawing/2014/main" id="{9A4B917A-6959-C277-DD85-095C8C6A4DA8}"/>
-              </a:ext>
-            </a:extLst>
-          </p:cNvPr>
-          <p:cNvSpPr/>
-          <p:nvPr/>
-        </p:nvSpPr>
-        <p:spPr>
-          <a:xfrm>
-            <a:off x="1619250" y="2465388"/>
-            <a:ext cx="431800" cy="360362"/>
-          </a:xfrm>
-          <a:prstGeom prst="rect">
-            <a:avLst/>
-          </a:prstGeom>
-          <a:solidFill>
-            <a:srgbClr val="9DD16F"/>
-          </a:solidFill>
-        </p:spPr>
-        <p:style>
-          <a:lnRef idx="2">
-            <a:schemeClr val="accent1">
-              <a:shade val="50000"/>
-            </a:schemeClr>
-          </a:lnRef>
-          <a:fillRef idx="1">
-            <a:schemeClr val="accent1"/>
-          </a:fillRef>
-          <a:effectRef idx="0">
-            <a:schemeClr val="accent1"/>
-          </a:effectRef>
-          <a:fontRef idx="minor">
-            <a:schemeClr val="lt1"/>
-          </a:fontRef>
-        </p:style>
-        <p:txBody>
-          <a:bodyPr anchor="ctr"/>
-          <a:lstStyle/>
-          <a:p>
-            <a:pPr algn="ctr"/>
-            <a:endParaRPr lang="en-US" altLang="zh-CN" sz="700" baseline="-25000" noProof="1">
-              <a:solidFill>
-                <a:schemeClr val="tx1"/>
-              </a:solidFill>
-            </a:endParaRPr>
-          </a:p>
-        </p:txBody>
-      </p:sp>
-      <p:sp>
-        <p:nvSpPr>
-          <p:cNvPr id="59" name="矩形 58">
-            <a:extLst>
-              <a:ext uri="{FF2B5EF4-FFF2-40B4-BE49-F238E27FC236}">
-                <a16:creationId xmlns:a16="http://schemas.microsoft.com/office/drawing/2014/main" id="{8E428441-18AE-7A85-E979-5194DFDE0A0B}"/>
-              </a:ext>
-            </a:extLst>
-          </p:cNvPr>
-          <p:cNvSpPr/>
-          <p:nvPr/>
-        </p:nvSpPr>
-        <p:spPr>
-          <a:xfrm>
-            <a:off x="1619250" y="2185988"/>
-            <a:ext cx="431800" cy="279400"/>
-          </a:xfrm>
-          <a:prstGeom prst="rect">
-            <a:avLst/>
-          </a:prstGeom>
-          <a:solidFill>
-            <a:schemeClr val="bg1">
-              <a:lumMod val="85000"/>
-            </a:schemeClr>
-          </a:solidFill>
-        </p:spPr>
-        <p:style>
-          <a:lnRef idx="2">
-            <a:schemeClr val="accent1">
-              <a:shade val="50000"/>
-            </a:schemeClr>
-          </a:lnRef>
-          <a:fillRef idx="1">
-            <a:schemeClr val="accent1"/>
-          </a:fillRef>
-          <a:effectRef idx="0">
-            <a:schemeClr val="accent1"/>
-          </a:effectRef>
-          <a:fontRef idx="minor">
-            <a:schemeClr val="lt1"/>
-          </a:fontRef>
-        </p:style>
-        <p:txBody>
-          <a:bodyPr anchor="ctr"/>
-          <a:lstStyle/>
-          <a:p>
-            <a:pPr algn="ctr"/>
-            <a:r>
-              <a:rPr lang="en-US" altLang="zh-CN" sz="1600" noProof="1">
+            </a:ln>
+          </p:spPr>
+          <p:style>
+            <a:lnRef idx="2">
+              <a:schemeClr val="accent1">
+                <a:shade val="50000"/>
+              </a:schemeClr>
+            </a:lnRef>
+            <a:fillRef idx="1">
+              <a:schemeClr val="accent1"/>
+            </a:fillRef>
+            <a:effectRef idx="0">
+              <a:schemeClr val="accent1"/>
+            </a:effectRef>
+            <a:fontRef idx="minor">
+              <a:schemeClr val="lt1"/>
+            </a:fontRef>
+          </p:style>
+          <p:txBody>
+            <a:bodyPr anchor="ctr"/>
+            <a:lstStyle/>
+            <a:p>
+              <a:pPr algn="ctr"/>
+              <a:endParaRPr lang="en-US" altLang="zh-CN" sz="1600" baseline="-25000" noProof="1">
                 <a:solidFill>
                   <a:schemeClr val="tx1"/>
                 </a:solidFill>
-              </a:rPr>
-              <a:t>a</a:t>
-            </a:r>
-            <a:r>
-              <a:rPr lang="en-US" altLang="zh-CN" sz="1600" baseline="-25000" noProof="1">
+              </a:endParaRPr>
+            </a:p>
+          </p:txBody>
+        </p:sp>
+        <p:sp>
+          <p:nvSpPr>
+            <p:cNvPr id="57" name="矩形 56">
+              <a:extLst>
+                <a:ext uri="{FF2B5EF4-FFF2-40B4-BE49-F238E27FC236}">
+                  <a16:creationId xmlns:a16="http://schemas.microsoft.com/office/drawing/2014/main" id="{E69E1633-B140-46D7-719E-F6A7E1DDEB95}"/>
+                </a:ext>
+              </a:extLst>
+            </p:cNvPr>
+            <p:cNvSpPr/>
+            <p:nvPr/>
+          </p:nvSpPr>
+          <p:spPr>
+            <a:xfrm>
+              <a:off x="1619250" y="2648992"/>
+              <a:ext cx="431800" cy="198438"/>
+            </a:xfrm>
+            <a:prstGeom prst="rect">
+              <a:avLst/>
+            </a:prstGeom>
+            <a:solidFill>
+              <a:schemeClr val="bg1">
+                <a:lumMod val="85000"/>
+              </a:schemeClr>
+            </a:solidFill>
+            <a:ln w="25400">
+              <a:solidFill>
+                <a:srgbClr val="89A4A7"/>
+              </a:solidFill>
+            </a:ln>
+          </p:spPr>
+          <p:style>
+            <a:lnRef idx="2">
+              <a:schemeClr val="accent1">
+                <a:shade val="50000"/>
+              </a:schemeClr>
+            </a:lnRef>
+            <a:fillRef idx="1">
+              <a:schemeClr val="accent1"/>
+            </a:fillRef>
+            <a:effectRef idx="0">
+              <a:schemeClr val="accent1"/>
+            </a:effectRef>
+            <a:fontRef idx="minor">
+              <a:schemeClr val="lt1"/>
+            </a:fontRef>
+          </p:style>
+          <p:txBody>
+            <a:bodyPr anchor="ctr"/>
+            <a:lstStyle/>
+            <a:p>
+              <a:pPr algn="ctr"/>
+              <a:endParaRPr lang="en-US" altLang="zh-CN" sz="1600" noProof="1">
                 <a:solidFill>
                   <a:schemeClr val="tx1"/>
                 </a:solidFill>
-              </a:rPr>
-              <a:t>0</a:t>
-            </a:r>
-          </a:p>
-        </p:txBody>
-      </p:sp>
-      <p:sp>
-        <p:nvSpPr>
-          <p:cNvPr id="60" name="矩形 59">
-            <a:extLst>
-              <a:ext uri="{FF2B5EF4-FFF2-40B4-BE49-F238E27FC236}">
-                <a16:creationId xmlns:a16="http://schemas.microsoft.com/office/drawing/2014/main" id="{CBF1CF63-9E76-65EF-71D0-1B567E2315E7}"/>
-              </a:ext>
-            </a:extLst>
-          </p:cNvPr>
-          <p:cNvSpPr/>
-          <p:nvPr/>
-        </p:nvSpPr>
-        <p:spPr>
-          <a:xfrm>
-            <a:off x="1619250" y="1906588"/>
-            <a:ext cx="431800" cy="279400"/>
-          </a:xfrm>
-          <a:prstGeom prst="rect">
-            <a:avLst/>
-          </a:prstGeom>
-          <a:solidFill>
-            <a:schemeClr val="bg1">
-              <a:lumMod val="85000"/>
-            </a:schemeClr>
-          </a:solidFill>
-        </p:spPr>
-        <p:style>
-          <a:lnRef idx="2">
-            <a:schemeClr val="accent1">
-              <a:shade val="50000"/>
-            </a:schemeClr>
-          </a:lnRef>
-          <a:fillRef idx="1">
-            <a:schemeClr val="accent1"/>
-          </a:fillRef>
-          <a:effectRef idx="0">
-            <a:schemeClr val="accent1"/>
-          </a:effectRef>
-          <a:fontRef idx="minor">
-            <a:schemeClr val="lt1"/>
-          </a:fontRef>
-        </p:style>
-        <p:txBody>
-          <a:bodyPr anchor="ctr"/>
-          <a:lstStyle/>
-          <a:p>
-            <a:pPr algn="ctr"/>
-            <a:r>
-              <a:rPr lang="en-US" altLang="zh-CN" sz="1600" noProof="1">
+              </a:endParaRPr>
+            </a:p>
+          </p:txBody>
+        </p:sp>
+        <p:sp>
+          <p:nvSpPr>
+            <p:cNvPr id="58" name="矩形 57">
+              <a:extLst>
+                <a:ext uri="{FF2B5EF4-FFF2-40B4-BE49-F238E27FC236}">
+                  <a16:creationId xmlns:a16="http://schemas.microsoft.com/office/drawing/2014/main" id="{9A4B917A-6959-C277-DD85-095C8C6A4DA8}"/>
+                </a:ext>
+              </a:extLst>
+            </p:cNvPr>
+            <p:cNvSpPr/>
+            <p:nvPr/>
+          </p:nvSpPr>
+          <p:spPr>
+            <a:xfrm>
+              <a:off x="1619250" y="2288630"/>
+              <a:ext cx="431800" cy="360362"/>
+            </a:xfrm>
+            <a:prstGeom prst="rect">
+              <a:avLst/>
+            </a:prstGeom>
+            <a:solidFill>
+              <a:srgbClr val="9DD16F"/>
+            </a:solidFill>
+            <a:ln w="25400">
+              <a:solidFill>
+                <a:srgbClr val="89A4A7"/>
+              </a:solidFill>
+            </a:ln>
+          </p:spPr>
+          <p:style>
+            <a:lnRef idx="2">
+              <a:schemeClr val="accent1">
+                <a:shade val="50000"/>
+              </a:schemeClr>
+            </a:lnRef>
+            <a:fillRef idx="1">
+              <a:schemeClr val="accent1"/>
+            </a:fillRef>
+            <a:effectRef idx="0">
+              <a:schemeClr val="accent1"/>
+            </a:effectRef>
+            <a:fontRef idx="minor">
+              <a:schemeClr val="lt1"/>
+            </a:fontRef>
+          </p:style>
+          <p:txBody>
+            <a:bodyPr anchor="ctr"/>
+            <a:lstStyle/>
+            <a:p>
+              <a:pPr algn="ctr"/>
+              <a:endParaRPr lang="en-US" altLang="zh-CN" sz="1600" baseline="-25000" noProof="1">
                 <a:solidFill>
                   <a:schemeClr val="tx1"/>
                 </a:solidFill>
-              </a:rPr>
-              <a:t>a</a:t>
-            </a:r>
-            <a:r>
-              <a:rPr lang="en-US" altLang="zh-CN" sz="1600" baseline="-25000" noProof="1">
+              </a:endParaRPr>
+            </a:p>
+          </p:txBody>
+        </p:sp>
+        <mc:AlternateContent xmlns:mc="http://schemas.openxmlformats.org/markup-compatibility/2006">
+          <mc:Choice xmlns:a14="http://schemas.microsoft.com/office/drawing/2010/main" Requires="a14">
+            <p:sp>
+              <p:nvSpPr>
+                <p:cNvPr id="59" name="矩形 58">
+                  <a:extLst>
+                    <a:ext uri="{FF2B5EF4-FFF2-40B4-BE49-F238E27FC236}">
+                      <a16:creationId xmlns:a16="http://schemas.microsoft.com/office/drawing/2014/main" id="{8E428441-18AE-7A85-E979-5194DFDE0A0B}"/>
+                    </a:ext>
+                  </a:extLst>
+                </p:cNvPr>
+                <p:cNvSpPr/>
+                <p:nvPr/>
+              </p:nvSpPr>
+              <p:spPr>
+                <a:xfrm>
+                  <a:off x="1619250" y="2009230"/>
+                  <a:ext cx="431800" cy="279400"/>
+                </a:xfrm>
+                <a:prstGeom prst="rect">
+                  <a:avLst/>
+                </a:prstGeom>
+                <a:solidFill>
+                  <a:schemeClr val="bg1">
+                    <a:lumMod val="85000"/>
+                  </a:schemeClr>
+                </a:solidFill>
+                <a:ln w="25400">
+                  <a:solidFill>
+                    <a:srgbClr val="89A4A7"/>
+                  </a:solidFill>
+                </a:ln>
+              </p:spPr>
+              <p:style>
+                <a:lnRef idx="2">
+                  <a:schemeClr val="accent1">
+                    <a:shade val="50000"/>
+                  </a:schemeClr>
+                </a:lnRef>
+                <a:fillRef idx="1">
+                  <a:schemeClr val="accent1"/>
+                </a:fillRef>
+                <a:effectRef idx="0">
+                  <a:schemeClr val="accent1"/>
+                </a:effectRef>
+                <a:fontRef idx="minor">
+                  <a:schemeClr val="lt1"/>
+                </a:fontRef>
+              </p:style>
+              <p:txBody>
+                <a:bodyPr anchor="ctr"/>
+                <a:lstStyle/>
+                <a:p>
+                  <a:pPr algn="ctr"/>
+                  <a14:m>
+                    <m:oMathPara xmlns:m="http://schemas.openxmlformats.org/officeDocument/2006/math">
+                      <m:oMathParaPr>
+                        <m:jc m:val="centerGroup"/>
+                      </m:oMathParaPr>
+                      <m:oMath xmlns:m="http://schemas.openxmlformats.org/officeDocument/2006/math">
+                        <m:sSub>
+                          <m:sSubPr>
+                            <m:ctrlPr>
+                              <a:rPr lang="en-US" altLang="zh-CN" sz="1600" noProof="1" smtClean="0">
+                                <a:solidFill>
+                                  <a:schemeClr val="tx1"/>
+                                </a:solidFill>
+                              </a:rPr>
+                            </m:ctrlPr>
+                          </m:sSubPr>
+                          <m:e>
+                            <m:r>
+                              <a:rPr lang="en-US" altLang="zh-CN" sz="1600" noProof="1" smtClean="0">
+                                <a:solidFill>
+                                  <a:schemeClr val="tx1"/>
+                                </a:solidFill>
+                              </a:rPr>
+                              <m:t>𝑎</m:t>
+                            </m:r>
+                          </m:e>
+                          <m:sub>
+                            <m:r>
+                              <a:rPr lang="en-US" altLang="zh-CN" sz="1600" noProof="1" smtClean="0">
+                                <a:solidFill>
+                                  <a:schemeClr val="tx1"/>
+                                </a:solidFill>
+                              </a:rPr>
+                              <m:t>0</m:t>
+                            </m:r>
+                          </m:sub>
+                        </m:sSub>
+                      </m:oMath>
+                    </m:oMathPara>
+                  </a14:m>
+                  <a:endParaRPr lang="en-US" altLang="zh-CN" sz="1600" noProof="1">
+                    <a:solidFill>
+                      <a:schemeClr val="tx1"/>
+                    </a:solidFill>
+                  </a:endParaRPr>
+                </a:p>
+              </p:txBody>
+            </p:sp>
+          </mc:Choice>
+          <mc:Fallback>
+            <p:sp>
+              <p:nvSpPr>
+                <p:cNvPr id="59" name="矩形 58">
+                  <a:extLst>
+                    <a:ext uri="{FF2B5EF4-FFF2-40B4-BE49-F238E27FC236}">
+                      <a16:creationId xmlns:a16="http://schemas.microsoft.com/office/drawing/2014/main" id="{8E428441-18AE-7A85-E979-5194DFDE0A0B}"/>
+                    </a:ext>
+                  </a:extLst>
+                </p:cNvPr>
+                <p:cNvSpPr>
+                  <a:spLocks noRot="1" noChangeAspect="1" noMove="1" noResize="1" noEditPoints="1" noAdjustHandles="1" noChangeArrowheads="1" noChangeShapeType="1" noTextEdit="1"/>
+                </p:cNvSpPr>
+                <p:nvPr/>
+              </p:nvSpPr>
+              <p:spPr>
+                <a:xfrm>
+                  <a:off x="1619250" y="2009230"/>
+                  <a:ext cx="431800" cy="279400"/>
+                </a:xfrm>
+                <a:prstGeom prst="rect">
+                  <a:avLst/>
+                </a:prstGeom>
+                <a:blipFill>
+                  <a:blip r:embed="rId6"/>
+                  <a:stretch>
+                    <a:fillRect b="-6122"/>
+                  </a:stretch>
+                </a:blipFill>
+                <a:ln w="25400">
+                  <a:solidFill>
+                    <a:srgbClr val="89A4A7"/>
+                  </a:solidFill>
+                </a:ln>
+              </p:spPr>
+              <p:txBody>
+                <a:bodyPr/>
+                <a:lstStyle/>
+                <a:p>
+                  <a:r>
+                    <a:rPr lang="zh-CN" altLang="en-US">
+                      <a:noFill/>
+                    </a:rPr>
+                    <a:t> </a:t>
+                  </a:r>
+                </a:p>
+              </p:txBody>
+            </p:sp>
+          </mc:Fallback>
+        </mc:AlternateContent>
+        <mc:AlternateContent xmlns:mc="http://schemas.openxmlformats.org/markup-compatibility/2006">
+          <mc:Choice xmlns:a14="http://schemas.microsoft.com/office/drawing/2010/main" Requires="a14">
+            <p:sp>
+              <p:nvSpPr>
+                <p:cNvPr id="60" name="矩形 59">
+                  <a:extLst>
+                    <a:ext uri="{FF2B5EF4-FFF2-40B4-BE49-F238E27FC236}">
+                      <a16:creationId xmlns:a16="http://schemas.microsoft.com/office/drawing/2014/main" id="{CBF1CF63-9E76-65EF-71D0-1B567E2315E7}"/>
+                    </a:ext>
+                  </a:extLst>
+                </p:cNvPr>
+                <p:cNvSpPr/>
+                <p:nvPr/>
+              </p:nvSpPr>
+              <p:spPr>
+                <a:xfrm>
+                  <a:off x="1619250" y="1729830"/>
+                  <a:ext cx="431800" cy="279400"/>
+                </a:xfrm>
+                <a:prstGeom prst="rect">
+                  <a:avLst/>
+                </a:prstGeom>
+                <a:solidFill>
+                  <a:schemeClr val="bg1">
+                    <a:lumMod val="85000"/>
+                  </a:schemeClr>
+                </a:solidFill>
+                <a:ln w="25400">
+                  <a:solidFill>
+                    <a:srgbClr val="89A4A7"/>
+                  </a:solidFill>
+                </a:ln>
+              </p:spPr>
+              <p:style>
+                <a:lnRef idx="2">
+                  <a:schemeClr val="accent1">
+                    <a:shade val="50000"/>
+                  </a:schemeClr>
+                </a:lnRef>
+                <a:fillRef idx="1">
+                  <a:schemeClr val="accent1"/>
+                </a:fillRef>
+                <a:effectRef idx="0">
+                  <a:schemeClr val="accent1"/>
+                </a:effectRef>
+                <a:fontRef idx="minor">
+                  <a:schemeClr val="lt1"/>
+                </a:fontRef>
+              </p:style>
+              <p:txBody>
+                <a:bodyPr anchor="ctr"/>
+                <a:lstStyle/>
+                <a:p>
+                  <a:pPr algn="ctr"/>
+                  <a14:m>
+                    <m:oMathPara xmlns:m="http://schemas.openxmlformats.org/officeDocument/2006/math">
+                      <m:oMathParaPr>
+                        <m:jc m:val="centerGroup"/>
+                      </m:oMathParaPr>
+                      <m:oMath xmlns:m="http://schemas.openxmlformats.org/officeDocument/2006/math">
+                        <m:sSub>
+                          <m:sSubPr>
+                            <m:ctrlPr>
+                              <a:rPr lang="en-US" altLang="zh-CN" sz="1600" noProof="1" smtClean="0">
+                                <a:solidFill>
+                                  <a:schemeClr val="tx1"/>
+                                </a:solidFill>
+                              </a:rPr>
+                            </m:ctrlPr>
+                          </m:sSubPr>
+                          <m:e>
+                            <m:r>
+                              <a:rPr lang="en-US" altLang="zh-CN" sz="1600" noProof="1" smtClean="0">
+                                <a:solidFill>
+                                  <a:schemeClr val="tx1"/>
+                                </a:solidFill>
+                              </a:rPr>
+                              <m:t>𝑎</m:t>
+                            </m:r>
+                          </m:e>
+                          <m:sub>
+                            <m:r>
+                              <a:rPr lang="en-US" altLang="zh-CN" sz="1600" noProof="1" smtClean="0">
+                                <a:solidFill>
+                                  <a:schemeClr val="tx1"/>
+                                </a:solidFill>
+                              </a:rPr>
+                              <m:t>1</m:t>
+                            </m:r>
+                          </m:sub>
+                        </m:sSub>
+                      </m:oMath>
+                    </m:oMathPara>
+                  </a14:m>
+                  <a:endParaRPr lang="en-US" altLang="zh-CN" sz="1600" noProof="1">
+                    <a:solidFill>
+                      <a:schemeClr val="tx1"/>
+                    </a:solidFill>
+                  </a:endParaRPr>
+                </a:p>
+              </p:txBody>
+            </p:sp>
+          </mc:Choice>
+          <mc:Fallback>
+            <p:sp>
+              <p:nvSpPr>
+                <p:cNvPr id="60" name="矩形 59">
+                  <a:extLst>
+                    <a:ext uri="{FF2B5EF4-FFF2-40B4-BE49-F238E27FC236}">
+                      <a16:creationId xmlns:a16="http://schemas.microsoft.com/office/drawing/2014/main" id="{CBF1CF63-9E76-65EF-71D0-1B567E2315E7}"/>
+                    </a:ext>
+                  </a:extLst>
+                </p:cNvPr>
+                <p:cNvSpPr>
+                  <a:spLocks noRot="1" noChangeAspect="1" noMove="1" noResize="1" noEditPoints="1" noAdjustHandles="1" noChangeArrowheads="1" noChangeShapeType="1" noTextEdit="1"/>
+                </p:cNvSpPr>
+                <p:nvPr/>
+              </p:nvSpPr>
+              <p:spPr>
+                <a:xfrm>
+                  <a:off x="1619250" y="1729830"/>
+                  <a:ext cx="431800" cy="279400"/>
+                </a:xfrm>
+                <a:prstGeom prst="rect">
+                  <a:avLst/>
+                </a:prstGeom>
+                <a:blipFill>
+                  <a:blip r:embed="rId7"/>
+                  <a:stretch>
+                    <a:fillRect b="-4000"/>
+                  </a:stretch>
+                </a:blipFill>
+                <a:ln w="25400">
+                  <a:solidFill>
+                    <a:srgbClr val="89A4A7"/>
+                  </a:solidFill>
+                </a:ln>
+              </p:spPr>
+              <p:txBody>
+                <a:bodyPr/>
+                <a:lstStyle/>
+                <a:p>
+                  <a:r>
+                    <a:rPr lang="zh-CN" altLang="en-US">
+                      <a:noFill/>
+                    </a:rPr>
+                    <a:t> </a:t>
+                  </a:r>
+                </a:p>
+              </p:txBody>
+            </p:sp>
+          </mc:Fallback>
+        </mc:AlternateContent>
+        <p:sp>
+          <p:nvSpPr>
+            <p:cNvPr id="61" name="矩形 60">
+              <a:extLst>
+                <a:ext uri="{FF2B5EF4-FFF2-40B4-BE49-F238E27FC236}">
+                  <a16:creationId xmlns:a16="http://schemas.microsoft.com/office/drawing/2014/main" id="{81564E85-D1C6-8427-1380-3F879BB358DD}"/>
+                </a:ext>
+              </a:extLst>
+            </p:cNvPr>
+            <p:cNvSpPr/>
+            <p:nvPr/>
+          </p:nvSpPr>
+          <p:spPr>
+            <a:xfrm>
+              <a:off x="1619250" y="1450430"/>
+              <a:ext cx="431800" cy="279400"/>
+            </a:xfrm>
+            <a:prstGeom prst="rect">
+              <a:avLst/>
+            </a:prstGeom>
+            <a:solidFill>
+              <a:schemeClr val="bg1">
+                <a:lumMod val="85000"/>
+              </a:schemeClr>
+            </a:solidFill>
+            <a:ln w="25400">
+              <a:solidFill>
+                <a:srgbClr val="89A4A7"/>
+              </a:solidFill>
+            </a:ln>
+          </p:spPr>
+          <p:style>
+            <a:lnRef idx="2">
+              <a:schemeClr val="accent1">
+                <a:shade val="50000"/>
+              </a:schemeClr>
+            </a:lnRef>
+            <a:fillRef idx="1">
+              <a:schemeClr val="accent1"/>
+            </a:fillRef>
+            <a:effectRef idx="0">
+              <a:schemeClr val="accent1"/>
+            </a:effectRef>
+            <a:fontRef idx="minor">
+              <a:schemeClr val="lt1"/>
+            </a:fontRef>
+          </p:style>
+          <p:txBody>
+            <a:bodyPr anchor="ctr"/>
+            <a:lstStyle/>
+            <a:p>
+              <a:pPr algn="ctr"/>
+              <a:r>
+                <a:rPr lang="en-US" altLang="zh-CN" sz="1600" noProof="1">
+                  <a:solidFill>
+                    <a:schemeClr val="tx1"/>
+                  </a:solidFill>
+                </a:rPr>
+                <a:t>...</a:t>
+              </a:r>
+            </a:p>
+          </p:txBody>
+        </p:sp>
+        <mc:AlternateContent xmlns:mc="http://schemas.openxmlformats.org/markup-compatibility/2006">
+          <mc:Choice xmlns:a14="http://schemas.microsoft.com/office/drawing/2010/main" Requires="a14">
+            <p:sp>
+              <p:nvSpPr>
+                <p:cNvPr id="62" name="矩形 61">
+                  <a:extLst>
+                    <a:ext uri="{FF2B5EF4-FFF2-40B4-BE49-F238E27FC236}">
+                      <a16:creationId xmlns:a16="http://schemas.microsoft.com/office/drawing/2014/main" id="{09C92B2D-B590-F0A7-A380-B83F589320DB}"/>
+                    </a:ext>
+                  </a:extLst>
+                </p:cNvPr>
+                <p:cNvSpPr/>
+                <p:nvPr/>
+              </p:nvSpPr>
+              <p:spPr>
+                <a:xfrm>
+                  <a:off x="1619250" y="1171030"/>
+                  <a:ext cx="431800" cy="279400"/>
+                </a:xfrm>
+                <a:prstGeom prst="rect">
+                  <a:avLst/>
+                </a:prstGeom>
+                <a:solidFill>
+                  <a:schemeClr val="bg1">
+                    <a:lumMod val="85000"/>
+                  </a:schemeClr>
+                </a:solidFill>
+                <a:ln w="25400">
+                  <a:solidFill>
+                    <a:srgbClr val="89A4A7"/>
+                  </a:solidFill>
+                </a:ln>
+              </p:spPr>
+              <p:style>
+                <a:lnRef idx="2">
+                  <a:schemeClr val="accent1">
+                    <a:shade val="50000"/>
+                  </a:schemeClr>
+                </a:lnRef>
+                <a:fillRef idx="1">
+                  <a:schemeClr val="accent1"/>
+                </a:fillRef>
+                <a:effectRef idx="0">
+                  <a:schemeClr val="accent1"/>
+                </a:effectRef>
+                <a:fontRef idx="minor">
+                  <a:schemeClr val="lt1"/>
+                </a:fontRef>
+              </p:style>
+              <p:txBody>
+                <a:bodyPr anchor="ctr"/>
+                <a:lstStyle/>
+                <a:p>
+                  <a:pPr algn="ctr"/>
+                  <a14:m>
+                    <m:oMathPara xmlns:m="http://schemas.openxmlformats.org/officeDocument/2006/math">
+                      <m:oMathParaPr>
+                        <m:jc m:val="centerGroup"/>
+                      </m:oMathParaPr>
+                      <m:oMath xmlns:m="http://schemas.openxmlformats.org/officeDocument/2006/math">
+                        <m:sSub>
+                          <m:sSubPr>
+                            <m:ctrlPr>
+                              <a:rPr lang="en-US" altLang="zh-CN" sz="1600" noProof="1" smtClean="0">
+                                <a:solidFill>
+                                  <a:schemeClr val="tx1"/>
+                                </a:solidFill>
+                              </a:rPr>
+                            </m:ctrlPr>
+                          </m:sSubPr>
+                          <m:e>
+                            <m:r>
+                              <a:rPr lang="en-US" altLang="zh-CN" sz="1600" noProof="1" smtClean="0">
+                                <a:solidFill>
+                                  <a:schemeClr val="tx1"/>
+                                </a:solidFill>
+                              </a:rPr>
+                              <m:t>𝑎</m:t>
+                            </m:r>
+                          </m:e>
+                          <m:sub>
+                            <m:r>
+                              <a:rPr lang="en-US" altLang="zh-CN" sz="1600" noProof="1" smtClean="0">
+                                <a:solidFill>
+                                  <a:schemeClr val="tx1"/>
+                                </a:solidFill>
+                              </a:rPr>
+                              <m:t>8</m:t>
+                            </m:r>
+                          </m:sub>
+                        </m:sSub>
+                      </m:oMath>
+                    </m:oMathPara>
+                  </a14:m>
+                  <a:endParaRPr lang="en-US" altLang="zh-CN" sz="1600" noProof="1">
+                    <a:solidFill>
+                      <a:schemeClr val="tx1"/>
+                    </a:solidFill>
+                  </a:endParaRPr>
+                </a:p>
+              </p:txBody>
+            </p:sp>
+          </mc:Choice>
+          <mc:Fallback>
+            <p:sp>
+              <p:nvSpPr>
+                <p:cNvPr id="62" name="矩形 61">
+                  <a:extLst>
+                    <a:ext uri="{FF2B5EF4-FFF2-40B4-BE49-F238E27FC236}">
+                      <a16:creationId xmlns:a16="http://schemas.microsoft.com/office/drawing/2014/main" id="{09C92B2D-B590-F0A7-A380-B83F589320DB}"/>
+                    </a:ext>
+                  </a:extLst>
+                </p:cNvPr>
+                <p:cNvSpPr>
+                  <a:spLocks noRot="1" noChangeAspect="1" noMove="1" noResize="1" noEditPoints="1" noAdjustHandles="1" noChangeArrowheads="1" noChangeShapeType="1" noTextEdit="1"/>
+                </p:cNvSpPr>
+                <p:nvPr/>
+              </p:nvSpPr>
+              <p:spPr>
+                <a:xfrm>
+                  <a:off x="1619250" y="1171030"/>
+                  <a:ext cx="431800" cy="279400"/>
+                </a:xfrm>
+                <a:prstGeom prst="rect">
+                  <a:avLst/>
+                </a:prstGeom>
+                <a:blipFill>
+                  <a:blip r:embed="rId8"/>
+                  <a:stretch>
+                    <a:fillRect b="-6000"/>
+                  </a:stretch>
+                </a:blipFill>
+                <a:ln w="25400">
+                  <a:solidFill>
+                    <a:srgbClr val="89A4A7"/>
+                  </a:solidFill>
+                </a:ln>
+              </p:spPr>
+              <p:txBody>
+                <a:bodyPr/>
+                <a:lstStyle/>
+                <a:p>
+                  <a:r>
+                    <a:rPr lang="zh-CN" altLang="en-US">
+                      <a:noFill/>
+                    </a:rPr>
+                    <a:t> </a:t>
+                  </a:r>
+                </a:p>
+              </p:txBody>
+            </p:sp>
+          </mc:Fallback>
+        </mc:AlternateContent>
+        <mc:AlternateContent xmlns:mc="http://schemas.openxmlformats.org/markup-compatibility/2006">
+          <mc:Choice xmlns:a14="http://schemas.microsoft.com/office/drawing/2010/main" Requires="a14">
+            <p:sp>
+              <p:nvSpPr>
+                <p:cNvPr id="63" name="矩形 62">
+                  <a:extLst>
+                    <a:ext uri="{FF2B5EF4-FFF2-40B4-BE49-F238E27FC236}">
+                      <a16:creationId xmlns:a16="http://schemas.microsoft.com/office/drawing/2014/main" id="{6C92C178-E7F3-F6E6-B8A2-3AF0406804D2}"/>
+                    </a:ext>
+                  </a:extLst>
+                </p:cNvPr>
+                <p:cNvSpPr/>
+                <p:nvPr/>
+              </p:nvSpPr>
+              <p:spPr>
+                <a:xfrm>
+                  <a:off x="1619250" y="891630"/>
+                  <a:ext cx="431800" cy="279400"/>
+                </a:xfrm>
+                <a:prstGeom prst="rect">
+                  <a:avLst/>
+                </a:prstGeom>
+                <a:solidFill>
+                  <a:srgbClr val="9DD16F"/>
+                </a:solidFill>
+                <a:ln w="25400"/>
+              </p:spPr>
+              <p:style>
+                <a:lnRef idx="2">
+                  <a:schemeClr val="accent1">
+                    <a:shade val="50000"/>
+                  </a:schemeClr>
+                </a:lnRef>
+                <a:fillRef idx="1">
+                  <a:schemeClr val="accent1"/>
+                </a:fillRef>
+                <a:effectRef idx="0">
+                  <a:schemeClr val="accent1"/>
+                </a:effectRef>
+                <a:fontRef idx="minor">
+                  <a:schemeClr val="lt1"/>
+                </a:fontRef>
+              </p:style>
+              <p:txBody>
+                <a:bodyPr lIns="0" tIns="0" rIns="0" bIns="0" anchor="ctr"/>
+                <a:lstStyle/>
+                <a:p>
+                  <a:pPr algn="ctr"/>
+                  <a14:m>
+                    <m:oMathPara xmlns:m="http://schemas.openxmlformats.org/officeDocument/2006/math">
+                      <m:oMathParaPr>
+                        <m:jc m:val="centerGroup"/>
+                      </m:oMathParaPr>
+                      <m:oMath xmlns:m="http://schemas.openxmlformats.org/officeDocument/2006/math">
+                        <m:sSub>
+                          <m:sSubPr>
+                            <m:ctrlPr>
+                              <a:rPr lang="en-US" altLang="zh-CN" sz="1600" i="1" noProof="1" smtClean="0">
+                                <a:solidFill>
+                                  <a:schemeClr val="tx1"/>
+                                </a:solidFill>
+                                <a:latin typeface="Cambria Math" panose="02040503050406030204" pitchFamily="18" charset="0"/>
+                              </a:rPr>
+                            </m:ctrlPr>
+                          </m:sSubPr>
+                          <m:e>
+                            <m:r>
+                              <a:rPr lang="en-US" altLang="zh-CN" sz="1600" i="1" noProof="1" smtClean="0">
+                                <a:solidFill>
+                                  <a:schemeClr val="tx1"/>
+                                </a:solidFill>
+                                <a:latin typeface="Cambria Math" panose="02040503050406030204" pitchFamily="18" charset="0"/>
+                              </a:rPr>
+                              <m:t>𝑎</m:t>
+                            </m:r>
+                          </m:e>
+                          <m:sub>
+                            <m:r>
+                              <a:rPr lang="en-US" altLang="zh-CN" sz="1600" i="1" noProof="1" smtClean="0">
+                                <a:solidFill>
+                                  <a:schemeClr val="tx1"/>
+                                </a:solidFill>
+                                <a:latin typeface="Cambria Math" panose="02040503050406030204" pitchFamily="18" charset="0"/>
+                              </a:rPr>
+                              <m:t>9</m:t>
+                            </m:r>
+                          </m:sub>
+                        </m:sSub>
+                      </m:oMath>
+                    </m:oMathPara>
+                  </a14:m>
+                  <a:endParaRPr lang="en-US" altLang="zh-CN" sz="1600" baseline="-25000" noProof="1">
+                    <a:solidFill>
+                      <a:schemeClr val="tx1"/>
+                    </a:solidFill>
+                  </a:endParaRPr>
+                </a:p>
+              </p:txBody>
+            </p:sp>
+          </mc:Choice>
+          <mc:Fallback>
+            <p:sp>
+              <p:nvSpPr>
+                <p:cNvPr id="63" name="矩形 62">
+                  <a:extLst>
+                    <a:ext uri="{FF2B5EF4-FFF2-40B4-BE49-F238E27FC236}">
+                      <a16:creationId xmlns:a16="http://schemas.microsoft.com/office/drawing/2014/main" id="{6C92C178-E7F3-F6E6-B8A2-3AF0406804D2}"/>
+                    </a:ext>
+                  </a:extLst>
+                </p:cNvPr>
+                <p:cNvSpPr>
+                  <a:spLocks noRot="1" noChangeAspect="1" noMove="1" noResize="1" noEditPoints="1" noAdjustHandles="1" noChangeArrowheads="1" noChangeShapeType="1" noTextEdit="1"/>
+                </p:cNvSpPr>
+                <p:nvPr/>
+              </p:nvSpPr>
+              <p:spPr>
+                <a:xfrm>
+                  <a:off x="1619250" y="891630"/>
+                  <a:ext cx="431800" cy="279400"/>
+                </a:xfrm>
+                <a:prstGeom prst="rect">
+                  <a:avLst/>
+                </a:prstGeom>
+                <a:blipFill>
+                  <a:blip r:embed="rId9"/>
+                  <a:stretch>
+                    <a:fillRect b="-6000"/>
+                  </a:stretch>
+                </a:blipFill>
+                <a:ln w="25400"/>
+              </p:spPr>
+              <p:txBody>
+                <a:bodyPr/>
+                <a:lstStyle/>
+                <a:p>
+                  <a:r>
+                    <a:rPr lang="zh-CN" altLang="en-US">
+                      <a:noFill/>
+                    </a:rPr>
+                    <a:t> </a:t>
+                  </a:r>
+                </a:p>
+              </p:txBody>
+            </p:sp>
+          </mc:Fallback>
+        </mc:AlternateContent>
+        <p:sp>
+          <p:nvSpPr>
+            <p:cNvPr id="64" name="矩形 63">
+              <a:extLst>
+                <a:ext uri="{FF2B5EF4-FFF2-40B4-BE49-F238E27FC236}">
+                  <a16:creationId xmlns:a16="http://schemas.microsoft.com/office/drawing/2014/main" id="{D90145DD-E157-82F9-AEB4-BFAAEC819B29}"/>
+                </a:ext>
+              </a:extLst>
+            </p:cNvPr>
+            <p:cNvSpPr/>
+            <p:nvPr/>
+          </p:nvSpPr>
+          <p:spPr>
+            <a:xfrm>
+              <a:off x="1619250" y="613817"/>
+              <a:ext cx="431800" cy="279400"/>
+            </a:xfrm>
+            <a:prstGeom prst="rect">
+              <a:avLst/>
+            </a:prstGeom>
+            <a:ln w="25400"/>
+          </p:spPr>
+          <p:style>
+            <a:lnRef idx="2">
+              <a:schemeClr val="accent1">
+                <a:shade val="50000"/>
+              </a:schemeClr>
+            </a:lnRef>
+            <a:fillRef idx="1">
+              <a:schemeClr val="accent1"/>
+            </a:fillRef>
+            <a:effectRef idx="0">
+              <a:schemeClr val="accent1"/>
+            </a:effectRef>
+            <a:fontRef idx="minor">
+              <a:schemeClr val="lt1"/>
+            </a:fontRef>
+          </p:style>
+          <p:txBody>
+            <a:bodyPr anchor="ctr"/>
+            <a:lstStyle/>
+            <a:p>
+              <a:pPr algn="ctr"/>
+              <a:endParaRPr lang="en-US" altLang="zh-CN" sz="700" baseline="-25000" noProof="1">
                 <a:solidFill>
                   <a:schemeClr val="tx1"/>
                 </a:solidFill>
-              </a:rPr>
-              <a:t>1</a:t>
-            </a:r>
-          </a:p>
-        </p:txBody>
-      </p:sp>
-      <p:sp>
-        <p:nvSpPr>
-          <p:cNvPr id="61" name="矩形 60">
-            <a:extLst>
-              <a:ext uri="{FF2B5EF4-FFF2-40B4-BE49-F238E27FC236}">
-                <a16:creationId xmlns:a16="http://schemas.microsoft.com/office/drawing/2014/main" id="{81564E85-D1C6-8427-1380-3F879BB358DD}"/>
-              </a:ext>
-            </a:extLst>
-          </p:cNvPr>
-          <p:cNvSpPr/>
-          <p:nvPr/>
-        </p:nvSpPr>
-        <p:spPr>
-          <a:xfrm>
-            <a:off x="1619250" y="1627188"/>
-            <a:ext cx="431800" cy="279400"/>
-          </a:xfrm>
-          <a:prstGeom prst="rect">
-            <a:avLst/>
-          </a:prstGeom>
-          <a:solidFill>
-            <a:schemeClr val="bg1">
-              <a:lumMod val="85000"/>
-            </a:schemeClr>
-          </a:solidFill>
-        </p:spPr>
-        <p:style>
-          <a:lnRef idx="2">
-            <a:schemeClr val="accent1">
-              <a:shade val="50000"/>
-            </a:schemeClr>
-          </a:lnRef>
-          <a:fillRef idx="1">
-            <a:schemeClr val="accent1"/>
-          </a:fillRef>
-          <a:effectRef idx="0">
-            <a:schemeClr val="accent1"/>
-          </a:effectRef>
-          <a:fontRef idx="minor">
-            <a:schemeClr val="lt1"/>
-          </a:fontRef>
-        </p:style>
-        <p:txBody>
-          <a:bodyPr anchor="ctr"/>
-          <a:lstStyle/>
-          <a:p>
-            <a:pPr algn="ctr"/>
-            <a:r>
-              <a:rPr lang="en-US" altLang="zh-CN" sz="1600" noProof="1">
-                <a:solidFill>
-                  <a:schemeClr val="tx1"/>
-                </a:solidFill>
-              </a:rPr>
-              <a:t>...</a:t>
-            </a:r>
-          </a:p>
-        </p:txBody>
-      </p:sp>
-      <p:sp>
-        <p:nvSpPr>
-          <p:cNvPr id="62" name="矩形 61">
-            <a:extLst>
-              <a:ext uri="{FF2B5EF4-FFF2-40B4-BE49-F238E27FC236}">
-                <a16:creationId xmlns:a16="http://schemas.microsoft.com/office/drawing/2014/main" id="{09C92B2D-B590-F0A7-A380-B83F589320DB}"/>
-              </a:ext>
-            </a:extLst>
-          </p:cNvPr>
-          <p:cNvSpPr/>
-          <p:nvPr/>
-        </p:nvSpPr>
-        <p:spPr>
-          <a:xfrm>
-            <a:off x="1619250" y="1347788"/>
-            <a:ext cx="431800" cy="279400"/>
-          </a:xfrm>
-          <a:prstGeom prst="rect">
-            <a:avLst/>
-          </a:prstGeom>
-          <a:solidFill>
-            <a:schemeClr val="bg1">
-              <a:lumMod val="85000"/>
-            </a:schemeClr>
-          </a:solidFill>
-        </p:spPr>
-        <p:style>
-          <a:lnRef idx="2">
-            <a:schemeClr val="accent1">
-              <a:shade val="50000"/>
-            </a:schemeClr>
-          </a:lnRef>
-          <a:fillRef idx="1">
-            <a:schemeClr val="accent1"/>
-          </a:fillRef>
-          <a:effectRef idx="0">
-            <a:schemeClr val="accent1"/>
-          </a:effectRef>
-          <a:fontRef idx="minor">
-            <a:schemeClr val="lt1"/>
-          </a:fontRef>
-        </p:style>
-        <p:txBody>
-          <a:bodyPr anchor="ctr"/>
-          <a:lstStyle/>
-          <a:p>
-            <a:pPr algn="ctr"/>
-            <a:r>
-              <a:rPr lang="en-US" altLang="zh-CN" sz="1600" noProof="1">
-                <a:solidFill>
-                  <a:schemeClr val="tx1"/>
-                </a:solidFill>
-              </a:rPr>
-              <a:t>a</a:t>
-            </a:r>
-            <a:r>
-              <a:rPr lang="en-US" altLang="zh-CN" sz="1600" baseline="-25000" noProof="1">
-                <a:solidFill>
-                  <a:schemeClr val="tx1"/>
-                </a:solidFill>
-              </a:rPr>
-              <a:t>8</a:t>
-            </a:r>
-          </a:p>
-        </p:txBody>
-      </p:sp>
-      <p:sp>
-        <p:nvSpPr>
-          <p:cNvPr id="63" name="矩形 62">
-            <a:extLst>
-              <a:ext uri="{FF2B5EF4-FFF2-40B4-BE49-F238E27FC236}">
-                <a16:creationId xmlns:a16="http://schemas.microsoft.com/office/drawing/2014/main" id="{6C92C178-E7F3-F6E6-B8A2-3AF0406804D2}"/>
-              </a:ext>
-            </a:extLst>
-          </p:cNvPr>
-          <p:cNvSpPr/>
-          <p:nvPr/>
-        </p:nvSpPr>
-        <p:spPr>
-          <a:xfrm>
-            <a:off x="1619250" y="1068388"/>
-            <a:ext cx="431800" cy="279400"/>
-          </a:xfrm>
-          <a:prstGeom prst="rect">
-            <a:avLst/>
-          </a:prstGeom>
-          <a:solidFill>
-            <a:srgbClr val="9DD16F"/>
-          </a:solidFill>
-        </p:spPr>
-        <p:style>
-          <a:lnRef idx="2">
-            <a:schemeClr val="accent1">
-              <a:shade val="50000"/>
-            </a:schemeClr>
-          </a:lnRef>
-          <a:fillRef idx="1">
-            <a:schemeClr val="accent1"/>
-          </a:fillRef>
-          <a:effectRef idx="0">
-            <a:schemeClr val="accent1"/>
-          </a:effectRef>
-          <a:fontRef idx="minor">
-            <a:schemeClr val="lt1"/>
-          </a:fontRef>
-        </p:style>
-        <p:txBody>
-          <a:bodyPr anchor="ctr"/>
-          <a:lstStyle/>
-          <a:p>
-            <a:pPr algn="ctr"/>
-            <a:r>
-              <a:rPr lang="en-US" altLang="zh-CN" sz="1600" noProof="1">
-                <a:solidFill>
-                  <a:schemeClr val="tx1"/>
-                </a:solidFill>
-              </a:rPr>
-              <a:t>a</a:t>
-            </a:r>
-            <a:r>
-              <a:rPr lang="en-US" altLang="zh-CN" sz="1600" baseline="-25000" noProof="1">
-                <a:solidFill>
-                  <a:schemeClr val="tx1"/>
-                </a:solidFill>
-              </a:rPr>
-              <a:t>9</a:t>
-            </a:r>
-          </a:p>
-        </p:txBody>
-      </p:sp>
-      <p:sp>
-        <p:nvSpPr>
-          <p:cNvPr id="64" name="矩形 63">
-            <a:extLst>
-              <a:ext uri="{FF2B5EF4-FFF2-40B4-BE49-F238E27FC236}">
-                <a16:creationId xmlns:a16="http://schemas.microsoft.com/office/drawing/2014/main" id="{D90145DD-E157-82F9-AEB4-BFAAEC819B29}"/>
-              </a:ext>
-            </a:extLst>
-          </p:cNvPr>
-          <p:cNvSpPr/>
-          <p:nvPr/>
-        </p:nvSpPr>
-        <p:spPr>
-          <a:xfrm>
-            <a:off x="1619250" y="790575"/>
-            <a:ext cx="431800" cy="279400"/>
-          </a:xfrm>
-          <a:prstGeom prst="rect">
-            <a:avLst/>
-          </a:prstGeom>
-        </p:spPr>
-        <p:style>
-          <a:lnRef idx="2">
-            <a:schemeClr val="accent1">
-              <a:shade val="50000"/>
-            </a:schemeClr>
-          </a:lnRef>
-          <a:fillRef idx="1">
-            <a:schemeClr val="accent1"/>
-          </a:fillRef>
-          <a:effectRef idx="0">
-            <a:schemeClr val="accent1"/>
-          </a:effectRef>
-          <a:fontRef idx="minor">
-            <a:schemeClr val="lt1"/>
-          </a:fontRef>
-        </p:style>
-        <p:txBody>
-          <a:bodyPr anchor="ctr"/>
-          <a:lstStyle/>
-          <a:p>
-            <a:pPr algn="ctr"/>
-            <a:endParaRPr lang="en-US" altLang="zh-CN" sz="700" baseline="-25000" noProof="1">
-              <a:solidFill>
-                <a:schemeClr val="tx1"/>
-              </a:solidFill>
-            </a:endParaRPr>
-          </a:p>
-        </p:txBody>
-      </p:sp>
+              </a:endParaRPr>
+            </a:p>
+          </p:txBody>
+        </p:sp>
+      </p:grpSp>
       <p:sp>
         <p:nvSpPr>
           <p:cNvPr id="66" name="右箭头 65">
@@ -4781,7 +5353,7 @@
         </p:nvSpPr>
         <p:spPr>
           <a:xfrm rot="10800000">
-            <a:off x="2144713" y="984250"/>
+            <a:off x="2144715" y="807492"/>
             <a:ext cx="331787" cy="139700"/>
           </a:xfrm>
           <a:prstGeom prst="rightArrow">
@@ -4829,7 +5401,7 @@
         </p:nvSpPr>
         <p:spPr bwMode="auto">
           <a:xfrm>
-            <a:off x="1943100" y="717550"/>
+            <a:off x="1943102" y="540792"/>
             <a:ext cx="752475" cy="336550"/>
           </a:xfrm>
           <a:prstGeom prst="rect">
@@ -4873,66 +5445,6 @@
           </a:p>
         </p:txBody>
       </p:sp>
-      <p:sp>
-        <p:nvSpPr>
-          <p:cNvPr id="2071" name="文本框 68">
-            <a:extLst>
-              <a:ext uri="{FF2B5EF4-FFF2-40B4-BE49-F238E27FC236}">
-                <a16:creationId xmlns:a16="http://schemas.microsoft.com/office/drawing/2014/main" id="{C94619C8-8B64-9F60-CCB9-A4117360D292}"/>
-              </a:ext>
-            </a:extLst>
-          </p:cNvPr>
-          <p:cNvSpPr txBox="1">
-            <a:spLocks noChangeArrowheads="1"/>
-          </p:cNvSpPr>
-          <p:nvPr/>
-        </p:nvSpPr>
-        <p:spPr bwMode="auto">
-          <a:xfrm>
-            <a:off x="895350" y="1627188"/>
-            <a:ext cx="755650" cy="306387"/>
-          </a:xfrm>
-          <a:prstGeom prst="rect">
-            <a:avLst/>
-          </a:prstGeom>
-          <a:noFill/>
-          <a:ln>
-            <a:noFill/>
-          </a:ln>
-          <a:extLst>
-            <a:ext uri="{909E8E84-426E-40DD-AFC4-6F175D3DCCD1}">
-              <a14:hiddenFill xmlns:a14="http://schemas.microsoft.com/office/drawing/2010/main">
-                <a:solidFill>
-                  <a:srgbClr val="FFFFFF"/>
-                </a:solidFill>
-              </a14:hiddenFill>
-            </a:ext>
-            <a:ext uri="{91240B29-F687-4F45-9708-019B960494DF}">
-              <a14:hiddenLine xmlns:a14="http://schemas.microsoft.com/office/drawing/2010/main" w="9525">
-                <a:solidFill>
-                  <a:srgbClr val="000000"/>
-                </a:solidFill>
-                <a:miter lim="800000"/>
-                <a:headEnd/>
-                <a:tailEnd/>
-              </a14:hiddenLine>
-            </a:ext>
-          </a:extLst>
-        </p:spPr>
-        <p:txBody>
-          <a:bodyPr>
-            <a:spAutoFit/>
-          </a:bodyPr>
-          <a:lstStyle/>
-          <a:p>
-            <a:pPr algn="ctr"/>
-            <a:r>
-              <a:rPr lang="en-US" altLang="zh-CN" sz="1400"/>
-              <a:t>update</a:t>
-            </a:r>
-          </a:p>
-        </p:txBody>
-      </p:sp>
       <p:cxnSp>
         <p:nvCxnSpPr>
           <p:cNvPr id="70" name="直接连接符 69">
@@ -4947,13 +5459,13 @@
         </p:nvCxnSpPr>
         <p:spPr>
           <a:xfrm flipH="1">
-            <a:off x="2568575" y="627063"/>
+            <a:off x="2568177" y="504282"/>
             <a:ext cx="12700" cy="2881312"/>
           </a:xfrm>
           <a:prstGeom prst="line">
             <a:avLst/>
           </a:prstGeom>
-          <a:ln w="28575" cmpd="sng">
+          <a:ln w="31750" cmpd="sng">
             <a:solidFill>
               <a:schemeClr val="tx1"/>
             </a:solidFill>
@@ -4991,8 +5503,8 @@
         </p:nvSpPr>
         <p:spPr bwMode="auto">
           <a:xfrm>
-            <a:off x="396875" y="3224213"/>
-            <a:ext cx="630238" cy="338137"/>
+            <a:off x="396875" y="3138180"/>
+            <a:ext cx="630238" cy="246221"/>
           </a:xfrm>
           <a:prstGeom prst="rect">
             <a:avLst/>
@@ -5022,1038 +5534,787 @@
           </a:extLst>
         </p:spPr>
         <p:txBody>
-          <a:bodyPr>
+          <a:bodyPr lIns="0" tIns="0" rIns="0" bIns="0">
             <a:spAutoFit/>
           </a:bodyPr>
           <a:lstStyle/>
           <a:p>
             <a:pPr algn="ctr"/>
             <a:r>
-              <a:rPr lang="en-US" altLang="zh-CN" sz="1600"/>
-              <a:t>seg0</a:t>
+              <a:rPr lang="en-US" altLang="zh-CN" sz="1600" dirty="0"/>
+              <a:t>Seg 0</a:t>
             </a:r>
           </a:p>
         </p:txBody>
       </p:sp>
-      <p:sp>
-        <p:nvSpPr>
-          <p:cNvPr id="73" name="矩形 72">
+      <p:grpSp>
+        <p:nvGrpSpPr>
+          <p:cNvPr id="55" name="组合 54">
             <a:extLst>
               <a:ext uri="{FF2B5EF4-FFF2-40B4-BE49-F238E27FC236}">
-                <a16:creationId xmlns:a16="http://schemas.microsoft.com/office/drawing/2014/main" id="{AFE14843-CFA2-24CC-4C7F-0A0E9EAEF5AC}"/>
+                <a16:creationId xmlns:a16="http://schemas.microsoft.com/office/drawing/2014/main" id="{18E97FF2-F78F-8944-1A19-F1C3B1DD6163}"/>
               </a:ext>
             </a:extLst>
           </p:cNvPr>
-          <p:cNvSpPr/>
+          <p:cNvGrpSpPr/>
           <p:nvPr/>
-        </p:nvSpPr>
-        <p:spPr>
+        </p:nvGrpSpPr>
+        <p:grpSpPr>
           <a:xfrm>
-            <a:off x="3095625" y="2974975"/>
-            <a:ext cx="431800" cy="328613"/>
+            <a:off x="3108325" y="612232"/>
+            <a:ext cx="431800" cy="2514600"/>
+            <a:chOff x="3095625" y="612232"/>
+            <a:chExt cx="431800" cy="2514600"/>
           </a:xfrm>
-          <a:prstGeom prst="rect">
-            <a:avLst/>
-          </a:prstGeom>
-          <a:solidFill>
-            <a:srgbClr val="9DD16F"/>
-          </a:solidFill>
-        </p:spPr>
-        <p:style>
-          <a:lnRef idx="2">
-            <a:schemeClr val="accent1">
-              <a:shade val="50000"/>
-            </a:schemeClr>
-          </a:lnRef>
-          <a:fillRef idx="1">
-            <a:schemeClr val="accent1"/>
-          </a:fillRef>
-          <a:effectRef idx="0">
-            <a:schemeClr val="accent1"/>
-          </a:effectRef>
-          <a:fontRef idx="minor">
-            <a:schemeClr val="lt1"/>
-          </a:fontRef>
-        </p:style>
-        <p:txBody>
-          <a:bodyPr anchor="ctr"/>
-          <a:lstStyle/>
-          <a:p>
-            <a:pPr algn="ctr"/>
-            <a:endParaRPr lang="en-US" altLang="zh-CN" sz="700" baseline="-25000" noProof="1">
+        </p:grpSpPr>
+        <p:sp>
+          <p:nvSpPr>
+            <p:cNvPr id="73" name="矩形 72">
+              <a:extLst>
+                <a:ext uri="{FF2B5EF4-FFF2-40B4-BE49-F238E27FC236}">
+                  <a16:creationId xmlns:a16="http://schemas.microsoft.com/office/drawing/2014/main" id="{AFE14843-CFA2-24CC-4C7F-0A0E9EAEF5AC}"/>
+                </a:ext>
+              </a:extLst>
+            </p:cNvPr>
+            <p:cNvSpPr/>
+            <p:nvPr/>
+          </p:nvSpPr>
+          <p:spPr>
+            <a:xfrm>
+              <a:off x="3095625" y="2798219"/>
+              <a:ext cx="431800" cy="328613"/>
+            </a:xfrm>
+            <a:prstGeom prst="rect">
+              <a:avLst/>
+            </a:prstGeom>
+            <a:solidFill>
+              <a:srgbClr val="9DD16F"/>
+            </a:solidFill>
+            <a:ln w="25400">
               <a:solidFill>
-                <a:schemeClr val="tx1"/>
+                <a:srgbClr val="89A4A7"/>
               </a:solidFill>
-            </a:endParaRPr>
-          </a:p>
-        </p:txBody>
-      </p:sp>
-      <p:sp>
-        <p:nvSpPr>
-          <p:cNvPr id="74" name="矩形 73">
+            </a:ln>
+          </p:spPr>
+          <p:style>
+            <a:lnRef idx="2">
+              <a:schemeClr val="accent1">
+                <a:shade val="50000"/>
+              </a:schemeClr>
+            </a:lnRef>
+            <a:fillRef idx="1">
+              <a:schemeClr val="accent1"/>
+            </a:fillRef>
+            <a:effectRef idx="0">
+              <a:schemeClr val="accent1"/>
+            </a:effectRef>
+            <a:fontRef idx="minor">
+              <a:schemeClr val="lt1"/>
+            </a:fontRef>
+          </p:style>
+          <p:txBody>
+            <a:bodyPr anchor="ctr"/>
+            <a:lstStyle/>
+            <a:p>
+              <a:pPr algn="ctr"/>
+              <a:endParaRPr lang="en-US" altLang="zh-CN" sz="1600" baseline="-25000" noProof="1">
+                <a:solidFill>
+                  <a:schemeClr val="tx1"/>
+                </a:solidFill>
+              </a:endParaRPr>
+            </a:p>
+          </p:txBody>
+        </p:sp>
+        <p:sp>
+          <p:nvSpPr>
+            <p:cNvPr id="74" name="矩形 73">
+              <a:extLst>
+                <a:ext uri="{FF2B5EF4-FFF2-40B4-BE49-F238E27FC236}">
+                  <a16:creationId xmlns:a16="http://schemas.microsoft.com/office/drawing/2014/main" id="{AE98353E-145D-897C-00C2-F99C63FD978D}"/>
+                </a:ext>
+              </a:extLst>
+            </p:cNvPr>
+            <p:cNvSpPr/>
+            <p:nvPr/>
+          </p:nvSpPr>
+          <p:spPr>
+            <a:xfrm>
+              <a:off x="3095625" y="2599782"/>
+              <a:ext cx="431800" cy="198437"/>
+            </a:xfrm>
+            <a:prstGeom prst="rect">
+              <a:avLst/>
+            </a:prstGeom>
+            <a:solidFill>
+              <a:schemeClr val="bg1">
+                <a:lumMod val="85000"/>
+              </a:schemeClr>
+            </a:solidFill>
+            <a:ln w="25400">
+              <a:solidFill>
+                <a:srgbClr val="89A4A7"/>
+              </a:solidFill>
+            </a:ln>
+          </p:spPr>
+          <p:style>
+            <a:lnRef idx="2">
+              <a:schemeClr val="accent1">
+                <a:shade val="50000"/>
+              </a:schemeClr>
+            </a:lnRef>
+            <a:fillRef idx="1">
+              <a:schemeClr val="accent1"/>
+            </a:fillRef>
+            <a:effectRef idx="0">
+              <a:schemeClr val="accent1"/>
+            </a:effectRef>
+            <a:fontRef idx="minor">
+              <a:schemeClr val="lt1"/>
+            </a:fontRef>
+          </p:style>
+          <p:txBody>
+            <a:bodyPr anchor="ctr"/>
+            <a:lstStyle/>
+            <a:p>
+              <a:pPr algn="ctr"/>
+              <a:endParaRPr lang="en-US" altLang="zh-CN" sz="1600" noProof="1">
+                <a:solidFill>
+                  <a:schemeClr val="tx1"/>
+                </a:solidFill>
+              </a:endParaRPr>
+            </a:p>
+          </p:txBody>
+        </p:sp>
+        <p:sp>
+          <p:nvSpPr>
+            <p:cNvPr id="75" name="矩形 74">
+              <a:extLst>
+                <a:ext uri="{FF2B5EF4-FFF2-40B4-BE49-F238E27FC236}">
+                  <a16:creationId xmlns:a16="http://schemas.microsoft.com/office/drawing/2014/main" id="{DA30E5CE-ED66-57E3-413F-F7EE67682E3B}"/>
+                </a:ext>
+              </a:extLst>
+            </p:cNvPr>
+            <p:cNvSpPr/>
+            <p:nvPr/>
+          </p:nvSpPr>
+          <p:spPr>
+            <a:xfrm>
+              <a:off x="3095625" y="2239419"/>
+              <a:ext cx="431800" cy="360363"/>
+            </a:xfrm>
+            <a:prstGeom prst="rect">
+              <a:avLst/>
+            </a:prstGeom>
+            <a:solidFill>
+              <a:srgbClr val="9DD16F"/>
+            </a:solidFill>
+            <a:ln w="25400">
+              <a:solidFill>
+                <a:srgbClr val="89A4A7"/>
+              </a:solidFill>
+            </a:ln>
+          </p:spPr>
+          <p:style>
+            <a:lnRef idx="2">
+              <a:schemeClr val="accent1">
+                <a:shade val="50000"/>
+              </a:schemeClr>
+            </a:lnRef>
+            <a:fillRef idx="1">
+              <a:schemeClr val="accent1"/>
+            </a:fillRef>
+            <a:effectRef idx="0">
+              <a:schemeClr val="accent1"/>
+            </a:effectRef>
+            <a:fontRef idx="minor">
+              <a:schemeClr val="lt1"/>
+            </a:fontRef>
+          </p:style>
+          <p:txBody>
+            <a:bodyPr anchor="ctr"/>
+            <a:lstStyle/>
+            <a:p>
+              <a:pPr algn="ctr"/>
+              <a:endParaRPr lang="en-US" altLang="zh-CN" sz="1600" baseline="-25000" noProof="1">
+                <a:solidFill>
+                  <a:schemeClr val="tx1"/>
+                </a:solidFill>
+              </a:endParaRPr>
+            </a:p>
+          </p:txBody>
+        </p:sp>
+        <p:sp>
+          <p:nvSpPr>
+            <p:cNvPr id="76" name="矩形 75">
+              <a:extLst>
+                <a:ext uri="{FF2B5EF4-FFF2-40B4-BE49-F238E27FC236}">
+                  <a16:creationId xmlns:a16="http://schemas.microsoft.com/office/drawing/2014/main" id="{0CF2386B-1A0B-0313-BD41-AEE47F2947AD}"/>
+                </a:ext>
+              </a:extLst>
+            </p:cNvPr>
+            <p:cNvSpPr/>
+            <p:nvPr/>
+          </p:nvSpPr>
+          <p:spPr>
+            <a:xfrm>
+              <a:off x="3095625" y="612232"/>
+              <a:ext cx="431800" cy="1627187"/>
+            </a:xfrm>
+            <a:prstGeom prst="rect">
+              <a:avLst/>
+            </a:prstGeom>
+            <a:ln w="25400"/>
+          </p:spPr>
+          <p:style>
+            <a:lnRef idx="2">
+              <a:schemeClr val="accent1">
+                <a:shade val="50000"/>
+              </a:schemeClr>
+            </a:lnRef>
+            <a:fillRef idx="1">
+              <a:schemeClr val="accent1"/>
+            </a:fillRef>
+            <a:effectRef idx="0">
+              <a:schemeClr val="accent1"/>
+            </a:effectRef>
+            <a:fontRef idx="minor">
+              <a:schemeClr val="lt1"/>
+            </a:fontRef>
+          </p:style>
+          <p:txBody>
+            <a:bodyPr anchor="ctr"/>
+            <a:lstStyle/>
+            <a:p>
+              <a:pPr algn="ctr"/>
+              <a:endParaRPr lang="en-US" altLang="zh-CN" sz="1600" baseline="-25000" noProof="1">
+                <a:solidFill>
+                  <a:schemeClr val="tx1"/>
+                </a:solidFill>
+              </a:endParaRPr>
+            </a:p>
+          </p:txBody>
+        </p:sp>
+      </p:grpSp>
+      <p:grpSp>
+        <p:nvGrpSpPr>
+          <p:cNvPr id="54" name="组合 53">
             <a:extLst>
               <a:ext uri="{FF2B5EF4-FFF2-40B4-BE49-F238E27FC236}">
-                <a16:creationId xmlns:a16="http://schemas.microsoft.com/office/drawing/2014/main" id="{AE98353E-145D-897C-00C2-F99C63FD978D}"/>
+                <a16:creationId xmlns:a16="http://schemas.microsoft.com/office/drawing/2014/main" id="{35FAB034-3643-4014-3387-0FC6AC25845A}"/>
               </a:ext>
             </a:extLst>
           </p:cNvPr>
-          <p:cNvSpPr/>
+          <p:cNvGrpSpPr/>
           <p:nvPr/>
-        </p:nvSpPr>
-        <p:spPr>
+        </p:nvGrpSpPr>
+        <p:grpSpPr>
           <a:xfrm>
-            <a:off x="3095625" y="2776538"/>
-            <a:ext cx="431800" cy="198437"/>
+            <a:off x="3756344" y="613817"/>
+            <a:ext cx="431800" cy="2513015"/>
+            <a:chOff x="3743325" y="613817"/>
+            <a:chExt cx="431800" cy="2513015"/>
           </a:xfrm>
-          <a:prstGeom prst="rect">
-            <a:avLst/>
-          </a:prstGeom>
-          <a:solidFill>
-            <a:schemeClr val="bg1">
-              <a:lumMod val="85000"/>
-            </a:schemeClr>
-          </a:solidFill>
-        </p:spPr>
-        <p:style>
-          <a:lnRef idx="2">
-            <a:schemeClr val="accent1">
-              <a:shade val="50000"/>
-            </a:schemeClr>
-          </a:lnRef>
-          <a:fillRef idx="1">
-            <a:schemeClr val="accent1"/>
-          </a:fillRef>
-          <a:effectRef idx="0">
-            <a:schemeClr val="accent1"/>
-          </a:effectRef>
-          <a:fontRef idx="minor">
-            <a:schemeClr val="lt1"/>
-          </a:fontRef>
-        </p:style>
-        <p:txBody>
-          <a:bodyPr anchor="ctr"/>
-          <a:lstStyle/>
-          <a:p>
-            <a:pPr algn="ctr"/>
-            <a:endParaRPr lang="en-US" altLang="zh-CN" sz="700" baseline="-25000" noProof="1">
+        </p:grpSpPr>
+        <p:sp>
+          <p:nvSpPr>
+            <p:cNvPr id="82" name="矩形 81">
+              <a:extLst>
+                <a:ext uri="{FF2B5EF4-FFF2-40B4-BE49-F238E27FC236}">
+                  <a16:creationId xmlns:a16="http://schemas.microsoft.com/office/drawing/2014/main" id="{364F87E8-1972-3001-C31C-10ADF0CFE16E}"/>
+                </a:ext>
+              </a:extLst>
+            </p:cNvPr>
+            <p:cNvSpPr/>
+            <p:nvPr/>
+          </p:nvSpPr>
+          <p:spPr>
+            <a:xfrm>
+              <a:off x="3743325" y="2575969"/>
+              <a:ext cx="431800" cy="550863"/>
+            </a:xfrm>
+            <a:prstGeom prst="rect">
+              <a:avLst/>
+            </a:prstGeom>
+            <a:solidFill>
+              <a:srgbClr val="9DD16F"/>
+            </a:solidFill>
+            <a:ln w="25400">
               <a:solidFill>
-                <a:schemeClr val="tx1"/>
+                <a:srgbClr val="89A4A7"/>
               </a:solidFill>
-            </a:endParaRPr>
-          </a:p>
-        </p:txBody>
-      </p:sp>
-      <p:sp>
-        <p:nvSpPr>
-          <p:cNvPr id="75" name="矩形 74">
-            <a:extLst>
-              <a:ext uri="{FF2B5EF4-FFF2-40B4-BE49-F238E27FC236}">
-                <a16:creationId xmlns:a16="http://schemas.microsoft.com/office/drawing/2014/main" id="{DA30E5CE-ED66-57E3-413F-F7EE67682E3B}"/>
-              </a:ext>
-            </a:extLst>
-          </p:cNvPr>
-          <p:cNvSpPr/>
-          <p:nvPr/>
-        </p:nvSpPr>
-        <p:spPr>
-          <a:xfrm>
-            <a:off x="3095625" y="2416175"/>
-            <a:ext cx="431800" cy="360363"/>
-          </a:xfrm>
-          <a:prstGeom prst="rect">
-            <a:avLst/>
-          </a:prstGeom>
-          <a:solidFill>
-            <a:srgbClr val="9DD16F"/>
-          </a:solidFill>
-        </p:spPr>
-        <p:style>
-          <a:lnRef idx="2">
-            <a:schemeClr val="accent1">
-              <a:shade val="50000"/>
-            </a:schemeClr>
-          </a:lnRef>
-          <a:fillRef idx="1">
-            <a:schemeClr val="accent1"/>
-          </a:fillRef>
-          <a:effectRef idx="0">
-            <a:schemeClr val="accent1"/>
-          </a:effectRef>
-          <a:fontRef idx="minor">
-            <a:schemeClr val="lt1"/>
-          </a:fontRef>
-        </p:style>
-        <p:txBody>
-          <a:bodyPr anchor="ctr"/>
-          <a:lstStyle/>
-          <a:p>
-            <a:pPr algn="ctr"/>
-            <a:endParaRPr lang="en-US" altLang="zh-CN" sz="700" baseline="-25000" noProof="1">
-              <a:solidFill>
-                <a:schemeClr val="tx1"/>
-              </a:solidFill>
-            </a:endParaRPr>
-          </a:p>
-        </p:txBody>
-      </p:sp>
-      <p:sp>
-        <p:nvSpPr>
-          <p:cNvPr id="76" name="矩形 75">
-            <a:extLst>
-              <a:ext uri="{FF2B5EF4-FFF2-40B4-BE49-F238E27FC236}">
-                <a16:creationId xmlns:a16="http://schemas.microsoft.com/office/drawing/2014/main" id="{0CF2386B-1A0B-0313-BD41-AEE47F2947AD}"/>
-              </a:ext>
-            </a:extLst>
-          </p:cNvPr>
-          <p:cNvSpPr/>
-          <p:nvPr/>
-        </p:nvSpPr>
-        <p:spPr>
-          <a:xfrm>
-            <a:off x="3095625" y="788988"/>
-            <a:ext cx="431800" cy="1627187"/>
-          </a:xfrm>
-          <a:prstGeom prst="rect">
-            <a:avLst/>
-          </a:prstGeom>
-        </p:spPr>
-        <p:style>
-          <a:lnRef idx="2">
-            <a:schemeClr val="accent1">
-              <a:shade val="50000"/>
-            </a:schemeClr>
-          </a:lnRef>
-          <a:fillRef idx="1">
-            <a:schemeClr val="accent1"/>
-          </a:fillRef>
-          <a:effectRef idx="0">
-            <a:schemeClr val="accent1"/>
-          </a:effectRef>
-          <a:fontRef idx="minor">
-            <a:schemeClr val="lt1"/>
-          </a:fontRef>
-        </p:style>
-        <p:txBody>
-          <a:bodyPr anchor="ctr"/>
-          <a:lstStyle/>
-          <a:p>
-            <a:pPr algn="ctr"/>
-            <a:endParaRPr lang="en-US" altLang="zh-CN" sz="700" baseline="-25000" noProof="1">
-              <a:solidFill>
-                <a:schemeClr val="tx1"/>
-              </a:solidFill>
-            </a:endParaRPr>
-          </a:p>
-        </p:txBody>
-      </p:sp>
-      <p:sp>
-        <p:nvSpPr>
-          <p:cNvPr id="82" name="矩形 81">
-            <a:extLst>
-              <a:ext uri="{FF2B5EF4-FFF2-40B4-BE49-F238E27FC236}">
-                <a16:creationId xmlns:a16="http://schemas.microsoft.com/office/drawing/2014/main" id="{364F87E8-1972-3001-C31C-10ADF0CFE16E}"/>
-              </a:ext>
-            </a:extLst>
-          </p:cNvPr>
-          <p:cNvSpPr/>
-          <p:nvPr/>
-        </p:nvSpPr>
-        <p:spPr>
-          <a:xfrm>
-            <a:off x="3743325" y="2752725"/>
-            <a:ext cx="431800" cy="550863"/>
-          </a:xfrm>
-          <a:prstGeom prst="rect">
-            <a:avLst/>
-          </a:prstGeom>
-          <a:solidFill>
-            <a:srgbClr val="9DD16F"/>
-          </a:solidFill>
-        </p:spPr>
-        <p:style>
-          <a:lnRef idx="2">
-            <a:schemeClr val="accent1">
-              <a:shade val="50000"/>
-            </a:schemeClr>
-          </a:lnRef>
-          <a:fillRef idx="1">
-            <a:schemeClr val="accent1"/>
-          </a:fillRef>
-          <a:effectRef idx="0">
-            <a:schemeClr val="accent1"/>
-          </a:effectRef>
-          <a:fontRef idx="minor">
-            <a:schemeClr val="lt1"/>
-          </a:fontRef>
-        </p:style>
-        <p:txBody>
-          <a:bodyPr anchor="ctr"/>
-          <a:lstStyle/>
-          <a:p>
-            <a:pPr algn="ctr"/>
-            <a:endParaRPr lang="en-US" altLang="zh-CN" sz="700" baseline="-25000" noProof="1">
-              <a:solidFill>
-                <a:schemeClr val="tx1"/>
-              </a:solidFill>
-            </a:endParaRPr>
-          </a:p>
-        </p:txBody>
-      </p:sp>
-      <p:sp>
-        <p:nvSpPr>
-          <p:cNvPr id="84" name="矩形 83">
-            <a:extLst>
-              <a:ext uri="{FF2B5EF4-FFF2-40B4-BE49-F238E27FC236}">
-                <a16:creationId xmlns:a16="http://schemas.microsoft.com/office/drawing/2014/main" id="{0679DF31-B959-A142-83E0-8BC0C315EF76}"/>
-              </a:ext>
-            </a:extLst>
-          </p:cNvPr>
-          <p:cNvSpPr/>
-          <p:nvPr/>
-        </p:nvSpPr>
-        <p:spPr>
-          <a:xfrm>
-            <a:off x="3743325" y="2416175"/>
-            <a:ext cx="431800" cy="336550"/>
-          </a:xfrm>
-          <a:prstGeom prst="rect">
-            <a:avLst/>
-          </a:prstGeom>
-          <a:solidFill>
-            <a:schemeClr val="bg1">
-              <a:lumMod val="85000"/>
-            </a:schemeClr>
-          </a:solidFill>
-        </p:spPr>
-        <p:style>
-          <a:lnRef idx="2">
-            <a:schemeClr val="accent1">
-              <a:shade val="50000"/>
-            </a:schemeClr>
-          </a:lnRef>
-          <a:fillRef idx="1">
-            <a:schemeClr val="accent1"/>
-          </a:fillRef>
-          <a:effectRef idx="0">
-            <a:schemeClr val="accent1"/>
-          </a:effectRef>
-          <a:fontRef idx="minor">
-            <a:schemeClr val="lt1"/>
-          </a:fontRef>
-        </p:style>
-        <p:txBody>
-          <a:bodyPr anchor="ctr"/>
-          <a:lstStyle/>
-          <a:p>
-            <a:pPr algn="ctr"/>
-            <a:endParaRPr lang="en-US" altLang="zh-CN" sz="700" baseline="-25000" noProof="1">
-              <a:solidFill>
-                <a:schemeClr val="tx1"/>
-              </a:solidFill>
-            </a:endParaRPr>
-          </a:p>
-        </p:txBody>
-      </p:sp>
-      <p:sp>
-        <p:nvSpPr>
-          <p:cNvPr id="85" name="矩形 84">
-            <a:extLst>
-              <a:ext uri="{FF2B5EF4-FFF2-40B4-BE49-F238E27FC236}">
-                <a16:creationId xmlns:a16="http://schemas.microsoft.com/office/drawing/2014/main" id="{40DE160C-D241-BA7F-8EA4-8485983AD824}"/>
-              </a:ext>
-            </a:extLst>
-          </p:cNvPr>
-          <p:cNvSpPr/>
-          <p:nvPr/>
-        </p:nvSpPr>
-        <p:spPr>
-          <a:xfrm>
-            <a:off x="3743325" y="2255838"/>
-            <a:ext cx="431800" cy="160337"/>
-          </a:xfrm>
-          <a:prstGeom prst="rect">
-            <a:avLst/>
-          </a:prstGeom>
-          <a:solidFill>
-            <a:srgbClr val="9DD16F"/>
-          </a:solidFill>
-        </p:spPr>
-        <p:style>
-          <a:lnRef idx="2">
-            <a:schemeClr val="accent1">
-              <a:shade val="50000"/>
-            </a:schemeClr>
-          </a:lnRef>
-          <a:fillRef idx="1">
-            <a:schemeClr val="accent1"/>
-          </a:fillRef>
-          <a:effectRef idx="0">
-            <a:schemeClr val="accent1"/>
-          </a:effectRef>
-          <a:fontRef idx="minor">
-            <a:schemeClr val="lt1"/>
-          </a:fontRef>
-        </p:style>
-        <p:txBody>
-          <a:bodyPr anchor="ctr"/>
-          <a:lstStyle/>
-          <a:p>
-            <a:pPr algn="ctr"/>
-            <a:endParaRPr lang="en-US" altLang="zh-CN" sz="700" baseline="-25000" noProof="1">
-              <a:solidFill>
-                <a:schemeClr val="tx1"/>
-              </a:solidFill>
-            </a:endParaRPr>
-          </a:p>
-        </p:txBody>
-      </p:sp>
-      <p:sp>
-        <p:nvSpPr>
-          <p:cNvPr id="86" name="矩形 85">
-            <a:extLst>
-              <a:ext uri="{FF2B5EF4-FFF2-40B4-BE49-F238E27FC236}">
-                <a16:creationId xmlns:a16="http://schemas.microsoft.com/office/drawing/2014/main" id="{0C2EF4F7-03E5-1B16-1685-D8D4FC4C5194}"/>
-              </a:ext>
-            </a:extLst>
-          </p:cNvPr>
-          <p:cNvSpPr/>
-          <p:nvPr/>
-        </p:nvSpPr>
-        <p:spPr>
-          <a:xfrm>
-            <a:off x="3743325" y="1857375"/>
-            <a:ext cx="431800" cy="412750"/>
-          </a:xfrm>
-          <a:prstGeom prst="rect">
-            <a:avLst/>
-          </a:prstGeom>
-          <a:solidFill>
-            <a:schemeClr val="bg1">
-              <a:lumMod val="85000"/>
-            </a:schemeClr>
-          </a:solidFill>
-        </p:spPr>
-        <p:style>
-          <a:lnRef idx="2">
-            <a:schemeClr val="accent1">
-              <a:shade val="50000"/>
-            </a:schemeClr>
-          </a:lnRef>
-          <a:fillRef idx="1">
-            <a:schemeClr val="accent1"/>
-          </a:fillRef>
-          <a:effectRef idx="0">
-            <a:schemeClr val="accent1"/>
-          </a:effectRef>
-          <a:fontRef idx="minor">
-            <a:schemeClr val="lt1"/>
-          </a:fontRef>
-        </p:style>
-        <p:txBody>
-          <a:bodyPr anchor="ctr"/>
-          <a:lstStyle/>
-          <a:p>
-            <a:pPr algn="ctr"/>
-            <a:endParaRPr lang="en-US" altLang="zh-CN" sz="700" baseline="-25000" noProof="1">
-              <a:solidFill>
-                <a:schemeClr val="tx1"/>
-              </a:solidFill>
-            </a:endParaRPr>
-          </a:p>
-        </p:txBody>
-      </p:sp>
-      <p:sp>
-        <p:nvSpPr>
-          <p:cNvPr id="87" name="矩形 86">
-            <a:extLst>
-              <a:ext uri="{FF2B5EF4-FFF2-40B4-BE49-F238E27FC236}">
-                <a16:creationId xmlns:a16="http://schemas.microsoft.com/office/drawing/2014/main" id="{B226EB50-E154-22E2-08D1-E18356C34EC8}"/>
-              </a:ext>
-            </a:extLst>
-          </p:cNvPr>
-          <p:cNvSpPr/>
-          <p:nvPr/>
-        </p:nvSpPr>
-        <p:spPr>
-          <a:xfrm>
-            <a:off x="3743325" y="1577975"/>
-            <a:ext cx="431800" cy="279400"/>
-          </a:xfrm>
-          <a:prstGeom prst="rect">
-            <a:avLst/>
-          </a:prstGeom>
-          <a:solidFill>
-            <a:srgbClr val="9DD16F"/>
-          </a:solidFill>
-        </p:spPr>
-        <p:style>
-          <a:lnRef idx="2">
-            <a:schemeClr val="accent1">
-              <a:shade val="50000"/>
-            </a:schemeClr>
-          </a:lnRef>
-          <a:fillRef idx="1">
-            <a:schemeClr val="accent1"/>
-          </a:fillRef>
-          <a:effectRef idx="0">
-            <a:schemeClr val="accent1"/>
-          </a:effectRef>
-          <a:fontRef idx="minor">
-            <a:schemeClr val="lt1"/>
-          </a:fontRef>
-        </p:style>
-        <p:txBody>
-          <a:bodyPr anchor="ctr"/>
-          <a:lstStyle/>
-          <a:p>
-            <a:pPr algn="ctr"/>
-            <a:endParaRPr lang="en-US" altLang="zh-CN" sz="700" baseline="-25000" noProof="1">
-              <a:solidFill>
-                <a:schemeClr val="tx1"/>
-              </a:solidFill>
-            </a:endParaRPr>
-          </a:p>
-        </p:txBody>
-      </p:sp>
-      <p:sp>
-        <p:nvSpPr>
-          <p:cNvPr id="88" name="矩形 87">
-            <a:extLst>
-              <a:ext uri="{FF2B5EF4-FFF2-40B4-BE49-F238E27FC236}">
-                <a16:creationId xmlns:a16="http://schemas.microsoft.com/office/drawing/2014/main" id="{37544575-A297-4812-3520-B2E47E3D3C3D}"/>
-              </a:ext>
-            </a:extLst>
-          </p:cNvPr>
-          <p:cNvSpPr/>
-          <p:nvPr/>
-        </p:nvSpPr>
-        <p:spPr>
-          <a:xfrm>
-            <a:off x="3743325" y="790575"/>
-            <a:ext cx="431800" cy="787400"/>
-          </a:xfrm>
-          <a:prstGeom prst="rect">
-            <a:avLst/>
-          </a:prstGeom>
-        </p:spPr>
-        <p:style>
-          <a:lnRef idx="2">
-            <a:schemeClr val="accent1">
-              <a:shade val="50000"/>
-            </a:schemeClr>
-          </a:lnRef>
-          <a:fillRef idx="1">
-            <a:schemeClr val="accent1"/>
-          </a:fillRef>
-          <a:effectRef idx="0">
-            <a:schemeClr val="accent1"/>
-          </a:effectRef>
-          <a:fontRef idx="minor">
-            <a:schemeClr val="lt1"/>
-          </a:fontRef>
-        </p:style>
-        <p:txBody>
-          <a:bodyPr anchor="ctr"/>
-          <a:lstStyle/>
-          <a:p>
-            <a:pPr algn="ctr"/>
-            <a:endParaRPr lang="en-US" altLang="zh-CN" sz="700" baseline="-25000" noProof="1">
-              <a:solidFill>
-                <a:schemeClr val="tx1"/>
-              </a:solidFill>
-            </a:endParaRPr>
-          </a:p>
-        </p:txBody>
-      </p:sp>
-      <p:sp>
-        <p:nvSpPr>
-          <p:cNvPr id="98" name="矩形 97">
-            <a:extLst>
-              <a:ext uri="{FF2B5EF4-FFF2-40B4-BE49-F238E27FC236}">
-                <a16:creationId xmlns:a16="http://schemas.microsoft.com/office/drawing/2014/main" id="{A2A888A8-4E8B-1B7B-131C-E3B2DBD4BDBE}"/>
-              </a:ext>
-            </a:extLst>
-          </p:cNvPr>
-          <p:cNvSpPr/>
-          <p:nvPr/>
-        </p:nvSpPr>
-        <p:spPr>
-          <a:xfrm>
-            <a:off x="1651000" y="104775"/>
-            <a:ext cx="423863" cy="423863"/>
-          </a:xfrm>
-          <a:prstGeom prst="rect">
-            <a:avLst/>
-          </a:prstGeom>
-          <a:solidFill>
-            <a:schemeClr val="bg1"/>
-          </a:solidFill>
-          <a:ln>
-            <a:solidFill>
-              <a:schemeClr val="tx1"/>
-            </a:solidFill>
-          </a:ln>
-        </p:spPr>
-        <p:style>
-          <a:lnRef idx="2">
-            <a:schemeClr val="accent1">
-              <a:shade val="50000"/>
-            </a:schemeClr>
-          </a:lnRef>
-          <a:fillRef idx="1">
-            <a:schemeClr val="accent1"/>
-          </a:fillRef>
-          <a:effectRef idx="0">
-            <a:schemeClr val="accent1"/>
-          </a:effectRef>
-          <a:fontRef idx="minor">
-            <a:schemeClr val="lt1"/>
-          </a:fontRef>
-        </p:style>
-        <p:txBody>
-          <a:bodyPr anchor="ctr"/>
-          <a:lstStyle/>
-          <a:p>
-            <a:pPr algn="ctr"/>
-            <a:r>
-              <a:rPr lang="en-US" altLang="zh-CN" sz="1600" noProof="1">
+            </a:ln>
+          </p:spPr>
+          <p:style>
+            <a:lnRef idx="2">
+              <a:schemeClr val="accent1">
+                <a:shade val="50000"/>
+              </a:schemeClr>
+            </a:lnRef>
+            <a:fillRef idx="1">
+              <a:schemeClr val="accent1"/>
+            </a:fillRef>
+            <a:effectRef idx="0">
+              <a:schemeClr val="accent1"/>
+            </a:effectRef>
+            <a:fontRef idx="minor">
+              <a:schemeClr val="lt1"/>
+            </a:fontRef>
+          </p:style>
+          <p:txBody>
+            <a:bodyPr anchor="ctr"/>
+            <a:lstStyle/>
+            <a:p>
+              <a:pPr algn="ctr"/>
+              <a:endParaRPr lang="en-US" altLang="zh-CN" sz="1600" baseline="-25000" noProof="1">
                 <a:solidFill>
                   <a:schemeClr val="tx1"/>
                 </a:solidFill>
-              </a:rPr>
-              <a:t>a</a:t>
-            </a:r>
-            <a:r>
-              <a:rPr lang="en-US" altLang="zh-CN" sz="1600" baseline="-25000" noProof="1">
+              </a:endParaRPr>
+            </a:p>
+          </p:txBody>
+        </p:sp>
+        <p:sp>
+          <p:nvSpPr>
+            <p:cNvPr id="84" name="矩形 83">
+              <a:extLst>
+                <a:ext uri="{FF2B5EF4-FFF2-40B4-BE49-F238E27FC236}">
+                  <a16:creationId xmlns:a16="http://schemas.microsoft.com/office/drawing/2014/main" id="{0679DF31-B959-A142-83E0-8BC0C315EF76}"/>
+                </a:ext>
+              </a:extLst>
+            </p:cNvPr>
+            <p:cNvSpPr/>
+            <p:nvPr/>
+          </p:nvSpPr>
+          <p:spPr>
+            <a:xfrm>
+              <a:off x="3743325" y="2448719"/>
+              <a:ext cx="431800" cy="127248"/>
+            </a:xfrm>
+            <a:prstGeom prst="rect">
+              <a:avLst/>
+            </a:prstGeom>
+            <a:solidFill>
+              <a:schemeClr val="bg1">
+                <a:lumMod val="85000"/>
+              </a:schemeClr>
+            </a:solidFill>
+            <a:ln w="25400">
+              <a:solidFill>
+                <a:srgbClr val="89A4A7"/>
+              </a:solidFill>
+            </a:ln>
+          </p:spPr>
+          <p:style>
+            <a:lnRef idx="2">
+              <a:schemeClr val="accent1">
+                <a:shade val="50000"/>
+              </a:schemeClr>
+            </a:lnRef>
+            <a:fillRef idx="1">
+              <a:schemeClr val="accent1"/>
+            </a:fillRef>
+            <a:effectRef idx="0">
+              <a:schemeClr val="accent1"/>
+            </a:effectRef>
+            <a:fontRef idx="minor">
+              <a:schemeClr val="lt1"/>
+            </a:fontRef>
+          </p:style>
+          <p:txBody>
+            <a:bodyPr anchor="ctr"/>
+            <a:lstStyle/>
+            <a:p>
+              <a:pPr algn="ctr"/>
+              <a:endParaRPr lang="en-US" altLang="zh-CN" sz="1600" noProof="1">
                 <a:solidFill>
                   <a:schemeClr val="tx1"/>
                 </a:solidFill>
-              </a:rPr>
-              <a:t>0</a:t>
-            </a:r>
-          </a:p>
-        </p:txBody>
-      </p:sp>
-      <p:sp>
-        <p:nvSpPr>
-          <p:cNvPr id="104" name="矩形 103">
-            <a:extLst>
-              <a:ext uri="{FF2B5EF4-FFF2-40B4-BE49-F238E27FC236}">
-                <a16:creationId xmlns:a16="http://schemas.microsoft.com/office/drawing/2014/main" id="{16101639-3ABB-CB01-9E96-0C6C6C87E6DE}"/>
-              </a:ext>
-            </a:extLst>
-          </p:cNvPr>
-          <p:cNvSpPr/>
-          <p:nvPr/>
-        </p:nvSpPr>
-        <p:spPr>
-          <a:xfrm>
-            <a:off x="5649913" y="2111375"/>
-            <a:ext cx="433387" cy="279400"/>
-          </a:xfrm>
-          <a:prstGeom prst="rect">
-            <a:avLst/>
-          </a:prstGeom>
-          <a:solidFill>
-            <a:schemeClr val="bg1">
-              <a:lumMod val="85000"/>
-            </a:schemeClr>
-          </a:solidFill>
-        </p:spPr>
-        <p:style>
-          <a:lnRef idx="2">
-            <a:schemeClr val="accent1">
-              <a:shade val="50000"/>
-            </a:schemeClr>
-          </a:lnRef>
-          <a:fillRef idx="1">
-            <a:schemeClr val="accent1"/>
-          </a:fillRef>
-          <a:effectRef idx="0">
-            <a:schemeClr val="accent1"/>
-          </a:effectRef>
-          <a:fontRef idx="minor">
-            <a:schemeClr val="lt1"/>
-          </a:fontRef>
-        </p:style>
-        <p:txBody>
-          <a:bodyPr anchor="ctr"/>
-          <a:lstStyle/>
-          <a:p>
-            <a:pPr algn="ctr"/>
-            <a:r>
-              <a:rPr lang="en-US" altLang="zh-CN" sz="1600" noProof="1">
+              </a:endParaRPr>
+            </a:p>
+          </p:txBody>
+        </p:sp>
+        <p:sp>
+          <p:nvSpPr>
+            <p:cNvPr id="85" name="矩形 84">
+              <a:extLst>
+                <a:ext uri="{FF2B5EF4-FFF2-40B4-BE49-F238E27FC236}">
+                  <a16:creationId xmlns:a16="http://schemas.microsoft.com/office/drawing/2014/main" id="{40DE160C-D241-BA7F-8EA4-8485983AD824}"/>
+                </a:ext>
+              </a:extLst>
+            </p:cNvPr>
+            <p:cNvSpPr/>
+            <p:nvPr/>
+          </p:nvSpPr>
+          <p:spPr>
+            <a:xfrm>
+              <a:off x="3743325" y="2288382"/>
+              <a:ext cx="431800" cy="160337"/>
+            </a:xfrm>
+            <a:prstGeom prst="rect">
+              <a:avLst/>
+            </a:prstGeom>
+            <a:solidFill>
+              <a:srgbClr val="9DD16F"/>
+            </a:solidFill>
+            <a:ln w="25400">
+              <a:solidFill>
+                <a:srgbClr val="89A4A7"/>
+              </a:solidFill>
+            </a:ln>
+          </p:spPr>
+          <p:style>
+            <a:lnRef idx="2">
+              <a:schemeClr val="accent1">
+                <a:shade val="50000"/>
+              </a:schemeClr>
+            </a:lnRef>
+            <a:fillRef idx="1">
+              <a:schemeClr val="accent1"/>
+            </a:fillRef>
+            <a:effectRef idx="0">
+              <a:schemeClr val="accent1"/>
+            </a:effectRef>
+            <a:fontRef idx="minor">
+              <a:schemeClr val="lt1"/>
+            </a:fontRef>
+          </p:style>
+          <p:txBody>
+            <a:bodyPr anchor="ctr"/>
+            <a:lstStyle/>
+            <a:p>
+              <a:pPr algn="ctr"/>
+              <a:endParaRPr lang="en-US" altLang="zh-CN" sz="1600" baseline="-25000" noProof="1">
                 <a:solidFill>
                   <a:schemeClr val="tx1"/>
                 </a:solidFill>
-              </a:rPr>
-              <a:t>a</a:t>
-            </a:r>
-            <a:r>
-              <a:rPr lang="en-US" altLang="zh-CN" sz="1600" baseline="-25000" noProof="1">
+              </a:endParaRPr>
+            </a:p>
+          </p:txBody>
+        </p:sp>
+        <p:sp>
+          <p:nvSpPr>
+            <p:cNvPr id="86" name="矩形 85">
+              <a:extLst>
+                <a:ext uri="{FF2B5EF4-FFF2-40B4-BE49-F238E27FC236}">
+                  <a16:creationId xmlns:a16="http://schemas.microsoft.com/office/drawing/2014/main" id="{0C2EF4F7-03E5-1B16-1685-D8D4FC4C5194}"/>
+                </a:ext>
+              </a:extLst>
+            </p:cNvPr>
+            <p:cNvSpPr/>
+            <p:nvPr/>
+          </p:nvSpPr>
+          <p:spPr>
+            <a:xfrm>
+              <a:off x="3743325" y="1680617"/>
+              <a:ext cx="431800" cy="604838"/>
+            </a:xfrm>
+            <a:prstGeom prst="rect">
+              <a:avLst/>
+            </a:prstGeom>
+            <a:solidFill>
+              <a:schemeClr val="bg1">
+                <a:lumMod val="85000"/>
+              </a:schemeClr>
+            </a:solidFill>
+            <a:ln w="25400">
+              <a:solidFill>
+                <a:srgbClr val="89A4A7"/>
+              </a:solidFill>
+            </a:ln>
+          </p:spPr>
+          <p:style>
+            <a:lnRef idx="2">
+              <a:schemeClr val="accent1">
+                <a:shade val="50000"/>
+              </a:schemeClr>
+            </a:lnRef>
+            <a:fillRef idx="1">
+              <a:schemeClr val="accent1"/>
+            </a:fillRef>
+            <a:effectRef idx="0">
+              <a:schemeClr val="accent1"/>
+            </a:effectRef>
+            <a:fontRef idx="minor">
+              <a:schemeClr val="lt1"/>
+            </a:fontRef>
+          </p:style>
+          <p:txBody>
+            <a:bodyPr anchor="ctr"/>
+            <a:lstStyle/>
+            <a:p>
+              <a:pPr algn="ctr"/>
+              <a:endParaRPr lang="en-US" altLang="zh-CN" sz="1600" noProof="1">
                 <a:solidFill>
                   <a:schemeClr val="tx1"/>
                 </a:solidFill>
-              </a:rPr>
-              <a:t>0</a:t>
-            </a:r>
-          </a:p>
-        </p:txBody>
-      </p:sp>
-      <p:sp>
-        <p:nvSpPr>
-          <p:cNvPr id="105" name="矩形 104">
-            <a:extLst>
-              <a:ext uri="{FF2B5EF4-FFF2-40B4-BE49-F238E27FC236}">
-                <a16:creationId xmlns:a16="http://schemas.microsoft.com/office/drawing/2014/main" id="{A3AFB7DF-BF14-35B8-7A11-55F5267584C1}"/>
-              </a:ext>
-            </a:extLst>
-          </p:cNvPr>
-          <p:cNvSpPr/>
-          <p:nvPr/>
-        </p:nvSpPr>
-        <p:spPr>
-          <a:xfrm>
-            <a:off x="5649913" y="1831975"/>
-            <a:ext cx="433387" cy="279400"/>
-          </a:xfrm>
-          <a:prstGeom prst="rect">
-            <a:avLst/>
-          </a:prstGeom>
-          <a:solidFill>
-            <a:schemeClr val="bg1">
-              <a:lumMod val="85000"/>
-            </a:schemeClr>
-          </a:solidFill>
-        </p:spPr>
-        <p:style>
-          <a:lnRef idx="2">
-            <a:schemeClr val="accent1">
-              <a:shade val="50000"/>
-            </a:schemeClr>
-          </a:lnRef>
-          <a:fillRef idx="1">
-            <a:schemeClr val="accent1"/>
-          </a:fillRef>
-          <a:effectRef idx="0">
-            <a:schemeClr val="accent1"/>
-          </a:effectRef>
-          <a:fontRef idx="minor">
-            <a:schemeClr val="lt1"/>
-          </a:fontRef>
-        </p:style>
-        <p:txBody>
-          <a:bodyPr anchor="ctr"/>
-          <a:lstStyle/>
-          <a:p>
-            <a:pPr algn="ctr"/>
-            <a:r>
-              <a:rPr lang="en-US" altLang="zh-CN" sz="1600" noProof="1">
+              </a:endParaRPr>
+            </a:p>
+          </p:txBody>
+        </p:sp>
+        <p:sp>
+          <p:nvSpPr>
+            <p:cNvPr id="87" name="矩形 86">
+              <a:extLst>
+                <a:ext uri="{FF2B5EF4-FFF2-40B4-BE49-F238E27FC236}">
+                  <a16:creationId xmlns:a16="http://schemas.microsoft.com/office/drawing/2014/main" id="{B226EB50-E154-22E2-08D1-E18356C34EC8}"/>
+                </a:ext>
+              </a:extLst>
+            </p:cNvPr>
+            <p:cNvSpPr/>
+            <p:nvPr/>
+          </p:nvSpPr>
+          <p:spPr>
+            <a:xfrm>
+              <a:off x="3743325" y="1401217"/>
+              <a:ext cx="431800" cy="279400"/>
+            </a:xfrm>
+            <a:prstGeom prst="rect">
+              <a:avLst/>
+            </a:prstGeom>
+            <a:solidFill>
+              <a:srgbClr val="9DD16F"/>
+            </a:solidFill>
+            <a:ln w="25400">
+              <a:solidFill>
+                <a:srgbClr val="89A4A7"/>
+              </a:solidFill>
+            </a:ln>
+          </p:spPr>
+          <p:style>
+            <a:lnRef idx="2">
+              <a:schemeClr val="accent1">
+                <a:shade val="50000"/>
+              </a:schemeClr>
+            </a:lnRef>
+            <a:fillRef idx="1">
+              <a:schemeClr val="accent1"/>
+            </a:fillRef>
+            <a:effectRef idx="0">
+              <a:schemeClr val="accent1"/>
+            </a:effectRef>
+            <a:fontRef idx="minor">
+              <a:schemeClr val="lt1"/>
+            </a:fontRef>
+          </p:style>
+          <p:txBody>
+            <a:bodyPr anchor="ctr"/>
+            <a:lstStyle/>
+            <a:p>
+              <a:pPr algn="ctr"/>
+              <a:endParaRPr lang="en-US" altLang="zh-CN" sz="1600" baseline="-25000" noProof="1">
                 <a:solidFill>
                   <a:schemeClr val="tx1"/>
                 </a:solidFill>
-              </a:rPr>
-              <a:t>a</a:t>
-            </a:r>
-            <a:r>
-              <a:rPr lang="en-US" altLang="zh-CN" sz="1600" baseline="-25000" noProof="1">
+              </a:endParaRPr>
+            </a:p>
+          </p:txBody>
+        </p:sp>
+        <p:sp>
+          <p:nvSpPr>
+            <p:cNvPr id="88" name="矩形 87">
+              <a:extLst>
+                <a:ext uri="{FF2B5EF4-FFF2-40B4-BE49-F238E27FC236}">
+                  <a16:creationId xmlns:a16="http://schemas.microsoft.com/office/drawing/2014/main" id="{37544575-A297-4812-3520-B2E47E3D3C3D}"/>
+                </a:ext>
+              </a:extLst>
+            </p:cNvPr>
+            <p:cNvSpPr/>
+            <p:nvPr/>
+          </p:nvSpPr>
+          <p:spPr>
+            <a:xfrm>
+              <a:off x="3743325" y="613817"/>
+              <a:ext cx="431800" cy="787400"/>
+            </a:xfrm>
+            <a:prstGeom prst="rect">
+              <a:avLst/>
+            </a:prstGeom>
+            <a:ln w="25400"/>
+          </p:spPr>
+          <p:style>
+            <a:lnRef idx="2">
+              <a:schemeClr val="accent1">
+                <a:shade val="50000"/>
+              </a:schemeClr>
+            </a:lnRef>
+            <a:fillRef idx="1">
+              <a:schemeClr val="accent1"/>
+            </a:fillRef>
+            <a:effectRef idx="0">
+              <a:schemeClr val="accent1"/>
+            </a:effectRef>
+            <a:fontRef idx="minor">
+              <a:schemeClr val="lt1"/>
+            </a:fontRef>
+          </p:style>
+          <p:txBody>
+            <a:bodyPr anchor="ctr"/>
+            <a:lstStyle/>
+            <a:p>
+              <a:pPr algn="ctr"/>
+              <a:endParaRPr lang="en-US" altLang="zh-CN" sz="1600" baseline="-25000" noProof="1">
                 <a:solidFill>
                   <a:schemeClr val="tx1"/>
                 </a:solidFill>
-              </a:rPr>
-              <a:t>1</a:t>
-            </a:r>
-          </a:p>
-        </p:txBody>
-      </p:sp>
-      <p:sp>
-        <p:nvSpPr>
-          <p:cNvPr id="106" name="矩形 105">
-            <a:extLst>
-              <a:ext uri="{FF2B5EF4-FFF2-40B4-BE49-F238E27FC236}">
-                <a16:creationId xmlns:a16="http://schemas.microsoft.com/office/drawing/2014/main" id="{E7AE12CE-9D1E-AB24-E273-453D0F6E31ED}"/>
-              </a:ext>
-            </a:extLst>
-          </p:cNvPr>
-          <p:cNvSpPr/>
-          <p:nvPr/>
-        </p:nvSpPr>
-        <p:spPr>
-          <a:xfrm>
-            <a:off x="5649913" y="1552575"/>
-            <a:ext cx="433387" cy="279400"/>
-          </a:xfrm>
-          <a:prstGeom prst="rect">
-            <a:avLst/>
-          </a:prstGeom>
-          <a:solidFill>
-            <a:schemeClr val="bg1">
-              <a:lumMod val="85000"/>
-            </a:schemeClr>
-          </a:solidFill>
-        </p:spPr>
-        <p:style>
-          <a:lnRef idx="2">
-            <a:schemeClr val="accent1">
-              <a:shade val="50000"/>
-            </a:schemeClr>
-          </a:lnRef>
-          <a:fillRef idx="1">
-            <a:schemeClr val="accent1"/>
-          </a:fillRef>
-          <a:effectRef idx="0">
-            <a:schemeClr val="accent1"/>
-          </a:effectRef>
-          <a:fontRef idx="minor">
-            <a:schemeClr val="lt1"/>
-          </a:fontRef>
-        </p:style>
-        <p:txBody>
-          <a:bodyPr anchor="ctr"/>
-          <a:lstStyle/>
-          <a:p>
-            <a:pPr algn="ctr"/>
-            <a:r>
-              <a:rPr lang="en-US" altLang="zh-CN" sz="1600" noProof="1">
+              </a:endParaRPr>
+            </a:p>
+          </p:txBody>
+        </p:sp>
+      </p:grpSp>
+      <mc:AlternateContent xmlns:mc="http://schemas.openxmlformats.org/markup-compatibility/2006">
+        <mc:Choice xmlns:a14="http://schemas.microsoft.com/office/drawing/2010/main" Requires="a14">
+          <p:sp>
+            <p:nvSpPr>
+              <p:cNvPr id="98" name="矩形 97">
+                <a:extLst>
+                  <a:ext uri="{FF2B5EF4-FFF2-40B4-BE49-F238E27FC236}">
+                    <a16:creationId xmlns:a16="http://schemas.microsoft.com/office/drawing/2014/main" id="{A2A888A8-4E8B-1B7B-131C-E3B2DBD4BDBE}"/>
+                  </a:ext>
+                </a:extLst>
+              </p:cNvPr>
+              <p:cNvSpPr/>
+              <p:nvPr/>
+            </p:nvSpPr>
+            <p:spPr>
+              <a:xfrm>
+                <a:off x="1630362" y="18504"/>
+                <a:ext cx="423863" cy="423863"/>
+              </a:xfrm>
+              <a:prstGeom prst="rect">
+                <a:avLst/>
+              </a:prstGeom>
+              <a:solidFill>
+                <a:schemeClr val="bg1"/>
+              </a:solidFill>
+              <a:ln w="25400">
                 <a:solidFill>
                   <a:schemeClr val="tx1"/>
                 </a:solidFill>
-              </a:rPr>
-              <a:t>...</a:t>
-            </a:r>
-          </a:p>
-        </p:txBody>
-      </p:sp>
-      <p:sp>
-        <p:nvSpPr>
-          <p:cNvPr id="107" name="矩形 106">
-            <a:extLst>
-              <a:ext uri="{FF2B5EF4-FFF2-40B4-BE49-F238E27FC236}">
-                <a16:creationId xmlns:a16="http://schemas.microsoft.com/office/drawing/2014/main" id="{78E2F1D8-F8EB-53C6-17AD-CB1DC84344C0}"/>
-              </a:ext>
-            </a:extLst>
-          </p:cNvPr>
-          <p:cNvSpPr/>
-          <p:nvPr/>
-        </p:nvSpPr>
-        <p:spPr>
-          <a:xfrm>
-            <a:off x="5649913" y="1273175"/>
-            <a:ext cx="433387" cy="279400"/>
-          </a:xfrm>
-          <a:prstGeom prst="rect">
-            <a:avLst/>
-          </a:prstGeom>
-          <a:solidFill>
-            <a:schemeClr val="bg1">
-              <a:lumMod val="85000"/>
-            </a:schemeClr>
-          </a:solidFill>
-        </p:spPr>
-        <p:style>
-          <a:lnRef idx="2">
-            <a:schemeClr val="accent1">
-              <a:shade val="50000"/>
-            </a:schemeClr>
-          </a:lnRef>
-          <a:fillRef idx="1">
-            <a:schemeClr val="accent1"/>
-          </a:fillRef>
-          <a:effectRef idx="0">
-            <a:schemeClr val="accent1"/>
-          </a:effectRef>
-          <a:fontRef idx="minor">
-            <a:schemeClr val="lt1"/>
-          </a:fontRef>
-        </p:style>
-        <p:txBody>
-          <a:bodyPr anchor="ctr"/>
-          <a:lstStyle/>
-          <a:p>
-            <a:pPr algn="ctr"/>
-            <a:r>
-              <a:rPr lang="en-US" altLang="zh-CN" sz="1600" noProof="1">
+              </a:ln>
+            </p:spPr>
+            <p:style>
+              <a:lnRef idx="2">
+                <a:schemeClr val="accent1">
+                  <a:shade val="50000"/>
+                </a:schemeClr>
+              </a:lnRef>
+              <a:fillRef idx="1">
+                <a:schemeClr val="accent1"/>
+              </a:fillRef>
+              <a:effectRef idx="0">
+                <a:schemeClr val="accent1"/>
+              </a:effectRef>
+              <a:fontRef idx="minor">
+                <a:schemeClr val="lt1"/>
+              </a:fontRef>
+            </p:style>
+            <p:txBody>
+              <a:bodyPr lIns="0" tIns="0" rIns="0" bIns="0" anchor="ctr"/>
+              <a:lstStyle/>
+              <a:p>
+                <a:pPr algn="ctr"/>
+                <a14:m>
+                  <m:oMathPara xmlns:m="http://schemas.openxmlformats.org/officeDocument/2006/math">
+                    <m:oMathParaPr>
+                      <m:jc m:val="centerGroup"/>
+                    </m:oMathParaPr>
+                    <m:oMath xmlns:m="http://schemas.openxmlformats.org/officeDocument/2006/math">
+                      <m:sSub>
+                        <m:sSubPr>
+                          <m:ctrlPr>
+                            <a:rPr lang="en-US" altLang="zh-CN" sz="1600" i="1" noProof="1">
+                              <a:solidFill>
+                                <a:schemeClr val="tx1"/>
+                              </a:solidFill>
+                              <a:latin typeface="Cambria Math" panose="02040503050406030204" pitchFamily="18" charset="0"/>
+                            </a:rPr>
+                          </m:ctrlPr>
+                        </m:sSubPr>
+                        <m:e>
+                          <m:r>
+                            <a:rPr lang="en-US" altLang="zh-CN" sz="1600" i="1" noProof="1">
+                              <a:solidFill>
+                                <a:schemeClr val="tx1"/>
+                              </a:solidFill>
+                              <a:latin typeface="Cambria Math" panose="02040503050406030204" pitchFamily="18" charset="0"/>
+                            </a:rPr>
+                            <m:t>𝑎</m:t>
+                          </m:r>
+                        </m:e>
+                        <m:sub>
+                          <m:r>
+                            <a:rPr lang="en-US" altLang="zh-CN" sz="1600" i="1" noProof="1">
+                              <a:solidFill>
+                                <a:schemeClr val="tx1"/>
+                              </a:solidFill>
+                              <a:latin typeface="Cambria Math" panose="02040503050406030204" pitchFamily="18" charset="0"/>
+                            </a:rPr>
+                            <m:t>0</m:t>
+                          </m:r>
+                        </m:sub>
+                      </m:sSub>
+                    </m:oMath>
+                  </m:oMathPara>
+                </a14:m>
+                <a:endParaRPr lang="en-US" altLang="zh-CN" sz="1600" baseline="-25000" noProof="1">
+                  <a:solidFill>
+                    <a:schemeClr val="tx1"/>
+                  </a:solidFill>
+                </a:endParaRPr>
+              </a:p>
+            </p:txBody>
+          </p:sp>
+        </mc:Choice>
+        <mc:Fallback>
+          <p:sp>
+            <p:nvSpPr>
+              <p:cNvPr id="98" name="矩形 97">
+                <a:extLst>
+                  <a:ext uri="{FF2B5EF4-FFF2-40B4-BE49-F238E27FC236}">
+                    <a16:creationId xmlns:a16="http://schemas.microsoft.com/office/drawing/2014/main" id="{A2A888A8-4E8B-1B7B-131C-E3B2DBD4BDBE}"/>
+                  </a:ext>
+                </a:extLst>
+              </p:cNvPr>
+              <p:cNvSpPr>
+                <a:spLocks noRot="1" noChangeAspect="1" noMove="1" noResize="1" noEditPoints="1" noAdjustHandles="1" noChangeArrowheads="1" noChangeShapeType="1" noTextEdit="1"/>
+              </p:cNvSpPr>
+              <p:nvPr/>
+            </p:nvSpPr>
+            <p:spPr>
+              <a:xfrm>
+                <a:off x="1630362" y="18504"/>
+                <a:ext cx="423863" cy="423863"/>
+              </a:xfrm>
+              <a:prstGeom prst="rect">
+                <a:avLst/>
+              </a:prstGeom>
+              <a:blipFill>
+                <a:blip r:embed="rId10"/>
+                <a:stretch>
+                  <a:fillRect/>
+                </a:stretch>
+              </a:blipFill>
+              <a:ln w="25400">
                 <a:solidFill>
                   <a:schemeClr val="tx1"/>
                 </a:solidFill>
-              </a:rPr>
-              <a:t>a</a:t>
-            </a:r>
-            <a:r>
-              <a:rPr lang="en-US" altLang="zh-CN" sz="1600" baseline="-25000" noProof="1">
-                <a:solidFill>
-                  <a:schemeClr val="tx1"/>
-                </a:solidFill>
-              </a:rPr>
-              <a:t>8</a:t>
-            </a:r>
-          </a:p>
-        </p:txBody>
-      </p:sp>
-      <p:sp>
-        <p:nvSpPr>
-          <p:cNvPr id="108" name="矩形 107">
-            <a:extLst>
-              <a:ext uri="{FF2B5EF4-FFF2-40B4-BE49-F238E27FC236}">
-                <a16:creationId xmlns:a16="http://schemas.microsoft.com/office/drawing/2014/main" id="{F10A59C4-60DF-6BBA-A203-AF086E9A453A}"/>
-              </a:ext>
-            </a:extLst>
-          </p:cNvPr>
-          <p:cNvSpPr/>
-          <p:nvPr/>
-        </p:nvSpPr>
-        <p:spPr>
-          <a:xfrm>
-            <a:off x="5649913" y="788988"/>
-            <a:ext cx="433387" cy="484187"/>
-          </a:xfrm>
-          <a:prstGeom prst="rect">
-            <a:avLst/>
-          </a:prstGeom>
-        </p:spPr>
-        <p:style>
-          <a:lnRef idx="2">
-            <a:schemeClr val="accent1">
-              <a:shade val="50000"/>
-            </a:schemeClr>
-          </a:lnRef>
-          <a:fillRef idx="1">
-            <a:schemeClr val="accent1"/>
-          </a:fillRef>
-          <a:effectRef idx="0">
-            <a:schemeClr val="accent1"/>
-          </a:effectRef>
-          <a:fontRef idx="minor">
-            <a:schemeClr val="lt1"/>
-          </a:fontRef>
-        </p:style>
-        <p:txBody>
-          <a:bodyPr anchor="ctr"/>
-          <a:lstStyle/>
-          <a:p>
-            <a:pPr algn="ctr"/>
-            <a:endParaRPr lang="en-US" altLang="zh-CN" sz="700" baseline="-25000" noProof="1">
-              <a:solidFill>
-                <a:schemeClr val="tx1"/>
-              </a:solidFill>
-            </a:endParaRPr>
-          </a:p>
-        </p:txBody>
-      </p:sp>
-      <p:sp>
-        <p:nvSpPr>
-          <p:cNvPr id="116" name="矩形 115">
-            <a:extLst>
-              <a:ext uri="{FF2B5EF4-FFF2-40B4-BE49-F238E27FC236}">
-                <a16:creationId xmlns:a16="http://schemas.microsoft.com/office/drawing/2014/main" id="{9FD54C04-1DEE-5165-1918-67A800D84A6B}"/>
-              </a:ext>
-            </a:extLst>
-          </p:cNvPr>
-          <p:cNvSpPr/>
-          <p:nvPr/>
-        </p:nvSpPr>
-        <p:spPr>
-          <a:xfrm>
-            <a:off x="6256338" y="1273175"/>
-            <a:ext cx="431800" cy="288925"/>
-          </a:xfrm>
-          <a:prstGeom prst="rect">
-            <a:avLst/>
-          </a:prstGeom>
-          <a:solidFill>
-            <a:srgbClr val="9DD16F"/>
-          </a:solidFill>
-        </p:spPr>
-        <p:style>
-          <a:lnRef idx="2">
-            <a:schemeClr val="accent1">
-              <a:shade val="50000"/>
-            </a:schemeClr>
-          </a:lnRef>
-          <a:fillRef idx="1">
-            <a:schemeClr val="accent1"/>
-          </a:fillRef>
-          <a:effectRef idx="0">
-            <a:schemeClr val="accent1"/>
-          </a:effectRef>
-          <a:fontRef idx="minor">
-            <a:schemeClr val="lt1"/>
-          </a:fontRef>
-        </p:style>
-        <p:txBody>
-          <a:bodyPr anchor="ctr"/>
-          <a:lstStyle/>
-          <a:p>
-            <a:pPr algn="ctr"/>
-            <a:r>
-              <a:rPr lang="en-US" altLang="zh-CN" sz="1600" noProof="1">
-                <a:solidFill>
-                  <a:schemeClr val="tx1"/>
-                </a:solidFill>
-              </a:rPr>
-              <a:t>a</a:t>
-            </a:r>
-            <a:r>
-              <a:rPr lang="en-US" altLang="zh-CN" sz="1600" baseline="-25000" noProof="1">
-                <a:solidFill>
-                  <a:schemeClr val="tx1"/>
-                </a:solidFill>
-              </a:rPr>
-              <a:t>9</a:t>
-            </a:r>
-          </a:p>
-        </p:txBody>
-      </p:sp>
-      <p:sp>
-        <p:nvSpPr>
-          <p:cNvPr id="117" name="矩形 116">
-            <a:extLst>
-              <a:ext uri="{FF2B5EF4-FFF2-40B4-BE49-F238E27FC236}">
-                <a16:creationId xmlns:a16="http://schemas.microsoft.com/office/drawing/2014/main" id="{A19DD24B-C174-C3ED-8B9B-74D436671147}"/>
-              </a:ext>
-            </a:extLst>
-          </p:cNvPr>
-          <p:cNvSpPr/>
-          <p:nvPr/>
-        </p:nvSpPr>
-        <p:spPr>
-          <a:xfrm>
-            <a:off x="6256338" y="785813"/>
-            <a:ext cx="431800" cy="488950"/>
-          </a:xfrm>
-          <a:prstGeom prst="rect">
-            <a:avLst/>
-          </a:prstGeom>
-        </p:spPr>
-        <p:style>
-          <a:lnRef idx="2">
-            <a:schemeClr val="accent1">
-              <a:shade val="50000"/>
-            </a:schemeClr>
-          </a:lnRef>
-          <a:fillRef idx="1">
-            <a:schemeClr val="accent1"/>
-          </a:fillRef>
-          <a:effectRef idx="0">
-            <a:schemeClr val="accent1"/>
-          </a:effectRef>
-          <a:fontRef idx="minor">
-            <a:schemeClr val="lt1"/>
-          </a:fontRef>
-        </p:style>
-        <p:txBody>
-          <a:bodyPr anchor="ctr"/>
-          <a:lstStyle/>
-          <a:p>
-            <a:pPr algn="ctr"/>
-            <a:endParaRPr lang="en-US" altLang="zh-CN" sz="700" baseline="-25000" noProof="1">
-              <a:solidFill>
-                <a:schemeClr val="tx1"/>
-              </a:solidFill>
-            </a:endParaRPr>
-          </a:p>
-        </p:txBody>
-      </p:sp>
+              </a:ln>
+            </p:spPr>
+            <p:txBody>
+              <a:bodyPr/>
+              <a:lstStyle/>
+              <a:p>
+                <a:r>
+                  <a:rPr lang="zh-CN" altLang="en-US">
+                    <a:noFill/>
+                  </a:rPr>
+                  <a:t> </a:t>
+                </a:r>
+              </a:p>
+            </p:txBody>
+          </p:sp>
+        </mc:Fallback>
+      </mc:AlternateContent>
       <p:sp>
         <p:nvSpPr>
           <p:cNvPr id="127" name="左弧形箭头 126">
@@ -6068,7 +6329,7 @@
         </p:nvSpPr>
         <p:spPr>
           <a:xfrm>
-            <a:off x="5280025" y="1362075"/>
+            <a:off x="5280025" y="1185319"/>
             <a:ext cx="236538" cy="893763"/>
           </a:xfrm>
           <a:prstGeom prst="curvedRightArrow">
@@ -6112,62 +6373,1191 @@
           </a:p>
         </p:txBody>
       </p:sp>
-      <p:sp>
-        <p:nvSpPr>
-          <p:cNvPr id="2" name="矩形 1">
+      <p:grpSp>
+        <p:nvGrpSpPr>
+          <p:cNvPr id="10" name="组合 9">
             <a:extLst>
               <a:ext uri="{FF2B5EF4-FFF2-40B4-BE49-F238E27FC236}">
-                <a16:creationId xmlns:a16="http://schemas.microsoft.com/office/drawing/2014/main" id="{A48919D1-2EBC-4AAB-CE83-62AD1CE3CAEE}"/>
+                <a16:creationId xmlns:a16="http://schemas.microsoft.com/office/drawing/2014/main" id="{7408F28E-3884-DC92-61B0-1EE80E04C3A9}"/>
               </a:ext>
             </a:extLst>
           </p:cNvPr>
-          <p:cNvSpPr/>
+          <p:cNvGrpSpPr/>
           <p:nvPr/>
-        </p:nvSpPr>
-        <p:spPr>
+        </p:nvGrpSpPr>
+        <p:grpSpPr>
           <a:xfrm>
-            <a:off x="3965575" y="166688"/>
-            <a:ext cx="307975" cy="306387"/>
+            <a:off x="4147087" y="76369"/>
+            <a:ext cx="1306271" cy="306387"/>
+            <a:chOff x="3871094" y="162638"/>
+            <a:chExt cx="1306271" cy="306387"/>
           </a:xfrm>
-          <a:prstGeom prst="rect">
-            <a:avLst/>
-          </a:prstGeom>
-        </p:spPr>
-        <p:style>
-          <a:lnRef idx="2">
-            <a:schemeClr val="accent1">
-              <a:shade val="50000"/>
-            </a:schemeClr>
-          </a:lnRef>
-          <a:fillRef idx="1">
-            <a:schemeClr val="accent1"/>
-          </a:fillRef>
-          <a:effectRef idx="0">
-            <a:schemeClr val="accent1"/>
-          </a:effectRef>
-          <a:fontRef idx="minor">
-            <a:schemeClr val="lt1"/>
-          </a:fontRef>
-        </p:style>
-        <p:txBody>
-          <a:bodyPr anchor="ctr"/>
-          <a:lstStyle/>
-          <a:p>
-            <a:pPr algn="ctr"/>
-            <a:endParaRPr lang="en-US" altLang="zh-CN" sz="700" baseline="-25000" noProof="1">
+        </p:grpSpPr>
+        <p:sp>
+          <p:nvSpPr>
+            <p:cNvPr id="2" name="矩形 1">
+              <a:extLst>
+                <a:ext uri="{FF2B5EF4-FFF2-40B4-BE49-F238E27FC236}">
+                  <a16:creationId xmlns:a16="http://schemas.microsoft.com/office/drawing/2014/main" id="{A48919D1-2EBC-4AAB-CE83-62AD1CE3CAEE}"/>
+                </a:ext>
+              </a:extLst>
+            </p:cNvPr>
+            <p:cNvSpPr/>
+            <p:nvPr/>
+          </p:nvSpPr>
+          <p:spPr>
+            <a:xfrm>
+              <a:off x="3871094" y="162638"/>
+              <a:ext cx="307975" cy="306387"/>
+            </a:xfrm>
+            <a:prstGeom prst="rect">
+              <a:avLst/>
+            </a:prstGeom>
+            <a:ln w="25400"/>
+          </p:spPr>
+          <p:style>
+            <a:lnRef idx="2">
+              <a:schemeClr val="accent1">
+                <a:shade val="50000"/>
+              </a:schemeClr>
+            </a:lnRef>
+            <a:fillRef idx="1">
+              <a:schemeClr val="accent1"/>
+            </a:fillRef>
+            <a:effectRef idx="0">
+              <a:schemeClr val="accent1"/>
+            </a:effectRef>
+            <a:fontRef idx="minor">
+              <a:schemeClr val="lt1"/>
+            </a:fontRef>
+          </p:style>
+          <p:txBody>
+            <a:bodyPr anchor="ctr"/>
+            <a:lstStyle/>
+            <a:p>
+              <a:pPr algn="ctr"/>
+              <a:endParaRPr lang="en-US" altLang="zh-CN" sz="1600" baseline="-25000" noProof="1">
+                <a:solidFill>
+                  <a:schemeClr val="tx1"/>
+                </a:solidFill>
+              </a:endParaRPr>
+            </a:p>
+          </p:txBody>
+        </p:sp>
+        <p:sp>
+          <p:nvSpPr>
+            <p:cNvPr id="2094" name="文本框 2">
+              <a:extLst>
+                <a:ext uri="{FF2B5EF4-FFF2-40B4-BE49-F238E27FC236}">
+                  <a16:creationId xmlns:a16="http://schemas.microsoft.com/office/drawing/2014/main" id="{453F7665-24DF-A915-5200-60509DC030BE}"/>
+                </a:ext>
+              </a:extLst>
+            </p:cNvPr>
+            <p:cNvSpPr txBox="1">
+              <a:spLocks noChangeArrowheads="1"/>
+            </p:cNvSpPr>
+            <p:nvPr/>
+          </p:nvSpPr>
+          <p:spPr bwMode="auto">
+            <a:xfrm>
+              <a:off x="4212165" y="192721"/>
+              <a:ext cx="965200" cy="246221"/>
+            </a:xfrm>
+            <a:prstGeom prst="rect">
+              <a:avLst/>
+            </a:prstGeom>
+            <a:noFill/>
+            <a:ln>
+              <a:noFill/>
+            </a:ln>
+            <a:extLst>
+              <a:ext uri="{909E8E84-426E-40DD-AFC4-6F175D3DCCD1}">
+                <a14:hiddenFill xmlns:a14="http://schemas.microsoft.com/office/drawing/2010/main">
+                  <a:solidFill>
+                    <a:srgbClr val="FFFFFF"/>
+                  </a:solidFill>
+                </a14:hiddenFill>
+              </a:ext>
+              <a:ext uri="{91240B29-F687-4F45-9708-019B960494DF}">
+                <a14:hiddenLine xmlns:a14="http://schemas.microsoft.com/office/drawing/2010/main" w="9525">
+                  <a:solidFill>
+                    <a:srgbClr val="000000"/>
+                  </a:solidFill>
+                  <a:miter lim="800000"/>
+                  <a:headEnd/>
+                  <a:tailEnd/>
+                </a14:hiddenLine>
+              </a:ext>
+            </a:extLst>
+          </p:spPr>
+          <p:txBody>
+            <a:bodyPr lIns="0" tIns="0" rIns="0" bIns="0">
+              <a:spAutoFit/>
+            </a:bodyPr>
+            <a:lstStyle/>
+            <a:p>
+              <a:r>
+                <a:rPr lang="en-US" altLang="zh-CN" sz="1600" dirty="0"/>
+                <a:t>unused</a:t>
+              </a:r>
+            </a:p>
+          </p:txBody>
+        </p:sp>
+      </p:grpSp>
+      <p:grpSp>
+        <p:nvGrpSpPr>
+          <p:cNvPr id="5" name="组合 4">
+            <a:extLst>
+              <a:ext uri="{FF2B5EF4-FFF2-40B4-BE49-F238E27FC236}">
+                <a16:creationId xmlns:a16="http://schemas.microsoft.com/office/drawing/2014/main" id="{DE345170-DA4A-B572-EEE3-1C07A9C81BD0}"/>
+              </a:ext>
+            </a:extLst>
+          </p:cNvPr>
+          <p:cNvGrpSpPr/>
+          <p:nvPr/>
+        </p:nvGrpSpPr>
+        <p:grpSpPr>
+          <a:xfrm>
+            <a:off x="5269229" y="76369"/>
+            <a:ext cx="1177683" cy="303213"/>
+            <a:chOff x="3871094" y="-226327"/>
+            <a:chExt cx="1177683" cy="303213"/>
+          </a:xfrm>
+        </p:grpSpPr>
+        <p:sp>
+          <p:nvSpPr>
+            <p:cNvPr id="2095" name="文本框 4">
+              <a:extLst>
+                <a:ext uri="{FF2B5EF4-FFF2-40B4-BE49-F238E27FC236}">
+                  <a16:creationId xmlns:a16="http://schemas.microsoft.com/office/drawing/2014/main" id="{DB238D7B-D79D-78B3-6D3C-ACFF24D5B0A6}"/>
+                </a:ext>
+              </a:extLst>
+            </p:cNvPr>
+            <p:cNvSpPr txBox="1">
+              <a:spLocks noChangeArrowheads="1"/>
+            </p:cNvSpPr>
+            <p:nvPr/>
+          </p:nvSpPr>
+          <p:spPr bwMode="auto">
+            <a:xfrm>
+              <a:off x="4212165" y="-197831"/>
+              <a:ext cx="836612" cy="246221"/>
+            </a:xfrm>
+            <a:prstGeom prst="rect">
+              <a:avLst/>
+            </a:prstGeom>
+            <a:noFill/>
+            <a:ln>
+              <a:noFill/>
+            </a:ln>
+            <a:extLst>
+              <a:ext uri="{909E8E84-426E-40DD-AFC4-6F175D3DCCD1}">
+                <a14:hiddenFill xmlns:a14="http://schemas.microsoft.com/office/drawing/2010/main">
+                  <a:solidFill>
+                    <a:srgbClr val="FFFFFF"/>
+                  </a:solidFill>
+                </a14:hiddenFill>
+              </a:ext>
+              <a:ext uri="{91240B29-F687-4F45-9708-019B960494DF}">
+                <a14:hiddenLine xmlns:a14="http://schemas.microsoft.com/office/drawing/2010/main" w="9525">
+                  <a:solidFill>
+                    <a:srgbClr val="000000"/>
+                  </a:solidFill>
+                  <a:miter lim="800000"/>
+                  <a:headEnd/>
+                  <a:tailEnd/>
+                </a14:hiddenLine>
+              </a:ext>
+            </a:extLst>
+          </p:spPr>
+          <p:txBody>
+            <a:bodyPr lIns="0" tIns="0" rIns="0" bIns="0">
+              <a:spAutoFit/>
+            </a:bodyPr>
+            <a:lstStyle/>
+            <a:p>
+              <a:r>
+                <a:rPr lang="en-US" altLang="zh-CN" sz="1600" dirty="0"/>
+                <a:t>valid</a:t>
+              </a:r>
+            </a:p>
+          </p:txBody>
+        </p:sp>
+        <p:sp>
+          <p:nvSpPr>
+            <p:cNvPr id="6" name="矩形 5">
+              <a:extLst>
+                <a:ext uri="{FF2B5EF4-FFF2-40B4-BE49-F238E27FC236}">
+                  <a16:creationId xmlns:a16="http://schemas.microsoft.com/office/drawing/2014/main" id="{6309E520-237D-ADAC-7098-44C1F6BEB765}"/>
+                </a:ext>
+              </a:extLst>
+            </p:cNvPr>
+            <p:cNvSpPr/>
+            <p:nvPr/>
+          </p:nvSpPr>
+          <p:spPr>
+            <a:xfrm>
+              <a:off x="3871094" y="-226327"/>
+              <a:ext cx="303212" cy="303213"/>
+            </a:xfrm>
+            <a:prstGeom prst="rect">
+              <a:avLst/>
+            </a:prstGeom>
+            <a:solidFill>
+              <a:srgbClr val="9DD16F"/>
+            </a:solidFill>
+            <a:ln w="25400">
               <a:solidFill>
-                <a:schemeClr val="tx1"/>
+                <a:srgbClr val="89A4A7"/>
               </a:solidFill>
-            </a:endParaRPr>
-          </a:p>
-        </p:txBody>
-      </p:sp>
+            </a:ln>
+          </p:spPr>
+          <p:style>
+            <a:lnRef idx="2">
+              <a:schemeClr val="accent1">
+                <a:shade val="50000"/>
+              </a:schemeClr>
+            </a:lnRef>
+            <a:fillRef idx="1">
+              <a:schemeClr val="accent1"/>
+            </a:fillRef>
+            <a:effectRef idx="0">
+              <a:schemeClr val="accent1"/>
+            </a:effectRef>
+            <a:fontRef idx="minor">
+              <a:schemeClr val="lt1"/>
+            </a:fontRef>
+          </p:style>
+          <p:txBody>
+            <a:bodyPr anchor="ctr"/>
+            <a:lstStyle/>
+            <a:p>
+              <a:pPr algn="ctr"/>
+              <a:endParaRPr lang="en-US" altLang="zh-CN" sz="1600" baseline="-25000" noProof="1">
+                <a:solidFill>
+                  <a:schemeClr val="tx1"/>
+                </a:solidFill>
+              </a:endParaRPr>
+            </a:p>
+          </p:txBody>
+        </p:sp>
+      </p:grpSp>
+      <p:grpSp>
+        <p:nvGrpSpPr>
+          <p:cNvPr id="51" name="组合 50">
+            <a:extLst>
+              <a:ext uri="{FF2B5EF4-FFF2-40B4-BE49-F238E27FC236}">
+                <a16:creationId xmlns:a16="http://schemas.microsoft.com/office/drawing/2014/main" id="{330C7EA2-0D0A-3214-944A-00FBE2B9438F}"/>
+              </a:ext>
+            </a:extLst>
+          </p:cNvPr>
+          <p:cNvGrpSpPr/>
+          <p:nvPr/>
+        </p:nvGrpSpPr>
+        <p:grpSpPr>
+          <a:xfrm>
+            <a:off x="5661821" y="613821"/>
+            <a:ext cx="434975" cy="2514598"/>
+            <a:chOff x="5649915" y="612232"/>
+            <a:chExt cx="434975" cy="2514598"/>
+          </a:xfrm>
+        </p:grpSpPr>
+        <mc:AlternateContent xmlns:mc="http://schemas.openxmlformats.org/markup-compatibility/2006">
+          <mc:Choice xmlns:a14="http://schemas.microsoft.com/office/drawing/2010/main" Requires="a14">
+            <p:sp>
+              <p:nvSpPr>
+                <p:cNvPr id="104" name="矩形 103">
+                  <a:extLst>
+                    <a:ext uri="{FF2B5EF4-FFF2-40B4-BE49-F238E27FC236}">
+                      <a16:creationId xmlns:a16="http://schemas.microsoft.com/office/drawing/2014/main" id="{16101639-3ABB-CB01-9E96-0C6C6C87E6DE}"/>
+                    </a:ext>
+                  </a:extLst>
+                </p:cNvPr>
+                <p:cNvSpPr/>
+                <p:nvPr/>
+              </p:nvSpPr>
+              <p:spPr>
+                <a:xfrm>
+                  <a:off x="5649915" y="1934617"/>
+                  <a:ext cx="434975" cy="279400"/>
+                </a:xfrm>
+                <a:prstGeom prst="rect">
+                  <a:avLst/>
+                </a:prstGeom>
+                <a:solidFill>
+                  <a:schemeClr val="bg1">
+                    <a:lumMod val="85000"/>
+                  </a:schemeClr>
+                </a:solidFill>
+                <a:ln w="25400">
+                  <a:solidFill>
+                    <a:srgbClr val="89A4A7"/>
+                  </a:solidFill>
+                </a:ln>
+              </p:spPr>
+              <p:style>
+                <a:lnRef idx="2">
+                  <a:schemeClr val="accent1">
+                    <a:shade val="50000"/>
+                  </a:schemeClr>
+                </a:lnRef>
+                <a:fillRef idx="1">
+                  <a:schemeClr val="accent1"/>
+                </a:fillRef>
+                <a:effectRef idx="0">
+                  <a:schemeClr val="accent1"/>
+                </a:effectRef>
+                <a:fontRef idx="minor">
+                  <a:schemeClr val="lt1"/>
+                </a:fontRef>
+              </p:style>
+              <p:txBody>
+                <a:bodyPr anchor="ctr"/>
+                <a:lstStyle/>
+                <a:p>
+                  <a:pPr algn="ctr"/>
+                  <a14:m>
+                    <m:oMathPara xmlns:m="http://schemas.openxmlformats.org/officeDocument/2006/math">
+                      <m:oMathParaPr>
+                        <m:jc m:val="centerGroup"/>
+                      </m:oMathParaPr>
+                      <m:oMath xmlns:m="http://schemas.openxmlformats.org/officeDocument/2006/math">
+                        <m:sSub>
+                          <m:sSubPr>
+                            <m:ctrlPr>
+                              <a:rPr lang="en-US" altLang="zh-CN" sz="1600" noProof="1">
+                                <a:solidFill>
+                                  <a:schemeClr val="tx1"/>
+                                </a:solidFill>
+                              </a:rPr>
+                            </m:ctrlPr>
+                          </m:sSubPr>
+                          <m:e>
+                            <m:r>
+                              <a:rPr lang="en-US" altLang="zh-CN" sz="1600" noProof="1">
+                                <a:solidFill>
+                                  <a:schemeClr val="tx1"/>
+                                </a:solidFill>
+                              </a:rPr>
+                              <m:t>𝑎</m:t>
+                            </m:r>
+                          </m:e>
+                          <m:sub>
+                            <m:r>
+                              <a:rPr lang="en-US" altLang="zh-CN" sz="1600" noProof="1">
+                                <a:solidFill>
+                                  <a:schemeClr val="tx1"/>
+                                </a:solidFill>
+                              </a:rPr>
+                              <m:t>0</m:t>
+                            </m:r>
+                          </m:sub>
+                        </m:sSub>
+                      </m:oMath>
+                    </m:oMathPara>
+                  </a14:m>
+                  <a:endParaRPr lang="en-US" altLang="zh-CN" sz="1600" noProof="1">
+                    <a:solidFill>
+                      <a:schemeClr val="tx1"/>
+                    </a:solidFill>
+                  </a:endParaRPr>
+                </a:p>
+              </p:txBody>
+            </p:sp>
+          </mc:Choice>
+          <mc:Fallback>
+            <p:sp>
+              <p:nvSpPr>
+                <p:cNvPr id="104" name="矩形 103">
+                  <a:extLst>
+                    <a:ext uri="{FF2B5EF4-FFF2-40B4-BE49-F238E27FC236}">
+                      <a16:creationId xmlns:a16="http://schemas.microsoft.com/office/drawing/2014/main" id="{16101639-3ABB-CB01-9E96-0C6C6C87E6DE}"/>
+                    </a:ext>
+                  </a:extLst>
+                </p:cNvPr>
+                <p:cNvSpPr>
+                  <a:spLocks noRot="1" noChangeAspect="1" noMove="1" noResize="1" noEditPoints="1" noAdjustHandles="1" noChangeArrowheads="1" noChangeShapeType="1" noTextEdit="1"/>
+                </p:cNvSpPr>
+                <p:nvPr/>
+              </p:nvSpPr>
+              <p:spPr>
+                <a:xfrm>
+                  <a:off x="5649915" y="1934617"/>
+                  <a:ext cx="434975" cy="279400"/>
+                </a:xfrm>
+                <a:prstGeom prst="rect">
+                  <a:avLst/>
+                </a:prstGeom>
+                <a:blipFill>
+                  <a:blip r:embed="rId11"/>
+                  <a:stretch>
+                    <a:fillRect b="-6122"/>
+                  </a:stretch>
+                </a:blipFill>
+                <a:ln w="25400">
+                  <a:solidFill>
+                    <a:srgbClr val="89A4A7"/>
+                  </a:solidFill>
+                </a:ln>
+              </p:spPr>
+              <p:txBody>
+                <a:bodyPr/>
+                <a:lstStyle/>
+                <a:p>
+                  <a:r>
+                    <a:rPr lang="zh-CN" altLang="en-US">
+                      <a:noFill/>
+                    </a:rPr>
+                    <a:t> </a:t>
+                  </a:r>
+                </a:p>
+              </p:txBody>
+            </p:sp>
+          </mc:Fallback>
+        </mc:AlternateContent>
+        <mc:AlternateContent xmlns:mc="http://schemas.openxmlformats.org/markup-compatibility/2006">
+          <mc:Choice xmlns:a14="http://schemas.microsoft.com/office/drawing/2010/main" Requires="a14">
+            <p:sp>
+              <p:nvSpPr>
+                <p:cNvPr id="105" name="矩形 104">
+                  <a:extLst>
+                    <a:ext uri="{FF2B5EF4-FFF2-40B4-BE49-F238E27FC236}">
+                      <a16:creationId xmlns:a16="http://schemas.microsoft.com/office/drawing/2014/main" id="{A3AFB7DF-BF14-35B8-7A11-55F5267584C1}"/>
+                    </a:ext>
+                  </a:extLst>
+                </p:cNvPr>
+                <p:cNvSpPr/>
+                <p:nvPr/>
+              </p:nvSpPr>
+              <p:spPr>
+                <a:xfrm>
+                  <a:off x="5649915" y="1655217"/>
+                  <a:ext cx="434975" cy="279400"/>
+                </a:xfrm>
+                <a:prstGeom prst="rect">
+                  <a:avLst/>
+                </a:prstGeom>
+                <a:solidFill>
+                  <a:schemeClr val="bg1">
+                    <a:lumMod val="85000"/>
+                  </a:schemeClr>
+                </a:solidFill>
+                <a:ln w="25400">
+                  <a:solidFill>
+                    <a:srgbClr val="89A4A7"/>
+                  </a:solidFill>
+                </a:ln>
+              </p:spPr>
+              <p:style>
+                <a:lnRef idx="2">
+                  <a:schemeClr val="accent1">
+                    <a:shade val="50000"/>
+                  </a:schemeClr>
+                </a:lnRef>
+                <a:fillRef idx="1">
+                  <a:schemeClr val="accent1"/>
+                </a:fillRef>
+                <a:effectRef idx="0">
+                  <a:schemeClr val="accent1"/>
+                </a:effectRef>
+                <a:fontRef idx="minor">
+                  <a:schemeClr val="lt1"/>
+                </a:fontRef>
+              </p:style>
+              <p:txBody>
+                <a:bodyPr anchor="ctr"/>
+                <a:lstStyle/>
+                <a:p>
+                  <a:pPr algn="ctr"/>
+                  <a14:m>
+                    <m:oMathPara xmlns:m="http://schemas.openxmlformats.org/officeDocument/2006/math">
+                      <m:oMathParaPr>
+                        <m:jc m:val="centerGroup"/>
+                      </m:oMathParaPr>
+                      <m:oMath xmlns:m="http://schemas.openxmlformats.org/officeDocument/2006/math">
+                        <m:sSub>
+                          <m:sSubPr>
+                            <m:ctrlPr>
+                              <a:rPr lang="en-US" altLang="zh-CN" sz="1600" noProof="1">
+                                <a:solidFill>
+                                  <a:schemeClr val="tx1"/>
+                                </a:solidFill>
+                              </a:rPr>
+                            </m:ctrlPr>
+                          </m:sSubPr>
+                          <m:e>
+                            <m:r>
+                              <a:rPr lang="en-US" altLang="zh-CN" sz="1600" noProof="1">
+                                <a:solidFill>
+                                  <a:schemeClr val="tx1"/>
+                                </a:solidFill>
+                              </a:rPr>
+                              <m:t>𝑎</m:t>
+                            </m:r>
+                          </m:e>
+                          <m:sub>
+                            <m:r>
+                              <a:rPr lang="en-US" altLang="zh-CN" sz="1600" noProof="1">
+                                <a:solidFill>
+                                  <a:schemeClr val="tx1"/>
+                                </a:solidFill>
+                              </a:rPr>
+                              <m:t>2</m:t>
+                            </m:r>
+                          </m:sub>
+                        </m:sSub>
+                      </m:oMath>
+                    </m:oMathPara>
+                  </a14:m>
+                  <a:endParaRPr lang="en-US" altLang="zh-CN" sz="1600" noProof="1">
+                    <a:solidFill>
+                      <a:schemeClr val="tx1"/>
+                    </a:solidFill>
+                  </a:endParaRPr>
+                </a:p>
+              </p:txBody>
+            </p:sp>
+          </mc:Choice>
+          <mc:Fallback>
+            <p:sp>
+              <p:nvSpPr>
+                <p:cNvPr id="105" name="矩形 104">
+                  <a:extLst>
+                    <a:ext uri="{FF2B5EF4-FFF2-40B4-BE49-F238E27FC236}">
+                      <a16:creationId xmlns:a16="http://schemas.microsoft.com/office/drawing/2014/main" id="{A3AFB7DF-BF14-35B8-7A11-55F5267584C1}"/>
+                    </a:ext>
+                  </a:extLst>
+                </p:cNvPr>
+                <p:cNvSpPr>
+                  <a:spLocks noRot="1" noChangeAspect="1" noMove="1" noResize="1" noEditPoints="1" noAdjustHandles="1" noChangeArrowheads="1" noChangeShapeType="1" noTextEdit="1"/>
+                </p:cNvSpPr>
+                <p:nvPr/>
+              </p:nvSpPr>
+              <p:spPr>
+                <a:xfrm>
+                  <a:off x="5649915" y="1655217"/>
+                  <a:ext cx="434975" cy="279400"/>
+                </a:xfrm>
+                <a:prstGeom prst="rect">
+                  <a:avLst/>
+                </a:prstGeom>
+                <a:blipFill>
+                  <a:blip r:embed="rId12"/>
+                  <a:stretch>
+                    <a:fillRect b="-4000"/>
+                  </a:stretch>
+                </a:blipFill>
+                <a:ln w="25400">
+                  <a:solidFill>
+                    <a:srgbClr val="89A4A7"/>
+                  </a:solidFill>
+                </a:ln>
+              </p:spPr>
+              <p:txBody>
+                <a:bodyPr/>
+                <a:lstStyle/>
+                <a:p>
+                  <a:r>
+                    <a:rPr lang="zh-CN" altLang="en-US">
+                      <a:noFill/>
+                    </a:rPr>
+                    <a:t> </a:t>
+                  </a:r>
+                </a:p>
+              </p:txBody>
+            </p:sp>
+          </mc:Fallback>
+        </mc:AlternateContent>
+        <p:sp>
+          <p:nvSpPr>
+            <p:cNvPr id="106" name="矩形 105">
+              <a:extLst>
+                <a:ext uri="{FF2B5EF4-FFF2-40B4-BE49-F238E27FC236}">
+                  <a16:creationId xmlns:a16="http://schemas.microsoft.com/office/drawing/2014/main" id="{E7AE12CE-9D1E-AB24-E273-453D0F6E31ED}"/>
+                </a:ext>
+              </a:extLst>
+            </p:cNvPr>
+            <p:cNvSpPr/>
+            <p:nvPr/>
+          </p:nvSpPr>
+          <p:spPr>
+            <a:xfrm>
+              <a:off x="5649915" y="1375817"/>
+              <a:ext cx="434975" cy="279400"/>
+            </a:xfrm>
+            <a:prstGeom prst="rect">
+              <a:avLst/>
+            </a:prstGeom>
+            <a:solidFill>
+              <a:schemeClr val="bg1">
+                <a:lumMod val="85000"/>
+              </a:schemeClr>
+            </a:solidFill>
+            <a:ln w="25400">
+              <a:solidFill>
+                <a:srgbClr val="89A4A7"/>
+              </a:solidFill>
+            </a:ln>
+          </p:spPr>
+          <p:style>
+            <a:lnRef idx="2">
+              <a:schemeClr val="accent1">
+                <a:shade val="50000"/>
+              </a:schemeClr>
+            </a:lnRef>
+            <a:fillRef idx="1">
+              <a:schemeClr val="accent1"/>
+            </a:fillRef>
+            <a:effectRef idx="0">
+              <a:schemeClr val="accent1"/>
+            </a:effectRef>
+            <a:fontRef idx="minor">
+              <a:schemeClr val="lt1"/>
+            </a:fontRef>
+          </p:style>
+          <p:txBody>
+            <a:bodyPr anchor="ctr"/>
+            <a:lstStyle/>
+            <a:p>
+              <a:pPr algn="ctr"/>
+              <a:r>
+                <a:rPr lang="en-US" altLang="zh-CN" sz="1600" noProof="1">
+                  <a:solidFill>
+                    <a:schemeClr val="tx1"/>
+                  </a:solidFill>
+                </a:rPr>
+                <a:t>...</a:t>
+              </a:r>
+            </a:p>
+          </p:txBody>
+        </p:sp>
+        <mc:AlternateContent xmlns:mc="http://schemas.openxmlformats.org/markup-compatibility/2006">
+          <mc:Choice xmlns:a14="http://schemas.microsoft.com/office/drawing/2010/main" Requires="a14">
+            <p:sp>
+              <p:nvSpPr>
+                <p:cNvPr id="107" name="矩形 106">
+                  <a:extLst>
+                    <a:ext uri="{FF2B5EF4-FFF2-40B4-BE49-F238E27FC236}">
+                      <a16:creationId xmlns:a16="http://schemas.microsoft.com/office/drawing/2014/main" id="{78E2F1D8-F8EB-53C6-17AD-CB1DC84344C0}"/>
+                    </a:ext>
+                  </a:extLst>
+                </p:cNvPr>
+                <p:cNvSpPr/>
+                <p:nvPr/>
+              </p:nvSpPr>
+              <p:spPr>
+                <a:xfrm>
+                  <a:off x="5649915" y="1096417"/>
+                  <a:ext cx="434975" cy="279400"/>
+                </a:xfrm>
+                <a:prstGeom prst="rect">
+                  <a:avLst/>
+                </a:prstGeom>
+                <a:solidFill>
+                  <a:schemeClr val="bg1">
+                    <a:lumMod val="85000"/>
+                  </a:schemeClr>
+                </a:solidFill>
+                <a:ln w="25400">
+                  <a:solidFill>
+                    <a:srgbClr val="89A4A7"/>
+                  </a:solidFill>
+                </a:ln>
+              </p:spPr>
+              <p:style>
+                <a:lnRef idx="2">
+                  <a:schemeClr val="accent1">
+                    <a:shade val="50000"/>
+                  </a:schemeClr>
+                </a:lnRef>
+                <a:fillRef idx="1">
+                  <a:schemeClr val="accent1"/>
+                </a:fillRef>
+                <a:effectRef idx="0">
+                  <a:schemeClr val="accent1"/>
+                </a:effectRef>
+                <a:fontRef idx="minor">
+                  <a:schemeClr val="lt1"/>
+                </a:fontRef>
+              </p:style>
+              <p:txBody>
+                <a:bodyPr anchor="ctr"/>
+                <a:lstStyle/>
+                <a:p>
+                  <a:pPr algn="ctr"/>
+                  <a14:m>
+                    <m:oMathPara xmlns:m="http://schemas.openxmlformats.org/officeDocument/2006/math">
+                      <m:oMathParaPr>
+                        <m:jc m:val="centerGroup"/>
+                      </m:oMathParaPr>
+                      <m:oMath xmlns:m="http://schemas.openxmlformats.org/officeDocument/2006/math">
+                        <m:sSub>
+                          <m:sSubPr>
+                            <m:ctrlPr>
+                              <a:rPr lang="en-US" altLang="zh-CN" sz="1600" noProof="1">
+                                <a:solidFill>
+                                  <a:schemeClr val="tx1"/>
+                                </a:solidFill>
+                              </a:rPr>
+                            </m:ctrlPr>
+                          </m:sSubPr>
+                          <m:e>
+                            <m:r>
+                              <a:rPr lang="en-US" altLang="zh-CN" sz="1600" noProof="1">
+                                <a:solidFill>
+                                  <a:schemeClr val="tx1"/>
+                                </a:solidFill>
+                              </a:rPr>
+                              <m:t>𝑎</m:t>
+                            </m:r>
+                          </m:e>
+                          <m:sub>
+                            <m:r>
+                              <a:rPr lang="en-US" altLang="zh-CN" sz="1600" noProof="1">
+                                <a:solidFill>
+                                  <a:schemeClr val="tx1"/>
+                                </a:solidFill>
+                              </a:rPr>
+                              <m:t>8</m:t>
+                            </m:r>
+                          </m:sub>
+                        </m:sSub>
+                      </m:oMath>
+                    </m:oMathPara>
+                  </a14:m>
+                  <a:endParaRPr lang="en-US" altLang="zh-CN" sz="1600" noProof="1">
+                    <a:solidFill>
+                      <a:schemeClr val="tx1"/>
+                    </a:solidFill>
+                  </a:endParaRPr>
+                </a:p>
+              </p:txBody>
+            </p:sp>
+          </mc:Choice>
+          <mc:Fallback>
+            <p:sp>
+              <p:nvSpPr>
+                <p:cNvPr id="107" name="矩形 106">
+                  <a:extLst>
+                    <a:ext uri="{FF2B5EF4-FFF2-40B4-BE49-F238E27FC236}">
+                      <a16:creationId xmlns:a16="http://schemas.microsoft.com/office/drawing/2014/main" id="{78E2F1D8-F8EB-53C6-17AD-CB1DC84344C0}"/>
+                    </a:ext>
+                  </a:extLst>
+                </p:cNvPr>
+                <p:cNvSpPr>
+                  <a:spLocks noRot="1" noChangeAspect="1" noMove="1" noResize="1" noEditPoints="1" noAdjustHandles="1" noChangeArrowheads="1" noChangeShapeType="1" noTextEdit="1"/>
+                </p:cNvSpPr>
+                <p:nvPr/>
+              </p:nvSpPr>
+              <p:spPr>
+                <a:xfrm>
+                  <a:off x="5649915" y="1096417"/>
+                  <a:ext cx="434975" cy="279400"/>
+                </a:xfrm>
+                <a:prstGeom prst="rect">
+                  <a:avLst/>
+                </a:prstGeom>
+                <a:blipFill>
+                  <a:blip r:embed="rId13"/>
+                  <a:stretch>
+                    <a:fillRect b="-6000"/>
+                  </a:stretch>
+                </a:blipFill>
+                <a:ln w="25400">
+                  <a:solidFill>
+                    <a:srgbClr val="89A4A7"/>
+                  </a:solidFill>
+                </a:ln>
+              </p:spPr>
+              <p:txBody>
+                <a:bodyPr/>
+                <a:lstStyle/>
+                <a:p>
+                  <a:r>
+                    <a:rPr lang="zh-CN" altLang="en-US">
+                      <a:noFill/>
+                    </a:rPr>
+                    <a:t> </a:t>
+                  </a:r>
+                </a:p>
+              </p:txBody>
+            </p:sp>
+          </mc:Fallback>
+        </mc:AlternateContent>
+        <p:sp>
+          <p:nvSpPr>
+            <p:cNvPr id="108" name="矩形 107">
+              <a:extLst>
+                <a:ext uri="{FF2B5EF4-FFF2-40B4-BE49-F238E27FC236}">
+                  <a16:creationId xmlns:a16="http://schemas.microsoft.com/office/drawing/2014/main" id="{F10A59C4-60DF-6BBA-A203-AF086E9A453A}"/>
+                </a:ext>
+              </a:extLst>
+            </p:cNvPr>
+            <p:cNvSpPr/>
+            <p:nvPr/>
+          </p:nvSpPr>
+          <p:spPr>
+            <a:xfrm>
+              <a:off x="5649915" y="612232"/>
+              <a:ext cx="434975" cy="484187"/>
+            </a:xfrm>
+            <a:prstGeom prst="rect">
+              <a:avLst/>
+            </a:prstGeom>
+            <a:ln w="25400"/>
+          </p:spPr>
+          <p:style>
+            <a:lnRef idx="2">
+              <a:schemeClr val="accent1">
+                <a:shade val="50000"/>
+              </a:schemeClr>
+            </a:lnRef>
+            <a:fillRef idx="1">
+              <a:schemeClr val="accent1"/>
+            </a:fillRef>
+            <a:effectRef idx="0">
+              <a:schemeClr val="accent1"/>
+            </a:effectRef>
+            <a:fontRef idx="minor">
+              <a:schemeClr val="lt1"/>
+            </a:fontRef>
+          </p:style>
+          <p:txBody>
+            <a:bodyPr anchor="ctr"/>
+            <a:lstStyle/>
+            <a:p>
+              <a:pPr algn="ctr"/>
+              <a:endParaRPr lang="en-US" altLang="zh-CN" sz="1600" baseline="-25000" noProof="1">
+                <a:solidFill>
+                  <a:schemeClr val="tx1"/>
+                </a:solidFill>
+              </a:endParaRPr>
+            </a:p>
+          </p:txBody>
+        </p:sp>
+        <p:sp>
+          <p:nvSpPr>
+            <p:cNvPr id="7" name="矩形 6">
+              <a:extLst>
+                <a:ext uri="{FF2B5EF4-FFF2-40B4-BE49-F238E27FC236}">
+                  <a16:creationId xmlns:a16="http://schemas.microsoft.com/office/drawing/2014/main" id="{293E60CC-44D8-4AB3-6959-3DEA146F8A6B}"/>
+                </a:ext>
+              </a:extLst>
+            </p:cNvPr>
+            <p:cNvSpPr/>
+            <p:nvPr/>
+          </p:nvSpPr>
+          <p:spPr>
+            <a:xfrm>
+              <a:off x="5649915" y="2782342"/>
+              <a:ext cx="434975" cy="344488"/>
+            </a:xfrm>
+            <a:prstGeom prst="rect">
+              <a:avLst/>
+            </a:prstGeom>
+            <a:solidFill>
+              <a:srgbClr val="9DD16F"/>
+            </a:solidFill>
+            <a:ln w="25400">
+              <a:solidFill>
+                <a:srgbClr val="89A4A7"/>
+              </a:solidFill>
+            </a:ln>
+          </p:spPr>
+          <p:style>
+            <a:lnRef idx="2">
+              <a:schemeClr val="accent1">
+                <a:shade val="50000"/>
+              </a:schemeClr>
+            </a:lnRef>
+            <a:fillRef idx="1">
+              <a:schemeClr val="accent1"/>
+            </a:fillRef>
+            <a:effectRef idx="0">
+              <a:schemeClr val="accent1"/>
+            </a:effectRef>
+            <a:fontRef idx="minor">
+              <a:schemeClr val="lt1"/>
+            </a:fontRef>
+          </p:style>
+          <p:txBody>
+            <a:bodyPr anchor="ctr"/>
+            <a:lstStyle/>
+            <a:p>
+              <a:pPr algn="ctr"/>
+              <a:endParaRPr lang="en-US" altLang="zh-CN" sz="1600" baseline="-25000" noProof="1">
+                <a:solidFill>
+                  <a:schemeClr val="tx1"/>
+                </a:solidFill>
+              </a:endParaRPr>
+            </a:p>
+          </p:txBody>
+        </p:sp>
+        <p:sp>
+          <p:nvSpPr>
+            <p:cNvPr id="8" name="矩形 7">
+              <a:extLst>
+                <a:ext uri="{FF2B5EF4-FFF2-40B4-BE49-F238E27FC236}">
+                  <a16:creationId xmlns:a16="http://schemas.microsoft.com/office/drawing/2014/main" id="{396F0173-11F8-9F98-2431-9510E52522E9}"/>
+                </a:ext>
+              </a:extLst>
+            </p:cNvPr>
+            <p:cNvSpPr/>
+            <p:nvPr/>
+          </p:nvSpPr>
+          <p:spPr>
+            <a:xfrm>
+              <a:off x="5649915" y="2582319"/>
+              <a:ext cx="434975" cy="200025"/>
+            </a:xfrm>
+            <a:prstGeom prst="rect">
+              <a:avLst/>
+            </a:prstGeom>
+            <a:solidFill>
+              <a:schemeClr val="bg1">
+                <a:lumMod val="85000"/>
+              </a:schemeClr>
+            </a:solidFill>
+            <a:ln w="25400">
+              <a:solidFill>
+                <a:srgbClr val="89A4A7"/>
+              </a:solidFill>
+            </a:ln>
+          </p:spPr>
+          <p:style>
+            <a:lnRef idx="2">
+              <a:schemeClr val="accent1">
+                <a:shade val="50000"/>
+              </a:schemeClr>
+            </a:lnRef>
+            <a:fillRef idx="1">
+              <a:schemeClr val="accent1"/>
+            </a:fillRef>
+            <a:effectRef idx="0">
+              <a:schemeClr val="accent1"/>
+            </a:effectRef>
+            <a:fontRef idx="minor">
+              <a:schemeClr val="lt1"/>
+            </a:fontRef>
+          </p:style>
+          <p:txBody>
+            <a:bodyPr anchor="ctr"/>
+            <a:lstStyle/>
+            <a:p>
+              <a:pPr algn="ctr"/>
+              <a:endParaRPr lang="en-US" altLang="zh-CN" sz="1600" noProof="1">
+                <a:solidFill>
+                  <a:schemeClr val="tx1"/>
+                </a:solidFill>
+              </a:endParaRPr>
+            </a:p>
+          </p:txBody>
+        </p:sp>
+        <p:sp>
+          <p:nvSpPr>
+            <p:cNvPr id="9" name="矩形 8">
+              <a:extLst>
+                <a:ext uri="{FF2B5EF4-FFF2-40B4-BE49-F238E27FC236}">
+                  <a16:creationId xmlns:a16="http://schemas.microsoft.com/office/drawing/2014/main" id="{C96F2950-F478-BAE2-0B6A-33AEBA9531C9}"/>
+                </a:ext>
+              </a:extLst>
+            </p:cNvPr>
+            <p:cNvSpPr/>
+            <p:nvPr/>
+          </p:nvSpPr>
+          <p:spPr>
+            <a:xfrm>
+              <a:off x="5649915" y="2219249"/>
+              <a:ext cx="434975" cy="371475"/>
+            </a:xfrm>
+            <a:prstGeom prst="rect">
+              <a:avLst/>
+            </a:prstGeom>
+            <a:solidFill>
+              <a:srgbClr val="9DD16F"/>
+            </a:solidFill>
+            <a:ln w="25400">
+              <a:solidFill>
+                <a:srgbClr val="89A4A7"/>
+              </a:solidFill>
+            </a:ln>
+          </p:spPr>
+          <p:style>
+            <a:lnRef idx="2">
+              <a:schemeClr val="accent1">
+                <a:shade val="50000"/>
+              </a:schemeClr>
+            </a:lnRef>
+            <a:fillRef idx="1">
+              <a:schemeClr val="accent1"/>
+            </a:fillRef>
+            <a:effectRef idx="0">
+              <a:schemeClr val="accent1"/>
+            </a:effectRef>
+            <a:fontRef idx="minor">
+              <a:schemeClr val="lt1"/>
+            </a:fontRef>
+          </p:style>
+          <p:txBody>
+            <a:bodyPr anchor="ctr"/>
+            <a:lstStyle/>
+            <a:p>
+              <a:pPr algn="ctr"/>
+              <a:endParaRPr lang="en-US" altLang="zh-CN" sz="1600" baseline="-25000" noProof="1">
+                <a:solidFill>
+                  <a:schemeClr val="tx1"/>
+                </a:solidFill>
+              </a:endParaRPr>
+            </a:p>
+          </p:txBody>
+        </p:sp>
+      </p:grpSp>
+      <p:grpSp>
+        <p:nvGrpSpPr>
+          <p:cNvPr id="3" name="组合 2">
+            <a:extLst>
+              <a:ext uri="{FF2B5EF4-FFF2-40B4-BE49-F238E27FC236}">
+                <a16:creationId xmlns:a16="http://schemas.microsoft.com/office/drawing/2014/main" id="{3D4B08A1-03BD-480B-8D96-FC4650A01FB7}"/>
+              </a:ext>
+            </a:extLst>
+          </p:cNvPr>
+          <p:cNvGrpSpPr/>
+          <p:nvPr/>
+        </p:nvGrpSpPr>
+        <p:grpSpPr>
+          <a:xfrm>
+            <a:off x="6262780" y="76367"/>
+            <a:ext cx="1225308" cy="298450"/>
+            <a:chOff x="3871094" y="-610286"/>
+            <a:chExt cx="1225308" cy="298450"/>
+          </a:xfrm>
+        </p:grpSpPr>
+        <p:sp>
+          <p:nvSpPr>
+            <p:cNvPr id="23" name="矩形 22">
+              <a:extLst>
+                <a:ext uri="{FF2B5EF4-FFF2-40B4-BE49-F238E27FC236}">
+                  <a16:creationId xmlns:a16="http://schemas.microsoft.com/office/drawing/2014/main" id="{DCB6D2F3-2566-5BEC-9481-30726BBA996F}"/>
+                </a:ext>
+              </a:extLst>
+            </p:cNvPr>
+            <p:cNvSpPr/>
+            <p:nvPr/>
+          </p:nvSpPr>
+          <p:spPr>
+            <a:xfrm>
+              <a:off x="3871094" y="-610286"/>
+              <a:ext cx="298450" cy="298450"/>
+            </a:xfrm>
+            <a:prstGeom prst="rect">
+              <a:avLst/>
+            </a:prstGeom>
+            <a:solidFill>
+              <a:schemeClr val="bg1">
+                <a:lumMod val="85000"/>
+              </a:schemeClr>
+            </a:solidFill>
+            <a:ln w="25400">
+              <a:solidFill>
+                <a:srgbClr val="89A4A7"/>
+              </a:solidFill>
+            </a:ln>
+          </p:spPr>
+          <p:style>
+            <a:lnRef idx="2">
+              <a:schemeClr val="accent1">
+                <a:shade val="50000"/>
+              </a:schemeClr>
+            </a:lnRef>
+            <a:fillRef idx="1">
+              <a:schemeClr val="accent1"/>
+            </a:fillRef>
+            <a:effectRef idx="0">
+              <a:schemeClr val="accent1"/>
+            </a:effectRef>
+            <a:fontRef idx="minor">
+              <a:schemeClr val="lt1"/>
+            </a:fontRef>
+          </p:style>
+          <p:txBody>
+            <a:bodyPr anchor="ctr"/>
+            <a:lstStyle/>
+            <a:p>
+              <a:pPr algn="ctr"/>
+              <a:endParaRPr lang="en-US" altLang="zh-CN" sz="1600" noProof="1">
+                <a:solidFill>
+                  <a:schemeClr val="tx1"/>
+                </a:solidFill>
+              </a:endParaRPr>
+            </a:p>
+          </p:txBody>
+        </p:sp>
+        <p:sp>
+          <p:nvSpPr>
+            <p:cNvPr id="2106" name="文本框 24">
+              <a:extLst>
+                <a:ext uri="{FF2B5EF4-FFF2-40B4-BE49-F238E27FC236}">
+                  <a16:creationId xmlns:a16="http://schemas.microsoft.com/office/drawing/2014/main" id="{C592329A-B1D1-ECA5-BD0A-ADD047374C5A}"/>
+                </a:ext>
+              </a:extLst>
+            </p:cNvPr>
+            <p:cNvSpPr txBox="1">
+              <a:spLocks noChangeArrowheads="1"/>
+            </p:cNvSpPr>
+            <p:nvPr/>
+          </p:nvSpPr>
+          <p:spPr bwMode="auto">
+            <a:xfrm>
+              <a:off x="4212165" y="-584171"/>
+              <a:ext cx="884237" cy="246221"/>
+            </a:xfrm>
+            <a:prstGeom prst="rect">
+              <a:avLst/>
+            </a:prstGeom>
+            <a:noFill/>
+            <a:ln>
+              <a:noFill/>
+            </a:ln>
+            <a:extLst>
+              <a:ext uri="{909E8E84-426E-40DD-AFC4-6F175D3DCCD1}">
+                <a14:hiddenFill xmlns:a14="http://schemas.microsoft.com/office/drawing/2010/main">
+                  <a:solidFill>
+                    <a:srgbClr val="FFFFFF"/>
+                  </a:solidFill>
+                </a14:hiddenFill>
+              </a:ext>
+              <a:ext uri="{91240B29-F687-4F45-9708-019B960494DF}">
+                <a14:hiddenLine xmlns:a14="http://schemas.microsoft.com/office/drawing/2010/main" w="9525">
+                  <a:solidFill>
+                    <a:srgbClr val="000000"/>
+                  </a:solidFill>
+                  <a:miter lim="800000"/>
+                  <a:headEnd/>
+                  <a:tailEnd/>
+                </a14:hiddenLine>
+              </a:ext>
+            </a:extLst>
+          </p:spPr>
+          <p:txBody>
+            <a:bodyPr lIns="0" tIns="0" rIns="0" bIns="0">
+              <a:spAutoFit/>
+            </a:bodyPr>
+            <a:lstStyle/>
+            <a:p>
+              <a:r>
+                <a:rPr lang="en-US" altLang="zh-CN" sz="1600" dirty="0"/>
+                <a:t>stale</a:t>
+              </a:r>
+            </a:p>
+          </p:txBody>
+        </p:sp>
+      </p:grpSp>
       <p:sp>
         <p:nvSpPr>
-          <p:cNvPr id="2094" name="文本框 2">
+          <p:cNvPr id="2107" name="文本框 70">
             <a:extLst>
               <a:ext uri="{FF2B5EF4-FFF2-40B4-BE49-F238E27FC236}">
-                <a16:creationId xmlns:a16="http://schemas.microsoft.com/office/drawing/2014/main" id="{453F7665-24DF-A915-5200-60509DC030BE}"/>
+                <a16:creationId xmlns:a16="http://schemas.microsoft.com/office/drawing/2014/main" id="{D469DECC-CF6D-34D5-39F2-BC4C89977D4B}"/>
               </a:ext>
             </a:extLst>
           </p:cNvPr>
@@ -6178,8 +7568,8 @@
         </p:nvSpPr>
         <p:spPr bwMode="auto">
           <a:xfrm>
-            <a:off x="4211638" y="171450"/>
-            <a:ext cx="965200" cy="336550"/>
+            <a:off x="1511300" y="3138180"/>
+            <a:ext cx="647700" cy="246221"/>
           </a:xfrm>
           <a:prstGeom prst="rect">
             <a:avLst/>
@@ -6209,24 +7599,25 @@
           </a:extLst>
         </p:spPr>
         <p:txBody>
-          <a:bodyPr>
+          <a:bodyPr lIns="0" tIns="0" rIns="0" bIns="0">
             <a:spAutoFit/>
           </a:bodyPr>
           <a:lstStyle/>
           <a:p>
+            <a:pPr algn="ctr"/>
             <a:r>
-              <a:rPr lang="en-US" altLang="zh-CN" sz="1600"/>
-              <a:t>: unused</a:t>
+              <a:rPr lang="en-US" altLang="zh-CN" sz="1600" dirty="0"/>
+              <a:t>Seg 0</a:t>
             </a:r>
           </a:p>
         </p:txBody>
       </p:sp>
       <p:sp>
         <p:nvSpPr>
-          <p:cNvPr id="2095" name="文本框 4">
+          <p:cNvPr id="2108" name="文本框 70">
             <a:extLst>
               <a:ext uri="{FF2B5EF4-FFF2-40B4-BE49-F238E27FC236}">
-                <a16:creationId xmlns:a16="http://schemas.microsoft.com/office/drawing/2014/main" id="{DB238D7B-D79D-78B3-6D3C-ACFF24D5B0A6}"/>
+                <a16:creationId xmlns:a16="http://schemas.microsoft.com/office/drawing/2014/main" id="{F57A38B0-66CA-C2EC-5807-1CDA3393769F}"/>
               </a:ext>
             </a:extLst>
           </p:cNvPr>
@@ -6237,8 +7628,8 @@
         </p:nvSpPr>
         <p:spPr bwMode="auto">
           <a:xfrm>
-            <a:off x="5421313" y="174625"/>
-            <a:ext cx="836612" cy="336550"/>
+            <a:off x="2987675" y="3138180"/>
+            <a:ext cx="673100" cy="246221"/>
           </a:xfrm>
           <a:prstGeom prst="rect">
             <a:avLst/>
@@ -6268,574 +7659,25 @@
           </a:extLst>
         </p:spPr>
         <p:txBody>
-          <a:bodyPr>
+          <a:bodyPr lIns="0" tIns="0" rIns="0" bIns="0">
             <a:spAutoFit/>
           </a:bodyPr>
           <a:lstStyle/>
           <a:p>
+            <a:pPr algn="ctr"/>
             <a:r>
-              <a:rPr lang="en-US" altLang="zh-CN" sz="1600"/>
-              <a:t>: valid</a:t>
+              <a:rPr lang="en-US" altLang="zh-CN" sz="1600" dirty="0"/>
+              <a:t>Seg 0</a:t>
             </a:r>
           </a:p>
         </p:txBody>
       </p:sp>
       <p:sp>
         <p:nvSpPr>
-          <p:cNvPr id="6" name="矩形 5">
+          <p:cNvPr id="2109" name="文本框 70">
             <a:extLst>
               <a:ext uri="{FF2B5EF4-FFF2-40B4-BE49-F238E27FC236}">
-                <a16:creationId xmlns:a16="http://schemas.microsoft.com/office/drawing/2014/main" id="{6309E520-237D-ADAC-7098-44C1F6BEB765}"/>
-              </a:ext>
-            </a:extLst>
-          </p:cNvPr>
-          <p:cNvSpPr/>
-          <p:nvPr/>
-        </p:nvSpPr>
-        <p:spPr>
-          <a:xfrm>
-            <a:off x="5176838" y="174625"/>
-            <a:ext cx="303212" cy="303213"/>
-          </a:xfrm>
-          <a:prstGeom prst="rect">
-            <a:avLst/>
-          </a:prstGeom>
-          <a:solidFill>
-            <a:srgbClr val="9DD16F"/>
-          </a:solidFill>
-          <a:ln>
-            <a:solidFill>
-              <a:srgbClr val="92D050"/>
-            </a:solidFill>
-          </a:ln>
-        </p:spPr>
-        <p:style>
-          <a:lnRef idx="2">
-            <a:schemeClr val="accent1">
-              <a:shade val="50000"/>
-            </a:schemeClr>
-          </a:lnRef>
-          <a:fillRef idx="1">
-            <a:schemeClr val="accent1"/>
-          </a:fillRef>
-          <a:effectRef idx="0">
-            <a:schemeClr val="accent1"/>
-          </a:effectRef>
-          <a:fontRef idx="minor">
-            <a:schemeClr val="lt1"/>
-          </a:fontRef>
-        </p:style>
-        <p:txBody>
-          <a:bodyPr anchor="ctr"/>
-          <a:lstStyle/>
-          <a:p>
-            <a:pPr algn="ctr"/>
-            <a:endParaRPr lang="en-US" altLang="zh-CN" sz="700" baseline="-25000" noProof="1">
-              <a:solidFill>
-                <a:schemeClr val="tx1"/>
-              </a:solidFill>
-            </a:endParaRPr>
-          </a:p>
-        </p:txBody>
-      </p:sp>
-      <p:sp>
-        <p:nvSpPr>
-          <p:cNvPr id="7" name="矩形 6">
-            <a:extLst>
-              <a:ext uri="{FF2B5EF4-FFF2-40B4-BE49-F238E27FC236}">
-                <a16:creationId xmlns:a16="http://schemas.microsoft.com/office/drawing/2014/main" id="{293E60CC-44D8-4AB3-6959-3DEA146F8A6B}"/>
-              </a:ext>
-            </a:extLst>
-          </p:cNvPr>
-          <p:cNvSpPr/>
-          <p:nvPr/>
-        </p:nvSpPr>
-        <p:spPr>
-          <a:xfrm>
-            <a:off x="5651500" y="2959100"/>
-            <a:ext cx="434975" cy="344488"/>
-          </a:xfrm>
-          <a:prstGeom prst="rect">
-            <a:avLst/>
-          </a:prstGeom>
-          <a:solidFill>
-            <a:srgbClr val="9DD16F"/>
-          </a:solidFill>
-        </p:spPr>
-        <p:style>
-          <a:lnRef idx="2">
-            <a:schemeClr val="accent1">
-              <a:shade val="50000"/>
-            </a:schemeClr>
-          </a:lnRef>
-          <a:fillRef idx="1">
-            <a:schemeClr val="accent1"/>
-          </a:fillRef>
-          <a:effectRef idx="0">
-            <a:schemeClr val="accent1"/>
-          </a:effectRef>
-          <a:fontRef idx="minor">
-            <a:schemeClr val="lt1"/>
-          </a:fontRef>
-        </p:style>
-        <p:txBody>
-          <a:bodyPr anchor="ctr"/>
-          <a:lstStyle/>
-          <a:p>
-            <a:pPr algn="ctr"/>
-            <a:endParaRPr lang="en-US" altLang="zh-CN" sz="700" baseline="-25000" noProof="1">
-              <a:solidFill>
-                <a:schemeClr val="tx1"/>
-              </a:solidFill>
-            </a:endParaRPr>
-          </a:p>
-        </p:txBody>
-      </p:sp>
-      <p:sp>
-        <p:nvSpPr>
-          <p:cNvPr id="8" name="矩形 7">
-            <a:extLst>
-              <a:ext uri="{FF2B5EF4-FFF2-40B4-BE49-F238E27FC236}">
-                <a16:creationId xmlns:a16="http://schemas.microsoft.com/office/drawing/2014/main" id="{396F0173-11F8-9F98-2431-9510E52522E9}"/>
-              </a:ext>
-            </a:extLst>
-          </p:cNvPr>
-          <p:cNvSpPr/>
-          <p:nvPr/>
-        </p:nvSpPr>
-        <p:spPr>
-          <a:xfrm>
-            <a:off x="5651500" y="2759075"/>
-            <a:ext cx="434975" cy="200025"/>
-          </a:xfrm>
-          <a:prstGeom prst="rect">
-            <a:avLst/>
-          </a:prstGeom>
-          <a:solidFill>
-            <a:schemeClr val="bg1">
-              <a:lumMod val="85000"/>
-            </a:schemeClr>
-          </a:solidFill>
-        </p:spPr>
-        <p:style>
-          <a:lnRef idx="2">
-            <a:schemeClr val="accent1">
-              <a:shade val="50000"/>
-            </a:schemeClr>
-          </a:lnRef>
-          <a:fillRef idx="1">
-            <a:schemeClr val="accent1"/>
-          </a:fillRef>
-          <a:effectRef idx="0">
-            <a:schemeClr val="accent1"/>
-          </a:effectRef>
-          <a:fontRef idx="minor">
-            <a:schemeClr val="lt1"/>
-          </a:fontRef>
-        </p:style>
-        <p:txBody>
-          <a:bodyPr anchor="ctr"/>
-          <a:lstStyle/>
-          <a:p>
-            <a:pPr algn="ctr"/>
-            <a:endParaRPr lang="en-US" altLang="zh-CN" sz="700" baseline="-25000" noProof="1">
-              <a:solidFill>
-                <a:schemeClr val="tx1"/>
-              </a:solidFill>
-            </a:endParaRPr>
-          </a:p>
-        </p:txBody>
-      </p:sp>
-      <p:sp>
-        <p:nvSpPr>
-          <p:cNvPr id="9" name="矩形 8">
-            <a:extLst>
-              <a:ext uri="{FF2B5EF4-FFF2-40B4-BE49-F238E27FC236}">
-                <a16:creationId xmlns:a16="http://schemas.microsoft.com/office/drawing/2014/main" id="{C96F2950-F478-BAE2-0B6A-33AEBA9531C9}"/>
-              </a:ext>
-            </a:extLst>
-          </p:cNvPr>
-          <p:cNvSpPr/>
-          <p:nvPr/>
-        </p:nvSpPr>
-        <p:spPr>
-          <a:xfrm>
-            <a:off x="5651500" y="2381250"/>
-            <a:ext cx="434975" cy="371475"/>
-          </a:xfrm>
-          <a:prstGeom prst="rect">
-            <a:avLst/>
-          </a:prstGeom>
-          <a:solidFill>
-            <a:srgbClr val="9DD16F"/>
-          </a:solidFill>
-        </p:spPr>
-        <p:style>
-          <a:lnRef idx="2">
-            <a:schemeClr val="accent1">
-              <a:shade val="50000"/>
-            </a:schemeClr>
-          </a:lnRef>
-          <a:fillRef idx="1">
-            <a:schemeClr val="accent1"/>
-          </a:fillRef>
-          <a:effectRef idx="0">
-            <a:schemeClr val="accent1"/>
-          </a:effectRef>
-          <a:fontRef idx="minor">
-            <a:schemeClr val="lt1"/>
-          </a:fontRef>
-        </p:style>
-        <p:txBody>
-          <a:bodyPr anchor="ctr"/>
-          <a:lstStyle/>
-          <a:p>
-            <a:pPr algn="ctr"/>
-            <a:endParaRPr lang="en-US" altLang="zh-CN" sz="700" baseline="-25000" noProof="1">
-              <a:solidFill>
-                <a:schemeClr val="tx1"/>
-              </a:solidFill>
-            </a:endParaRPr>
-          </a:p>
-        </p:txBody>
-      </p:sp>
-      <p:sp>
-        <p:nvSpPr>
-          <p:cNvPr id="18" name="矩形 17">
-            <a:extLst>
-              <a:ext uri="{FF2B5EF4-FFF2-40B4-BE49-F238E27FC236}">
-                <a16:creationId xmlns:a16="http://schemas.microsoft.com/office/drawing/2014/main" id="{CDE82042-280A-1B49-DE3D-976BC1BBEA41}"/>
-              </a:ext>
-            </a:extLst>
-          </p:cNvPr>
-          <p:cNvSpPr/>
-          <p:nvPr/>
-        </p:nvSpPr>
-        <p:spPr>
-          <a:xfrm>
-            <a:off x="6257925" y="2736850"/>
-            <a:ext cx="431800" cy="568325"/>
-          </a:xfrm>
-          <a:prstGeom prst="rect">
-            <a:avLst/>
-          </a:prstGeom>
-          <a:solidFill>
-            <a:srgbClr val="9DD16F"/>
-          </a:solidFill>
-        </p:spPr>
-        <p:style>
-          <a:lnRef idx="2">
-            <a:schemeClr val="accent1">
-              <a:shade val="50000"/>
-            </a:schemeClr>
-          </a:lnRef>
-          <a:fillRef idx="1">
-            <a:schemeClr val="accent1"/>
-          </a:fillRef>
-          <a:effectRef idx="0">
-            <a:schemeClr val="accent1"/>
-          </a:effectRef>
-          <a:fontRef idx="minor">
-            <a:schemeClr val="lt1"/>
-          </a:fontRef>
-        </p:style>
-        <p:txBody>
-          <a:bodyPr anchor="ctr"/>
-          <a:lstStyle/>
-          <a:p>
-            <a:pPr algn="ctr"/>
-            <a:endParaRPr lang="en-US" altLang="zh-CN" sz="700" baseline="-25000" noProof="1">
-              <a:solidFill>
-                <a:schemeClr val="tx1"/>
-              </a:solidFill>
-            </a:endParaRPr>
-          </a:p>
-        </p:txBody>
-      </p:sp>
-      <p:sp>
-        <p:nvSpPr>
-          <p:cNvPr id="19" name="矩形 18">
-            <a:extLst>
-              <a:ext uri="{FF2B5EF4-FFF2-40B4-BE49-F238E27FC236}">
-                <a16:creationId xmlns:a16="http://schemas.microsoft.com/office/drawing/2014/main" id="{E9FC531F-C2A7-DC59-EC07-26008D410C98}"/>
-              </a:ext>
-            </a:extLst>
-          </p:cNvPr>
-          <p:cNvSpPr/>
-          <p:nvPr/>
-        </p:nvSpPr>
-        <p:spPr>
-          <a:xfrm>
-            <a:off x="6257925" y="2400300"/>
-            <a:ext cx="431800" cy="336550"/>
-          </a:xfrm>
-          <a:prstGeom prst="rect">
-            <a:avLst/>
-          </a:prstGeom>
-          <a:solidFill>
-            <a:schemeClr val="bg1">
-              <a:lumMod val="85000"/>
-            </a:schemeClr>
-          </a:solidFill>
-        </p:spPr>
-        <p:style>
-          <a:lnRef idx="2">
-            <a:schemeClr val="accent1">
-              <a:shade val="50000"/>
-            </a:schemeClr>
-          </a:lnRef>
-          <a:fillRef idx="1">
-            <a:schemeClr val="accent1"/>
-          </a:fillRef>
-          <a:effectRef idx="0">
-            <a:schemeClr val="accent1"/>
-          </a:effectRef>
-          <a:fontRef idx="minor">
-            <a:schemeClr val="lt1"/>
-          </a:fontRef>
-        </p:style>
-        <p:txBody>
-          <a:bodyPr anchor="ctr"/>
-          <a:lstStyle/>
-          <a:p>
-            <a:pPr algn="ctr"/>
-            <a:endParaRPr lang="en-US" altLang="zh-CN" sz="700" baseline="-25000" noProof="1">
-              <a:solidFill>
-                <a:schemeClr val="tx1"/>
-              </a:solidFill>
-            </a:endParaRPr>
-          </a:p>
-        </p:txBody>
-      </p:sp>
-      <p:sp>
-        <p:nvSpPr>
-          <p:cNvPr id="20" name="矩形 19">
-            <a:extLst>
-              <a:ext uri="{FF2B5EF4-FFF2-40B4-BE49-F238E27FC236}">
-                <a16:creationId xmlns:a16="http://schemas.microsoft.com/office/drawing/2014/main" id="{0D0940AB-D24C-655E-51D4-122AFF15380B}"/>
-              </a:ext>
-            </a:extLst>
-          </p:cNvPr>
-          <p:cNvSpPr/>
-          <p:nvPr/>
-        </p:nvSpPr>
-        <p:spPr>
-          <a:xfrm>
-            <a:off x="6257925" y="2238375"/>
-            <a:ext cx="431800" cy="161925"/>
-          </a:xfrm>
-          <a:prstGeom prst="rect">
-            <a:avLst/>
-          </a:prstGeom>
-          <a:solidFill>
-            <a:srgbClr val="9DD16F"/>
-          </a:solidFill>
-        </p:spPr>
-        <p:style>
-          <a:lnRef idx="2">
-            <a:schemeClr val="accent1">
-              <a:shade val="50000"/>
-            </a:schemeClr>
-          </a:lnRef>
-          <a:fillRef idx="1">
-            <a:schemeClr val="accent1"/>
-          </a:fillRef>
-          <a:effectRef idx="0">
-            <a:schemeClr val="accent1"/>
-          </a:effectRef>
-          <a:fontRef idx="minor">
-            <a:schemeClr val="lt1"/>
-          </a:fontRef>
-        </p:style>
-        <p:txBody>
-          <a:bodyPr anchor="ctr"/>
-          <a:lstStyle/>
-          <a:p>
-            <a:pPr algn="ctr"/>
-            <a:endParaRPr lang="en-US" altLang="zh-CN" sz="700" baseline="-25000" noProof="1">
-              <a:solidFill>
-                <a:schemeClr val="tx1"/>
-              </a:solidFill>
-            </a:endParaRPr>
-          </a:p>
-        </p:txBody>
-      </p:sp>
-      <p:sp>
-        <p:nvSpPr>
-          <p:cNvPr id="21" name="矩形 20">
-            <a:extLst>
-              <a:ext uri="{FF2B5EF4-FFF2-40B4-BE49-F238E27FC236}">
-                <a16:creationId xmlns:a16="http://schemas.microsoft.com/office/drawing/2014/main" id="{93F7A936-E587-2C6A-2FAE-8B29AB5C5A14}"/>
-              </a:ext>
-            </a:extLst>
-          </p:cNvPr>
-          <p:cNvSpPr/>
-          <p:nvPr/>
-        </p:nvSpPr>
-        <p:spPr>
-          <a:xfrm>
-            <a:off x="6257925" y="1841500"/>
-            <a:ext cx="431800" cy="412750"/>
-          </a:xfrm>
-          <a:prstGeom prst="rect">
-            <a:avLst/>
-          </a:prstGeom>
-          <a:solidFill>
-            <a:schemeClr val="bg1">
-              <a:lumMod val="85000"/>
-            </a:schemeClr>
-          </a:solidFill>
-        </p:spPr>
-        <p:style>
-          <a:lnRef idx="2">
-            <a:schemeClr val="accent1">
-              <a:shade val="50000"/>
-            </a:schemeClr>
-          </a:lnRef>
-          <a:fillRef idx="1">
-            <a:schemeClr val="accent1"/>
-          </a:fillRef>
-          <a:effectRef idx="0">
-            <a:schemeClr val="accent1"/>
-          </a:effectRef>
-          <a:fontRef idx="minor">
-            <a:schemeClr val="lt1"/>
-          </a:fontRef>
-        </p:style>
-        <p:txBody>
-          <a:bodyPr anchor="ctr"/>
-          <a:lstStyle/>
-          <a:p>
-            <a:pPr algn="ctr"/>
-            <a:endParaRPr lang="en-US" altLang="zh-CN" sz="700" baseline="-25000" noProof="1">
-              <a:solidFill>
-                <a:schemeClr val="tx1"/>
-              </a:solidFill>
-            </a:endParaRPr>
-          </a:p>
-        </p:txBody>
-      </p:sp>
-      <p:sp>
-        <p:nvSpPr>
-          <p:cNvPr id="22" name="矩形 21">
-            <a:extLst>
-              <a:ext uri="{FF2B5EF4-FFF2-40B4-BE49-F238E27FC236}">
-                <a16:creationId xmlns:a16="http://schemas.microsoft.com/office/drawing/2014/main" id="{804D8A23-50C4-FF30-0622-19F88AF42849}"/>
-              </a:ext>
-            </a:extLst>
-          </p:cNvPr>
-          <p:cNvSpPr/>
-          <p:nvPr/>
-        </p:nvSpPr>
-        <p:spPr>
-          <a:xfrm>
-            <a:off x="6256338" y="1562100"/>
-            <a:ext cx="431800" cy="279400"/>
-          </a:xfrm>
-          <a:prstGeom prst="rect">
-            <a:avLst/>
-          </a:prstGeom>
-          <a:solidFill>
-            <a:srgbClr val="9DD16F"/>
-          </a:solidFill>
-        </p:spPr>
-        <p:style>
-          <a:lnRef idx="2">
-            <a:schemeClr val="accent1">
-              <a:shade val="50000"/>
-            </a:schemeClr>
-          </a:lnRef>
-          <a:fillRef idx="1">
-            <a:schemeClr val="accent1"/>
-          </a:fillRef>
-          <a:effectRef idx="0">
-            <a:schemeClr val="accent1"/>
-          </a:effectRef>
-          <a:fontRef idx="minor">
-            <a:schemeClr val="lt1"/>
-          </a:fontRef>
-        </p:style>
-        <p:txBody>
-          <a:bodyPr anchor="ctr"/>
-          <a:lstStyle/>
-          <a:p>
-            <a:pPr algn="ctr"/>
-            <a:endParaRPr lang="en-US" altLang="zh-CN" sz="700" baseline="-25000" noProof="1">
-              <a:solidFill>
-                <a:schemeClr val="tx1"/>
-              </a:solidFill>
-            </a:endParaRPr>
-          </a:p>
-        </p:txBody>
-      </p:sp>
-      <p:sp>
-        <p:nvSpPr>
-          <p:cNvPr id="23" name="矩形 22">
-            <a:extLst>
-              <a:ext uri="{FF2B5EF4-FFF2-40B4-BE49-F238E27FC236}">
-                <a16:creationId xmlns:a16="http://schemas.microsoft.com/office/drawing/2014/main" id="{DCB6D2F3-2566-5BEC-9481-30726BBA996F}"/>
-              </a:ext>
-            </a:extLst>
-          </p:cNvPr>
-          <p:cNvSpPr/>
-          <p:nvPr/>
-        </p:nvSpPr>
-        <p:spPr>
-          <a:xfrm>
-            <a:off x="6119813" y="174625"/>
-            <a:ext cx="298450" cy="298450"/>
-          </a:xfrm>
-          <a:prstGeom prst="rect">
-            <a:avLst/>
-          </a:prstGeom>
-          <a:solidFill>
-            <a:schemeClr val="bg1">
-              <a:lumMod val="85000"/>
-            </a:schemeClr>
-          </a:solidFill>
-          <a:ln>
-            <a:solidFill>
-              <a:schemeClr val="bg1">
-                <a:lumMod val="85000"/>
-              </a:schemeClr>
-            </a:solidFill>
-          </a:ln>
-        </p:spPr>
-        <p:style>
-          <a:lnRef idx="2">
-            <a:schemeClr val="accent1">
-              <a:shade val="50000"/>
-            </a:schemeClr>
-          </a:lnRef>
-          <a:fillRef idx="1">
-            <a:schemeClr val="accent1"/>
-          </a:fillRef>
-          <a:effectRef idx="0">
-            <a:schemeClr val="accent1"/>
-          </a:effectRef>
-          <a:fontRef idx="minor">
-            <a:schemeClr val="lt1"/>
-          </a:fontRef>
-        </p:style>
-        <p:txBody>
-          <a:bodyPr anchor="ctr"/>
-          <a:lstStyle/>
-          <a:p>
-            <a:pPr algn="ctr"/>
-            <a:endParaRPr lang="en-US" altLang="zh-CN" sz="1000" noProof="1">
-              <a:solidFill>
-                <a:schemeClr val="tx1"/>
-              </a:solidFill>
-            </a:endParaRPr>
-          </a:p>
-        </p:txBody>
-      </p:sp>
-      <p:sp>
-        <p:nvSpPr>
-          <p:cNvPr id="2106" name="文本框 24">
-            <a:extLst>
-              <a:ext uri="{FF2B5EF4-FFF2-40B4-BE49-F238E27FC236}">
-                <a16:creationId xmlns:a16="http://schemas.microsoft.com/office/drawing/2014/main" id="{C592329A-B1D1-ECA5-BD0A-ADD047374C5A}"/>
+                <a16:creationId xmlns:a16="http://schemas.microsoft.com/office/drawing/2014/main" id="{AC0C8E30-A882-28D7-13A5-40E281704C73}"/>
               </a:ext>
             </a:extLst>
           </p:cNvPr>
@@ -6846,8 +7688,8 @@
         </p:nvSpPr>
         <p:spPr bwMode="auto">
           <a:xfrm>
-            <a:off x="6335713" y="166688"/>
-            <a:ext cx="884237" cy="336550"/>
+            <a:off x="3640457" y="3138180"/>
+            <a:ext cx="663575" cy="246221"/>
           </a:xfrm>
           <a:prstGeom prst="rect">
             <a:avLst/>
@@ -6877,24 +7719,25 @@
           </a:extLst>
         </p:spPr>
         <p:txBody>
-          <a:bodyPr>
+          <a:bodyPr lIns="0" tIns="0" rIns="0" bIns="0">
             <a:spAutoFit/>
           </a:bodyPr>
           <a:lstStyle/>
           <a:p>
+            <a:pPr algn="ctr"/>
             <a:r>
-              <a:rPr lang="en-US" altLang="zh-CN" sz="1600"/>
-              <a:t>: invalid</a:t>
+              <a:rPr lang="en-US" altLang="zh-CN" sz="1600" dirty="0"/>
+              <a:t>Seg 1</a:t>
             </a:r>
           </a:p>
         </p:txBody>
       </p:sp>
       <p:sp>
         <p:nvSpPr>
-          <p:cNvPr id="2107" name="文本框 70">
+          <p:cNvPr id="2112" name="文本框 70">
             <a:extLst>
               <a:ext uri="{FF2B5EF4-FFF2-40B4-BE49-F238E27FC236}">
-                <a16:creationId xmlns:a16="http://schemas.microsoft.com/office/drawing/2014/main" id="{D469DECC-CF6D-34D5-39F2-BC4C89977D4B}"/>
+                <a16:creationId xmlns:a16="http://schemas.microsoft.com/office/drawing/2014/main" id="{F6E19B06-06C6-0EDC-7C62-C94F81B07025}"/>
               </a:ext>
             </a:extLst>
           </p:cNvPr>
@@ -6905,8 +7748,8 @@
         </p:nvSpPr>
         <p:spPr bwMode="auto">
           <a:xfrm>
-            <a:off x="1511300" y="3224213"/>
-            <a:ext cx="647700" cy="338137"/>
+            <a:off x="5567365" y="3138180"/>
+            <a:ext cx="623887" cy="246221"/>
           </a:xfrm>
           <a:prstGeom prst="rect">
             <a:avLst/>
@@ -6936,25 +7779,25 @@
           </a:extLst>
         </p:spPr>
         <p:txBody>
-          <a:bodyPr>
+          <a:bodyPr lIns="0" tIns="0" rIns="0" bIns="0">
             <a:spAutoFit/>
           </a:bodyPr>
           <a:lstStyle/>
           <a:p>
             <a:pPr algn="ctr"/>
             <a:r>
-              <a:rPr lang="en-US" altLang="zh-CN" sz="1600"/>
-              <a:t>seg0</a:t>
+              <a:rPr lang="en-US" altLang="zh-CN" sz="1600" dirty="0"/>
+              <a:t>Seg 0</a:t>
             </a:r>
           </a:p>
         </p:txBody>
       </p:sp>
       <p:sp>
         <p:nvSpPr>
-          <p:cNvPr id="2108" name="文本框 70">
+          <p:cNvPr id="2113" name="文本框 70">
             <a:extLst>
               <a:ext uri="{FF2B5EF4-FFF2-40B4-BE49-F238E27FC236}">
-                <a16:creationId xmlns:a16="http://schemas.microsoft.com/office/drawing/2014/main" id="{F57A38B0-66CA-C2EC-5807-1CDA3393769F}"/>
+                <a16:creationId xmlns:a16="http://schemas.microsoft.com/office/drawing/2014/main" id="{24F3124F-91E7-A573-F138-C79413BB0C74}"/>
               </a:ext>
             </a:extLst>
           </p:cNvPr>
@@ -6965,8 +7808,8 @@
         </p:nvSpPr>
         <p:spPr bwMode="auto">
           <a:xfrm>
-            <a:off x="2987675" y="3254375"/>
-            <a:ext cx="673100" cy="338138"/>
+            <a:off x="6150295" y="3138180"/>
+            <a:ext cx="688975" cy="246221"/>
           </a:xfrm>
           <a:prstGeom prst="rect">
             <a:avLst/>
@@ -6996,737 +7839,146 @@
           </a:extLst>
         </p:spPr>
         <p:txBody>
-          <a:bodyPr>
+          <a:bodyPr lIns="0" tIns="0" rIns="0" bIns="0">
             <a:spAutoFit/>
           </a:bodyPr>
           <a:lstStyle/>
           <a:p>
             <a:pPr algn="ctr"/>
             <a:r>
-              <a:rPr lang="en-US" altLang="zh-CN" sz="1600"/>
-              <a:t>seg0</a:t>
+              <a:rPr lang="en-US" altLang="zh-CN" sz="1600" dirty="0"/>
+              <a:t>Seg 1</a:t>
             </a:r>
           </a:p>
         </p:txBody>
       </p:sp>
-      <p:sp>
-        <p:nvSpPr>
-          <p:cNvPr id="2109" name="文本框 70">
+      <p:grpSp>
+        <p:nvGrpSpPr>
+          <p:cNvPr id="11" name="组合 10">
             <a:extLst>
               <a:ext uri="{FF2B5EF4-FFF2-40B4-BE49-F238E27FC236}">
-                <a16:creationId xmlns:a16="http://schemas.microsoft.com/office/drawing/2014/main" id="{AC0C8E30-A882-28D7-13A5-40E281704C73}"/>
+                <a16:creationId xmlns:a16="http://schemas.microsoft.com/office/drawing/2014/main" id="{7CF5A93A-084C-28A3-83A2-8FE02CB61C38}"/>
               </a:ext>
             </a:extLst>
           </p:cNvPr>
-          <p:cNvSpPr txBox="1">
-            <a:spLocks noChangeArrowheads="1"/>
-          </p:cNvSpPr>
+          <p:cNvGrpSpPr/>
           <p:nvPr/>
-        </p:nvSpPr>
-        <p:spPr bwMode="auto">
+        </p:nvGrpSpPr>
+        <p:grpSpPr>
           <a:xfrm>
-            <a:off x="3609975" y="3254375"/>
-            <a:ext cx="663575" cy="338138"/>
+            <a:off x="5111753" y="799398"/>
+            <a:ext cx="538162" cy="371632"/>
+            <a:chOff x="5111753" y="799398"/>
+            <a:chExt cx="538162" cy="371632"/>
           </a:xfrm>
-          <a:prstGeom prst="rect">
-            <a:avLst/>
-          </a:prstGeom>
-          <a:noFill/>
-          <a:ln>
+        </p:grpSpPr>
+        <p:sp>
+          <p:nvSpPr>
+            <p:cNvPr id="2118" name="文本框 35">
+              <a:extLst>
+                <a:ext uri="{FF2B5EF4-FFF2-40B4-BE49-F238E27FC236}">
+                  <a16:creationId xmlns:a16="http://schemas.microsoft.com/office/drawing/2014/main" id="{66081E7C-4CD8-E28A-C1BF-A6FE54FE3AAC}"/>
+                </a:ext>
+              </a:extLst>
+            </p:cNvPr>
+            <p:cNvSpPr txBox="1">
+              <a:spLocks noChangeArrowheads="1"/>
+            </p:cNvSpPr>
+            <p:nvPr/>
+          </p:nvSpPr>
+          <p:spPr bwMode="auto">
+            <a:xfrm>
+              <a:off x="5111753" y="799398"/>
+              <a:ext cx="538162" cy="246221"/>
+            </a:xfrm>
+            <a:prstGeom prst="rect">
+              <a:avLst/>
+            </a:prstGeom>
             <a:noFill/>
-          </a:ln>
-          <a:extLst>
-            <a:ext uri="{909E8E84-426E-40DD-AFC4-6F175D3DCCD1}">
-              <a14:hiddenFill xmlns:a14="http://schemas.microsoft.com/office/drawing/2010/main">
-                <a:solidFill>
-                  <a:srgbClr val="FFFFFF"/>
-                </a:solidFill>
-              </a14:hiddenFill>
-            </a:ext>
-            <a:ext uri="{91240B29-F687-4F45-9708-019B960494DF}">
-              <a14:hiddenLine xmlns:a14="http://schemas.microsoft.com/office/drawing/2010/main" w="9525">
-                <a:solidFill>
-                  <a:srgbClr val="000000"/>
-                </a:solidFill>
-                <a:miter lim="800000"/>
-                <a:headEnd/>
-                <a:tailEnd/>
-              </a14:hiddenLine>
-            </a:ext>
-          </a:extLst>
-        </p:spPr>
-        <p:txBody>
-          <a:bodyPr>
-            <a:spAutoFit/>
-          </a:bodyPr>
-          <a:lstStyle/>
-          <a:p>
-            <a:pPr algn="ctr"/>
-            <a:r>
-              <a:rPr lang="en-US" altLang="zh-CN" sz="1600"/>
-              <a:t>seg1</a:t>
-            </a:r>
-          </a:p>
-        </p:txBody>
-      </p:sp>
-      <p:sp>
-        <p:nvSpPr>
-          <p:cNvPr id="32" name="右箭头 31">
+            <a:ln>
+              <a:noFill/>
+            </a:ln>
             <a:extLst>
-              <a:ext uri="{FF2B5EF4-FFF2-40B4-BE49-F238E27FC236}">
-                <a16:creationId xmlns:a16="http://schemas.microsoft.com/office/drawing/2014/main" id="{C6C210E4-7C52-C687-C1D8-9DE0C52BE2B2}"/>
+              <a:ext uri="{909E8E84-426E-40DD-AFC4-6F175D3DCCD1}">
+                <a14:hiddenFill xmlns:a14="http://schemas.microsoft.com/office/drawing/2010/main">
+                  <a:solidFill>
+                    <a:srgbClr val="FFFFFF"/>
+                  </a:solidFill>
+                </a14:hiddenFill>
+              </a:ext>
+              <a:ext uri="{91240B29-F687-4F45-9708-019B960494DF}">
+                <a14:hiddenLine xmlns:a14="http://schemas.microsoft.com/office/drawing/2010/main" w="9525">
+                  <a:solidFill>
+                    <a:srgbClr val="000000"/>
+                  </a:solidFill>
+                  <a:miter lim="800000"/>
+                  <a:headEnd/>
+                  <a:tailEnd/>
+                </a14:hiddenLine>
               </a:ext>
             </a:extLst>
-          </p:cNvPr>
-          <p:cNvSpPr/>
-          <p:nvPr/>
-        </p:nvSpPr>
-        <p:spPr>
-          <a:xfrm>
-            <a:off x="4583113" y="2101850"/>
-            <a:ext cx="566737" cy="117475"/>
-          </a:xfrm>
-          <a:prstGeom prst="rightArrow">
-            <a:avLst/>
-          </a:prstGeom>
-          <a:solidFill>
-            <a:schemeClr val="tx1"/>
-          </a:solidFill>
-          <a:ln>
-            <a:solidFill>
-              <a:schemeClr val="tx1"/>
-            </a:solidFill>
-          </a:ln>
-        </p:spPr>
-        <p:style>
-          <a:lnRef idx="2">
-            <a:schemeClr val="accent1">
-              <a:shade val="50000"/>
-            </a:schemeClr>
-          </a:lnRef>
-          <a:fillRef idx="1">
-            <a:schemeClr val="accent1"/>
-          </a:fillRef>
-          <a:effectRef idx="0">
-            <a:schemeClr val="accent1"/>
-          </a:effectRef>
-          <a:fontRef idx="minor">
-            <a:schemeClr val="lt1"/>
-          </a:fontRef>
-        </p:style>
-        <p:txBody>
-          <a:bodyPr anchor="ctr"/>
-          <a:lstStyle/>
-          <a:p>
-            <a:pPr algn="ctr"/>
-            <a:endParaRPr lang="zh-CN" altLang="en-US" noProof="1"/>
-          </a:p>
-        </p:txBody>
-      </p:sp>
-      <p:sp>
-        <p:nvSpPr>
-          <p:cNvPr id="2111" name="文本框 68">
-            <a:extLst>
-              <a:ext uri="{FF2B5EF4-FFF2-40B4-BE49-F238E27FC236}">
-                <a16:creationId xmlns:a16="http://schemas.microsoft.com/office/drawing/2014/main" id="{C6816247-6141-F07A-92CF-27D2EAC5F0E0}"/>
-              </a:ext>
-            </a:extLst>
-          </p:cNvPr>
-          <p:cNvSpPr txBox="1">
-            <a:spLocks noChangeArrowheads="1"/>
-          </p:cNvSpPr>
-          <p:nvPr/>
-        </p:nvSpPr>
-        <p:spPr bwMode="auto">
-          <a:xfrm>
-            <a:off x="4492625" y="1857375"/>
-            <a:ext cx="746125" cy="306388"/>
-          </a:xfrm>
-          <a:prstGeom prst="rect">
-            <a:avLst/>
-          </a:prstGeom>
-          <a:noFill/>
-          <a:ln>
-            <a:noFill/>
-          </a:ln>
-          <a:extLst>
-            <a:ext uri="{909E8E84-426E-40DD-AFC4-6F175D3DCCD1}">
-              <a14:hiddenFill xmlns:a14="http://schemas.microsoft.com/office/drawing/2010/main">
-                <a:solidFill>
-                  <a:srgbClr val="FFFFFF"/>
-                </a:solidFill>
-              </a14:hiddenFill>
-            </a:ext>
-            <a:ext uri="{91240B29-F687-4F45-9708-019B960494DF}">
-              <a14:hiddenLine xmlns:a14="http://schemas.microsoft.com/office/drawing/2010/main" w="9525">
-                <a:solidFill>
-                  <a:srgbClr val="000000"/>
-                </a:solidFill>
-                <a:miter lim="800000"/>
-                <a:headEnd/>
-                <a:tailEnd/>
-              </a14:hiddenLine>
-            </a:ext>
-          </a:extLst>
-        </p:spPr>
-        <p:txBody>
-          <a:bodyPr>
-            <a:spAutoFit/>
-          </a:bodyPr>
-          <a:lstStyle/>
-          <a:p>
-            <a:pPr algn="ctr"/>
-            <a:r>
-              <a:rPr lang="en-US" altLang="zh-CN" sz="1400"/>
-              <a:t>update</a:t>
-            </a:r>
-          </a:p>
-        </p:txBody>
-      </p:sp>
-      <p:sp>
-        <p:nvSpPr>
-          <p:cNvPr id="2112" name="文本框 70">
-            <a:extLst>
-              <a:ext uri="{FF2B5EF4-FFF2-40B4-BE49-F238E27FC236}">
-                <a16:creationId xmlns:a16="http://schemas.microsoft.com/office/drawing/2014/main" id="{F6E19B06-06C6-0EDC-7C62-C94F81B07025}"/>
-              </a:ext>
-            </a:extLst>
-          </p:cNvPr>
-          <p:cNvSpPr txBox="1">
-            <a:spLocks noChangeArrowheads="1"/>
-          </p:cNvSpPr>
-          <p:nvPr/>
-        </p:nvSpPr>
-        <p:spPr bwMode="auto">
-          <a:xfrm>
-            <a:off x="5567363" y="3254375"/>
-            <a:ext cx="623887" cy="338138"/>
-          </a:xfrm>
-          <a:prstGeom prst="rect">
-            <a:avLst/>
-          </a:prstGeom>
-          <a:noFill/>
-          <a:ln>
-            <a:noFill/>
-          </a:ln>
-          <a:extLst>
-            <a:ext uri="{909E8E84-426E-40DD-AFC4-6F175D3DCCD1}">
-              <a14:hiddenFill xmlns:a14="http://schemas.microsoft.com/office/drawing/2010/main">
-                <a:solidFill>
-                  <a:srgbClr val="FFFFFF"/>
-                </a:solidFill>
-              </a14:hiddenFill>
-            </a:ext>
-            <a:ext uri="{91240B29-F687-4F45-9708-019B960494DF}">
-              <a14:hiddenLine xmlns:a14="http://schemas.microsoft.com/office/drawing/2010/main" w="9525">
-                <a:solidFill>
-                  <a:srgbClr val="000000"/>
-                </a:solidFill>
-                <a:miter lim="800000"/>
-                <a:headEnd/>
-                <a:tailEnd/>
-              </a14:hiddenLine>
-            </a:ext>
-          </a:extLst>
-        </p:spPr>
-        <p:txBody>
-          <a:bodyPr>
-            <a:spAutoFit/>
-          </a:bodyPr>
-          <a:lstStyle/>
-          <a:p>
-            <a:pPr algn="ctr"/>
-            <a:r>
-              <a:rPr lang="en-US" altLang="zh-CN" sz="1600"/>
-              <a:t>seg0</a:t>
-            </a:r>
-          </a:p>
-        </p:txBody>
-      </p:sp>
-      <p:sp>
-        <p:nvSpPr>
-          <p:cNvPr id="2113" name="文本框 70">
-            <a:extLst>
-              <a:ext uri="{FF2B5EF4-FFF2-40B4-BE49-F238E27FC236}">
-                <a16:creationId xmlns:a16="http://schemas.microsoft.com/office/drawing/2014/main" id="{24F3124F-91E7-A573-F138-C79413BB0C74}"/>
-              </a:ext>
-            </a:extLst>
-          </p:cNvPr>
-          <p:cNvSpPr txBox="1">
-            <a:spLocks noChangeArrowheads="1"/>
-          </p:cNvSpPr>
-          <p:nvPr/>
-        </p:nvSpPr>
-        <p:spPr bwMode="auto">
-          <a:xfrm>
-            <a:off x="6119813" y="3254375"/>
-            <a:ext cx="688975" cy="338138"/>
-          </a:xfrm>
-          <a:prstGeom prst="rect">
-            <a:avLst/>
-          </a:prstGeom>
-          <a:noFill/>
-          <a:ln>
-            <a:noFill/>
-          </a:ln>
-          <a:extLst>
-            <a:ext uri="{909E8E84-426E-40DD-AFC4-6F175D3DCCD1}">
-              <a14:hiddenFill xmlns:a14="http://schemas.microsoft.com/office/drawing/2010/main">
-                <a:solidFill>
-                  <a:srgbClr val="FFFFFF"/>
-                </a:solidFill>
-              </a14:hiddenFill>
-            </a:ext>
-            <a:ext uri="{91240B29-F687-4F45-9708-019B960494DF}">
-              <a14:hiddenLine xmlns:a14="http://schemas.microsoft.com/office/drawing/2010/main" w="9525">
-                <a:solidFill>
-                  <a:srgbClr val="000000"/>
-                </a:solidFill>
-                <a:miter lim="800000"/>
-                <a:headEnd/>
-                <a:tailEnd/>
-              </a14:hiddenLine>
-            </a:ext>
-          </a:extLst>
-        </p:spPr>
-        <p:txBody>
-          <a:bodyPr>
-            <a:spAutoFit/>
-          </a:bodyPr>
-          <a:lstStyle/>
-          <a:p>
-            <a:pPr algn="ctr"/>
-            <a:r>
-              <a:rPr lang="en-US" altLang="zh-CN" sz="1600"/>
-              <a:t>seg1</a:t>
-            </a:r>
-          </a:p>
-        </p:txBody>
-      </p:sp>
-      <p:sp>
-        <p:nvSpPr>
-          <p:cNvPr id="2114" name="文本框 35">
-            <a:extLst>
-              <a:ext uri="{FF2B5EF4-FFF2-40B4-BE49-F238E27FC236}">
-                <a16:creationId xmlns:a16="http://schemas.microsoft.com/office/drawing/2014/main" id="{19DF9A95-4B19-5D84-1E32-7688BEF51208}"/>
-              </a:ext>
-            </a:extLst>
-          </p:cNvPr>
-          <p:cNvSpPr txBox="1">
-            <a:spLocks noChangeArrowheads="1"/>
-          </p:cNvSpPr>
-          <p:nvPr/>
-        </p:nvSpPr>
-        <p:spPr bwMode="auto">
-          <a:xfrm>
-            <a:off x="2589213" y="2070100"/>
-            <a:ext cx="539750" cy="336550"/>
-          </a:xfrm>
-          <a:prstGeom prst="rect">
-            <a:avLst/>
-          </a:prstGeom>
-          <a:noFill/>
-          <a:ln>
-            <a:noFill/>
-          </a:ln>
-          <a:extLst>
-            <a:ext uri="{909E8E84-426E-40DD-AFC4-6F175D3DCCD1}">
-              <a14:hiddenFill xmlns:a14="http://schemas.microsoft.com/office/drawing/2010/main">
-                <a:solidFill>
-                  <a:srgbClr val="FFFFFF"/>
-                </a:solidFill>
-              </a14:hiddenFill>
-            </a:ext>
-            <a:ext uri="{91240B29-F687-4F45-9708-019B960494DF}">
-              <a14:hiddenLine xmlns:a14="http://schemas.microsoft.com/office/drawing/2010/main" w="9525">
-                <a:solidFill>
-                  <a:srgbClr val="000000"/>
-                </a:solidFill>
-                <a:miter lim="800000"/>
-                <a:headEnd/>
-                <a:tailEnd/>
-              </a14:hiddenLine>
-            </a:ext>
-          </a:extLst>
-        </p:spPr>
-        <p:txBody>
-          <a:bodyPr>
-            <a:spAutoFit/>
-          </a:bodyPr>
-          <a:lstStyle/>
-          <a:p>
-            <a:pPr algn="ctr"/>
-            <a:r>
-              <a:rPr lang="en-US" altLang="zh-CN" sz="1600"/>
-              <a:t>tail</a:t>
-            </a:r>
-          </a:p>
-        </p:txBody>
-      </p:sp>
-      <p:sp>
-        <p:nvSpPr>
-          <p:cNvPr id="48" name="右箭头 47">
-            <a:extLst>
-              <a:ext uri="{FF2B5EF4-FFF2-40B4-BE49-F238E27FC236}">
-                <a16:creationId xmlns:a16="http://schemas.microsoft.com/office/drawing/2014/main" id="{CF09DF37-A6B7-CFD9-3505-8011154FFE0D}"/>
-              </a:ext>
-            </a:extLst>
-          </p:cNvPr>
-          <p:cNvSpPr/>
-          <p:nvPr/>
-        </p:nvSpPr>
-        <p:spPr>
-          <a:xfrm>
-            <a:off x="2709863" y="2341563"/>
-            <a:ext cx="331787" cy="141287"/>
-          </a:xfrm>
-          <a:prstGeom prst="rightArrow">
-            <a:avLst/>
-          </a:prstGeom>
-        </p:spPr>
-        <p:style>
-          <a:lnRef idx="2">
-            <a:schemeClr val="accent1">
-              <a:shade val="50000"/>
-            </a:schemeClr>
-          </a:lnRef>
-          <a:fillRef idx="1">
-            <a:schemeClr val="accent1"/>
-          </a:fillRef>
-          <a:effectRef idx="0">
-            <a:schemeClr val="accent1"/>
-          </a:effectRef>
-          <a:fontRef idx="minor">
-            <a:schemeClr val="lt1"/>
-          </a:fontRef>
-        </p:style>
-        <p:txBody>
-          <a:bodyPr anchor="ctr"/>
-          <a:lstStyle/>
-          <a:p>
-            <a:pPr algn="ctr"/>
-            <a:endParaRPr lang="zh-CN" altLang="en-US" noProof="1"/>
-          </a:p>
-        </p:txBody>
-      </p:sp>
-      <p:sp>
-        <p:nvSpPr>
-          <p:cNvPr id="49" name="右箭头 48">
-            <a:extLst>
-              <a:ext uri="{FF2B5EF4-FFF2-40B4-BE49-F238E27FC236}">
-                <a16:creationId xmlns:a16="http://schemas.microsoft.com/office/drawing/2014/main" id="{5006558C-2E45-1EC6-952E-B038AE814BFE}"/>
-              </a:ext>
-            </a:extLst>
-          </p:cNvPr>
-          <p:cNvSpPr/>
-          <p:nvPr/>
-        </p:nvSpPr>
-        <p:spPr>
-          <a:xfrm rot="10800000">
-            <a:off x="4273550" y="1511300"/>
-            <a:ext cx="331788" cy="139700"/>
-          </a:xfrm>
-          <a:prstGeom prst="rightArrow">
-            <a:avLst/>
-          </a:prstGeom>
-        </p:spPr>
-        <p:style>
-          <a:lnRef idx="2">
-            <a:schemeClr val="accent1">
-              <a:shade val="50000"/>
-            </a:schemeClr>
-          </a:lnRef>
-          <a:fillRef idx="1">
-            <a:schemeClr val="accent1"/>
-          </a:fillRef>
-          <a:effectRef idx="0">
-            <a:schemeClr val="accent1"/>
-          </a:effectRef>
-          <a:fontRef idx="minor">
-            <a:schemeClr val="lt1"/>
-          </a:fontRef>
-        </p:style>
-        <p:txBody>
-          <a:bodyPr anchor="ctr"/>
-          <a:lstStyle/>
-          <a:p>
-            <a:pPr algn="ctr"/>
-            <a:endParaRPr lang="zh-CN" altLang="en-US" noProof="1"/>
-          </a:p>
-        </p:txBody>
-      </p:sp>
-      <p:sp>
-        <p:nvSpPr>
-          <p:cNvPr id="2117" name="文本框 66">
-            <a:extLst>
-              <a:ext uri="{FF2B5EF4-FFF2-40B4-BE49-F238E27FC236}">
-                <a16:creationId xmlns:a16="http://schemas.microsoft.com/office/drawing/2014/main" id="{75BED2E0-B2A3-613F-1C6A-588846C86C72}"/>
-              </a:ext>
-            </a:extLst>
-          </p:cNvPr>
-          <p:cNvSpPr txBox="1">
-            <a:spLocks noChangeArrowheads="1"/>
-          </p:cNvSpPr>
-          <p:nvPr/>
-        </p:nvSpPr>
-        <p:spPr bwMode="auto">
-          <a:xfrm>
-            <a:off x="4071938" y="1244600"/>
-            <a:ext cx="752475" cy="336550"/>
-          </a:xfrm>
-          <a:prstGeom prst="rect">
-            <a:avLst/>
-          </a:prstGeom>
-          <a:noFill/>
-          <a:ln>
-            <a:noFill/>
-          </a:ln>
-          <a:extLst>
-            <a:ext uri="{909E8E84-426E-40DD-AFC4-6F175D3DCCD1}">
-              <a14:hiddenFill xmlns:a14="http://schemas.microsoft.com/office/drawing/2010/main">
-                <a:solidFill>
-                  <a:srgbClr val="FFFFFF"/>
-                </a:solidFill>
-              </a14:hiddenFill>
-            </a:ext>
-            <a:ext uri="{91240B29-F687-4F45-9708-019B960494DF}">
-              <a14:hiddenLine xmlns:a14="http://schemas.microsoft.com/office/drawing/2010/main" w="9525">
-                <a:solidFill>
-                  <a:srgbClr val="000000"/>
-                </a:solidFill>
-                <a:miter lim="800000"/>
-                <a:headEnd/>
-                <a:tailEnd/>
-              </a14:hiddenLine>
-            </a:ext>
-          </a:extLst>
-        </p:spPr>
-        <p:txBody>
-          <a:bodyPr>
-            <a:spAutoFit/>
-          </a:bodyPr>
-          <a:lstStyle/>
-          <a:p>
-            <a:pPr algn="ctr"/>
-            <a:r>
-              <a:rPr lang="en-US" altLang="zh-CN" sz="1600"/>
-              <a:t>tail</a:t>
-            </a:r>
-          </a:p>
-        </p:txBody>
-      </p:sp>
-      <p:sp>
-        <p:nvSpPr>
-          <p:cNvPr id="2118" name="文本框 35">
-            <a:extLst>
-              <a:ext uri="{FF2B5EF4-FFF2-40B4-BE49-F238E27FC236}">
-                <a16:creationId xmlns:a16="http://schemas.microsoft.com/office/drawing/2014/main" id="{66081E7C-4CD8-E28A-C1BF-A6FE54FE3AAC}"/>
-              </a:ext>
-            </a:extLst>
-          </p:cNvPr>
-          <p:cNvSpPr txBox="1">
-            <a:spLocks noChangeArrowheads="1"/>
-          </p:cNvSpPr>
-          <p:nvPr/>
-        </p:nvSpPr>
-        <p:spPr bwMode="auto">
-          <a:xfrm>
-            <a:off x="5113338" y="935038"/>
-            <a:ext cx="538162" cy="338137"/>
-          </a:xfrm>
-          <a:prstGeom prst="rect">
-            <a:avLst/>
-          </a:prstGeom>
-          <a:noFill/>
-          <a:ln>
-            <a:noFill/>
-          </a:ln>
-          <a:extLst>
-            <a:ext uri="{909E8E84-426E-40DD-AFC4-6F175D3DCCD1}">
-              <a14:hiddenFill xmlns:a14="http://schemas.microsoft.com/office/drawing/2010/main">
-                <a:solidFill>
-                  <a:srgbClr val="FFFFFF"/>
-                </a:solidFill>
-              </a14:hiddenFill>
-            </a:ext>
-            <a:ext uri="{91240B29-F687-4F45-9708-019B960494DF}">
-              <a14:hiddenLine xmlns:a14="http://schemas.microsoft.com/office/drawing/2010/main" w="9525">
-                <a:solidFill>
-                  <a:srgbClr val="000000"/>
-                </a:solidFill>
-                <a:miter lim="800000"/>
-                <a:headEnd/>
-                <a:tailEnd/>
-              </a14:hiddenLine>
-            </a:ext>
-          </a:extLst>
-        </p:spPr>
-        <p:txBody>
-          <a:bodyPr>
-            <a:spAutoFit/>
-          </a:bodyPr>
-          <a:lstStyle/>
-          <a:p>
-            <a:pPr algn="ctr"/>
-            <a:r>
-              <a:rPr lang="en-US" altLang="zh-CN" sz="1600"/>
-              <a:t>tail</a:t>
-            </a:r>
-          </a:p>
-        </p:txBody>
-      </p:sp>
-      <p:sp>
-        <p:nvSpPr>
-          <p:cNvPr id="52" name="右箭头 51">
-            <a:extLst>
-              <a:ext uri="{FF2B5EF4-FFF2-40B4-BE49-F238E27FC236}">
-                <a16:creationId xmlns:a16="http://schemas.microsoft.com/office/drawing/2014/main" id="{9BA0E474-CD72-2470-F410-A327365196FD}"/>
-              </a:ext>
-            </a:extLst>
-          </p:cNvPr>
-          <p:cNvSpPr/>
-          <p:nvPr/>
-        </p:nvSpPr>
-        <p:spPr>
-          <a:xfrm>
-            <a:off x="5232400" y="1206500"/>
-            <a:ext cx="331788" cy="141288"/>
-          </a:xfrm>
-          <a:prstGeom prst="rightArrow">
-            <a:avLst/>
-          </a:prstGeom>
-        </p:spPr>
-        <p:style>
-          <a:lnRef idx="2">
-            <a:schemeClr val="accent1">
-              <a:shade val="50000"/>
-            </a:schemeClr>
-          </a:lnRef>
-          <a:fillRef idx="1">
-            <a:schemeClr val="accent1"/>
-          </a:fillRef>
-          <a:effectRef idx="0">
-            <a:schemeClr val="accent1"/>
-          </a:effectRef>
-          <a:fontRef idx="minor">
-            <a:schemeClr val="lt1"/>
-          </a:fontRef>
-        </p:style>
-        <p:txBody>
-          <a:bodyPr anchor="ctr"/>
-          <a:lstStyle/>
-          <a:p>
-            <a:pPr algn="ctr"/>
-            <a:endParaRPr lang="zh-CN" altLang="en-US" noProof="1"/>
-          </a:p>
-        </p:txBody>
-      </p:sp>
-      <p:sp>
-        <p:nvSpPr>
-          <p:cNvPr id="53" name="右箭头 52">
-            <a:extLst>
-              <a:ext uri="{FF2B5EF4-FFF2-40B4-BE49-F238E27FC236}">
-                <a16:creationId xmlns:a16="http://schemas.microsoft.com/office/drawing/2014/main" id="{FB906299-77CA-F681-109A-470A29A60F55}"/>
-              </a:ext>
-            </a:extLst>
-          </p:cNvPr>
-          <p:cNvSpPr/>
-          <p:nvPr/>
-        </p:nvSpPr>
-        <p:spPr>
-          <a:xfrm rot="10800000">
-            <a:off x="6769100" y="1206500"/>
-            <a:ext cx="330200" cy="139700"/>
-          </a:xfrm>
-          <a:prstGeom prst="rightArrow">
-            <a:avLst/>
-          </a:prstGeom>
-        </p:spPr>
-        <p:style>
-          <a:lnRef idx="2">
-            <a:schemeClr val="accent1">
-              <a:shade val="50000"/>
-            </a:schemeClr>
-          </a:lnRef>
-          <a:fillRef idx="1">
-            <a:schemeClr val="accent1"/>
-          </a:fillRef>
-          <a:effectRef idx="0">
-            <a:schemeClr val="accent1"/>
-          </a:effectRef>
-          <a:fontRef idx="minor">
-            <a:schemeClr val="lt1"/>
-          </a:fontRef>
-        </p:style>
-        <p:txBody>
-          <a:bodyPr anchor="ctr"/>
-          <a:lstStyle/>
-          <a:p>
-            <a:pPr algn="ctr"/>
-            <a:endParaRPr lang="zh-CN" altLang="en-US" noProof="1"/>
-          </a:p>
-        </p:txBody>
-      </p:sp>
-      <p:sp>
-        <p:nvSpPr>
-          <p:cNvPr id="2121" name="文本框 66">
-            <a:extLst>
-              <a:ext uri="{FF2B5EF4-FFF2-40B4-BE49-F238E27FC236}">
-                <a16:creationId xmlns:a16="http://schemas.microsoft.com/office/drawing/2014/main" id="{4842AC4A-1815-36E6-B0C1-E31968F1210E}"/>
-              </a:ext>
-            </a:extLst>
-          </p:cNvPr>
-          <p:cNvSpPr txBox="1">
-            <a:spLocks noChangeArrowheads="1"/>
-          </p:cNvSpPr>
-          <p:nvPr/>
-        </p:nvSpPr>
-        <p:spPr bwMode="auto">
-          <a:xfrm>
-            <a:off x="6565900" y="939800"/>
-            <a:ext cx="752475" cy="336550"/>
-          </a:xfrm>
-          <a:prstGeom prst="rect">
-            <a:avLst/>
-          </a:prstGeom>
-          <a:noFill/>
-          <a:ln>
-            <a:noFill/>
-          </a:ln>
-          <a:extLst>
-            <a:ext uri="{909E8E84-426E-40DD-AFC4-6F175D3DCCD1}">
-              <a14:hiddenFill xmlns:a14="http://schemas.microsoft.com/office/drawing/2010/main">
-                <a:solidFill>
-                  <a:srgbClr val="FFFFFF"/>
-                </a:solidFill>
-              </a14:hiddenFill>
-            </a:ext>
-            <a:ext uri="{91240B29-F687-4F45-9708-019B960494DF}">
-              <a14:hiddenLine xmlns:a14="http://schemas.microsoft.com/office/drawing/2010/main" w="9525">
-                <a:solidFill>
-                  <a:srgbClr val="000000"/>
-                </a:solidFill>
-                <a:miter lim="800000"/>
-                <a:headEnd/>
-                <a:tailEnd/>
-              </a14:hiddenLine>
-            </a:ext>
-          </a:extLst>
-        </p:spPr>
-        <p:txBody>
-          <a:bodyPr>
-            <a:spAutoFit/>
-          </a:bodyPr>
-          <a:lstStyle/>
-          <a:p>
-            <a:pPr algn="ctr"/>
-            <a:r>
-              <a:rPr lang="en-US" altLang="zh-CN" sz="1600"/>
-              <a:t>tail</a:t>
-            </a:r>
-          </a:p>
-        </p:txBody>
-      </p:sp>
+          </p:spPr>
+          <p:txBody>
+            <a:bodyPr lIns="0" tIns="0" rIns="0" bIns="0">
+              <a:spAutoFit/>
+            </a:bodyPr>
+            <a:lstStyle/>
+            <a:p>
+              <a:pPr algn="ctr"/>
+              <a:r>
+                <a:rPr lang="en-US" altLang="zh-CN" sz="1600" dirty="0"/>
+                <a:t>tail</a:t>
+              </a:r>
+            </a:p>
+          </p:txBody>
+        </p:sp>
+        <p:sp>
+          <p:nvSpPr>
+            <p:cNvPr id="52" name="右箭头 51">
+              <a:extLst>
+                <a:ext uri="{FF2B5EF4-FFF2-40B4-BE49-F238E27FC236}">
+                  <a16:creationId xmlns:a16="http://schemas.microsoft.com/office/drawing/2014/main" id="{9BA0E474-CD72-2470-F410-A327365196FD}"/>
+                </a:ext>
+              </a:extLst>
+            </p:cNvPr>
+            <p:cNvSpPr/>
+            <p:nvPr/>
+          </p:nvSpPr>
+          <p:spPr>
+            <a:xfrm>
+              <a:off x="5232400" y="1029742"/>
+              <a:ext cx="331788" cy="141288"/>
+            </a:xfrm>
+            <a:prstGeom prst="rightArrow">
+              <a:avLst/>
+            </a:prstGeom>
+          </p:spPr>
+          <p:style>
+            <a:lnRef idx="2">
+              <a:schemeClr val="accent1">
+                <a:shade val="50000"/>
+              </a:schemeClr>
+            </a:lnRef>
+            <a:fillRef idx="1">
+              <a:schemeClr val="accent1"/>
+            </a:fillRef>
+            <a:effectRef idx="0">
+              <a:schemeClr val="accent1"/>
+            </a:effectRef>
+            <a:fontRef idx="minor">
+              <a:schemeClr val="lt1"/>
+            </a:fontRef>
+          </p:style>
+          <p:txBody>
+            <a:bodyPr anchor="ctr"/>
+            <a:lstStyle/>
+            <a:p>
+              <a:pPr algn="ctr"/>
+              <a:endParaRPr lang="zh-CN" altLang="en-US" noProof="1"/>
+            </a:p>
+          </p:txBody>
+        </p:sp>
+      </p:grpSp>
       <p:sp>
         <p:nvSpPr>
           <p:cNvPr id="2122" name="文本框 35">
@@ -7743,7 +7995,7 @@
         </p:nvSpPr>
         <p:spPr bwMode="auto">
           <a:xfrm>
-            <a:off x="5111750" y="2376488"/>
+            <a:off x="5111752" y="2199732"/>
             <a:ext cx="538163" cy="338137"/>
           </a:xfrm>
           <a:prstGeom prst="rect">
@@ -7805,7 +8057,7 @@
         </p:nvSpPr>
         <p:spPr>
           <a:xfrm>
-            <a:off x="5232400" y="2305050"/>
+            <a:off x="5232400" y="2128292"/>
             <a:ext cx="331788" cy="141288"/>
           </a:xfrm>
           <a:prstGeom prst="rightArrow">
@@ -7845,60 +8097,141 @@
           </a:p>
         </p:txBody>
       </p:sp>
-      <p:sp>
-        <p:nvSpPr>
-          <p:cNvPr id="15" name="右箭头 14">
+      <p:grpSp>
+        <p:nvGrpSpPr>
+          <p:cNvPr id="26" name="组合 25">
             <a:extLst>
               <a:ext uri="{FF2B5EF4-FFF2-40B4-BE49-F238E27FC236}">
-                <a16:creationId xmlns:a16="http://schemas.microsoft.com/office/drawing/2014/main" id="{672C5C6B-53EC-D815-23FB-655C71A1C54E}"/>
+                <a16:creationId xmlns:a16="http://schemas.microsoft.com/office/drawing/2014/main" id="{34739515-3EDF-6603-B292-F95BCD197484}"/>
               </a:ext>
             </a:extLst>
           </p:cNvPr>
-          <p:cNvSpPr/>
+          <p:cNvGrpSpPr/>
           <p:nvPr/>
-        </p:nvSpPr>
-        <p:spPr>
+        </p:nvGrpSpPr>
+        <p:grpSpPr>
           <a:xfrm>
-            <a:off x="1012825" y="1871663"/>
-            <a:ext cx="534988" cy="119062"/>
+            <a:off x="896740" y="1505883"/>
+            <a:ext cx="755650" cy="308084"/>
+            <a:chOff x="896740" y="1505883"/>
+            <a:chExt cx="755650" cy="308084"/>
           </a:xfrm>
-          <a:prstGeom prst="rightArrow">
-            <a:avLst/>
-          </a:prstGeom>
-          <a:solidFill>
-            <a:schemeClr val="tx1"/>
-          </a:solidFill>
-          <a:ln>
+        </p:grpSpPr>
+        <p:sp>
+          <p:nvSpPr>
+            <p:cNvPr id="2071" name="文本框 68">
+              <a:extLst>
+                <a:ext uri="{FF2B5EF4-FFF2-40B4-BE49-F238E27FC236}">
+                  <a16:creationId xmlns:a16="http://schemas.microsoft.com/office/drawing/2014/main" id="{C94619C8-8B64-9F60-CCB9-A4117360D292}"/>
+                </a:ext>
+              </a:extLst>
+            </p:cNvPr>
+            <p:cNvSpPr txBox="1">
+              <a:spLocks noChangeArrowheads="1"/>
+            </p:cNvSpPr>
+            <p:nvPr/>
+          </p:nvSpPr>
+          <p:spPr bwMode="auto">
+            <a:xfrm>
+              <a:off x="896740" y="1505883"/>
+              <a:ext cx="755650" cy="215444"/>
+            </a:xfrm>
+            <a:prstGeom prst="rect">
+              <a:avLst/>
+            </a:prstGeom>
+            <a:noFill/>
+            <a:ln>
+              <a:noFill/>
+            </a:ln>
+            <a:extLst>
+              <a:ext uri="{909E8E84-426E-40DD-AFC4-6F175D3DCCD1}">
+                <a14:hiddenFill xmlns:a14="http://schemas.microsoft.com/office/drawing/2010/main">
+                  <a:solidFill>
+                    <a:srgbClr val="FFFFFF"/>
+                  </a:solidFill>
+                </a14:hiddenFill>
+              </a:ext>
+              <a:ext uri="{91240B29-F687-4F45-9708-019B960494DF}">
+                <a14:hiddenLine xmlns:a14="http://schemas.microsoft.com/office/drawing/2010/main" w="9525">
+                  <a:solidFill>
+                    <a:srgbClr val="000000"/>
+                  </a:solidFill>
+                  <a:miter lim="800000"/>
+                  <a:headEnd/>
+                  <a:tailEnd/>
+                </a14:hiddenLine>
+              </a:ext>
+            </a:extLst>
+          </p:spPr>
+          <p:txBody>
+            <a:bodyPr lIns="0" tIns="0" rIns="0" bIns="0">
+              <a:spAutoFit/>
+            </a:bodyPr>
+            <a:lstStyle/>
+            <a:p>
+              <a:pPr algn="ctr"/>
+              <a:r>
+                <a:rPr lang="en-US" altLang="zh-CN" sz="1400" dirty="0"/>
+                <a:t>update</a:t>
+              </a:r>
+            </a:p>
+          </p:txBody>
+        </p:sp>
+        <p:sp>
+          <p:nvSpPr>
+            <p:cNvPr id="15" name="右箭头 14">
+              <a:extLst>
+                <a:ext uri="{FF2B5EF4-FFF2-40B4-BE49-F238E27FC236}">
+                  <a16:creationId xmlns:a16="http://schemas.microsoft.com/office/drawing/2014/main" id="{672C5C6B-53EC-D815-23FB-655C71A1C54E}"/>
+                </a:ext>
+              </a:extLst>
+            </p:cNvPr>
+            <p:cNvSpPr/>
+            <p:nvPr/>
+          </p:nvSpPr>
+          <p:spPr>
+            <a:xfrm>
+              <a:off x="1012825" y="1694905"/>
+              <a:ext cx="534988" cy="119062"/>
+            </a:xfrm>
+            <a:prstGeom prst="rightArrow">
+              <a:avLst/>
+            </a:prstGeom>
             <a:solidFill>
               <a:schemeClr val="tx1"/>
             </a:solidFill>
-          </a:ln>
-        </p:spPr>
-        <p:style>
-          <a:lnRef idx="2">
-            <a:schemeClr val="accent1">
-              <a:shade val="50000"/>
-            </a:schemeClr>
-          </a:lnRef>
-          <a:fillRef idx="1">
-            <a:schemeClr val="accent1"/>
-          </a:fillRef>
-          <a:effectRef idx="0">
-            <a:schemeClr val="accent1"/>
-          </a:effectRef>
-          <a:fontRef idx="minor">
-            <a:schemeClr val="lt1"/>
-          </a:fontRef>
-        </p:style>
-        <p:txBody>
-          <a:bodyPr anchor="ctr"/>
-          <a:lstStyle/>
-          <a:p>
-            <a:pPr algn="ctr"/>
-            <a:endParaRPr lang="zh-CN" altLang="en-US" noProof="1"/>
-          </a:p>
-        </p:txBody>
-      </p:sp>
+            <a:ln>
+              <a:solidFill>
+                <a:schemeClr val="tx1"/>
+              </a:solidFill>
+            </a:ln>
+          </p:spPr>
+          <p:style>
+            <a:lnRef idx="2">
+              <a:schemeClr val="accent1">
+                <a:shade val="50000"/>
+              </a:schemeClr>
+            </a:lnRef>
+            <a:fillRef idx="1">
+              <a:schemeClr val="accent1"/>
+            </a:fillRef>
+            <a:effectRef idx="0">
+              <a:schemeClr val="accent1"/>
+            </a:effectRef>
+            <a:fontRef idx="minor">
+              <a:schemeClr val="lt1"/>
+            </a:fontRef>
+          </p:style>
+          <p:txBody>
+            <a:bodyPr anchor="ctr"/>
+            <a:lstStyle/>
+            <a:p>
+              <a:pPr algn="ctr"/>
+              <a:endParaRPr lang="zh-CN" altLang="en-US" noProof="1"/>
+            </a:p>
+          </p:txBody>
+        </p:sp>
+      </p:grpSp>
       <p:sp>
         <p:nvSpPr>
           <p:cNvPr id="2125" name="文本框 2">
@@ -7915,8 +8248,8 @@
         </p:nvSpPr>
         <p:spPr bwMode="auto">
           <a:xfrm>
-            <a:off x="0" y="530225"/>
-            <a:ext cx="458788" cy="368300"/>
+            <a:off x="1153316" y="3307486"/>
+            <a:ext cx="458788" cy="276999"/>
           </a:xfrm>
           <a:prstGeom prst="rect">
             <a:avLst/>
@@ -7946,14 +8279,14 @@
           </a:extLst>
         </p:spPr>
         <p:txBody>
-          <a:bodyPr>
+          <a:bodyPr lIns="0" tIns="0" rIns="0" bIns="0">
             <a:spAutoFit/>
           </a:bodyPr>
           <a:lstStyle/>
           <a:p>
             <a:r>
-              <a:rPr lang="en-US" altLang="zh-CN"/>
-              <a:t>a)</a:t>
+              <a:rPr lang="en-US" altLang="zh-CN" dirty="0"/>
+              <a:t>(a)</a:t>
             </a:r>
           </a:p>
         </p:txBody>
@@ -7978,8 +8311,8 @@
         </p:nvSpPr>
         <p:spPr bwMode="auto">
           <a:xfrm>
-            <a:off x="2589213" y="530225"/>
-            <a:ext cx="460375" cy="368300"/>
+            <a:off x="4690271" y="3307486"/>
+            <a:ext cx="460375" cy="276999"/>
           </a:xfrm>
           <a:prstGeom prst="rect">
             <a:avLst/>
@@ -8009,18 +8342,1432 @@
           </a:extLst>
         </p:spPr>
         <p:txBody>
-          <a:bodyPr>
+          <a:bodyPr lIns="0" tIns="0" rIns="0" bIns="0">
             <a:spAutoFit/>
           </a:bodyPr>
           <a:lstStyle/>
           <a:p>
             <a:r>
-              <a:rPr lang="en-US" altLang="zh-CN"/>
-              <a:t>b)</a:t>
+              <a:rPr lang="en-US" altLang="zh-CN" dirty="0"/>
+              <a:t>(b)</a:t>
             </a:r>
           </a:p>
         </p:txBody>
       </p:sp>
+      <p:grpSp>
+        <p:nvGrpSpPr>
+          <p:cNvPr id="14" name="组合 13">
+            <a:extLst>
+              <a:ext uri="{FF2B5EF4-FFF2-40B4-BE49-F238E27FC236}">
+                <a16:creationId xmlns:a16="http://schemas.microsoft.com/office/drawing/2014/main" id="{FCE53E75-CD45-95EB-72B0-01C3D957758C}"/>
+              </a:ext>
+            </a:extLst>
+          </p:cNvPr>
+          <p:cNvGrpSpPr/>
+          <p:nvPr/>
+        </p:nvGrpSpPr>
+        <p:grpSpPr>
+          <a:xfrm>
+            <a:off x="6631465" y="867828"/>
+            <a:ext cx="538162" cy="371632"/>
+            <a:chOff x="5111753" y="799398"/>
+            <a:chExt cx="538162" cy="371632"/>
+          </a:xfrm>
+        </p:grpSpPr>
+        <p:sp>
+          <p:nvSpPr>
+            <p:cNvPr id="24" name="文本框 35">
+              <a:extLst>
+                <a:ext uri="{FF2B5EF4-FFF2-40B4-BE49-F238E27FC236}">
+                  <a16:creationId xmlns:a16="http://schemas.microsoft.com/office/drawing/2014/main" id="{D05F40B1-F0E9-9735-19E4-B0443F9EDDF6}"/>
+                </a:ext>
+              </a:extLst>
+            </p:cNvPr>
+            <p:cNvSpPr txBox="1">
+              <a:spLocks noChangeArrowheads="1"/>
+            </p:cNvSpPr>
+            <p:nvPr/>
+          </p:nvSpPr>
+          <p:spPr bwMode="auto">
+            <a:xfrm>
+              <a:off x="5111753" y="799398"/>
+              <a:ext cx="538162" cy="246221"/>
+            </a:xfrm>
+            <a:prstGeom prst="rect">
+              <a:avLst/>
+            </a:prstGeom>
+            <a:noFill/>
+            <a:ln>
+              <a:noFill/>
+            </a:ln>
+            <a:extLst>
+              <a:ext uri="{909E8E84-426E-40DD-AFC4-6F175D3DCCD1}">
+                <a14:hiddenFill xmlns:a14="http://schemas.microsoft.com/office/drawing/2010/main">
+                  <a:solidFill>
+                    <a:srgbClr val="FFFFFF"/>
+                  </a:solidFill>
+                </a14:hiddenFill>
+              </a:ext>
+              <a:ext uri="{91240B29-F687-4F45-9708-019B960494DF}">
+                <a14:hiddenLine xmlns:a14="http://schemas.microsoft.com/office/drawing/2010/main" w="9525">
+                  <a:solidFill>
+                    <a:srgbClr val="000000"/>
+                  </a:solidFill>
+                  <a:miter lim="800000"/>
+                  <a:headEnd/>
+                  <a:tailEnd/>
+                </a14:hiddenLine>
+              </a:ext>
+            </a:extLst>
+          </p:spPr>
+          <p:txBody>
+            <a:bodyPr lIns="0" tIns="0" rIns="0" bIns="0">
+              <a:spAutoFit/>
+            </a:bodyPr>
+            <a:lstStyle/>
+            <a:p>
+              <a:pPr algn="ctr"/>
+              <a:r>
+                <a:rPr lang="en-US" altLang="zh-CN" sz="1600" dirty="0"/>
+                <a:t>tail</a:t>
+              </a:r>
+            </a:p>
+          </p:txBody>
+        </p:sp>
+        <p:sp>
+          <p:nvSpPr>
+            <p:cNvPr id="25" name="右箭头 51">
+              <a:extLst>
+                <a:ext uri="{FF2B5EF4-FFF2-40B4-BE49-F238E27FC236}">
+                  <a16:creationId xmlns:a16="http://schemas.microsoft.com/office/drawing/2014/main" id="{0C5C1889-B309-3D53-42F6-3D7192F75F3B}"/>
+                </a:ext>
+              </a:extLst>
+            </p:cNvPr>
+            <p:cNvSpPr/>
+            <p:nvPr/>
+          </p:nvSpPr>
+          <p:spPr>
+            <a:xfrm rot="10800000">
+              <a:off x="5232400" y="1029742"/>
+              <a:ext cx="331788" cy="141288"/>
+            </a:xfrm>
+            <a:prstGeom prst="rightArrow">
+              <a:avLst/>
+            </a:prstGeom>
+          </p:spPr>
+          <p:style>
+            <a:lnRef idx="2">
+              <a:schemeClr val="accent1">
+                <a:shade val="50000"/>
+              </a:schemeClr>
+            </a:lnRef>
+            <a:fillRef idx="1">
+              <a:schemeClr val="accent1"/>
+            </a:fillRef>
+            <a:effectRef idx="0">
+              <a:schemeClr val="accent1"/>
+            </a:effectRef>
+            <a:fontRef idx="minor">
+              <a:schemeClr val="lt1"/>
+            </a:fontRef>
+          </p:style>
+          <p:txBody>
+            <a:bodyPr anchor="ctr"/>
+            <a:lstStyle/>
+            <a:p>
+              <a:pPr algn="ctr"/>
+              <a:endParaRPr lang="zh-CN" altLang="en-US" noProof="1"/>
+            </a:p>
+          </p:txBody>
+        </p:sp>
+      </p:grpSp>
+      <p:grpSp>
+        <p:nvGrpSpPr>
+          <p:cNvPr id="28" name="组合 27">
+            <a:extLst>
+              <a:ext uri="{FF2B5EF4-FFF2-40B4-BE49-F238E27FC236}">
+                <a16:creationId xmlns:a16="http://schemas.microsoft.com/office/drawing/2014/main" id="{BD209E43-50AE-1C86-115E-B733704EB93D}"/>
+              </a:ext>
+            </a:extLst>
+          </p:cNvPr>
+          <p:cNvGrpSpPr/>
+          <p:nvPr/>
+        </p:nvGrpSpPr>
+        <p:grpSpPr>
+          <a:xfrm>
+            <a:off x="4594773" y="1505883"/>
+            <a:ext cx="755650" cy="308084"/>
+            <a:chOff x="896740" y="1505883"/>
+            <a:chExt cx="755650" cy="308084"/>
+          </a:xfrm>
+        </p:grpSpPr>
+        <p:sp>
+          <p:nvSpPr>
+            <p:cNvPr id="29" name="文本框 68">
+              <a:extLst>
+                <a:ext uri="{FF2B5EF4-FFF2-40B4-BE49-F238E27FC236}">
+                  <a16:creationId xmlns:a16="http://schemas.microsoft.com/office/drawing/2014/main" id="{50257FE7-7382-BF91-618F-1E7EE1CB2878}"/>
+                </a:ext>
+              </a:extLst>
+            </p:cNvPr>
+            <p:cNvSpPr txBox="1">
+              <a:spLocks noChangeArrowheads="1"/>
+            </p:cNvSpPr>
+            <p:nvPr/>
+          </p:nvSpPr>
+          <p:spPr bwMode="auto">
+            <a:xfrm>
+              <a:off x="896740" y="1505883"/>
+              <a:ext cx="755650" cy="215444"/>
+            </a:xfrm>
+            <a:prstGeom prst="rect">
+              <a:avLst/>
+            </a:prstGeom>
+            <a:noFill/>
+            <a:ln>
+              <a:noFill/>
+            </a:ln>
+            <a:extLst>
+              <a:ext uri="{909E8E84-426E-40DD-AFC4-6F175D3DCCD1}">
+                <a14:hiddenFill xmlns:a14="http://schemas.microsoft.com/office/drawing/2010/main">
+                  <a:solidFill>
+                    <a:srgbClr val="FFFFFF"/>
+                  </a:solidFill>
+                </a14:hiddenFill>
+              </a:ext>
+              <a:ext uri="{91240B29-F687-4F45-9708-019B960494DF}">
+                <a14:hiddenLine xmlns:a14="http://schemas.microsoft.com/office/drawing/2010/main" w="9525">
+                  <a:solidFill>
+                    <a:srgbClr val="000000"/>
+                  </a:solidFill>
+                  <a:miter lim="800000"/>
+                  <a:headEnd/>
+                  <a:tailEnd/>
+                </a14:hiddenLine>
+              </a:ext>
+            </a:extLst>
+          </p:spPr>
+          <p:txBody>
+            <a:bodyPr lIns="0" tIns="0" rIns="0" bIns="0">
+              <a:spAutoFit/>
+            </a:bodyPr>
+            <a:lstStyle/>
+            <a:p>
+              <a:pPr algn="ctr"/>
+              <a:r>
+                <a:rPr lang="en-US" altLang="zh-CN" sz="1400" dirty="0"/>
+                <a:t>update</a:t>
+              </a:r>
+            </a:p>
+          </p:txBody>
+        </p:sp>
+        <p:sp>
+          <p:nvSpPr>
+            <p:cNvPr id="30" name="右箭头 14">
+              <a:extLst>
+                <a:ext uri="{FF2B5EF4-FFF2-40B4-BE49-F238E27FC236}">
+                  <a16:creationId xmlns:a16="http://schemas.microsoft.com/office/drawing/2014/main" id="{ED53EAD6-9EDC-B3B0-9283-E489F2140C5A}"/>
+                </a:ext>
+              </a:extLst>
+            </p:cNvPr>
+            <p:cNvSpPr/>
+            <p:nvPr/>
+          </p:nvSpPr>
+          <p:spPr>
+            <a:xfrm>
+              <a:off x="1012825" y="1694905"/>
+              <a:ext cx="534988" cy="119062"/>
+            </a:xfrm>
+            <a:prstGeom prst="rightArrow">
+              <a:avLst/>
+            </a:prstGeom>
+            <a:solidFill>
+              <a:schemeClr val="tx1"/>
+            </a:solidFill>
+            <a:ln>
+              <a:solidFill>
+                <a:schemeClr val="tx1"/>
+              </a:solidFill>
+            </a:ln>
+          </p:spPr>
+          <p:style>
+            <a:lnRef idx="2">
+              <a:schemeClr val="accent1">
+                <a:shade val="50000"/>
+              </a:schemeClr>
+            </a:lnRef>
+            <a:fillRef idx="1">
+              <a:schemeClr val="accent1"/>
+            </a:fillRef>
+            <a:effectRef idx="0">
+              <a:schemeClr val="accent1"/>
+            </a:effectRef>
+            <a:fontRef idx="minor">
+              <a:schemeClr val="lt1"/>
+            </a:fontRef>
+          </p:style>
+          <p:txBody>
+            <a:bodyPr anchor="ctr"/>
+            <a:lstStyle/>
+            <a:p>
+              <a:pPr algn="ctr"/>
+              <a:endParaRPr lang="zh-CN" altLang="en-US" noProof="1"/>
+            </a:p>
+          </p:txBody>
+        </p:sp>
+      </p:grpSp>
+      <p:grpSp>
+        <p:nvGrpSpPr>
+          <p:cNvPr id="50" name="组合 49">
+            <a:extLst>
+              <a:ext uri="{FF2B5EF4-FFF2-40B4-BE49-F238E27FC236}">
+                <a16:creationId xmlns:a16="http://schemas.microsoft.com/office/drawing/2014/main" id="{520DD9E3-94A6-83B6-5FC1-B708A78AD893}"/>
+              </a:ext>
+            </a:extLst>
+          </p:cNvPr>
+          <p:cNvGrpSpPr/>
+          <p:nvPr/>
+        </p:nvGrpSpPr>
+        <p:grpSpPr>
+          <a:xfrm>
+            <a:off x="6278089" y="609055"/>
+            <a:ext cx="433387" cy="2519364"/>
+            <a:chOff x="6252846" y="609055"/>
+            <a:chExt cx="433387" cy="2519364"/>
+          </a:xfrm>
+        </p:grpSpPr>
+        <mc:AlternateContent xmlns:mc="http://schemas.openxmlformats.org/markup-compatibility/2006">
+          <mc:Choice xmlns:a14="http://schemas.microsoft.com/office/drawing/2010/main" Requires="a14">
+            <p:sp>
+              <p:nvSpPr>
+                <p:cNvPr id="116" name="矩形 115">
+                  <a:extLst>
+                    <a:ext uri="{FF2B5EF4-FFF2-40B4-BE49-F238E27FC236}">
+                      <a16:creationId xmlns:a16="http://schemas.microsoft.com/office/drawing/2014/main" id="{9FD54C04-1DEE-5165-1918-67A800D84A6B}"/>
+                    </a:ext>
+                  </a:extLst>
+                </p:cNvPr>
+                <p:cNvSpPr/>
+                <p:nvPr/>
+              </p:nvSpPr>
+              <p:spPr>
+                <a:xfrm>
+                  <a:off x="6252846" y="1158536"/>
+                  <a:ext cx="433387" cy="288925"/>
+                </a:xfrm>
+                <a:prstGeom prst="rect">
+                  <a:avLst/>
+                </a:prstGeom>
+                <a:solidFill>
+                  <a:srgbClr val="9DD16F"/>
+                </a:solidFill>
+                <a:ln w="25400">
+                  <a:solidFill>
+                    <a:srgbClr val="89A4A7"/>
+                  </a:solidFill>
+                </a:ln>
+              </p:spPr>
+              <p:style>
+                <a:lnRef idx="2">
+                  <a:schemeClr val="accent1">
+                    <a:shade val="50000"/>
+                  </a:schemeClr>
+                </a:lnRef>
+                <a:fillRef idx="1">
+                  <a:schemeClr val="accent1"/>
+                </a:fillRef>
+                <a:effectRef idx="0">
+                  <a:schemeClr val="accent1"/>
+                </a:effectRef>
+                <a:fontRef idx="minor">
+                  <a:schemeClr val="lt1"/>
+                </a:fontRef>
+              </p:style>
+              <p:txBody>
+                <a:bodyPr anchor="ctr"/>
+                <a:lstStyle/>
+                <a:p>
+                  <a:pPr algn="ctr"/>
+                  <a14:m>
+                    <m:oMathPara xmlns:m="http://schemas.openxmlformats.org/officeDocument/2006/math">
+                      <m:oMathParaPr>
+                        <m:jc m:val="centerGroup"/>
+                      </m:oMathParaPr>
+                      <m:oMath xmlns:m="http://schemas.openxmlformats.org/officeDocument/2006/math">
+                        <m:sSub>
+                          <m:sSubPr>
+                            <m:ctrlPr>
+                              <a:rPr lang="en-US" altLang="zh-CN" sz="1600" i="1" noProof="1" smtClean="0">
+                                <a:solidFill>
+                                  <a:schemeClr val="tx1"/>
+                                </a:solidFill>
+                                <a:latin typeface="Cambria Math" panose="02040503050406030204" pitchFamily="18" charset="0"/>
+                              </a:rPr>
+                            </m:ctrlPr>
+                          </m:sSubPr>
+                          <m:e>
+                            <m:r>
+                              <a:rPr lang="en-US" altLang="zh-CN" sz="1600" i="1" noProof="1">
+                                <a:solidFill>
+                                  <a:schemeClr val="tx1"/>
+                                </a:solidFill>
+                                <a:latin typeface="Cambria Math" panose="02040503050406030204" pitchFamily="18" charset="0"/>
+                              </a:rPr>
+                              <m:t>𝑎</m:t>
+                            </m:r>
+                          </m:e>
+                          <m:sub>
+                            <m:r>
+                              <a:rPr lang="en-US" altLang="zh-CN" sz="1600" i="1" noProof="1">
+                                <a:solidFill>
+                                  <a:schemeClr val="tx1"/>
+                                </a:solidFill>
+                                <a:latin typeface="Cambria Math" panose="02040503050406030204" pitchFamily="18" charset="0"/>
+                              </a:rPr>
+                              <m:t>9</m:t>
+                            </m:r>
+                          </m:sub>
+                        </m:sSub>
+                      </m:oMath>
+                    </m:oMathPara>
+                  </a14:m>
+                  <a:endParaRPr lang="en-US" altLang="zh-CN" sz="1600" baseline="-25000" noProof="1">
+                    <a:solidFill>
+                      <a:schemeClr val="tx1"/>
+                    </a:solidFill>
+                  </a:endParaRPr>
+                </a:p>
+              </p:txBody>
+            </p:sp>
+          </mc:Choice>
+          <mc:Fallback>
+            <p:sp>
+              <p:nvSpPr>
+                <p:cNvPr id="116" name="矩形 115">
+                  <a:extLst>
+                    <a:ext uri="{FF2B5EF4-FFF2-40B4-BE49-F238E27FC236}">
+                      <a16:creationId xmlns:a16="http://schemas.microsoft.com/office/drawing/2014/main" id="{9FD54C04-1DEE-5165-1918-67A800D84A6B}"/>
+                    </a:ext>
+                  </a:extLst>
+                </p:cNvPr>
+                <p:cNvSpPr>
+                  <a:spLocks noRot="1" noChangeAspect="1" noMove="1" noResize="1" noEditPoints="1" noAdjustHandles="1" noChangeArrowheads="1" noChangeShapeType="1" noTextEdit="1"/>
+                </p:cNvSpPr>
+                <p:nvPr/>
+              </p:nvSpPr>
+              <p:spPr>
+                <a:xfrm>
+                  <a:off x="6252846" y="1158536"/>
+                  <a:ext cx="433387" cy="288925"/>
+                </a:xfrm>
+                <a:prstGeom prst="rect">
+                  <a:avLst/>
+                </a:prstGeom>
+                <a:blipFill>
+                  <a:blip r:embed="rId14"/>
+                  <a:stretch>
+                    <a:fillRect b="-3922"/>
+                  </a:stretch>
+                </a:blipFill>
+                <a:ln w="25400">
+                  <a:solidFill>
+                    <a:srgbClr val="89A4A7"/>
+                  </a:solidFill>
+                </a:ln>
+              </p:spPr>
+              <p:txBody>
+                <a:bodyPr/>
+                <a:lstStyle/>
+                <a:p>
+                  <a:r>
+                    <a:rPr lang="zh-CN" altLang="en-US">
+                      <a:noFill/>
+                    </a:rPr>
+                    <a:t> </a:t>
+                  </a:r>
+                </a:p>
+              </p:txBody>
+            </p:sp>
+          </mc:Fallback>
+        </mc:AlternateContent>
+        <p:sp>
+          <p:nvSpPr>
+            <p:cNvPr id="117" name="矩形 116">
+              <a:extLst>
+                <a:ext uri="{FF2B5EF4-FFF2-40B4-BE49-F238E27FC236}">
+                  <a16:creationId xmlns:a16="http://schemas.microsoft.com/office/drawing/2014/main" id="{A19DD24B-C174-C3ED-8B9B-74D436671147}"/>
+                </a:ext>
+              </a:extLst>
+            </p:cNvPr>
+            <p:cNvSpPr/>
+            <p:nvPr/>
+          </p:nvSpPr>
+          <p:spPr>
+            <a:xfrm>
+              <a:off x="6252846" y="609055"/>
+              <a:ext cx="433387" cy="554128"/>
+            </a:xfrm>
+            <a:prstGeom prst="rect">
+              <a:avLst/>
+            </a:prstGeom>
+            <a:ln w="25400"/>
+          </p:spPr>
+          <p:style>
+            <a:lnRef idx="2">
+              <a:schemeClr val="accent1">
+                <a:shade val="50000"/>
+              </a:schemeClr>
+            </a:lnRef>
+            <a:fillRef idx="1">
+              <a:schemeClr val="accent1"/>
+            </a:fillRef>
+            <a:effectRef idx="0">
+              <a:schemeClr val="accent1"/>
+            </a:effectRef>
+            <a:fontRef idx="minor">
+              <a:schemeClr val="lt1"/>
+            </a:fontRef>
+          </p:style>
+          <p:txBody>
+            <a:bodyPr anchor="ctr"/>
+            <a:lstStyle/>
+            <a:p>
+              <a:pPr algn="ctr"/>
+              <a:endParaRPr lang="en-US" altLang="zh-CN" sz="1600" baseline="-25000" noProof="1">
+                <a:solidFill>
+                  <a:schemeClr val="tx1"/>
+                </a:solidFill>
+              </a:endParaRPr>
+            </a:p>
+          </p:txBody>
+        </p:sp>
+        <p:sp>
+          <p:nvSpPr>
+            <p:cNvPr id="18" name="矩形 17">
+              <a:extLst>
+                <a:ext uri="{FF2B5EF4-FFF2-40B4-BE49-F238E27FC236}">
+                  <a16:creationId xmlns:a16="http://schemas.microsoft.com/office/drawing/2014/main" id="{CDE82042-280A-1B49-DE3D-976BC1BBEA41}"/>
+                </a:ext>
+              </a:extLst>
+            </p:cNvPr>
+            <p:cNvSpPr/>
+            <p:nvPr/>
+          </p:nvSpPr>
+          <p:spPr>
+            <a:xfrm>
+              <a:off x="6252846" y="2560094"/>
+              <a:ext cx="433387" cy="568325"/>
+            </a:xfrm>
+            <a:prstGeom prst="rect">
+              <a:avLst/>
+            </a:prstGeom>
+            <a:solidFill>
+              <a:srgbClr val="9DD16F"/>
+            </a:solidFill>
+            <a:ln w="25400">
+              <a:solidFill>
+                <a:srgbClr val="89A4A7"/>
+              </a:solidFill>
+            </a:ln>
+          </p:spPr>
+          <p:style>
+            <a:lnRef idx="2">
+              <a:schemeClr val="accent1">
+                <a:shade val="50000"/>
+              </a:schemeClr>
+            </a:lnRef>
+            <a:fillRef idx="1">
+              <a:schemeClr val="accent1"/>
+            </a:fillRef>
+            <a:effectRef idx="0">
+              <a:schemeClr val="accent1"/>
+            </a:effectRef>
+            <a:fontRef idx="minor">
+              <a:schemeClr val="lt1"/>
+            </a:fontRef>
+          </p:style>
+          <p:txBody>
+            <a:bodyPr anchor="ctr"/>
+            <a:lstStyle/>
+            <a:p>
+              <a:pPr algn="ctr"/>
+              <a:endParaRPr lang="en-US" altLang="zh-CN" sz="1600" baseline="-25000" noProof="1">
+                <a:solidFill>
+                  <a:schemeClr val="tx1"/>
+                </a:solidFill>
+              </a:endParaRPr>
+            </a:p>
+          </p:txBody>
+        </p:sp>
+        <p:sp>
+          <p:nvSpPr>
+            <p:cNvPr id="19" name="矩形 18">
+              <a:extLst>
+                <a:ext uri="{FF2B5EF4-FFF2-40B4-BE49-F238E27FC236}">
+                  <a16:creationId xmlns:a16="http://schemas.microsoft.com/office/drawing/2014/main" id="{E9FC531F-C2A7-DC59-EC07-26008D410C98}"/>
+                </a:ext>
+              </a:extLst>
+            </p:cNvPr>
+            <p:cNvSpPr/>
+            <p:nvPr/>
+          </p:nvSpPr>
+          <p:spPr>
+            <a:xfrm>
+              <a:off x="6252846" y="2448719"/>
+              <a:ext cx="433387" cy="111373"/>
+            </a:xfrm>
+            <a:prstGeom prst="rect">
+              <a:avLst/>
+            </a:prstGeom>
+            <a:solidFill>
+              <a:schemeClr val="bg1">
+                <a:lumMod val="85000"/>
+              </a:schemeClr>
+            </a:solidFill>
+            <a:ln w="25400">
+              <a:solidFill>
+                <a:srgbClr val="89A4A7"/>
+              </a:solidFill>
+            </a:ln>
+          </p:spPr>
+          <p:style>
+            <a:lnRef idx="2">
+              <a:schemeClr val="accent1">
+                <a:shade val="50000"/>
+              </a:schemeClr>
+            </a:lnRef>
+            <a:fillRef idx="1">
+              <a:schemeClr val="accent1"/>
+            </a:fillRef>
+            <a:effectRef idx="0">
+              <a:schemeClr val="accent1"/>
+            </a:effectRef>
+            <a:fontRef idx="minor">
+              <a:schemeClr val="lt1"/>
+            </a:fontRef>
+          </p:style>
+          <p:txBody>
+            <a:bodyPr anchor="ctr"/>
+            <a:lstStyle/>
+            <a:p>
+              <a:pPr algn="ctr"/>
+              <a:endParaRPr lang="en-US" altLang="zh-CN" sz="1600" noProof="1">
+                <a:solidFill>
+                  <a:schemeClr val="tx1"/>
+                </a:solidFill>
+              </a:endParaRPr>
+            </a:p>
+          </p:txBody>
+        </p:sp>
+        <p:sp>
+          <p:nvSpPr>
+            <p:cNvPr id="20" name="矩形 19">
+              <a:extLst>
+                <a:ext uri="{FF2B5EF4-FFF2-40B4-BE49-F238E27FC236}">
+                  <a16:creationId xmlns:a16="http://schemas.microsoft.com/office/drawing/2014/main" id="{0D0940AB-D24C-655E-51D4-122AFF15380B}"/>
+                </a:ext>
+              </a:extLst>
+            </p:cNvPr>
+            <p:cNvSpPr/>
+            <p:nvPr/>
+          </p:nvSpPr>
+          <p:spPr>
+            <a:xfrm>
+              <a:off x="6252846" y="2286794"/>
+              <a:ext cx="433387" cy="161925"/>
+            </a:xfrm>
+            <a:prstGeom prst="rect">
+              <a:avLst/>
+            </a:prstGeom>
+            <a:solidFill>
+              <a:srgbClr val="9DD16F"/>
+            </a:solidFill>
+            <a:ln w="25400">
+              <a:solidFill>
+                <a:srgbClr val="89A4A7"/>
+              </a:solidFill>
+            </a:ln>
+          </p:spPr>
+          <p:style>
+            <a:lnRef idx="2">
+              <a:schemeClr val="accent1">
+                <a:shade val="50000"/>
+              </a:schemeClr>
+            </a:lnRef>
+            <a:fillRef idx="1">
+              <a:schemeClr val="accent1"/>
+            </a:fillRef>
+            <a:effectRef idx="0">
+              <a:schemeClr val="accent1"/>
+            </a:effectRef>
+            <a:fontRef idx="minor">
+              <a:schemeClr val="lt1"/>
+            </a:fontRef>
+          </p:style>
+          <p:txBody>
+            <a:bodyPr anchor="ctr"/>
+            <a:lstStyle/>
+            <a:p>
+              <a:pPr algn="ctr"/>
+              <a:endParaRPr lang="en-US" altLang="zh-CN" sz="1600" baseline="-25000" noProof="1">
+                <a:solidFill>
+                  <a:schemeClr val="tx1"/>
+                </a:solidFill>
+              </a:endParaRPr>
+            </a:p>
+          </p:txBody>
+        </p:sp>
+        <mc:AlternateContent xmlns:mc="http://schemas.openxmlformats.org/markup-compatibility/2006">
+          <mc:Choice xmlns:a14="http://schemas.microsoft.com/office/drawing/2010/main" Requires="a14">
+            <p:sp>
+              <p:nvSpPr>
+                <p:cNvPr id="31" name="矩形 30">
+                  <a:extLst>
+                    <a:ext uri="{FF2B5EF4-FFF2-40B4-BE49-F238E27FC236}">
+                      <a16:creationId xmlns:a16="http://schemas.microsoft.com/office/drawing/2014/main" id="{48B6DEB3-1E93-FFFF-5373-C7E71C85C22D}"/>
+                    </a:ext>
+                  </a:extLst>
+                </p:cNvPr>
+                <p:cNvSpPr/>
+                <p:nvPr/>
+              </p:nvSpPr>
+              <p:spPr>
+                <a:xfrm>
+                  <a:off x="6252846" y="2004467"/>
+                  <a:ext cx="433387" cy="279400"/>
+                </a:xfrm>
+                <a:prstGeom prst="rect">
+                  <a:avLst/>
+                </a:prstGeom>
+                <a:solidFill>
+                  <a:schemeClr val="bg1">
+                    <a:lumMod val="85000"/>
+                  </a:schemeClr>
+                </a:solidFill>
+                <a:ln w="25400">
+                  <a:solidFill>
+                    <a:srgbClr val="89A4A7"/>
+                  </a:solidFill>
+                </a:ln>
+              </p:spPr>
+              <p:style>
+                <a:lnRef idx="2">
+                  <a:schemeClr val="accent1">
+                    <a:shade val="50000"/>
+                  </a:schemeClr>
+                </a:lnRef>
+                <a:fillRef idx="1">
+                  <a:schemeClr val="accent1"/>
+                </a:fillRef>
+                <a:effectRef idx="0">
+                  <a:schemeClr val="accent1"/>
+                </a:effectRef>
+                <a:fontRef idx="minor">
+                  <a:schemeClr val="lt1"/>
+                </a:fontRef>
+              </p:style>
+              <p:txBody>
+                <a:bodyPr anchor="ctr"/>
+                <a:lstStyle/>
+                <a:p>
+                  <a:pPr algn="ctr"/>
+                  <a14:m>
+                    <m:oMathPara xmlns:m="http://schemas.openxmlformats.org/officeDocument/2006/math">
+                      <m:oMathParaPr>
+                        <m:jc m:val="centerGroup"/>
+                      </m:oMathParaPr>
+                      <m:oMath xmlns:m="http://schemas.openxmlformats.org/officeDocument/2006/math">
+                        <m:sSub>
+                          <m:sSubPr>
+                            <m:ctrlPr>
+                              <a:rPr lang="en-US" altLang="zh-CN" sz="1600" noProof="1">
+                                <a:solidFill>
+                                  <a:schemeClr val="tx1"/>
+                                </a:solidFill>
+                              </a:rPr>
+                            </m:ctrlPr>
+                          </m:sSubPr>
+                          <m:e>
+                            <m:r>
+                              <a:rPr lang="en-US" altLang="zh-CN" sz="1600" noProof="1">
+                                <a:solidFill>
+                                  <a:schemeClr val="tx1"/>
+                                </a:solidFill>
+                              </a:rPr>
+                              <m:t>𝑎</m:t>
+                            </m:r>
+                          </m:e>
+                          <m:sub>
+                            <m:r>
+                              <a:rPr lang="en-US" altLang="zh-CN" sz="1600" noProof="1">
+                                <a:solidFill>
+                                  <a:schemeClr val="tx1"/>
+                                </a:solidFill>
+                              </a:rPr>
+                              <m:t>1</m:t>
+                            </m:r>
+                          </m:sub>
+                        </m:sSub>
+                      </m:oMath>
+                    </m:oMathPara>
+                  </a14:m>
+                  <a:endParaRPr lang="en-US" altLang="zh-CN" sz="1600" noProof="1">
+                    <a:solidFill>
+                      <a:schemeClr val="tx1"/>
+                    </a:solidFill>
+                  </a:endParaRPr>
+                </a:p>
+              </p:txBody>
+            </p:sp>
+          </mc:Choice>
+          <mc:Fallback>
+            <p:sp>
+              <p:nvSpPr>
+                <p:cNvPr id="31" name="矩形 30">
+                  <a:extLst>
+                    <a:ext uri="{FF2B5EF4-FFF2-40B4-BE49-F238E27FC236}">
+                      <a16:creationId xmlns:a16="http://schemas.microsoft.com/office/drawing/2014/main" id="{48B6DEB3-1E93-FFFF-5373-C7E71C85C22D}"/>
+                    </a:ext>
+                  </a:extLst>
+                </p:cNvPr>
+                <p:cNvSpPr>
+                  <a:spLocks noRot="1" noChangeAspect="1" noMove="1" noResize="1" noEditPoints="1" noAdjustHandles="1" noChangeArrowheads="1" noChangeShapeType="1" noTextEdit="1"/>
+                </p:cNvSpPr>
+                <p:nvPr/>
+              </p:nvSpPr>
+              <p:spPr>
+                <a:xfrm>
+                  <a:off x="6252846" y="2004467"/>
+                  <a:ext cx="433387" cy="279400"/>
+                </a:xfrm>
+                <a:prstGeom prst="rect">
+                  <a:avLst/>
+                </a:prstGeom>
+                <a:blipFill>
+                  <a:blip r:embed="rId15"/>
+                  <a:stretch>
+                    <a:fillRect b="-4000"/>
+                  </a:stretch>
+                </a:blipFill>
+                <a:ln w="25400">
+                  <a:solidFill>
+                    <a:srgbClr val="89A4A7"/>
+                  </a:solidFill>
+                </a:ln>
+              </p:spPr>
+              <p:txBody>
+                <a:bodyPr/>
+                <a:lstStyle/>
+                <a:p>
+                  <a:r>
+                    <a:rPr lang="zh-CN" altLang="en-US">
+                      <a:noFill/>
+                    </a:rPr>
+                    <a:t> </a:t>
+                  </a:r>
+                </a:p>
+              </p:txBody>
+            </p:sp>
+          </mc:Fallback>
+        </mc:AlternateContent>
+        <mc:AlternateContent xmlns:mc="http://schemas.openxmlformats.org/markup-compatibility/2006">
+          <mc:Choice xmlns:a14="http://schemas.microsoft.com/office/drawing/2010/main" Requires="a14">
+            <p:sp>
+              <p:nvSpPr>
+                <p:cNvPr id="33" name="矩形 32">
+                  <a:extLst>
+                    <a:ext uri="{FF2B5EF4-FFF2-40B4-BE49-F238E27FC236}">
+                      <a16:creationId xmlns:a16="http://schemas.microsoft.com/office/drawing/2014/main" id="{BA2E1FE5-3B5E-FEF3-84E5-4405C0809A16}"/>
+                    </a:ext>
+                  </a:extLst>
+                </p:cNvPr>
+                <p:cNvSpPr/>
+                <p:nvPr/>
+              </p:nvSpPr>
+              <p:spPr>
+                <a:xfrm>
+                  <a:off x="6252846" y="1729830"/>
+                  <a:ext cx="433387" cy="279400"/>
+                </a:xfrm>
+                <a:prstGeom prst="rect">
+                  <a:avLst/>
+                </a:prstGeom>
+                <a:solidFill>
+                  <a:schemeClr val="bg1">
+                    <a:lumMod val="85000"/>
+                  </a:schemeClr>
+                </a:solidFill>
+                <a:ln w="25400">
+                  <a:solidFill>
+                    <a:srgbClr val="89A4A7"/>
+                  </a:solidFill>
+                </a:ln>
+              </p:spPr>
+              <p:style>
+                <a:lnRef idx="2">
+                  <a:schemeClr val="accent1">
+                    <a:shade val="50000"/>
+                  </a:schemeClr>
+                </a:lnRef>
+                <a:fillRef idx="1">
+                  <a:schemeClr val="accent1"/>
+                </a:fillRef>
+                <a:effectRef idx="0">
+                  <a:schemeClr val="accent1"/>
+                </a:effectRef>
+                <a:fontRef idx="minor">
+                  <a:schemeClr val="lt1"/>
+                </a:fontRef>
+              </p:style>
+              <p:txBody>
+                <a:bodyPr anchor="ctr"/>
+                <a:lstStyle/>
+                <a:p>
+                  <a:pPr algn="ctr"/>
+                  <a14:m>
+                    <m:oMathPara xmlns:m="http://schemas.openxmlformats.org/officeDocument/2006/math">
+                      <m:oMathParaPr>
+                        <m:jc m:val="centerGroup"/>
+                      </m:oMathParaPr>
+                      <m:oMath xmlns:m="http://schemas.openxmlformats.org/officeDocument/2006/math">
+                        <m:sSub>
+                          <m:sSubPr>
+                            <m:ctrlPr>
+                              <a:rPr lang="en-US" altLang="zh-CN" sz="1600" noProof="1">
+                                <a:solidFill>
+                                  <a:schemeClr val="tx1"/>
+                                </a:solidFill>
+                              </a:rPr>
+                            </m:ctrlPr>
+                          </m:sSubPr>
+                          <m:e>
+                            <m:r>
+                              <a:rPr lang="en-US" altLang="zh-CN" sz="1600" noProof="1">
+                                <a:solidFill>
+                                  <a:schemeClr val="tx1"/>
+                                </a:solidFill>
+                              </a:rPr>
+                              <m:t>𝑎</m:t>
+                            </m:r>
+                          </m:e>
+                          <m:sub>
+                            <m:r>
+                              <a:rPr lang="en-US" altLang="zh-CN" sz="1600" noProof="1">
+                                <a:solidFill>
+                                  <a:schemeClr val="tx1"/>
+                                </a:solidFill>
+                              </a:rPr>
+                              <m:t>3</m:t>
+                            </m:r>
+                          </m:sub>
+                        </m:sSub>
+                      </m:oMath>
+                    </m:oMathPara>
+                  </a14:m>
+                  <a:endParaRPr lang="en-US" altLang="zh-CN" sz="1600" noProof="1">
+                    <a:solidFill>
+                      <a:schemeClr val="tx1"/>
+                    </a:solidFill>
+                  </a:endParaRPr>
+                </a:p>
+              </p:txBody>
+            </p:sp>
+          </mc:Choice>
+          <mc:Fallback>
+            <p:sp>
+              <p:nvSpPr>
+                <p:cNvPr id="33" name="矩形 32">
+                  <a:extLst>
+                    <a:ext uri="{FF2B5EF4-FFF2-40B4-BE49-F238E27FC236}">
+                      <a16:creationId xmlns:a16="http://schemas.microsoft.com/office/drawing/2014/main" id="{BA2E1FE5-3B5E-FEF3-84E5-4405C0809A16}"/>
+                    </a:ext>
+                  </a:extLst>
+                </p:cNvPr>
+                <p:cNvSpPr>
+                  <a:spLocks noRot="1" noChangeAspect="1" noMove="1" noResize="1" noEditPoints="1" noAdjustHandles="1" noChangeArrowheads="1" noChangeShapeType="1" noTextEdit="1"/>
+                </p:cNvSpPr>
+                <p:nvPr/>
+              </p:nvSpPr>
+              <p:spPr>
+                <a:xfrm>
+                  <a:off x="6252846" y="1729830"/>
+                  <a:ext cx="433387" cy="279400"/>
+                </a:xfrm>
+                <a:prstGeom prst="rect">
+                  <a:avLst/>
+                </a:prstGeom>
+                <a:blipFill>
+                  <a:blip r:embed="rId16"/>
+                  <a:stretch>
+                    <a:fillRect b="-4000"/>
+                  </a:stretch>
+                </a:blipFill>
+                <a:ln w="25400">
+                  <a:solidFill>
+                    <a:srgbClr val="89A4A7"/>
+                  </a:solidFill>
+                </a:ln>
+              </p:spPr>
+              <p:txBody>
+                <a:bodyPr/>
+                <a:lstStyle/>
+                <a:p>
+                  <a:r>
+                    <a:rPr lang="zh-CN" altLang="en-US">
+                      <a:noFill/>
+                    </a:rPr>
+                    <a:t> </a:t>
+                  </a:r>
+                </a:p>
+              </p:txBody>
+            </p:sp>
+          </mc:Fallback>
+        </mc:AlternateContent>
+        <p:sp>
+          <p:nvSpPr>
+            <p:cNvPr id="34" name="矩形 33">
+              <a:extLst>
+                <a:ext uri="{FF2B5EF4-FFF2-40B4-BE49-F238E27FC236}">
+                  <a16:creationId xmlns:a16="http://schemas.microsoft.com/office/drawing/2014/main" id="{F5D639B0-9664-6DAC-900D-A4230E0A2E75}"/>
+                </a:ext>
+              </a:extLst>
+            </p:cNvPr>
+            <p:cNvSpPr/>
+            <p:nvPr/>
+          </p:nvSpPr>
+          <p:spPr>
+            <a:xfrm>
+              <a:off x="6252846" y="1450519"/>
+              <a:ext cx="433387" cy="279400"/>
+            </a:xfrm>
+            <a:prstGeom prst="rect">
+              <a:avLst/>
+            </a:prstGeom>
+            <a:solidFill>
+              <a:schemeClr val="bg1">
+                <a:lumMod val="85000"/>
+              </a:schemeClr>
+            </a:solidFill>
+            <a:ln w="25400">
+              <a:solidFill>
+                <a:srgbClr val="89A4A7"/>
+              </a:solidFill>
+            </a:ln>
+          </p:spPr>
+          <p:style>
+            <a:lnRef idx="2">
+              <a:schemeClr val="accent1">
+                <a:shade val="50000"/>
+              </a:schemeClr>
+            </a:lnRef>
+            <a:fillRef idx="1">
+              <a:schemeClr val="accent1"/>
+            </a:fillRef>
+            <a:effectRef idx="0">
+              <a:schemeClr val="accent1"/>
+            </a:effectRef>
+            <a:fontRef idx="minor">
+              <a:schemeClr val="lt1"/>
+            </a:fontRef>
+          </p:style>
+          <p:txBody>
+            <a:bodyPr anchor="ctr"/>
+            <a:lstStyle/>
+            <a:p>
+              <a:pPr algn="ctr"/>
+              <a:r>
+                <a:rPr lang="en-US" altLang="zh-CN" sz="1600" noProof="1">
+                  <a:solidFill>
+                    <a:schemeClr val="tx1"/>
+                  </a:solidFill>
+                </a:rPr>
+                <a:t>...</a:t>
+              </a:r>
+            </a:p>
+          </p:txBody>
+        </p:sp>
+      </p:grpSp>
+      <p:grpSp>
+        <p:nvGrpSpPr>
+          <p:cNvPr id="35" name="组合 34">
+            <a:extLst>
+              <a:ext uri="{FF2B5EF4-FFF2-40B4-BE49-F238E27FC236}">
+                <a16:creationId xmlns:a16="http://schemas.microsoft.com/office/drawing/2014/main" id="{9A2E8B44-419F-0487-7BC1-AD7A72080D24}"/>
+              </a:ext>
+            </a:extLst>
+          </p:cNvPr>
+          <p:cNvGrpSpPr/>
+          <p:nvPr/>
+        </p:nvGrpSpPr>
+        <p:grpSpPr>
+          <a:xfrm>
+            <a:off x="4098927" y="1984554"/>
+            <a:ext cx="538162" cy="371632"/>
+            <a:chOff x="5111753" y="799398"/>
+            <a:chExt cx="538162" cy="371632"/>
+          </a:xfrm>
+        </p:grpSpPr>
+        <p:sp>
+          <p:nvSpPr>
+            <p:cNvPr id="36" name="文本框 35">
+              <a:extLst>
+                <a:ext uri="{FF2B5EF4-FFF2-40B4-BE49-F238E27FC236}">
+                  <a16:creationId xmlns:a16="http://schemas.microsoft.com/office/drawing/2014/main" id="{6FABDBA4-6F41-7942-9BFB-4EA8CE910958}"/>
+                </a:ext>
+              </a:extLst>
+            </p:cNvPr>
+            <p:cNvSpPr txBox="1">
+              <a:spLocks noChangeArrowheads="1"/>
+            </p:cNvSpPr>
+            <p:nvPr/>
+          </p:nvSpPr>
+          <p:spPr bwMode="auto">
+            <a:xfrm>
+              <a:off x="5111753" y="799398"/>
+              <a:ext cx="538162" cy="246221"/>
+            </a:xfrm>
+            <a:prstGeom prst="rect">
+              <a:avLst/>
+            </a:prstGeom>
+            <a:noFill/>
+            <a:ln>
+              <a:noFill/>
+            </a:ln>
+            <a:extLst>
+              <a:ext uri="{909E8E84-426E-40DD-AFC4-6F175D3DCCD1}">
+                <a14:hiddenFill xmlns:a14="http://schemas.microsoft.com/office/drawing/2010/main">
+                  <a:solidFill>
+                    <a:srgbClr val="FFFFFF"/>
+                  </a:solidFill>
+                </a14:hiddenFill>
+              </a:ext>
+              <a:ext uri="{91240B29-F687-4F45-9708-019B960494DF}">
+                <a14:hiddenLine xmlns:a14="http://schemas.microsoft.com/office/drawing/2010/main" w="9525">
+                  <a:solidFill>
+                    <a:srgbClr val="000000"/>
+                  </a:solidFill>
+                  <a:miter lim="800000"/>
+                  <a:headEnd/>
+                  <a:tailEnd/>
+                </a14:hiddenLine>
+              </a:ext>
+            </a:extLst>
+          </p:spPr>
+          <p:txBody>
+            <a:bodyPr lIns="0" tIns="0" rIns="0" bIns="0">
+              <a:spAutoFit/>
+            </a:bodyPr>
+            <a:lstStyle/>
+            <a:p>
+              <a:pPr algn="ctr"/>
+              <a:r>
+                <a:rPr lang="en-US" altLang="zh-CN" sz="1600" dirty="0"/>
+                <a:t>tail</a:t>
+              </a:r>
+            </a:p>
+          </p:txBody>
+        </p:sp>
+        <p:sp>
+          <p:nvSpPr>
+            <p:cNvPr id="37" name="右箭头 51">
+              <a:extLst>
+                <a:ext uri="{FF2B5EF4-FFF2-40B4-BE49-F238E27FC236}">
+                  <a16:creationId xmlns:a16="http://schemas.microsoft.com/office/drawing/2014/main" id="{B6E953B5-122A-0D0B-021F-40CF634A85F8}"/>
+                </a:ext>
+              </a:extLst>
+            </p:cNvPr>
+            <p:cNvSpPr/>
+            <p:nvPr/>
+          </p:nvSpPr>
+          <p:spPr>
+            <a:xfrm rot="10800000">
+              <a:off x="5232400" y="1029742"/>
+              <a:ext cx="331788" cy="141288"/>
+            </a:xfrm>
+            <a:prstGeom prst="rightArrow">
+              <a:avLst/>
+            </a:prstGeom>
+          </p:spPr>
+          <p:style>
+            <a:lnRef idx="2">
+              <a:schemeClr val="accent1">
+                <a:shade val="50000"/>
+              </a:schemeClr>
+            </a:lnRef>
+            <a:fillRef idx="1">
+              <a:schemeClr val="accent1"/>
+            </a:fillRef>
+            <a:effectRef idx="0">
+              <a:schemeClr val="accent1"/>
+            </a:effectRef>
+            <a:fontRef idx="minor">
+              <a:schemeClr val="lt1"/>
+            </a:fontRef>
+          </p:style>
+          <p:txBody>
+            <a:bodyPr anchor="ctr"/>
+            <a:lstStyle/>
+            <a:p>
+              <a:pPr algn="ctr"/>
+              <a:endParaRPr lang="zh-CN" altLang="en-US" noProof="1"/>
+            </a:p>
+          </p:txBody>
+        </p:sp>
+      </p:grpSp>
+      <p:grpSp>
+        <p:nvGrpSpPr>
+          <p:cNvPr id="42" name="组合 41">
+            <a:extLst>
+              <a:ext uri="{FF2B5EF4-FFF2-40B4-BE49-F238E27FC236}">
+                <a16:creationId xmlns:a16="http://schemas.microsoft.com/office/drawing/2014/main" id="{ED14517F-92DE-0A0E-98D4-5ED6EFEA1EED}"/>
+              </a:ext>
+            </a:extLst>
+          </p:cNvPr>
+          <p:cNvGrpSpPr/>
+          <p:nvPr/>
+        </p:nvGrpSpPr>
+        <p:grpSpPr>
+          <a:xfrm>
+            <a:off x="0" y="1978991"/>
+            <a:ext cx="538162" cy="371632"/>
+            <a:chOff x="5111753" y="799398"/>
+            <a:chExt cx="538162" cy="371632"/>
+          </a:xfrm>
+        </p:grpSpPr>
+        <p:sp>
+          <p:nvSpPr>
+            <p:cNvPr id="43" name="文本框 35">
+              <a:extLst>
+                <a:ext uri="{FF2B5EF4-FFF2-40B4-BE49-F238E27FC236}">
+                  <a16:creationId xmlns:a16="http://schemas.microsoft.com/office/drawing/2014/main" id="{1351DA64-C58D-A727-992A-F9D7B03986B4}"/>
+                </a:ext>
+              </a:extLst>
+            </p:cNvPr>
+            <p:cNvSpPr txBox="1">
+              <a:spLocks noChangeArrowheads="1"/>
+            </p:cNvSpPr>
+            <p:nvPr/>
+          </p:nvSpPr>
+          <p:spPr bwMode="auto">
+            <a:xfrm>
+              <a:off x="5111753" y="799398"/>
+              <a:ext cx="538162" cy="246221"/>
+            </a:xfrm>
+            <a:prstGeom prst="rect">
+              <a:avLst/>
+            </a:prstGeom>
+            <a:noFill/>
+            <a:ln>
+              <a:noFill/>
+            </a:ln>
+            <a:extLst>
+              <a:ext uri="{909E8E84-426E-40DD-AFC4-6F175D3DCCD1}">
+                <a14:hiddenFill xmlns:a14="http://schemas.microsoft.com/office/drawing/2010/main">
+                  <a:solidFill>
+                    <a:srgbClr val="FFFFFF"/>
+                  </a:solidFill>
+                </a14:hiddenFill>
+              </a:ext>
+              <a:ext uri="{91240B29-F687-4F45-9708-019B960494DF}">
+                <a14:hiddenLine xmlns:a14="http://schemas.microsoft.com/office/drawing/2010/main" w="9525">
+                  <a:solidFill>
+                    <a:srgbClr val="000000"/>
+                  </a:solidFill>
+                  <a:miter lim="800000"/>
+                  <a:headEnd/>
+                  <a:tailEnd/>
+                </a14:hiddenLine>
+              </a:ext>
+            </a:extLst>
+          </p:spPr>
+          <p:txBody>
+            <a:bodyPr lIns="0" tIns="0" rIns="0" bIns="0">
+              <a:spAutoFit/>
+            </a:bodyPr>
+            <a:lstStyle/>
+            <a:p>
+              <a:pPr algn="ctr"/>
+              <a:r>
+                <a:rPr lang="en-US" altLang="zh-CN" sz="1600" dirty="0"/>
+                <a:t>tail</a:t>
+              </a:r>
+            </a:p>
+          </p:txBody>
+        </p:sp>
+        <p:sp>
+          <p:nvSpPr>
+            <p:cNvPr id="44" name="右箭头 51">
+              <a:extLst>
+                <a:ext uri="{FF2B5EF4-FFF2-40B4-BE49-F238E27FC236}">
+                  <a16:creationId xmlns:a16="http://schemas.microsoft.com/office/drawing/2014/main" id="{DA8E4D12-FFAE-3F77-2C4B-662ECEABE703}"/>
+                </a:ext>
+              </a:extLst>
+            </p:cNvPr>
+            <p:cNvSpPr/>
+            <p:nvPr/>
+          </p:nvSpPr>
+          <p:spPr>
+            <a:xfrm>
+              <a:off x="5232400" y="1029742"/>
+              <a:ext cx="331788" cy="141288"/>
+            </a:xfrm>
+            <a:prstGeom prst="rightArrow">
+              <a:avLst/>
+            </a:prstGeom>
+          </p:spPr>
+          <p:style>
+            <a:lnRef idx="2">
+              <a:schemeClr val="accent1">
+                <a:shade val="50000"/>
+              </a:schemeClr>
+            </a:lnRef>
+            <a:fillRef idx="1">
+              <a:schemeClr val="accent1"/>
+            </a:fillRef>
+            <a:effectRef idx="0">
+              <a:schemeClr val="accent1"/>
+            </a:effectRef>
+            <a:fontRef idx="minor">
+              <a:schemeClr val="lt1"/>
+            </a:fontRef>
+          </p:style>
+          <p:txBody>
+            <a:bodyPr anchor="ctr"/>
+            <a:lstStyle/>
+            <a:p>
+              <a:pPr algn="ctr"/>
+              <a:endParaRPr lang="zh-CN" altLang="en-US" noProof="1"/>
+            </a:p>
+          </p:txBody>
+        </p:sp>
+      </p:grpSp>
+      <p:grpSp>
+        <p:nvGrpSpPr>
+          <p:cNvPr id="45" name="组合 44">
+            <a:extLst>
+              <a:ext uri="{FF2B5EF4-FFF2-40B4-BE49-F238E27FC236}">
+                <a16:creationId xmlns:a16="http://schemas.microsoft.com/office/drawing/2014/main" id="{5497846C-DE2A-A7E0-13C1-CA743EB4859E}"/>
+              </a:ext>
+            </a:extLst>
+          </p:cNvPr>
+          <p:cNvGrpSpPr/>
+          <p:nvPr/>
+        </p:nvGrpSpPr>
+        <p:grpSpPr>
+          <a:xfrm>
+            <a:off x="2590008" y="1934617"/>
+            <a:ext cx="538162" cy="371632"/>
+            <a:chOff x="5111753" y="799398"/>
+            <a:chExt cx="538162" cy="371632"/>
+          </a:xfrm>
+        </p:grpSpPr>
+        <p:sp>
+          <p:nvSpPr>
+            <p:cNvPr id="46" name="文本框 35">
+              <a:extLst>
+                <a:ext uri="{FF2B5EF4-FFF2-40B4-BE49-F238E27FC236}">
+                  <a16:creationId xmlns:a16="http://schemas.microsoft.com/office/drawing/2014/main" id="{5EAB5661-0E80-367E-007D-7692F1DDA5D6}"/>
+                </a:ext>
+              </a:extLst>
+            </p:cNvPr>
+            <p:cNvSpPr txBox="1">
+              <a:spLocks noChangeArrowheads="1"/>
+            </p:cNvSpPr>
+            <p:nvPr/>
+          </p:nvSpPr>
+          <p:spPr bwMode="auto">
+            <a:xfrm>
+              <a:off x="5111753" y="799398"/>
+              <a:ext cx="538162" cy="246221"/>
+            </a:xfrm>
+            <a:prstGeom prst="rect">
+              <a:avLst/>
+            </a:prstGeom>
+            <a:noFill/>
+            <a:ln>
+              <a:noFill/>
+            </a:ln>
+            <a:extLst>
+              <a:ext uri="{909E8E84-426E-40DD-AFC4-6F175D3DCCD1}">
+                <a14:hiddenFill xmlns:a14="http://schemas.microsoft.com/office/drawing/2010/main">
+                  <a:solidFill>
+                    <a:srgbClr val="FFFFFF"/>
+                  </a:solidFill>
+                </a14:hiddenFill>
+              </a:ext>
+              <a:ext uri="{91240B29-F687-4F45-9708-019B960494DF}">
+                <a14:hiddenLine xmlns:a14="http://schemas.microsoft.com/office/drawing/2010/main" w="9525">
+                  <a:solidFill>
+                    <a:srgbClr val="000000"/>
+                  </a:solidFill>
+                  <a:miter lim="800000"/>
+                  <a:headEnd/>
+                  <a:tailEnd/>
+                </a14:hiddenLine>
+              </a:ext>
+            </a:extLst>
+          </p:spPr>
+          <p:txBody>
+            <a:bodyPr lIns="0" tIns="0" rIns="0" bIns="0">
+              <a:spAutoFit/>
+            </a:bodyPr>
+            <a:lstStyle/>
+            <a:p>
+              <a:pPr algn="ctr"/>
+              <a:r>
+                <a:rPr lang="en-US" altLang="zh-CN" sz="1600" dirty="0"/>
+                <a:t>tail</a:t>
+              </a:r>
+            </a:p>
+          </p:txBody>
+        </p:sp>
+        <p:sp>
+          <p:nvSpPr>
+            <p:cNvPr id="47" name="右箭头 51">
+              <a:extLst>
+                <a:ext uri="{FF2B5EF4-FFF2-40B4-BE49-F238E27FC236}">
+                  <a16:creationId xmlns:a16="http://schemas.microsoft.com/office/drawing/2014/main" id="{5BDF0967-2ABA-6D05-6BDC-86B3BC519772}"/>
+                </a:ext>
+              </a:extLst>
+            </p:cNvPr>
+            <p:cNvSpPr/>
+            <p:nvPr/>
+          </p:nvSpPr>
+          <p:spPr>
+            <a:xfrm>
+              <a:off x="5232400" y="1029742"/>
+              <a:ext cx="331788" cy="141288"/>
+            </a:xfrm>
+            <a:prstGeom prst="rightArrow">
+              <a:avLst/>
+            </a:prstGeom>
+          </p:spPr>
+          <p:style>
+            <a:lnRef idx="2">
+              <a:schemeClr val="accent1">
+                <a:shade val="50000"/>
+              </a:schemeClr>
+            </a:lnRef>
+            <a:fillRef idx="1">
+              <a:schemeClr val="accent1"/>
+            </a:fillRef>
+            <a:effectRef idx="0">
+              <a:schemeClr val="accent1"/>
+            </a:effectRef>
+            <a:fontRef idx="minor">
+              <a:schemeClr val="lt1"/>
+            </a:fontRef>
+          </p:style>
+          <p:txBody>
+            <a:bodyPr anchor="ctr"/>
+            <a:lstStyle/>
+            <a:p>
+              <a:pPr algn="ctr"/>
+              <a:endParaRPr lang="zh-CN" altLang="en-US" noProof="1"/>
+            </a:p>
+          </p:txBody>
+        </p:sp>
+      </p:grpSp>
     </p:spTree>
   </p:cSld>
   <p:clrMapOvr>

--- a/PPT/DESIGN3.3 RB_example.pptx
+++ b/PPT/DESIGN3.3 RB_example.pptx
@@ -1,16 +1,16 @@
 
 <file path=ppt/presentation.xml><?xml version="1.0" encoding="utf-8"?>
-<p:presentation xmlns:a="http://schemas.openxmlformats.org/drawingml/2006/main" xmlns:r="http://schemas.openxmlformats.org/officeDocument/2006/relationships" xmlns:p="http://schemas.openxmlformats.org/presentationml/2006/main" saveSubsetFonts="1">
+<p:presentation xmlns:a="http://schemas.openxmlformats.org/drawingml/2006/main" xmlns:r="http://schemas.openxmlformats.org/officeDocument/2006/relationships" xmlns:p="http://schemas.openxmlformats.org/presentationml/2006/main">
   <p:sldMasterIdLst>
     <p:sldMasterId id="2147483648" r:id="rId1"/>
   </p:sldMasterIdLst>
   <p:sldIdLst>
-    <p:sldId id="256" r:id="rId2"/>
+    <p:sldId id="256" r:id="rId3"/>
   </p:sldIdLst>
-  <p:sldSz cx="7199313" cy="3600450"/>
+  <p:sldSz cx="7198995" cy="3600450"/>
   <p:notesSz cx="6858000" cy="9144000"/>
   <p:custDataLst>
-    <p:tags r:id="rId3"/>
+    <p:tags r:id="rId7"/>
   </p:custDataLst>
   <p:defaultTextStyle>
     <a:defPPr>
@@ -140,12 +140,12 @@
   <p:extLst>
     <p:ext uri="{EFAFB233-063F-42B5-8137-9DF3F51BA10A}">
       <p15:sldGuideLst xmlns:p15="http://schemas.microsoft.com/office/powerpoint/2012/main">
-        <p15:guide id="1" orient="horz" pos="1304" userDrawn="1">
+        <p15:guide id="1" orient="horz" pos="1335" userDrawn="1">
           <p15:clr>
             <a:srgbClr val="A4A3A4"/>
           </p15:clr>
         </p15:guide>
-        <p15:guide id="2" pos="2274" userDrawn="1">
+        <p15:guide id="2" pos="2293" userDrawn="1">
           <p15:clr>
             <a:srgbClr val="A4A3A4"/>
           </p15:clr>
@@ -201,6 +201,7 @@
               <a:rPr lang="zh-CN" altLang="en-US" noProof="1"/>
               <a:t>单击此处编辑母版标题样式</a:t>
             </a:r>
+            <a:endParaRPr lang="zh-CN" altLang="en-US" noProof="1"/>
           </a:p>
         </p:txBody>
       </p:sp>
@@ -265,18 +266,13 @@
               <a:rPr lang="zh-CN" altLang="en-US" noProof="1"/>
               <a:t>单击此处编辑母版副标题样式</a:t>
             </a:r>
+            <a:endParaRPr lang="zh-CN" altLang="en-US" noProof="1"/>
           </a:p>
         </p:txBody>
       </p:sp>
       <p:sp>
         <p:nvSpPr>
-          <p:cNvPr id="4" name="日期占位符 1027">
-            <a:extLst>
-              <a:ext uri="{FF2B5EF4-FFF2-40B4-BE49-F238E27FC236}">
-                <a16:creationId xmlns:a16="http://schemas.microsoft.com/office/drawing/2014/main" id="{16028FC4-EE32-0CDA-7665-21CCA0070288}"/>
-              </a:ext>
-            </a:extLst>
-          </p:cNvPr>
+          <p:cNvPr id="4" name="日期占位符 1027"/>
           <p:cNvSpPr>
             <a:spLocks noGrp="1"/>
           </p:cNvSpPr>
@@ -284,9 +280,7 @@
             <p:ph type="dt" sz="half" idx="10"/>
           </p:nvPr>
         </p:nvSpPr>
-        <p:spPr>
-          <a:ln/>
-        </p:spPr>
+        <p:spPr/>
         <p:txBody>
           <a:bodyPr/>
           <a:lstStyle>
@@ -301,13 +295,7 @@
       </p:sp>
       <p:sp>
         <p:nvSpPr>
-          <p:cNvPr id="5" name="页脚占位符 1028">
-            <a:extLst>
-              <a:ext uri="{FF2B5EF4-FFF2-40B4-BE49-F238E27FC236}">
-                <a16:creationId xmlns:a16="http://schemas.microsoft.com/office/drawing/2014/main" id="{EF8DA3C3-A3E4-23B4-7A6B-2642EB27E422}"/>
-              </a:ext>
-            </a:extLst>
-          </p:cNvPr>
+          <p:cNvPr id="5" name="页脚占位符 1028"/>
           <p:cNvSpPr>
             <a:spLocks noGrp="1"/>
           </p:cNvSpPr>
@@ -315,9 +303,7 @@
             <p:ph type="ftr" sz="quarter" idx="11"/>
           </p:nvPr>
         </p:nvSpPr>
-        <p:spPr>
-          <a:ln/>
-        </p:spPr>
+        <p:spPr/>
         <p:txBody>
           <a:bodyPr/>
           <a:lstStyle>
@@ -332,13 +318,7 @@
       </p:sp>
       <p:sp>
         <p:nvSpPr>
-          <p:cNvPr id="6" name="灯片编号占位符 1029">
-            <a:extLst>
-              <a:ext uri="{FF2B5EF4-FFF2-40B4-BE49-F238E27FC236}">
-                <a16:creationId xmlns:a16="http://schemas.microsoft.com/office/drawing/2014/main" id="{F83E0CD7-2229-4FF5-30AA-BAB7ACDE0A0D}"/>
-              </a:ext>
-            </a:extLst>
-          </p:cNvPr>
+          <p:cNvPr id="6" name="灯片编号占位符 1029"/>
           <p:cNvSpPr>
             <a:spLocks noGrp="1"/>
           </p:cNvSpPr>
@@ -346,9 +326,7 @@
             <p:ph type="sldNum" sz="quarter" idx="12"/>
           </p:nvPr>
         </p:nvSpPr>
-        <p:spPr>
-          <a:ln/>
-        </p:spPr>
+        <p:spPr/>
         <p:txBody>
           <a:bodyPr/>
           <a:lstStyle>
@@ -359,19 +337,12 @@
           <a:p>
             <a:fld id="{5CAC2CE5-F3B5-4AA1-B756-2DC5A88B11E1}" type="slidenum">
               <a:rPr lang="zh-CN" altLang="en-US"/>
-              <a:pPr/>
-              <a:t>‹#›</a:t>
             </a:fld>
             <a:endParaRPr lang="zh-CN" altLang="en-US"/>
           </a:p>
         </p:txBody>
       </p:sp>
     </p:spTree>
-    <p:extLst>
-      <p:ext uri="{BB962C8B-B14F-4D97-AF65-F5344CB8AC3E}">
-        <p14:creationId xmlns:p14="http://schemas.microsoft.com/office/powerpoint/2010/main" val="1351364811"/>
-      </p:ext>
-    </p:extLst>
   </p:cSld>
   <p:clrMapOvr>
     <a:masterClrMapping/>
@@ -415,6 +386,7 @@
               <a:rPr lang="zh-CN" altLang="en-US" noProof="1"/>
               <a:t>单击此处编辑母版标题样式</a:t>
             </a:r>
+            <a:endParaRPr lang="zh-CN" altLang="en-US" noProof="1"/>
           </a:p>
         </p:txBody>
       </p:sp>
@@ -438,6 +410,7 @@
               <a:rPr lang="zh-CN" altLang="en-US" noProof="1"/>
               <a:t>单击此处编辑母版文本样式</a:t>
             </a:r>
+            <a:endParaRPr lang="zh-CN" altLang="en-US" noProof="1"/>
           </a:p>
           <a:p>
             <a:pPr lvl="1"/>
@@ -445,6 +418,7 @@
               <a:rPr lang="zh-CN" altLang="en-US" noProof="1"/>
               <a:t>第二级</a:t>
             </a:r>
+            <a:endParaRPr lang="zh-CN" altLang="en-US" noProof="1"/>
           </a:p>
           <a:p>
             <a:pPr lvl="2"/>
@@ -452,6 +426,7 @@
               <a:rPr lang="zh-CN" altLang="en-US" noProof="1"/>
               <a:t>第三级</a:t>
             </a:r>
+            <a:endParaRPr lang="zh-CN" altLang="en-US" noProof="1"/>
           </a:p>
           <a:p>
             <a:pPr lvl="3"/>
@@ -459,6 +434,7 @@
               <a:rPr lang="zh-CN" altLang="en-US" noProof="1"/>
               <a:t>第四级</a:t>
             </a:r>
+            <a:endParaRPr lang="zh-CN" altLang="en-US" noProof="1"/>
           </a:p>
           <a:p>
             <a:pPr lvl="4"/>
@@ -466,18 +442,13 @@
               <a:rPr lang="zh-CN" altLang="en-US" noProof="1"/>
               <a:t>第五级</a:t>
             </a:r>
+            <a:endParaRPr lang="zh-CN" altLang="en-US" noProof="1"/>
           </a:p>
         </p:txBody>
       </p:sp>
       <p:sp>
         <p:nvSpPr>
-          <p:cNvPr id="4" name="日期占位符 1027">
-            <a:extLst>
-              <a:ext uri="{FF2B5EF4-FFF2-40B4-BE49-F238E27FC236}">
-                <a16:creationId xmlns:a16="http://schemas.microsoft.com/office/drawing/2014/main" id="{1304B1BB-9C59-F5D7-94E8-96BB407E826C}"/>
-              </a:ext>
-            </a:extLst>
-          </p:cNvPr>
+          <p:cNvPr id="4" name="日期占位符 1027"/>
           <p:cNvSpPr>
             <a:spLocks noGrp="1"/>
           </p:cNvSpPr>
@@ -485,9 +456,7 @@
             <p:ph type="dt" sz="half" idx="10"/>
           </p:nvPr>
         </p:nvSpPr>
-        <p:spPr>
-          <a:ln/>
-        </p:spPr>
+        <p:spPr/>
         <p:txBody>
           <a:bodyPr/>
           <a:lstStyle>
@@ -502,13 +471,7 @@
       </p:sp>
       <p:sp>
         <p:nvSpPr>
-          <p:cNvPr id="5" name="页脚占位符 1028">
-            <a:extLst>
-              <a:ext uri="{FF2B5EF4-FFF2-40B4-BE49-F238E27FC236}">
-                <a16:creationId xmlns:a16="http://schemas.microsoft.com/office/drawing/2014/main" id="{C64708B0-ED29-25AB-38D8-823B66BE0059}"/>
-              </a:ext>
-            </a:extLst>
-          </p:cNvPr>
+          <p:cNvPr id="5" name="页脚占位符 1028"/>
           <p:cNvSpPr>
             <a:spLocks noGrp="1"/>
           </p:cNvSpPr>
@@ -516,9 +479,7 @@
             <p:ph type="ftr" sz="quarter" idx="11"/>
           </p:nvPr>
         </p:nvSpPr>
-        <p:spPr>
-          <a:ln/>
-        </p:spPr>
+        <p:spPr/>
         <p:txBody>
           <a:bodyPr/>
           <a:lstStyle>
@@ -533,13 +494,7 @@
       </p:sp>
       <p:sp>
         <p:nvSpPr>
-          <p:cNvPr id="6" name="灯片编号占位符 1029">
-            <a:extLst>
-              <a:ext uri="{FF2B5EF4-FFF2-40B4-BE49-F238E27FC236}">
-                <a16:creationId xmlns:a16="http://schemas.microsoft.com/office/drawing/2014/main" id="{FB78E3EC-4FAD-1724-48DB-07C00A8A986F}"/>
-              </a:ext>
-            </a:extLst>
-          </p:cNvPr>
+          <p:cNvPr id="6" name="灯片编号占位符 1029"/>
           <p:cNvSpPr>
             <a:spLocks noGrp="1"/>
           </p:cNvSpPr>
@@ -547,9 +502,7 @@
             <p:ph type="sldNum" sz="quarter" idx="12"/>
           </p:nvPr>
         </p:nvSpPr>
-        <p:spPr>
-          <a:ln/>
-        </p:spPr>
+        <p:spPr/>
         <p:txBody>
           <a:bodyPr/>
           <a:lstStyle>
@@ -560,19 +513,12 @@
           <a:p>
             <a:fld id="{EAFA5EBE-69E2-423D-8198-8849284E360D}" type="slidenum">
               <a:rPr lang="zh-CN" altLang="en-US"/>
-              <a:pPr/>
-              <a:t>‹#›</a:t>
             </a:fld>
             <a:endParaRPr lang="zh-CN" altLang="en-US"/>
           </a:p>
         </p:txBody>
       </p:sp>
     </p:spTree>
-    <p:extLst>
-      <p:ext uri="{BB962C8B-B14F-4D97-AF65-F5344CB8AC3E}">
-        <p14:creationId xmlns:p14="http://schemas.microsoft.com/office/powerpoint/2010/main" val="4273748091"/>
-      </p:ext>
-    </p:extLst>
   </p:cSld>
   <p:clrMapOvr>
     <a:masterClrMapping/>
@@ -621,6 +567,7 @@
               <a:rPr lang="zh-CN" altLang="en-US" noProof="1"/>
               <a:t>单击此处编辑母版标题样式</a:t>
             </a:r>
+            <a:endParaRPr lang="zh-CN" altLang="en-US" noProof="1"/>
           </a:p>
         </p:txBody>
       </p:sp>
@@ -649,6 +596,7 @@
               <a:rPr lang="zh-CN" altLang="en-US" noProof="1"/>
               <a:t>单击此处编辑母版文本样式</a:t>
             </a:r>
+            <a:endParaRPr lang="zh-CN" altLang="en-US" noProof="1"/>
           </a:p>
           <a:p>
             <a:pPr lvl="1"/>
@@ -656,6 +604,7 @@
               <a:rPr lang="zh-CN" altLang="en-US" noProof="1"/>
               <a:t>第二级</a:t>
             </a:r>
+            <a:endParaRPr lang="zh-CN" altLang="en-US" noProof="1"/>
           </a:p>
           <a:p>
             <a:pPr lvl="2"/>
@@ -663,6 +612,7 @@
               <a:rPr lang="zh-CN" altLang="en-US" noProof="1"/>
               <a:t>第三级</a:t>
             </a:r>
+            <a:endParaRPr lang="zh-CN" altLang="en-US" noProof="1"/>
           </a:p>
           <a:p>
             <a:pPr lvl="3"/>
@@ -670,6 +620,7 @@
               <a:rPr lang="zh-CN" altLang="en-US" noProof="1"/>
               <a:t>第四级</a:t>
             </a:r>
+            <a:endParaRPr lang="zh-CN" altLang="en-US" noProof="1"/>
           </a:p>
           <a:p>
             <a:pPr lvl="4"/>
@@ -677,18 +628,13 @@
               <a:rPr lang="zh-CN" altLang="en-US" noProof="1"/>
               <a:t>第五级</a:t>
             </a:r>
+            <a:endParaRPr lang="zh-CN" altLang="en-US" noProof="1"/>
           </a:p>
         </p:txBody>
       </p:sp>
       <p:sp>
         <p:nvSpPr>
-          <p:cNvPr id="4" name="日期占位符 1027">
-            <a:extLst>
-              <a:ext uri="{FF2B5EF4-FFF2-40B4-BE49-F238E27FC236}">
-                <a16:creationId xmlns:a16="http://schemas.microsoft.com/office/drawing/2014/main" id="{C15BDD43-C897-0D1D-D7BB-A94F76D03920}"/>
-              </a:ext>
-            </a:extLst>
-          </p:cNvPr>
+          <p:cNvPr id="4" name="日期占位符 1027"/>
           <p:cNvSpPr>
             <a:spLocks noGrp="1"/>
           </p:cNvSpPr>
@@ -696,9 +642,7 @@
             <p:ph type="dt" sz="half" idx="10"/>
           </p:nvPr>
         </p:nvSpPr>
-        <p:spPr>
-          <a:ln/>
-        </p:spPr>
+        <p:spPr/>
         <p:txBody>
           <a:bodyPr/>
           <a:lstStyle>
@@ -713,13 +657,7 @@
       </p:sp>
       <p:sp>
         <p:nvSpPr>
-          <p:cNvPr id="5" name="页脚占位符 1028">
-            <a:extLst>
-              <a:ext uri="{FF2B5EF4-FFF2-40B4-BE49-F238E27FC236}">
-                <a16:creationId xmlns:a16="http://schemas.microsoft.com/office/drawing/2014/main" id="{1F0F5E8A-3EB9-B7BD-0DF4-3EFA61A929FE}"/>
-              </a:ext>
-            </a:extLst>
-          </p:cNvPr>
+          <p:cNvPr id="5" name="页脚占位符 1028"/>
           <p:cNvSpPr>
             <a:spLocks noGrp="1"/>
           </p:cNvSpPr>
@@ -727,9 +665,7 @@
             <p:ph type="ftr" sz="quarter" idx="11"/>
           </p:nvPr>
         </p:nvSpPr>
-        <p:spPr>
-          <a:ln/>
-        </p:spPr>
+        <p:spPr/>
         <p:txBody>
           <a:bodyPr/>
           <a:lstStyle>
@@ -744,13 +680,7 @@
       </p:sp>
       <p:sp>
         <p:nvSpPr>
-          <p:cNvPr id="6" name="灯片编号占位符 1029">
-            <a:extLst>
-              <a:ext uri="{FF2B5EF4-FFF2-40B4-BE49-F238E27FC236}">
-                <a16:creationId xmlns:a16="http://schemas.microsoft.com/office/drawing/2014/main" id="{39EA633F-6197-284D-1A1A-50A4B4B45192}"/>
-              </a:ext>
-            </a:extLst>
-          </p:cNvPr>
+          <p:cNvPr id="6" name="灯片编号占位符 1029"/>
           <p:cNvSpPr>
             <a:spLocks noGrp="1"/>
           </p:cNvSpPr>
@@ -758,9 +688,7 @@
             <p:ph type="sldNum" sz="quarter" idx="12"/>
           </p:nvPr>
         </p:nvSpPr>
-        <p:spPr>
-          <a:ln/>
-        </p:spPr>
+        <p:spPr/>
         <p:txBody>
           <a:bodyPr/>
           <a:lstStyle>
@@ -771,19 +699,12 @@
           <a:p>
             <a:fld id="{9391214E-E0A8-463D-9C19-E0CF0CBFBE6F}" type="slidenum">
               <a:rPr lang="zh-CN" altLang="en-US"/>
-              <a:pPr/>
-              <a:t>‹#›</a:t>
             </a:fld>
             <a:endParaRPr lang="zh-CN" altLang="en-US"/>
           </a:p>
         </p:txBody>
       </p:sp>
     </p:spTree>
-    <p:extLst>
-      <p:ext uri="{BB962C8B-B14F-4D97-AF65-F5344CB8AC3E}">
-        <p14:creationId xmlns:p14="http://schemas.microsoft.com/office/powerpoint/2010/main" val="2292780278"/>
-      </p:ext>
-    </p:extLst>
   </p:cSld>
   <p:clrMapOvr>
     <a:masterClrMapping/>
@@ -827,6 +748,7 @@
               <a:rPr lang="zh-CN" altLang="en-US" noProof="1"/>
               <a:t>单击此处编辑母版标题样式</a:t>
             </a:r>
+            <a:endParaRPr lang="zh-CN" altLang="en-US" noProof="1"/>
           </a:p>
         </p:txBody>
       </p:sp>
@@ -850,6 +772,7 @@
               <a:rPr lang="zh-CN" altLang="en-US" noProof="1"/>
               <a:t>单击此处编辑母版文本样式</a:t>
             </a:r>
+            <a:endParaRPr lang="zh-CN" altLang="en-US" noProof="1"/>
           </a:p>
           <a:p>
             <a:pPr lvl="1"/>
@@ -857,6 +780,7 @@
               <a:rPr lang="zh-CN" altLang="en-US" noProof="1"/>
               <a:t>第二级</a:t>
             </a:r>
+            <a:endParaRPr lang="zh-CN" altLang="en-US" noProof="1"/>
           </a:p>
           <a:p>
             <a:pPr lvl="2"/>
@@ -864,6 +788,7 @@
               <a:rPr lang="zh-CN" altLang="en-US" noProof="1"/>
               <a:t>第三级</a:t>
             </a:r>
+            <a:endParaRPr lang="zh-CN" altLang="en-US" noProof="1"/>
           </a:p>
           <a:p>
             <a:pPr lvl="3"/>
@@ -871,6 +796,7 @@
               <a:rPr lang="zh-CN" altLang="en-US" noProof="1"/>
               <a:t>第四级</a:t>
             </a:r>
+            <a:endParaRPr lang="zh-CN" altLang="en-US" noProof="1"/>
           </a:p>
           <a:p>
             <a:pPr lvl="4"/>
@@ -878,18 +804,13 @@
               <a:rPr lang="zh-CN" altLang="en-US" noProof="1"/>
               <a:t>第五级</a:t>
             </a:r>
+            <a:endParaRPr lang="zh-CN" altLang="en-US" noProof="1"/>
           </a:p>
         </p:txBody>
       </p:sp>
       <p:sp>
         <p:nvSpPr>
-          <p:cNvPr id="4" name="日期占位符 1027">
-            <a:extLst>
-              <a:ext uri="{FF2B5EF4-FFF2-40B4-BE49-F238E27FC236}">
-                <a16:creationId xmlns:a16="http://schemas.microsoft.com/office/drawing/2014/main" id="{B33BA22A-0D5D-FDE4-961A-6288116501B7}"/>
-              </a:ext>
-            </a:extLst>
-          </p:cNvPr>
+          <p:cNvPr id="4" name="日期占位符 1027"/>
           <p:cNvSpPr>
             <a:spLocks noGrp="1"/>
           </p:cNvSpPr>
@@ -897,9 +818,7 @@
             <p:ph type="dt" sz="half" idx="10"/>
           </p:nvPr>
         </p:nvSpPr>
-        <p:spPr>
-          <a:ln/>
-        </p:spPr>
+        <p:spPr/>
         <p:txBody>
           <a:bodyPr/>
           <a:lstStyle>
@@ -914,13 +833,7 @@
       </p:sp>
       <p:sp>
         <p:nvSpPr>
-          <p:cNvPr id="5" name="页脚占位符 1028">
-            <a:extLst>
-              <a:ext uri="{FF2B5EF4-FFF2-40B4-BE49-F238E27FC236}">
-                <a16:creationId xmlns:a16="http://schemas.microsoft.com/office/drawing/2014/main" id="{02C65D4D-AC85-F589-F4AD-5ACC6B6D4F72}"/>
-              </a:ext>
-            </a:extLst>
-          </p:cNvPr>
+          <p:cNvPr id="5" name="页脚占位符 1028"/>
           <p:cNvSpPr>
             <a:spLocks noGrp="1"/>
           </p:cNvSpPr>
@@ -928,9 +841,7 @@
             <p:ph type="ftr" sz="quarter" idx="11"/>
           </p:nvPr>
         </p:nvSpPr>
-        <p:spPr>
-          <a:ln/>
-        </p:spPr>
+        <p:spPr/>
         <p:txBody>
           <a:bodyPr/>
           <a:lstStyle>
@@ -945,13 +856,7 @@
       </p:sp>
       <p:sp>
         <p:nvSpPr>
-          <p:cNvPr id="6" name="灯片编号占位符 1029">
-            <a:extLst>
-              <a:ext uri="{FF2B5EF4-FFF2-40B4-BE49-F238E27FC236}">
-                <a16:creationId xmlns:a16="http://schemas.microsoft.com/office/drawing/2014/main" id="{A5B82E6E-7C2A-0197-38D8-62271133E48D}"/>
-              </a:ext>
-            </a:extLst>
-          </p:cNvPr>
+          <p:cNvPr id="6" name="灯片编号占位符 1029"/>
           <p:cNvSpPr>
             <a:spLocks noGrp="1"/>
           </p:cNvSpPr>
@@ -959,9 +864,7 @@
             <p:ph type="sldNum" sz="quarter" idx="12"/>
           </p:nvPr>
         </p:nvSpPr>
-        <p:spPr>
-          <a:ln/>
-        </p:spPr>
+        <p:spPr/>
         <p:txBody>
           <a:bodyPr/>
           <a:lstStyle>
@@ -972,19 +875,12 @@
           <a:p>
             <a:fld id="{202E73E9-D97F-40EE-A22C-5CB48C0C93A4}" type="slidenum">
               <a:rPr lang="zh-CN" altLang="en-US"/>
-              <a:pPr/>
-              <a:t>‹#›</a:t>
             </a:fld>
             <a:endParaRPr lang="zh-CN" altLang="en-US"/>
           </a:p>
         </p:txBody>
       </p:sp>
     </p:spTree>
-    <p:extLst>
-      <p:ext uri="{BB962C8B-B14F-4D97-AF65-F5344CB8AC3E}">
-        <p14:creationId xmlns:p14="http://schemas.microsoft.com/office/powerpoint/2010/main" val="2529633025"/>
-      </p:ext>
-    </p:extLst>
   </p:cSld>
   <p:clrMapOvr>
     <a:masterClrMapping/>
@@ -1037,6 +933,7 @@
               <a:rPr lang="zh-CN" altLang="en-US" noProof="1"/>
               <a:t>单击此处编辑母版标题样式</a:t>
             </a:r>
+            <a:endParaRPr lang="zh-CN" altLang="en-US" noProof="1"/>
           </a:p>
         </p:txBody>
       </p:sp>
@@ -1156,18 +1053,13 @@
               <a:rPr lang="zh-CN" altLang="en-US" noProof="1"/>
               <a:t>单击此处编辑母版文本样式</a:t>
             </a:r>
+            <a:endParaRPr lang="zh-CN" altLang="en-US" noProof="1"/>
           </a:p>
         </p:txBody>
       </p:sp>
       <p:sp>
         <p:nvSpPr>
-          <p:cNvPr id="4" name="日期占位符 1027">
-            <a:extLst>
-              <a:ext uri="{FF2B5EF4-FFF2-40B4-BE49-F238E27FC236}">
-                <a16:creationId xmlns:a16="http://schemas.microsoft.com/office/drawing/2014/main" id="{960D6B28-EEB1-278B-820D-6C3EFC7CEFEC}"/>
-              </a:ext>
-            </a:extLst>
-          </p:cNvPr>
+          <p:cNvPr id="4" name="日期占位符 1027"/>
           <p:cNvSpPr>
             <a:spLocks noGrp="1"/>
           </p:cNvSpPr>
@@ -1175,9 +1067,7 @@
             <p:ph type="dt" sz="half" idx="10"/>
           </p:nvPr>
         </p:nvSpPr>
-        <p:spPr>
-          <a:ln/>
-        </p:spPr>
+        <p:spPr/>
         <p:txBody>
           <a:bodyPr/>
           <a:lstStyle>
@@ -1192,13 +1082,7 @@
       </p:sp>
       <p:sp>
         <p:nvSpPr>
-          <p:cNvPr id="5" name="页脚占位符 1028">
-            <a:extLst>
-              <a:ext uri="{FF2B5EF4-FFF2-40B4-BE49-F238E27FC236}">
-                <a16:creationId xmlns:a16="http://schemas.microsoft.com/office/drawing/2014/main" id="{21FD1CDE-71BB-A0E4-2AC2-E65FD80ABFDB}"/>
-              </a:ext>
-            </a:extLst>
-          </p:cNvPr>
+          <p:cNvPr id="5" name="页脚占位符 1028"/>
           <p:cNvSpPr>
             <a:spLocks noGrp="1"/>
           </p:cNvSpPr>
@@ -1206,9 +1090,7 @@
             <p:ph type="ftr" sz="quarter" idx="11"/>
           </p:nvPr>
         </p:nvSpPr>
-        <p:spPr>
-          <a:ln/>
-        </p:spPr>
+        <p:spPr/>
         <p:txBody>
           <a:bodyPr/>
           <a:lstStyle>
@@ -1223,13 +1105,7 @@
       </p:sp>
       <p:sp>
         <p:nvSpPr>
-          <p:cNvPr id="6" name="灯片编号占位符 1029">
-            <a:extLst>
-              <a:ext uri="{FF2B5EF4-FFF2-40B4-BE49-F238E27FC236}">
-                <a16:creationId xmlns:a16="http://schemas.microsoft.com/office/drawing/2014/main" id="{3F47765D-33C9-BFF1-C059-9F0305B88957}"/>
-              </a:ext>
-            </a:extLst>
-          </p:cNvPr>
+          <p:cNvPr id="6" name="灯片编号占位符 1029"/>
           <p:cNvSpPr>
             <a:spLocks noGrp="1"/>
           </p:cNvSpPr>
@@ -1237,9 +1113,7 @@
             <p:ph type="sldNum" sz="quarter" idx="12"/>
           </p:nvPr>
         </p:nvSpPr>
-        <p:spPr>
-          <a:ln/>
-        </p:spPr>
+        <p:spPr/>
         <p:txBody>
           <a:bodyPr/>
           <a:lstStyle>
@@ -1250,19 +1124,12 @@
           <a:p>
             <a:fld id="{DDE23841-BC2E-45CA-8388-4C3C9708E41C}" type="slidenum">
               <a:rPr lang="zh-CN" altLang="en-US"/>
-              <a:pPr/>
-              <a:t>‹#›</a:t>
             </a:fld>
             <a:endParaRPr lang="zh-CN" altLang="en-US"/>
           </a:p>
         </p:txBody>
       </p:sp>
     </p:spTree>
-    <p:extLst>
-      <p:ext uri="{BB962C8B-B14F-4D97-AF65-F5344CB8AC3E}">
-        <p14:creationId xmlns:p14="http://schemas.microsoft.com/office/powerpoint/2010/main" val="350963757"/>
-      </p:ext>
-    </p:extLst>
   </p:cSld>
   <p:clrMapOvr>
     <a:masterClrMapping/>
@@ -1306,6 +1173,7 @@
               <a:rPr lang="zh-CN" altLang="en-US" noProof="1"/>
               <a:t>单击此处编辑母版标题样式</a:t>
             </a:r>
+            <a:endParaRPr lang="zh-CN" altLang="en-US" noProof="1"/>
           </a:p>
         </p:txBody>
       </p:sp>
@@ -1334,6 +1202,7 @@
               <a:rPr lang="zh-CN" altLang="en-US" noProof="1"/>
               <a:t>单击此处编辑母版文本样式</a:t>
             </a:r>
+            <a:endParaRPr lang="zh-CN" altLang="en-US" noProof="1"/>
           </a:p>
           <a:p>
             <a:pPr lvl="1"/>
@@ -1341,6 +1210,7 @@
               <a:rPr lang="zh-CN" altLang="en-US" noProof="1"/>
               <a:t>第二级</a:t>
             </a:r>
+            <a:endParaRPr lang="zh-CN" altLang="en-US" noProof="1"/>
           </a:p>
           <a:p>
             <a:pPr lvl="2"/>
@@ -1348,6 +1218,7 @@
               <a:rPr lang="zh-CN" altLang="en-US" noProof="1"/>
               <a:t>第三级</a:t>
             </a:r>
+            <a:endParaRPr lang="zh-CN" altLang="en-US" noProof="1"/>
           </a:p>
           <a:p>
             <a:pPr lvl="3"/>
@@ -1355,6 +1226,7 @@
               <a:rPr lang="zh-CN" altLang="en-US" noProof="1"/>
               <a:t>第四级</a:t>
             </a:r>
+            <a:endParaRPr lang="zh-CN" altLang="en-US" noProof="1"/>
           </a:p>
           <a:p>
             <a:pPr lvl="4"/>
@@ -1362,6 +1234,7 @@
               <a:rPr lang="zh-CN" altLang="en-US" noProof="1"/>
               <a:t>第五级</a:t>
             </a:r>
+            <a:endParaRPr lang="zh-CN" altLang="en-US" noProof="1"/>
           </a:p>
         </p:txBody>
       </p:sp>
@@ -1390,6 +1263,7 @@
               <a:rPr lang="zh-CN" altLang="en-US" noProof="1"/>
               <a:t>单击此处编辑母版文本样式</a:t>
             </a:r>
+            <a:endParaRPr lang="zh-CN" altLang="en-US" noProof="1"/>
           </a:p>
           <a:p>
             <a:pPr lvl="1"/>
@@ -1397,6 +1271,7 @@
               <a:rPr lang="zh-CN" altLang="en-US" noProof="1"/>
               <a:t>第二级</a:t>
             </a:r>
+            <a:endParaRPr lang="zh-CN" altLang="en-US" noProof="1"/>
           </a:p>
           <a:p>
             <a:pPr lvl="2"/>
@@ -1404,6 +1279,7 @@
               <a:rPr lang="zh-CN" altLang="en-US" noProof="1"/>
               <a:t>第三级</a:t>
             </a:r>
+            <a:endParaRPr lang="zh-CN" altLang="en-US" noProof="1"/>
           </a:p>
           <a:p>
             <a:pPr lvl="3"/>
@@ -1411,6 +1287,7 @@
               <a:rPr lang="zh-CN" altLang="en-US" noProof="1"/>
               <a:t>第四级</a:t>
             </a:r>
+            <a:endParaRPr lang="zh-CN" altLang="en-US" noProof="1"/>
           </a:p>
           <a:p>
             <a:pPr lvl="4"/>
@@ -1418,18 +1295,13 @@
               <a:rPr lang="zh-CN" altLang="en-US" noProof="1"/>
               <a:t>第五级</a:t>
             </a:r>
+            <a:endParaRPr lang="zh-CN" altLang="en-US" noProof="1"/>
           </a:p>
         </p:txBody>
       </p:sp>
       <p:sp>
         <p:nvSpPr>
-          <p:cNvPr id="5" name="日期占位符 1027">
-            <a:extLst>
-              <a:ext uri="{FF2B5EF4-FFF2-40B4-BE49-F238E27FC236}">
-                <a16:creationId xmlns:a16="http://schemas.microsoft.com/office/drawing/2014/main" id="{496941AC-D3FD-EE6B-EA92-60A0EE38A80C}"/>
-              </a:ext>
-            </a:extLst>
-          </p:cNvPr>
+          <p:cNvPr id="5" name="日期占位符 1027"/>
           <p:cNvSpPr>
             <a:spLocks noGrp="1"/>
           </p:cNvSpPr>
@@ -1437,9 +1309,7 @@
             <p:ph type="dt" sz="half" idx="10"/>
           </p:nvPr>
         </p:nvSpPr>
-        <p:spPr>
-          <a:ln/>
-        </p:spPr>
+        <p:spPr/>
         <p:txBody>
           <a:bodyPr/>
           <a:lstStyle>
@@ -1454,13 +1324,7 @@
       </p:sp>
       <p:sp>
         <p:nvSpPr>
-          <p:cNvPr id="6" name="页脚占位符 1028">
-            <a:extLst>
-              <a:ext uri="{FF2B5EF4-FFF2-40B4-BE49-F238E27FC236}">
-                <a16:creationId xmlns:a16="http://schemas.microsoft.com/office/drawing/2014/main" id="{EC11CA27-AFCF-6F05-DC22-17753FD9B42B}"/>
-              </a:ext>
-            </a:extLst>
-          </p:cNvPr>
+          <p:cNvPr id="6" name="页脚占位符 1028"/>
           <p:cNvSpPr>
             <a:spLocks noGrp="1"/>
           </p:cNvSpPr>
@@ -1468,9 +1332,7 @@
             <p:ph type="ftr" sz="quarter" idx="11"/>
           </p:nvPr>
         </p:nvSpPr>
-        <p:spPr>
-          <a:ln/>
-        </p:spPr>
+        <p:spPr/>
         <p:txBody>
           <a:bodyPr/>
           <a:lstStyle>
@@ -1485,13 +1347,7 @@
       </p:sp>
       <p:sp>
         <p:nvSpPr>
-          <p:cNvPr id="7" name="灯片编号占位符 1029">
-            <a:extLst>
-              <a:ext uri="{FF2B5EF4-FFF2-40B4-BE49-F238E27FC236}">
-                <a16:creationId xmlns:a16="http://schemas.microsoft.com/office/drawing/2014/main" id="{4217F85C-DB80-E089-8E33-C4A18372EB27}"/>
-              </a:ext>
-            </a:extLst>
-          </p:cNvPr>
+          <p:cNvPr id="7" name="灯片编号占位符 1029"/>
           <p:cNvSpPr>
             <a:spLocks noGrp="1"/>
           </p:cNvSpPr>
@@ -1499,9 +1355,7 @@
             <p:ph type="sldNum" sz="quarter" idx="12"/>
           </p:nvPr>
         </p:nvSpPr>
-        <p:spPr>
-          <a:ln/>
-        </p:spPr>
+        <p:spPr/>
         <p:txBody>
           <a:bodyPr/>
           <a:lstStyle>
@@ -1512,19 +1366,12 @@
           <a:p>
             <a:fld id="{3CC3C192-40FD-4C14-9675-96C021957E09}" type="slidenum">
               <a:rPr lang="zh-CN" altLang="en-US"/>
-              <a:pPr/>
-              <a:t>‹#›</a:t>
             </a:fld>
             <a:endParaRPr lang="zh-CN" altLang="en-US"/>
           </a:p>
         </p:txBody>
       </p:sp>
     </p:spTree>
-    <p:extLst>
-      <p:ext uri="{BB962C8B-B14F-4D97-AF65-F5344CB8AC3E}">
-        <p14:creationId xmlns:p14="http://schemas.microsoft.com/office/powerpoint/2010/main" val="1576080245"/>
-      </p:ext>
-    </p:extLst>
   </p:cSld>
   <p:clrMapOvr>
     <a:masterClrMapping/>
@@ -1573,6 +1420,7 @@
               <a:rPr lang="zh-CN" altLang="en-US" noProof="1"/>
               <a:t>单击此处编辑母版标题样式</a:t>
             </a:r>
+            <a:endParaRPr lang="zh-CN" altLang="en-US" noProof="1"/>
           </a:p>
         </p:txBody>
       </p:sp>
@@ -1638,6 +1486,7 @@
               <a:rPr lang="zh-CN" altLang="en-US" noProof="1"/>
               <a:t>单击此处编辑母版文本样式</a:t>
             </a:r>
+            <a:endParaRPr lang="zh-CN" altLang="en-US" noProof="1"/>
           </a:p>
         </p:txBody>
       </p:sp>
@@ -1666,6 +1515,7 @@
               <a:rPr lang="zh-CN" altLang="en-US" noProof="1"/>
               <a:t>单击此处编辑母版文本样式</a:t>
             </a:r>
+            <a:endParaRPr lang="zh-CN" altLang="en-US" noProof="1"/>
           </a:p>
           <a:p>
             <a:pPr lvl="1"/>
@@ -1673,6 +1523,7 @@
               <a:rPr lang="zh-CN" altLang="en-US" noProof="1"/>
               <a:t>第二级</a:t>
             </a:r>
+            <a:endParaRPr lang="zh-CN" altLang="en-US" noProof="1"/>
           </a:p>
           <a:p>
             <a:pPr lvl="2"/>
@@ -1680,6 +1531,7 @@
               <a:rPr lang="zh-CN" altLang="en-US" noProof="1"/>
               <a:t>第三级</a:t>
             </a:r>
+            <a:endParaRPr lang="zh-CN" altLang="en-US" noProof="1"/>
           </a:p>
           <a:p>
             <a:pPr lvl="3"/>
@@ -1687,6 +1539,7 @@
               <a:rPr lang="zh-CN" altLang="en-US" noProof="1"/>
               <a:t>第四级</a:t>
             </a:r>
+            <a:endParaRPr lang="zh-CN" altLang="en-US" noProof="1"/>
           </a:p>
           <a:p>
             <a:pPr lvl="4"/>
@@ -1694,6 +1547,7 @@
               <a:rPr lang="zh-CN" altLang="en-US" noProof="1"/>
               <a:t>第五级</a:t>
             </a:r>
+            <a:endParaRPr lang="zh-CN" altLang="en-US" noProof="1"/>
           </a:p>
         </p:txBody>
       </p:sp>
@@ -1759,6 +1613,7 @@
               <a:rPr lang="zh-CN" altLang="en-US" noProof="1"/>
               <a:t>单击此处编辑母版文本样式</a:t>
             </a:r>
+            <a:endParaRPr lang="zh-CN" altLang="en-US" noProof="1"/>
           </a:p>
         </p:txBody>
       </p:sp>
@@ -1787,6 +1642,7 @@
               <a:rPr lang="zh-CN" altLang="en-US" noProof="1"/>
               <a:t>单击此处编辑母版文本样式</a:t>
             </a:r>
+            <a:endParaRPr lang="zh-CN" altLang="en-US" noProof="1"/>
           </a:p>
           <a:p>
             <a:pPr lvl="1"/>
@@ -1794,6 +1650,7 @@
               <a:rPr lang="zh-CN" altLang="en-US" noProof="1"/>
               <a:t>第二级</a:t>
             </a:r>
+            <a:endParaRPr lang="zh-CN" altLang="en-US" noProof="1"/>
           </a:p>
           <a:p>
             <a:pPr lvl="2"/>
@@ -1801,6 +1658,7 @@
               <a:rPr lang="zh-CN" altLang="en-US" noProof="1"/>
               <a:t>第三级</a:t>
             </a:r>
+            <a:endParaRPr lang="zh-CN" altLang="en-US" noProof="1"/>
           </a:p>
           <a:p>
             <a:pPr lvl="3"/>
@@ -1808,6 +1666,7 @@
               <a:rPr lang="zh-CN" altLang="en-US" noProof="1"/>
               <a:t>第四级</a:t>
             </a:r>
+            <a:endParaRPr lang="zh-CN" altLang="en-US" noProof="1"/>
           </a:p>
           <a:p>
             <a:pPr lvl="4"/>
@@ -1815,18 +1674,13 @@
               <a:rPr lang="zh-CN" altLang="en-US" noProof="1"/>
               <a:t>第五级</a:t>
             </a:r>
+            <a:endParaRPr lang="zh-CN" altLang="en-US" noProof="1"/>
           </a:p>
         </p:txBody>
       </p:sp>
       <p:sp>
         <p:nvSpPr>
-          <p:cNvPr id="7" name="日期占位符 1027">
-            <a:extLst>
-              <a:ext uri="{FF2B5EF4-FFF2-40B4-BE49-F238E27FC236}">
-                <a16:creationId xmlns:a16="http://schemas.microsoft.com/office/drawing/2014/main" id="{AB71A630-9B4E-A267-159B-D7B54EE55484}"/>
-              </a:ext>
-            </a:extLst>
-          </p:cNvPr>
+          <p:cNvPr id="7" name="日期占位符 1027"/>
           <p:cNvSpPr>
             <a:spLocks noGrp="1"/>
           </p:cNvSpPr>
@@ -1834,9 +1688,7 @@
             <p:ph type="dt" sz="half" idx="10"/>
           </p:nvPr>
         </p:nvSpPr>
-        <p:spPr>
-          <a:ln/>
-        </p:spPr>
+        <p:spPr/>
         <p:txBody>
           <a:bodyPr/>
           <a:lstStyle>
@@ -1851,13 +1703,7 @@
       </p:sp>
       <p:sp>
         <p:nvSpPr>
-          <p:cNvPr id="8" name="页脚占位符 1028">
-            <a:extLst>
-              <a:ext uri="{FF2B5EF4-FFF2-40B4-BE49-F238E27FC236}">
-                <a16:creationId xmlns:a16="http://schemas.microsoft.com/office/drawing/2014/main" id="{20C66434-8890-30F1-B4A7-547461127A10}"/>
-              </a:ext>
-            </a:extLst>
-          </p:cNvPr>
+          <p:cNvPr id="8" name="页脚占位符 1028"/>
           <p:cNvSpPr>
             <a:spLocks noGrp="1"/>
           </p:cNvSpPr>
@@ -1865,9 +1711,7 @@
             <p:ph type="ftr" sz="quarter" idx="11"/>
           </p:nvPr>
         </p:nvSpPr>
-        <p:spPr>
-          <a:ln/>
-        </p:spPr>
+        <p:spPr/>
         <p:txBody>
           <a:bodyPr/>
           <a:lstStyle>
@@ -1882,13 +1726,7 @@
       </p:sp>
       <p:sp>
         <p:nvSpPr>
-          <p:cNvPr id="9" name="灯片编号占位符 1029">
-            <a:extLst>
-              <a:ext uri="{FF2B5EF4-FFF2-40B4-BE49-F238E27FC236}">
-                <a16:creationId xmlns:a16="http://schemas.microsoft.com/office/drawing/2014/main" id="{49B2FA7B-B60B-B48E-C920-262500C9B804}"/>
-              </a:ext>
-            </a:extLst>
-          </p:cNvPr>
+          <p:cNvPr id="9" name="灯片编号占位符 1029"/>
           <p:cNvSpPr>
             <a:spLocks noGrp="1"/>
           </p:cNvSpPr>
@@ -1896,9 +1734,7 @@
             <p:ph type="sldNum" sz="quarter" idx="12"/>
           </p:nvPr>
         </p:nvSpPr>
-        <p:spPr>
-          <a:ln/>
-        </p:spPr>
+        <p:spPr/>
         <p:txBody>
           <a:bodyPr/>
           <a:lstStyle>
@@ -1909,19 +1745,12 @@
           <a:p>
             <a:fld id="{87A11D4D-DAFC-4B8F-8BF1-BA015E14D91B}" type="slidenum">
               <a:rPr lang="zh-CN" altLang="en-US"/>
-              <a:pPr/>
-              <a:t>‹#›</a:t>
             </a:fld>
             <a:endParaRPr lang="zh-CN" altLang="en-US"/>
           </a:p>
         </p:txBody>
       </p:sp>
     </p:spTree>
-    <p:extLst>
-      <p:ext uri="{BB962C8B-B14F-4D97-AF65-F5344CB8AC3E}">
-        <p14:creationId xmlns:p14="http://schemas.microsoft.com/office/powerpoint/2010/main" val="2747851164"/>
-      </p:ext>
-    </p:extLst>
   </p:cSld>
   <p:clrMapOvr>
     <a:masterClrMapping/>
@@ -1965,18 +1794,13 @@
               <a:rPr lang="zh-CN" altLang="en-US" noProof="1"/>
               <a:t>单击此处编辑母版标题样式</a:t>
             </a:r>
+            <a:endParaRPr lang="zh-CN" altLang="en-US" noProof="1"/>
           </a:p>
         </p:txBody>
       </p:sp>
       <p:sp>
         <p:nvSpPr>
-          <p:cNvPr id="3" name="日期占位符 1027">
-            <a:extLst>
-              <a:ext uri="{FF2B5EF4-FFF2-40B4-BE49-F238E27FC236}">
-                <a16:creationId xmlns:a16="http://schemas.microsoft.com/office/drawing/2014/main" id="{863F3A3D-7E4D-3812-C25A-59E42B94AEE7}"/>
-              </a:ext>
-            </a:extLst>
-          </p:cNvPr>
+          <p:cNvPr id="3" name="日期占位符 1027"/>
           <p:cNvSpPr>
             <a:spLocks noGrp="1"/>
           </p:cNvSpPr>
@@ -1984,9 +1808,7 @@
             <p:ph type="dt" sz="half" idx="10"/>
           </p:nvPr>
         </p:nvSpPr>
-        <p:spPr>
-          <a:ln/>
-        </p:spPr>
+        <p:spPr/>
         <p:txBody>
           <a:bodyPr/>
           <a:lstStyle>
@@ -2001,13 +1823,7 @@
       </p:sp>
       <p:sp>
         <p:nvSpPr>
-          <p:cNvPr id="4" name="页脚占位符 1028">
-            <a:extLst>
-              <a:ext uri="{FF2B5EF4-FFF2-40B4-BE49-F238E27FC236}">
-                <a16:creationId xmlns:a16="http://schemas.microsoft.com/office/drawing/2014/main" id="{7A5BD2FE-4DA9-BE0E-C93E-095D94240697}"/>
-              </a:ext>
-            </a:extLst>
-          </p:cNvPr>
+          <p:cNvPr id="4" name="页脚占位符 1028"/>
           <p:cNvSpPr>
             <a:spLocks noGrp="1"/>
           </p:cNvSpPr>
@@ -2015,9 +1831,7 @@
             <p:ph type="ftr" sz="quarter" idx="11"/>
           </p:nvPr>
         </p:nvSpPr>
-        <p:spPr>
-          <a:ln/>
-        </p:spPr>
+        <p:spPr/>
         <p:txBody>
           <a:bodyPr/>
           <a:lstStyle>
@@ -2032,13 +1846,7 @@
       </p:sp>
       <p:sp>
         <p:nvSpPr>
-          <p:cNvPr id="5" name="灯片编号占位符 1029">
-            <a:extLst>
-              <a:ext uri="{FF2B5EF4-FFF2-40B4-BE49-F238E27FC236}">
-                <a16:creationId xmlns:a16="http://schemas.microsoft.com/office/drawing/2014/main" id="{4E6EAD42-447D-3AF1-F1B8-C9D58C33B85B}"/>
-              </a:ext>
-            </a:extLst>
-          </p:cNvPr>
+          <p:cNvPr id="5" name="灯片编号占位符 1029"/>
           <p:cNvSpPr>
             <a:spLocks noGrp="1"/>
           </p:cNvSpPr>
@@ -2046,9 +1854,7 @@
             <p:ph type="sldNum" sz="quarter" idx="12"/>
           </p:nvPr>
         </p:nvSpPr>
-        <p:spPr>
-          <a:ln/>
-        </p:spPr>
+        <p:spPr/>
         <p:txBody>
           <a:bodyPr/>
           <a:lstStyle>
@@ -2059,19 +1865,12 @@
           <a:p>
             <a:fld id="{09CD5A2B-CBB2-4BB0-9485-6A3A40199849}" type="slidenum">
               <a:rPr lang="zh-CN" altLang="en-US"/>
-              <a:pPr/>
-              <a:t>‹#›</a:t>
             </a:fld>
             <a:endParaRPr lang="zh-CN" altLang="en-US"/>
           </a:p>
         </p:txBody>
       </p:sp>
     </p:spTree>
-    <p:extLst>
-      <p:ext uri="{BB962C8B-B14F-4D97-AF65-F5344CB8AC3E}">
-        <p14:creationId xmlns:p14="http://schemas.microsoft.com/office/powerpoint/2010/main" val="2173580569"/>
-      </p:ext>
-    </p:extLst>
   </p:cSld>
   <p:clrMapOvr>
     <a:masterClrMapping/>
@@ -2098,13 +1897,7 @@
       </p:grpSpPr>
       <p:sp>
         <p:nvSpPr>
-          <p:cNvPr id="2" name="日期占位符 1027">
-            <a:extLst>
-              <a:ext uri="{FF2B5EF4-FFF2-40B4-BE49-F238E27FC236}">
-                <a16:creationId xmlns:a16="http://schemas.microsoft.com/office/drawing/2014/main" id="{CC0ADEF6-C15F-4D65-4883-6467CE93197B}"/>
-              </a:ext>
-            </a:extLst>
-          </p:cNvPr>
+          <p:cNvPr id="2" name="日期占位符 1027"/>
           <p:cNvSpPr>
             <a:spLocks noGrp="1"/>
           </p:cNvSpPr>
@@ -2112,9 +1905,7 @@
             <p:ph type="dt" sz="half" idx="10"/>
           </p:nvPr>
         </p:nvSpPr>
-        <p:spPr>
-          <a:ln/>
-        </p:spPr>
+        <p:spPr/>
         <p:txBody>
           <a:bodyPr/>
           <a:lstStyle>
@@ -2129,13 +1920,7 @@
       </p:sp>
       <p:sp>
         <p:nvSpPr>
-          <p:cNvPr id="3" name="页脚占位符 1028">
-            <a:extLst>
-              <a:ext uri="{FF2B5EF4-FFF2-40B4-BE49-F238E27FC236}">
-                <a16:creationId xmlns:a16="http://schemas.microsoft.com/office/drawing/2014/main" id="{3D2BAD82-21E5-2DE9-7420-BA83BF7B9DBA}"/>
-              </a:ext>
-            </a:extLst>
-          </p:cNvPr>
+          <p:cNvPr id="3" name="页脚占位符 1028"/>
           <p:cNvSpPr>
             <a:spLocks noGrp="1"/>
           </p:cNvSpPr>
@@ -2143,9 +1928,7 @@
             <p:ph type="ftr" sz="quarter" idx="11"/>
           </p:nvPr>
         </p:nvSpPr>
-        <p:spPr>
-          <a:ln/>
-        </p:spPr>
+        <p:spPr/>
         <p:txBody>
           <a:bodyPr/>
           <a:lstStyle>
@@ -2160,13 +1943,7 @@
       </p:sp>
       <p:sp>
         <p:nvSpPr>
-          <p:cNvPr id="4" name="灯片编号占位符 1029">
-            <a:extLst>
-              <a:ext uri="{FF2B5EF4-FFF2-40B4-BE49-F238E27FC236}">
-                <a16:creationId xmlns:a16="http://schemas.microsoft.com/office/drawing/2014/main" id="{07C42AC0-0499-7E80-A25F-A1705724D045}"/>
-              </a:ext>
-            </a:extLst>
-          </p:cNvPr>
+          <p:cNvPr id="4" name="灯片编号占位符 1029"/>
           <p:cNvSpPr>
             <a:spLocks noGrp="1"/>
           </p:cNvSpPr>
@@ -2174,9 +1951,7 @@
             <p:ph type="sldNum" sz="quarter" idx="12"/>
           </p:nvPr>
         </p:nvSpPr>
-        <p:spPr>
-          <a:ln/>
-        </p:spPr>
+        <p:spPr/>
         <p:txBody>
           <a:bodyPr/>
           <a:lstStyle>
@@ -2187,19 +1962,12 @@
           <a:p>
             <a:fld id="{809C3216-3C8A-4B56-BC8B-8424E37A4759}" type="slidenum">
               <a:rPr lang="zh-CN" altLang="en-US"/>
-              <a:pPr/>
-              <a:t>‹#›</a:t>
             </a:fld>
             <a:endParaRPr lang="zh-CN" altLang="en-US"/>
           </a:p>
         </p:txBody>
       </p:sp>
     </p:spTree>
-    <p:extLst>
-      <p:ext uri="{BB962C8B-B14F-4D97-AF65-F5344CB8AC3E}">
-        <p14:creationId xmlns:p14="http://schemas.microsoft.com/office/powerpoint/2010/main" val="2312470145"/>
-      </p:ext>
-    </p:extLst>
   </p:cSld>
   <p:clrMapOvr>
     <a:masterClrMapping/>
@@ -2252,6 +2020,7 @@
               <a:rPr lang="zh-CN" altLang="en-US" noProof="1"/>
               <a:t>单击此处编辑母版标题样式</a:t>
             </a:r>
+            <a:endParaRPr lang="zh-CN" altLang="en-US" noProof="1"/>
           </a:p>
         </p:txBody>
       </p:sp>
@@ -2308,6 +2077,7 @@
               <a:rPr lang="zh-CN" altLang="en-US" noProof="1"/>
               <a:t>单击此处编辑母版文本样式</a:t>
             </a:r>
+            <a:endParaRPr lang="zh-CN" altLang="en-US" noProof="1"/>
           </a:p>
           <a:p>
             <a:pPr lvl="1"/>
@@ -2315,6 +2085,7 @@
               <a:rPr lang="zh-CN" altLang="en-US" noProof="1"/>
               <a:t>第二级</a:t>
             </a:r>
+            <a:endParaRPr lang="zh-CN" altLang="en-US" noProof="1"/>
           </a:p>
           <a:p>
             <a:pPr lvl="2"/>
@@ -2322,6 +2093,7 @@
               <a:rPr lang="zh-CN" altLang="en-US" noProof="1"/>
               <a:t>第三级</a:t>
             </a:r>
+            <a:endParaRPr lang="zh-CN" altLang="en-US" noProof="1"/>
           </a:p>
           <a:p>
             <a:pPr lvl="3"/>
@@ -2329,6 +2101,7 @@
               <a:rPr lang="zh-CN" altLang="en-US" noProof="1"/>
               <a:t>第四级</a:t>
             </a:r>
+            <a:endParaRPr lang="zh-CN" altLang="en-US" noProof="1"/>
           </a:p>
           <a:p>
             <a:pPr lvl="4"/>
@@ -2336,6 +2109,7 @@
               <a:rPr lang="zh-CN" altLang="en-US" noProof="1"/>
               <a:t>第五级</a:t>
             </a:r>
+            <a:endParaRPr lang="zh-CN" altLang="en-US" noProof="1"/>
           </a:p>
         </p:txBody>
       </p:sp>
@@ -2401,18 +2175,13 @@
               <a:rPr lang="zh-CN" altLang="en-US" noProof="1"/>
               <a:t>单击此处编辑母版文本样式</a:t>
             </a:r>
+            <a:endParaRPr lang="zh-CN" altLang="en-US" noProof="1"/>
           </a:p>
         </p:txBody>
       </p:sp>
       <p:sp>
         <p:nvSpPr>
-          <p:cNvPr id="5" name="日期占位符 1027">
-            <a:extLst>
-              <a:ext uri="{FF2B5EF4-FFF2-40B4-BE49-F238E27FC236}">
-                <a16:creationId xmlns:a16="http://schemas.microsoft.com/office/drawing/2014/main" id="{40A1A1FC-88B2-665C-B092-4ED5538A8095}"/>
-              </a:ext>
-            </a:extLst>
-          </p:cNvPr>
+          <p:cNvPr id="5" name="日期占位符 1027"/>
           <p:cNvSpPr>
             <a:spLocks noGrp="1"/>
           </p:cNvSpPr>
@@ -2420,9 +2189,7 @@
             <p:ph type="dt" sz="half" idx="10"/>
           </p:nvPr>
         </p:nvSpPr>
-        <p:spPr>
-          <a:ln/>
-        </p:spPr>
+        <p:spPr/>
         <p:txBody>
           <a:bodyPr/>
           <a:lstStyle>
@@ -2437,13 +2204,7 @@
       </p:sp>
       <p:sp>
         <p:nvSpPr>
-          <p:cNvPr id="6" name="页脚占位符 1028">
-            <a:extLst>
-              <a:ext uri="{FF2B5EF4-FFF2-40B4-BE49-F238E27FC236}">
-                <a16:creationId xmlns:a16="http://schemas.microsoft.com/office/drawing/2014/main" id="{4E14E767-6174-4752-C3F9-59C5C13A2C6F}"/>
-              </a:ext>
-            </a:extLst>
-          </p:cNvPr>
+          <p:cNvPr id="6" name="页脚占位符 1028"/>
           <p:cNvSpPr>
             <a:spLocks noGrp="1"/>
           </p:cNvSpPr>
@@ -2451,9 +2212,7 @@
             <p:ph type="ftr" sz="quarter" idx="11"/>
           </p:nvPr>
         </p:nvSpPr>
-        <p:spPr>
-          <a:ln/>
-        </p:spPr>
+        <p:spPr/>
         <p:txBody>
           <a:bodyPr/>
           <a:lstStyle>
@@ -2468,13 +2227,7 @@
       </p:sp>
       <p:sp>
         <p:nvSpPr>
-          <p:cNvPr id="7" name="灯片编号占位符 1029">
-            <a:extLst>
-              <a:ext uri="{FF2B5EF4-FFF2-40B4-BE49-F238E27FC236}">
-                <a16:creationId xmlns:a16="http://schemas.microsoft.com/office/drawing/2014/main" id="{DC70026F-13AC-184B-2449-1C0BBD7ABB77}"/>
-              </a:ext>
-            </a:extLst>
-          </p:cNvPr>
+          <p:cNvPr id="7" name="灯片编号占位符 1029"/>
           <p:cNvSpPr>
             <a:spLocks noGrp="1"/>
           </p:cNvSpPr>
@@ -2482,9 +2235,7 @@
             <p:ph type="sldNum" sz="quarter" idx="12"/>
           </p:nvPr>
         </p:nvSpPr>
-        <p:spPr>
-          <a:ln/>
-        </p:spPr>
+        <p:spPr/>
         <p:txBody>
           <a:bodyPr/>
           <a:lstStyle>
@@ -2495,19 +2246,12 @@
           <a:p>
             <a:fld id="{2E7DBC98-20CE-4767-BAAE-912D3048A5DC}" type="slidenum">
               <a:rPr lang="zh-CN" altLang="en-US"/>
-              <a:pPr/>
-              <a:t>‹#›</a:t>
             </a:fld>
             <a:endParaRPr lang="zh-CN" altLang="en-US"/>
           </a:p>
         </p:txBody>
       </p:sp>
     </p:spTree>
-    <p:extLst>
-      <p:ext uri="{BB962C8B-B14F-4D97-AF65-F5344CB8AC3E}">
-        <p14:creationId xmlns:p14="http://schemas.microsoft.com/office/powerpoint/2010/main" val="2069838241"/>
-      </p:ext>
-    </p:extLst>
   </p:cSld>
   <p:clrMapOvr>
     <a:masterClrMapping/>
@@ -2560,6 +2304,7 @@
               <a:rPr lang="zh-CN" altLang="en-US" noProof="1"/>
               <a:t>单击此处编辑母版标题样式</a:t>
             </a:r>
+            <a:endParaRPr lang="zh-CN" altLang="en-US" noProof="1"/>
           </a:p>
         </p:txBody>
       </p:sp>
@@ -2686,18 +2431,13 @@
               <a:rPr lang="zh-CN" altLang="en-US" noProof="1"/>
               <a:t>单击此处编辑母版文本样式</a:t>
             </a:r>
+            <a:endParaRPr lang="zh-CN" altLang="en-US" noProof="1"/>
           </a:p>
         </p:txBody>
       </p:sp>
       <p:sp>
         <p:nvSpPr>
-          <p:cNvPr id="5" name="日期占位符 1027">
-            <a:extLst>
-              <a:ext uri="{FF2B5EF4-FFF2-40B4-BE49-F238E27FC236}">
-                <a16:creationId xmlns:a16="http://schemas.microsoft.com/office/drawing/2014/main" id="{C6F1BE77-DC31-80F1-D286-BCECC72AA278}"/>
-              </a:ext>
-            </a:extLst>
-          </p:cNvPr>
+          <p:cNvPr id="5" name="日期占位符 1027"/>
           <p:cNvSpPr>
             <a:spLocks noGrp="1"/>
           </p:cNvSpPr>
@@ -2705,9 +2445,7 @@
             <p:ph type="dt" sz="half" idx="10"/>
           </p:nvPr>
         </p:nvSpPr>
-        <p:spPr>
-          <a:ln/>
-        </p:spPr>
+        <p:spPr/>
         <p:txBody>
           <a:bodyPr/>
           <a:lstStyle>
@@ -2722,13 +2460,7 @@
       </p:sp>
       <p:sp>
         <p:nvSpPr>
-          <p:cNvPr id="6" name="页脚占位符 1028">
-            <a:extLst>
-              <a:ext uri="{FF2B5EF4-FFF2-40B4-BE49-F238E27FC236}">
-                <a16:creationId xmlns:a16="http://schemas.microsoft.com/office/drawing/2014/main" id="{E55EE128-A117-D299-8F1D-5B98FC9B4D99}"/>
-              </a:ext>
-            </a:extLst>
-          </p:cNvPr>
+          <p:cNvPr id="6" name="页脚占位符 1028"/>
           <p:cNvSpPr>
             <a:spLocks noGrp="1"/>
           </p:cNvSpPr>
@@ -2736,9 +2468,7 @@
             <p:ph type="ftr" sz="quarter" idx="11"/>
           </p:nvPr>
         </p:nvSpPr>
-        <p:spPr>
-          <a:ln/>
-        </p:spPr>
+        <p:spPr/>
         <p:txBody>
           <a:bodyPr/>
           <a:lstStyle>
@@ -2753,13 +2483,7 @@
       </p:sp>
       <p:sp>
         <p:nvSpPr>
-          <p:cNvPr id="7" name="灯片编号占位符 1029">
-            <a:extLst>
-              <a:ext uri="{FF2B5EF4-FFF2-40B4-BE49-F238E27FC236}">
-                <a16:creationId xmlns:a16="http://schemas.microsoft.com/office/drawing/2014/main" id="{9C8BD075-BB77-3C0E-2242-03F7A0D43CA5}"/>
-              </a:ext>
-            </a:extLst>
-          </p:cNvPr>
+          <p:cNvPr id="7" name="灯片编号占位符 1029"/>
           <p:cNvSpPr>
             <a:spLocks noGrp="1"/>
           </p:cNvSpPr>
@@ -2767,9 +2491,7 @@
             <p:ph type="sldNum" sz="quarter" idx="12"/>
           </p:nvPr>
         </p:nvSpPr>
-        <p:spPr>
-          <a:ln/>
-        </p:spPr>
+        <p:spPr/>
         <p:txBody>
           <a:bodyPr/>
           <a:lstStyle>
@@ -2780,19 +2502,12 @@
           <a:p>
             <a:fld id="{A5F54967-052C-480B-81EB-0146E380C87A}" type="slidenum">
               <a:rPr lang="zh-CN" altLang="en-US"/>
-              <a:pPr/>
-              <a:t>‹#›</a:t>
             </a:fld>
             <a:endParaRPr lang="zh-CN" altLang="en-US"/>
           </a:p>
         </p:txBody>
       </p:sp>
     </p:spTree>
-    <p:extLst>
-      <p:ext uri="{BB962C8B-B14F-4D97-AF65-F5344CB8AC3E}">
-        <p14:creationId xmlns:p14="http://schemas.microsoft.com/office/powerpoint/2010/main" val="7483123"/>
-      </p:ext>
-    </p:extLst>
   </p:cSld>
   <p:clrMapOvr>
     <a:masterClrMapping/>
@@ -2827,13 +2542,7 @@
       </p:grpSpPr>
       <p:sp>
         <p:nvSpPr>
-          <p:cNvPr id="1026" name="标题 1025">
-            <a:extLst>
-              <a:ext uri="{FF2B5EF4-FFF2-40B4-BE49-F238E27FC236}">
-                <a16:creationId xmlns:a16="http://schemas.microsoft.com/office/drawing/2014/main" id="{C1412C0A-02EC-5F0D-46EC-F73CE7C98798}"/>
-              </a:ext>
-            </a:extLst>
-          </p:cNvPr>
+          <p:cNvPr id="1026" name="标题 1025"/>
           <p:cNvSpPr>
             <a:spLocks noGrp="1"/>
           </p:cNvSpPr>
@@ -2863,18 +2572,13 @@
               <a:rPr lang="zh-CN" altLang="en-US" noProof="1"/>
               <a:t>单击此处编辑母版标题样式</a:t>
             </a:r>
+            <a:endParaRPr lang="zh-CN" altLang="en-US" noProof="1"/>
           </a:p>
         </p:txBody>
       </p:sp>
       <p:sp>
         <p:nvSpPr>
-          <p:cNvPr id="1027" name="文本占位符 1026">
-            <a:extLst>
-              <a:ext uri="{FF2B5EF4-FFF2-40B4-BE49-F238E27FC236}">
-                <a16:creationId xmlns:a16="http://schemas.microsoft.com/office/drawing/2014/main" id="{DE73BCFB-B22B-02C4-BB61-71203D538926}"/>
-              </a:ext>
-            </a:extLst>
-          </p:cNvPr>
+          <p:cNvPr id="1027" name="文本占位符 1026"/>
           <p:cNvSpPr>
             <a:spLocks noGrp="1"/>
           </p:cNvSpPr>
@@ -2904,6 +2608,7 @@
               <a:rPr lang="zh-CN" altLang="en-US" noProof="1"/>
               <a:t>单击此处编辑母版文本样式</a:t>
             </a:r>
+            <a:endParaRPr lang="zh-CN" altLang="en-US" noProof="1"/>
           </a:p>
           <a:p>
             <a:pPr lvl="1"/>
@@ -2911,6 +2616,7 @@
               <a:rPr lang="zh-CN" altLang="en-US" noProof="1"/>
               <a:t>第二级</a:t>
             </a:r>
+            <a:endParaRPr lang="zh-CN" altLang="en-US" noProof="1"/>
           </a:p>
           <a:p>
             <a:pPr lvl="2"/>
@@ -2918,6 +2624,7 @@
               <a:rPr lang="zh-CN" altLang="en-US" noProof="1"/>
               <a:t>第三级</a:t>
             </a:r>
+            <a:endParaRPr lang="zh-CN" altLang="en-US" noProof="1"/>
           </a:p>
           <a:p>
             <a:pPr lvl="3"/>
@@ -2925,6 +2632,7 @@
               <a:rPr lang="zh-CN" altLang="en-US" noProof="1"/>
               <a:t>第四级</a:t>
             </a:r>
+            <a:endParaRPr lang="zh-CN" altLang="en-US" noProof="1"/>
           </a:p>
           <a:p>
             <a:pPr lvl="4"/>
@@ -2932,18 +2640,13 @@
               <a:rPr lang="zh-CN" altLang="en-US" noProof="1"/>
               <a:t>第五级</a:t>
             </a:r>
+            <a:endParaRPr lang="zh-CN" altLang="en-US" noProof="1"/>
           </a:p>
         </p:txBody>
       </p:sp>
       <p:sp>
         <p:nvSpPr>
-          <p:cNvPr id="1028" name="日期占位符 1027">
-            <a:extLst>
-              <a:ext uri="{FF2B5EF4-FFF2-40B4-BE49-F238E27FC236}">
-                <a16:creationId xmlns:a16="http://schemas.microsoft.com/office/drawing/2014/main" id="{7CD8FE20-7515-329F-D442-AE848AB8D9AA}"/>
-              </a:ext>
-            </a:extLst>
-          </p:cNvPr>
+          <p:cNvPr id="1028" name="日期占位符 1027"/>
           <p:cNvSpPr>
             <a:spLocks noGrp="1"/>
           </p:cNvSpPr>
@@ -2978,13 +2681,7 @@
       </p:sp>
       <p:sp>
         <p:nvSpPr>
-          <p:cNvPr id="1029" name="页脚占位符 1028">
-            <a:extLst>
-              <a:ext uri="{FF2B5EF4-FFF2-40B4-BE49-F238E27FC236}">
-                <a16:creationId xmlns:a16="http://schemas.microsoft.com/office/drawing/2014/main" id="{0F2F6811-1221-24E9-9927-DB99561B9474}"/>
-              </a:ext>
-            </a:extLst>
-          </p:cNvPr>
+          <p:cNvPr id="1029" name="页脚占位符 1028"/>
           <p:cNvSpPr>
             <a:spLocks noGrp="1"/>
           </p:cNvSpPr>
@@ -3019,13 +2716,7 @@
       </p:sp>
       <p:sp>
         <p:nvSpPr>
-          <p:cNvPr id="1030" name="灯片编号占位符 1029">
-            <a:extLst>
-              <a:ext uri="{FF2B5EF4-FFF2-40B4-BE49-F238E27FC236}">
-                <a16:creationId xmlns:a16="http://schemas.microsoft.com/office/drawing/2014/main" id="{866D1818-F7C7-FFEB-E3FB-851D1AA1FE9D}"/>
-              </a:ext>
-            </a:extLst>
-          </p:cNvPr>
+          <p:cNvPr id="1030" name="灯片编号占位符 1029"/>
           <p:cNvSpPr>
             <a:spLocks noGrp="1"/>
           </p:cNvSpPr>
@@ -3047,11 +2738,7 @@
           </a:ln>
         </p:spPr>
         <p:txBody>
-          <a:bodyPr vert="horz" wrap="square" lIns="91440" tIns="45720" rIns="91440" bIns="45720" numCol="1" anchor="t" anchorCtr="0" compatLnSpc="1">
-            <a:prstTxWarp prst="textNoShape">
-              <a:avLst/>
-            </a:prstTxWarp>
-          </a:bodyPr>
+          <a:bodyPr vert="horz" wrap="square" lIns="91440" tIns="45720" rIns="91440" bIns="45720" numCol="1" anchor="t" anchorCtr="0" compatLnSpc="1"/>
           <a:lstStyle>
             <a:lvl1pPr algn="r">
               <a:defRPr sz="700"/>
@@ -3060,8 +2747,6 @@
           <a:p>
             <a:fld id="{37A04C04-47FB-458E-91F1-D4B3D651580F}" type="slidenum">
               <a:rPr lang="zh-CN" altLang="en-US"/>
-              <a:pPr/>
-              <a:t>‹#›</a:t>
             </a:fld>
             <a:endParaRPr lang="zh-CN" altLang="en-US"/>
           </a:p>
@@ -3071,17 +2756,17 @@
   </p:cSld>
   <p:clrMap bg1="lt1" tx1="dk1" bg2="lt2" tx2="dk2" accent1="accent1" accent2="accent2" accent3="accent3" accent4="accent4" accent5="accent5" accent6="accent6" hlink="hlink" folHlink="folHlink"/>
   <p:sldLayoutIdLst>
-    <p:sldLayoutId id="2147483659" r:id="rId1"/>
-    <p:sldLayoutId id="2147483658" r:id="rId2"/>
-    <p:sldLayoutId id="2147483657" r:id="rId3"/>
-    <p:sldLayoutId id="2147483656" r:id="rId4"/>
-    <p:sldLayoutId id="2147483655" r:id="rId5"/>
+    <p:sldLayoutId id="2147483649" r:id="rId1"/>
+    <p:sldLayoutId id="2147483650" r:id="rId2"/>
+    <p:sldLayoutId id="2147483651" r:id="rId3"/>
+    <p:sldLayoutId id="2147483652" r:id="rId4"/>
+    <p:sldLayoutId id="2147483653" r:id="rId5"/>
     <p:sldLayoutId id="2147483654" r:id="rId6"/>
-    <p:sldLayoutId id="2147483653" r:id="rId7"/>
-    <p:sldLayoutId id="2147483652" r:id="rId8"/>
-    <p:sldLayoutId id="2147483651" r:id="rId9"/>
-    <p:sldLayoutId id="2147483650" r:id="rId10"/>
-    <p:sldLayoutId id="2147483649" r:id="rId11"/>
+    <p:sldLayoutId id="2147483655" r:id="rId7"/>
+    <p:sldLayoutId id="2147483656" r:id="rId8"/>
+    <p:sldLayoutId id="2147483657" r:id="rId9"/>
+    <p:sldLayoutId id="2147483658" r:id="rId10"/>
+    <p:sldLayoutId id="2147483659" r:id="rId11"/>
   </p:sldLayoutIdLst>
   <p:txStyles>
     <p:titleStyle>
@@ -3223,7 +2908,7 @@
       </a:lvl9pPr>
     </p:titleStyle>
     <p:bodyStyle>
-      <a:lvl1pPr marL="179388" indent="-179388" algn="l" defTabSz="479425" rtl="0" fontAlgn="base">
+      <a:lvl1pPr marL="179705" indent="-179705" algn="l" defTabSz="479425" rtl="0" fontAlgn="base">
         <a:spcBef>
           <a:spcPts val="50"/>
         </a:spcBef>
@@ -3240,7 +2925,7 @@
           <a:cs typeface="+mn-cs"/>
         </a:defRPr>
       </a:lvl1pPr>
-      <a:lvl2pPr marL="390525" lvl="1" indent="-150813" algn="l" defTabSz="479425" rtl="0" fontAlgn="base">
+      <a:lvl2pPr marL="390525" lvl="1" indent="-151130" algn="l" defTabSz="479425" rtl="0" fontAlgn="base">
         <a:spcBef>
           <a:spcPts val="50"/>
         </a:spcBef>
@@ -3274,7 +2959,7 @@
           <a:cs typeface="+mn-cs"/>
         </a:defRPr>
       </a:lvl3pPr>
-      <a:lvl4pPr marL="839788" lvl="3" indent="-119063" algn="l" defTabSz="479425" rtl="0" fontAlgn="base">
+      <a:lvl4pPr marL="840105" lvl="3" indent="-119380" algn="l" defTabSz="479425" rtl="0" fontAlgn="base">
         <a:spcBef>
           <a:spcPts val="50"/>
         </a:spcBef>
@@ -3291,7 +2976,7 @@
           <a:cs typeface="+mn-cs"/>
         </a:defRPr>
       </a:lvl4pPr>
-      <a:lvl5pPr marL="1081088" lvl="4" indent="-120650" algn="l" defTabSz="479425" rtl="0" fontAlgn="base">
+      <a:lvl5pPr marL="1081405" lvl="4" indent="-120650" algn="l" defTabSz="479425" rtl="0" fontAlgn="base">
         <a:spcBef>
           <a:spcPts val="50"/>
         </a:spcBef>
@@ -3594,13 +3279,7 @@
       </p:grpSpPr>
       <p:sp>
         <p:nvSpPr>
-          <p:cNvPr id="2049" name="文本框 9">
-            <a:extLst>
-              <a:ext uri="{FF2B5EF4-FFF2-40B4-BE49-F238E27FC236}">
-                <a16:creationId xmlns:a16="http://schemas.microsoft.com/office/drawing/2014/main" id="{17B0940E-D20E-BB60-3724-00FD0874FCBD}"/>
-              </a:ext>
-            </a:extLst>
-          </p:cNvPr>
+          <p:cNvPr id="2049" name="文本框 9"/>
           <p:cNvSpPr txBox="1">
             <a:spLocks noChangeArrowheads="1"/>
           </p:cNvSpPr>
@@ -3649,6 +3328,7 @@
               <a:rPr lang="en-US" altLang="zh-CN" dirty="0"/>
               <a:t>update queue</a:t>
             </a:r>
+            <a:endParaRPr lang="en-US" altLang="zh-CN" dirty="0"/>
           </a:p>
         </p:txBody>
       </p:sp>
@@ -3656,13 +3336,7 @@
         <mc:Choice xmlns:a14="http://schemas.microsoft.com/office/drawing/2010/main" Requires="a14">
           <p:sp>
             <p:nvSpPr>
-              <p:cNvPr id="12" name="矩形 11">
-                <a:extLst>
-                  <a:ext uri="{FF2B5EF4-FFF2-40B4-BE49-F238E27FC236}">
-                    <a16:creationId xmlns:a16="http://schemas.microsoft.com/office/drawing/2014/main" id="{CA819079-8AE5-5A36-C442-44BE3D44C970}"/>
-                  </a:ext>
-                </a:extLst>
-              </p:cNvPr>
+              <p:cNvPr id="12" name="矩形 11"/>
               <p:cNvSpPr/>
               <p:nvPr/>
             </p:nvSpPr>
@@ -3713,7 +3387,7 @@
                       <m:sSub>
                         <m:sSubPr>
                           <m:ctrlPr>
-                            <a:rPr lang="en-US" altLang="zh-CN" sz="1600" i="1" noProof="1">
+                            <a:rPr lang="en-US" altLang="zh-CN" sz="1800" i="1" noProof="1">
                               <a:solidFill>
                                 <a:schemeClr val="tx1"/>
                               </a:solidFill>
@@ -3723,7 +3397,7 @@
                         </m:sSubPr>
                         <m:e>
                           <m:r>
-                            <a:rPr lang="en-US" altLang="zh-CN" sz="1600" i="1" noProof="1">
+                            <a:rPr lang="en-US" altLang="zh-CN" sz="1800" i="1" noProof="1">
                               <a:solidFill>
                                 <a:schemeClr val="tx1"/>
                               </a:solidFill>
@@ -3734,7 +3408,7 @@
                         </m:e>
                         <m:sub>
                           <m:r>
-                            <a:rPr lang="en-US" altLang="zh-CN" sz="1600" i="1" noProof="1">
+                            <a:rPr lang="en-US" altLang="zh-CN" sz="1800" i="1" noProof="1">
                               <a:solidFill>
                                 <a:schemeClr val="tx1"/>
                               </a:solidFill>
@@ -3747,10 +3421,11 @@
                     </m:oMath>
                   </m:oMathPara>
                 </a14:m>
-                <a:endParaRPr lang="en-US" altLang="zh-CN" sz="1600" baseline="-25000" noProof="1">
+                <a:endParaRPr lang="en-US" altLang="zh-CN" sz="1800" i="1" baseline="-25000" noProof="1">
                   <a:solidFill>
                     <a:schemeClr val="tx1"/>
                   </a:solidFill>
+                  <a:latin typeface="Cambria Math" panose="02040503050406030204" pitchFamily="18" charset="0"/>
                 </a:endParaRPr>
               </a:p>
             </p:txBody>
@@ -3759,13 +3434,7 @@
         <mc:Fallback>
           <p:sp>
             <p:nvSpPr>
-              <p:cNvPr id="12" name="矩形 11">
-                <a:extLst>
-                  <a:ext uri="{FF2B5EF4-FFF2-40B4-BE49-F238E27FC236}">
-                    <a16:creationId xmlns:a16="http://schemas.microsoft.com/office/drawing/2014/main" id="{CA819079-8AE5-5A36-C442-44BE3D44C970}"/>
-                  </a:ext>
-                </a:extLst>
-              </p:cNvPr>
+              <p:cNvPr id="12" name="矩形 11"/>
               <p:cNvSpPr>
                 <a:spLocks noRot="1" noChangeAspect="1" noMove="1" noResize="1" noEditPoints="1" noAdjustHandles="1" noChangeArrowheads="1" noChangeShapeType="1" noTextEdit="1"/>
               </p:cNvSpPr>
@@ -3779,10 +3448,10 @@
               <a:prstGeom prst="rect">
                 <a:avLst/>
               </a:prstGeom>
-              <a:blipFill>
-                <a:blip r:embed="rId3"/>
+              <a:blipFill rotWithShape="1">
+                <a:blip r:embed="rId1"/>
                 <a:stretch>
-                  <a:fillRect/>
+                  <a:fillRect l="-3134" t="-3006" r="-2836" b="-2964"/>
                 </a:stretch>
               </a:blipFill>
               <a:ln w="25400">
@@ -3791,6 +3460,22 @@
                 </a:solidFill>
               </a:ln>
             </p:spPr>
+            <p:style>
+              <a:lnRef idx="2">
+                <a:schemeClr val="accent1">
+                  <a:shade val="50000"/>
+                </a:schemeClr>
+              </a:lnRef>
+              <a:fillRef idx="1">
+                <a:schemeClr val="accent1"/>
+              </a:fillRef>
+              <a:effectRef idx="0">
+                <a:schemeClr val="accent1"/>
+              </a:effectRef>
+              <a:fontRef idx="minor">
+                <a:schemeClr val="lt1"/>
+              </a:fontRef>
+            </p:style>
             <p:txBody>
               <a:bodyPr/>
               <a:lstStyle/>
@@ -3810,13 +3495,7 @@
         <mc:Choice xmlns:a14="http://schemas.microsoft.com/office/drawing/2010/main" Requires="a14">
           <p:sp>
             <p:nvSpPr>
-              <p:cNvPr id="13" name="矩形 12">
-                <a:extLst>
-                  <a:ext uri="{FF2B5EF4-FFF2-40B4-BE49-F238E27FC236}">
-                    <a16:creationId xmlns:a16="http://schemas.microsoft.com/office/drawing/2014/main" id="{840C7D9E-5924-4D98-DE83-63EF68B0B873}"/>
-                  </a:ext>
-                </a:extLst>
-              </p:cNvPr>
+              <p:cNvPr id="13" name="矩形 12"/>
               <p:cNvSpPr/>
               <p:nvPr/>
             </p:nvSpPr>
@@ -3867,7 +3546,7 @@
                       <m:sSub>
                         <m:sSubPr>
                           <m:ctrlPr>
-                            <a:rPr lang="en-US" altLang="zh-CN" sz="1600" i="1" noProof="1">
+                            <a:rPr lang="en-US" altLang="zh-CN" sz="1800" i="1" noProof="1">
                               <a:solidFill>
                                 <a:schemeClr val="tx1"/>
                               </a:solidFill>
@@ -3877,7 +3556,7 @@
                         </m:sSubPr>
                         <m:e>
                           <m:r>
-                            <a:rPr lang="en-US" altLang="zh-CN" sz="1600" i="1" noProof="1">
+                            <a:rPr lang="en-US" altLang="zh-CN" sz="1800" i="1" noProof="1">
                               <a:solidFill>
                                 <a:schemeClr val="tx1"/>
                               </a:solidFill>
@@ -3888,7 +3567,7 @@
                         </m:e>
                         <m:sub>
                           <m:r>
-                            <a:rPr lang="en-US" altLang="zh-CN" sz="1600" i="1" noProof="1">
+                            <a:rPr lang="en-US" altLang="zh-CN" sz="1800" i="1" noProof="1">
                               <a:solidFill>
                                 <a:schemeClr val="tx1"/>
                               </a:solidFill>
@@ -3901,10 +3580,11 @@
                     </m:oMath>
                   </m:oMathPara>
                 </a14:m>
-                <a:endParaRPr lang="en-US" altLang="zh-CN" sz="1600" baseline="-25000" noProof="1">
+                <a:endParaRPr lang="en-US" altLang="zh-CN" sz="1800" i="1" baseline="-25000" noProof="1">
                   <a:solidFill>
                     <a:schemeClr val="tx1"/>
                   </a:solidFill>
+                  <a:latin typeface="Cambria Math" panose="02040503050406030204" pitchFamily="18" charset="0"/>
                 </a:endParaRPr>
               </a:p>
             </p:txBody>
@@ -3913,13 +3593,7 @@
         <mc:Fallback>
           <p:sp>
             <p:nvSpPr>
-              <p:cNvPr id="13" name="矩形 12">
-                <a:extLst>
-                  <a:ext uri="{FF2B5EF4-FFF2-40B4-BE49-F238E27FC236}">
-                    <a16:creationId xmlns:a16="http://schemas.microsoft.com/office/drawing/2014/main" id="{840C7D9E-5924-4D98-DE83-63EF68B0B873}"/>
-                  </a:ext>
-                </a:extLst>
-              </p:cNvPr>
+              <p:cNvPr id="13" name="矩形 12"/>
               <p:cNvSpPr>
                 <a:spLocks noRot="1" noChangeAspect="1" noMove="1" noResize="1" noEditPoints="1" noAdjustHandles="1" noChangeArrowheads="1" noChangeShapeType="1" noTextEdit="1"/>
               </p:cNvSpPr>
@@ -3933,10 +3607,10 @@
               <a:prstGeom prst="rect">
                 <a:avLst/>
               </a:prstGeom>
-              <a:blipFill>
-                <a:blip r:embed="rId4"/>
+              <a:blipFill rotWithShape="1">
+                <a:blip r:embed="rId2"/>
                 <a:stretch>
-                  <a:fillRect/>
+                  <a:fillRect l="-3019" t="-3017" r="-2944" b="-2900"/>
                 </a:stretch>
               </a:blipFill>
               <a:ln w="25400">
@@ -3945,6 +3619,22 @@
                 </a:solidFill>
               </a:ln>
             </p:spPr>
+            <p:style>
+              <a:lnRef idx="2">
+                <a:schemeClr val="accent1">
+                  <a:shade val="50000"/>
+                </a:schemeClr>
+              </a:lnRef>
+              <a:fillRef idx="1">
+                <a:schemeClr val="accent1"/>
+              </a:fillRef>
+              <a:effectRef idx="0">
+                <a:schemeClr val="accent1"/>
+              </a:effectRef>
+              <a:fontRef idx="minor">
+                <a:schemeClr val="lt1"/>
+              </a:fontRef>
+            </p:style>
             <p:txBody>
               <a:bodyPr/>
               <a:lstStyle/>
@@ -3962,13 +3652,7 @@
       </mc:AlternateContent>
       <p:sp>
         <p:nvSpPr>
-          <p:cNvPr id="16" name="矩形 15">
-            <a:extLst>
-              <a:ext uri="{FF2B5EF4-FFF2-40B4-BE49-F238E27FC236}">
-                <a16:creationId xmlns:a16="http://schemas.microsoft.com/office/drawing/2014/main" id="{1B64A9B7-A09B-97C7-734A-54BAD10A6A73}"/>
-              </a:ext>
-            </a:extLst>
-          </p:cNvPr>
+          <p:cNvPr id="16" name="矩形 15"/>
           <p:cNvSpPr/>
           <p:nvPr/>
         </p:nvSpPr>
@@ -4011,13 +3695,18 @@
           <a:p>
             <a:pPr algn="ctr"/>
             <a:r>
-              <a:rPr lang="en-US" altLang="zh-CN" sz="1600" noProof="1">
+              <a:rPr lang="en-US" altLang="zh-CN" sz="1800" noProof="1">
                 <a:solidFill>
                   <a:schemeClr val="tx1"/>
                 </a:solidFill>
               </a:rPr>
               <a:t>...</a:t>
             </a:r>
+            <a:endParaRPr lang="en-US" altLang="zh-CN" sz="1800" noProof="1">
+              <a:solidFill>
+                <a:schemeClr val="tx1"/>
+              </a:solidFill>
+            </a:endParaRPr>
           </a:p>
         </p:txBody>
       </p:sp>
@@ -4025,13 +3714,7 @@
         <mc:Choice xmlns:a14="http://schemas.microsoft.com/office/drawing/2010/main" Requires="a14">
           <p:sp>
             <p:nvSpPr>
-              <p:cNvPr id="17" name="矩形 16">
-                <a:extLst>
-                  <a:ext uri="{FF2B5EF4-FFF2-40B4-BE49-F238E27FC236}">
-                    <a16:creationId xmlns:a16="http://schemas.microsoft.com/office/drawing/2014/main" id="{98EBF3D3-48A8-A51B-8264-193851FC69E7}"/>
-                  </a:ext>
-                </a:extLst>
-              </p:cNvPr>
+              <p:cNvPr id="17" name="矩形 16"/>
               <p:cNvSpPr/>
               <p:nvPr/>
             </p:nvSpPr>
@@ -4082,7 +3765,7 @@
                       <m:sSub>
                         <m:sSubPr>
                           <m:ctrlPr>
-                            <a:rPr lang="en-US" altLang="zh-CN" sz="1600" i="1" noProof="1" smtClean="0">
+                            <a:rPr lang="en-US" altLang="zh-CN" sz="1800" i="1" noProof="1" smtClean="0">
                               <a:solidFill>
                                 <a:schemeClr val="tx1"/>
                               </a:solidFill>
@@ -4092,7 +3775,7 @@
                         </m:sSubPr>
                         <m:e>
                           <m:r>
-                            <a:rPr lang="en-US" altLang="zh-CN" sz="1600" i="1" noProof="1">
+                            <a:rPr lang="en-US" altLang="zh-CN" sz="1800" i="1" noProof="1">
                               <a:solidFill>
                                 <a:schemeClr val="tx1"/>
                               </a:solidFill>
@@ -4103,7 +3786,7 @@
                         </m:e>
                         <m:sub>
                           <m:r>
-                            <a:rPr lang="en-US" altLang="zh-CN" sz="1600" i="1" noProof="1">
+                            <a:rPr lang="en-US" altLang="zh-CN" sz="1800" i="1" noProof="1">
                               <a:solidFill>
                                 <a:schemeClr val="tx1"/>
                               </a:solidFill>
@@ -4116,10 +3799,11 @@
                     </m:oMath>
                   </m:oMathPara>
                 </a14:m>
-                <a:endParaRPr lang="en-US" altLang="zh-CN" sz="1600" baseline="-25000" noProof="1">
+                <a:endParaRPr lang="en-US" altLang="zh-CN" sz="1800" i="1" baseline="-25000" noProof="1">
                   <a:solidFill>
                     <a:schemeClr val="tx1"/>
                   </a:solidFill>
+                  <a:latin typeface="Cambria Math" panose="02040503050406030204" pitchFamily="18" charset="0"/>
                 </a:endParaRPr>
               </a:p>
             </p:txBody>
@@ -4128,13 +3812,7 @@
         <mc:Fallback>
           <p:sp>
             <p:nvSpPr>
-              <p:cNvPr id="17" name="矩形 16">
-                <a:extLst>
-                  <a:ext uri="{FF2B5EF4-FFF2-40B4-BE49-F238E27FC236}">
-                    <a16:creationId xmlns:a16="http://schemas.microsoft.com/office/drawing/2014/main" id="{98EBF3D3-48A8-A51B-8264-193851FC69E7}"/>
-                  </a:ext>
-                </a:extLst>
-              </p:cNvPr>
+              <p:cNvPr id="17" name="矩形 16"/>
               <p:cNvSpPr>
                 <a:spLocks noRot="1" noChangeAspect="1" noMove="1" noResize="1" noEditPoints="1" noAdjustHandles="1" noChangeArrowheads="1" noChangeShapeType="1" noTextEdit="1"/>
               </p:cNvSpPr>
@@ -4148,10 +3826,10 @@
               <a:prstGeom prst="rect">
                 <a:avLst/>
               </a:prstGeom>
-              <a:blipFill>
-                <a:blip r:embed="rId5"/>
+              <a:blipFill rotWithShape="1">
+                <a:blip r:embed="rId3"/>
                 <a:stretch>
-                  <a:fillRect/>
+                  <a:fillRect l="-3008" t="-3017" r="-3008" b="-2900"/>
                 </a:stretch>
               </a:blipFill>
               <a:ln w="25400">
@@ -4160,6 +3838,22 @@
                 </a:solidFill>
               </a:ln>
             </p:spPr>
+            <p:style>
+              <a:lnRef idx="2">
+                <a:schemeClr val="accent1">
+                  <a:shade val="50000"/>
+                </a:schemeClr>
+              </a:lnRef>
+              <a:fillRef idx="1">
+                <a:schemeClr val="accent1"/>
+              </a:fillRef>
+              <a:effectRef idx="0">
+                <a:schemeClr val="accent1"/>
+              </a:effectRef>
+              <a:fontRef idx="minor">
+                <a:schemeClr val="lt1"/>
+              </a:fontRef>
+            </p:style>
             <p:txBody>
               <a:bodyPr/>
               <a:lstStyle/>
@@ -4177,19 +3871,13 @@
       </mc:AlternateContent>
       <p:grpSp>
         <p:nvGrpSpPr>
-          <p:cNvPr id="67" name="组合 66">
-            <a:extLst>
-              <a:ext uri="{FF2B5EF4-FFF2-40B4-BE49-F238E27FC236}">
-                <a16:creationId xmlns:a16="http://schemas.microsoft.com/office/drawing/2014/main" id="{B8D79659-4989-5D8E-7D10-9E687A63C071}"/>
-              </a:ext>
-            </a:extLst>
-          </p:cNvPr>
+          <p:cNvPr id="67" name="组合 66"/>
           <p:cNvGrpSpPr/>
           <p:nvPr/>
         </p:nvGrpSpPr>
         <p:grpSpPr>
           <a:xfrm>
-            <a:off x="503240" y="615407"/>
+            <a:off x="431485" y="615407"/>
             <a:ext cx="441325" cy="2511423"/>
             <a:chOff x="503240" y="612232"/>
             <a:chExt cx="441325" cy="2511423"/>
@@ -4197,13 +3885,7 @@
         </p:grpSpPr>
         <p:sp>
           <p:nvSpPr>
-            <p:cNvPr id="27" name="矩形 26">
-              <a:extLst>
-                <a:ext uri="{FF2B5EF4-FFF2-40B4-BE49-F238E27FC236}">
-                  <a16:creationId xmlns:a16="http://schemas.microsoft.com/office/drawing/2014/main" id="{2A712D6D-EE5B-03BE-53BE-F0A5FF026CC6}"/>
-                </a:ext>
-              </a:extLst>
-            </p:cNvPr>
+            <p:cNvPr id="27" name="矩形 26"/>
             <p:cNvSpPr/>
             <p:nvPr/>
           </p:nvSpPr>
@@ -4255,13 +3937,7 @@
         </p:sp>
         <p:sp>
           <p:nvSpPr>
-            <p:cNvPr id="39" name="矩形 38">
-              <a:extLst>
-                <a:ext uri="{FF2B5EF4-FFF2-40B4-BE49-F238E27FC236}">
-                  <a16:creationId xmlns:a16="http://schemas.microsoft.com/office/drawing/2014/main" id="{B1F0EAC8-683A-FF8B-FF8E-01A681CC1354}"/>
-                </a:ext>
-              </a:extLst>
-            </p:cNvPr>
+            <p:cNvPr id="39" name="矩形 38"/>
             <p:cNvSpPr/>
             <p:nvPr/>
           </p:nvSpPr>
@@ -4315,13 +3991,7 @@
         </p:sp>
         <p:sp>
           <p:nvSpPr>
-            <p:cNvPr id="40" name="矩形 39">
-              <a:extLst>
-                <a:ext uri="{FF2B5EF4-FFF2-40B4-BE49-F238E27FC236}">
-                  <a16:creationId xmlns:a16="http://schemas.microsoft.com/office/drawing/2014/main" id="{8C902DFC-2C8D-8361-C58B-5FEDD6D3031C}"/>
-                </a:ext>
-              </a:extLst>
-            </p:cNvPr>
+            <p:cNvPr id="40" name="矩形 39"/>
             <p:cNvSpPr/>
             <p:nvPr/>
           </p:nvSpPr>
@@ -4373,13 +4043,7 @@
         </p:sp>
         <p:sp>
           <p:nvSpPr>
-            <p:cNvPr id="41" name="矩形 40">
-              <a:extLst>
-                <a:ext uri="{FF2B5EF4-FFF2-40B4-BE49-F238E27FC236}">
-                  <a16:creationId xmlns:a16="http://schemas.microsoft.com/office/drawing/2014/main" id="{499C04E4-5CDE-3CEC-CE73-C47DD6256D65}"/>
-                </a:ext>
-              </a:extLst>
-            </p:cNvPr>
+            <p:cNvPr id="41" name="矩形 40"/>
             <p:cNvSpPr/>
             <p:nvPr/>
           </p:nvSpPr>
@@ -4425,19 +4089,13 @@
       </p:grpSp>
       <p:grpSp>
         <p:nvGrpSpPr>
-          <p:cNvPr id="65" name="组合 64">
-            <a:extLst>
-              <a:ext uri="{FF2B5EF4-FFF2-40B4-BE49-F238E27FC236}">
-                <a16:creationId xmlns:a16="http://schemas.microsoft.com/office/drawing/2014/main" id="{AABEF110-2725-80FF-9E11-67F677959091}"/>
-              </a:ext>
-            </a:extLst>
-          </p:cNvPr>
+          <p:cNvPr id="65" name="组合 64"/>
           <p:cNvGrpSpPr/>
           <p:nvPr/>
         </p:nvGrpSpPr>
         <p:grpSpPr>
           <a:xfrm>
-            <a:off x="1619250" y="613817"/>
+            <a:off x="1691005" y="613817"/>
             <a:ext cx="431800" cy="2513013"/>
             <a:chOff x="1619250" y="613817"/>
             <a:chExt cx="431800" cy="2513013"/>
@@ -4445,13 +4103,7 @@
         </p:grpSpPr>
         <p:sp>
           <p:nvSpPr>
-            <p:cNvPr id="56" name="矩形 55">
-              <a:extLst>
-                <a:ext uri="{FF2B5EF4-FFF2-40B4-BE49-F238E27FC236}">
-                  <a16:creationId xmlns:a16="http://schemas.microsoft.com/office/drawing/2014/main" id="{C5A153FD-AC9C-C8FA-AA75-656321F18332}"/>
-                </a:ext>
-              </a:extLst>
-            </p:cNvPr>
+            <p:cNvPr id="56" name="矩形 55"/>
             <p:cNvSpPr/>
             <p:nvPr/>
           </p:nvSpPr>
@@ -4503,13 +4155,7 @@
         </p:sp>
         <p:sp>
           <p:nvSpPr>
-            <p:cNvPr id="57" name="矩形 56">
-              <a:extLst>
-                <a:ext uri="{FF2B5EF4-FFF2-40B4-BE49-F238E27FC236}">
-                  <a16:creationId xmlns:a16="http://schemas.microsoft.com/office/drawing/2014/main" id="{E69E1633-B140-46D7-719E-F6A7E1DDEB95}"/>
-                </a:ext>
-              </a:extLst>
-            </p:cNvPr>
+            <p:cNvPr id="57" name="矩形 56"/>
             <p:cNvSpPr/>
             <p:nvPr/>
           </p:nvSpPr>
@@ -4563,13 +4209,7 @@
         </p:sp>
         <p:sp>
           <p:nvSpPr>
-            <p:cNvPr id="58" name="矩形 57">
-              <a:extLst>
-                <a:ext uri="{FF2B5EF4-FFF2-40B4-BE49-F238E27FC236}">
-                  <a16:creationId xmlns:a16="http://schemas.microsoft.com/office/drawing/2014/main" id="{9A4B917A-6959-C277-DD85-095C8C6A4DA8}"/>
-                </a:ext>
-              </a:extLst>
-            </p:cNvPr>
+            <p:cNvPr id="58" name="矩形 57"/>
             <p:cNvSpPr/>
             <p:nvPr/>
           </p:nvSpPr>
@@ -4623,13 +4263,7 @@
           <mc:Choice xmlns:a14="http://schemas.microsoft.com/office/drawing/2010/main" Requires="a14">
             <p:sp>
               <p:nvSpPr>
-                <p:cNvPr id="59" name="矩形 58">
-                  <a:extLst>
-                    <a:ext uri="{FF2B5EF4-FFF2-40B4-BE49-F238E27FC236}">
-                      <a16:creationId xmlns:a16="http://schemas.microsoft.com/office/drawing/2014/main" id="{8E428441-18AE-7A85-E979-5194DFDE0A0B}"/>
-                    </a:ext>
-                  </a:extLst>
-                </p:cNvPr>
+                <p:cNvPr id="59" name="矩形 58"/>
                 <p:cNvSpPr/>
                 <p:nvPr/>
               </p:nvSpPr>
@@ -4682,7 +4316,7 @@
                         <m:sSub>
                           <m:sSubPr>
                             <m:ctrlPr>
-                              <a:rPr lang="en-US" altLang="zh-CN" sz="1600" noProof="1" smtClean="0">
+                              <a:rPr lang="en-US" altLang="zh-CN" sz="1800" noProof="1" smtClean="0">
                                 <a:solidFill>
                                   <a:schemeClr val="tx1"/>
                                 </a:solidFill>
@@ -4691,20 +4325,22 @@
                           </m:sSubPr>
                           <m:e>
                             <m:r>
-                              <a:rPr lang="en-US" altLang="zh-CN" sz="1600" noProof="1" smtClean="0">
+                              <a:rPr lang="en-US" altLang="zh-CN" sz="1800" noProof="1" smtClean="0">
                                 <a:solidFill>
                                   <a:schemeClr val="tx1"/>
                                 </a:solidFill>
+                                <a:latin typeface="Cambria Math" panose="02040503050406030204" pitchFamily="18" charset="0"/>
                               </a:rPr>
                               <m:t>𝑎</m:t>
                             </m:r>
                           </m:e>
                           <m:sub>
                             <m:r>
-                              <a:rPr lang="en-US" altLang="zh-CN" sz="1600" noProof="1" smtClean="0">
+                              <a:rPr lang="en-US" altLang="zh-CN" sz="1800" noProof="1" smtClean="0">
                                 <a:solidFill>
                                   <a:schemeClr val="tx1"/>
                                 </a:solidFill>
+                                <a:latin typeface="Cambria Math" panose="02040503050406030204" pitchFamily="18" charset="0"/>
                               </a:rPr>
                               <m:t>0</m:t>
                             </m:r>
@@ -4713,10 +4349,11 @@
                       </m:oMath>
                     </m:oMathPara>
                   </a14:m>
-                  <a:endParaRPr lang="en-US" altLang="zh-CN" sz="1600" noProof="1">
+                  <a:endParaRPr lang="en-US" altLang="zh-CN" sz="1800" noProof="1" smtClean="0">
                     <a:solidFill>
                       <a:schemeClr val="tx1"/>
                     </a:solidFill>
+                    <a:latin typeface="Cambria Math" panose="02040503050406030204" pitchFamily="18" charset="0"/>
                   </a:endParaRPr>
                 </a:p>
               </p:txBody>
@@ -4725,13 +4362,7 @@
           <mc:Fallback>
             <p:sp>
               <p:nvSpPr>
-                <p:cNvPr id="59" name="矩形 58">
-                  <a:extLst>
-                    <a:ext uri="{FF2B5EF4-FFF2-40B4-BE49-F238E27FC236}">
-                      <a16:creationId xmlns:a16="http://schemas.microsoft.com/office/drawing/2014/main" id="{8E428441-18AE-7A85-E979-5194DFDE0A0B}"/>
-                    </a:ext>
-                  </a:extLst>
-                </p:cNvPr>
+                <p:cNvPr id="59" name="矩形 58"/>
                 <p:cNvSpPr>
                   <a:spLocks noRot="1" noChangeAspect="1" noMove="1" noResize="1" noEditPoints="1" noAdjustHandles="1" noChangeArrowheads="1" noChangeShapeType="1" noTextEdit="1"/>
                 </p:cNvSpPr>
@@ -4745,11 +4376,8 @@
                 <a:prstGeom prst="rect">
                   <a:avLst/>
                 </a:prstGeom>
-                <a:blipFill>
-                  <a:blip r:embed="rId6"/>
-                  <a:stretch>
-                    <a:fillRect b="-6122"/>
-                  </a:stretch>
+                <a:blipFill rotWithShape="1">
+                  <a:blip r:embed="rId4"/>
                 </a:blipFill>
                 <a:ln w="25400">
                   <a:solidFill>
@@ -4757,6 +4385,22 @@
                   </a:solidFill>
                 </a:ln>
               </p:spPr>
+              <p:style>
+                <a:lnRef idx="2">
+                  <a:schemeClr val="accent1">
+                    <a:shade val="50000"/>
+                  </a:schemeClr>
+                </a:lnRef>
+                <a:fillRef idx="1">
+                  <a:schemeClr val="accent1"/>
+                </a:fillRef>
+                <a:effectRef idx="0">
+                  <a:schemeClr val="accent1"/>
+                </a:effectRef>
+                <a:fontRef idx="minor">
+                  <a:schemeClr val="lt1"/>
+                </a:fontRef>
+              </p:style>
               <p:txBody>
                 <a:bodyPr/>
                 <a:lstStyle/>
@@ -4776,13 +4420,7 @@
           <mc:Choice xmlns:a14="http://schemas.microsoft.com/office/drawing/2010/main" Requires="a14">
             <p:sp>
               <p:nvSpPr>
-                <p:cNvPr id="60" name="矩形 59">
-                  <a:extLst>
-                    <a:ext uri="{FF2B5EF4-FFF2-40B4-BE49-F238E27FC236}">
-                      <a16:creationId xmlns:a16="http://schemas.microsoft.com/office/drawing/2014/main" id="{CBF1CF63-9E76-65EF-71D0-1B567E2315E7}"/>
-                    </a:ext>
-                  </a:extLst>
-                </p:cNvPr>
+                <p:cNvPr id="60" name="矩形 59"/>
                 <p:cNvSpPr/>
                 <p:nvPr/>
               </p:nvSpPr>
@@ -4835,7 +4473,7 @@
                         <m:sSub>
                           <m:sSubPr>
                             <m:ctrlPr>
-                              <a:rPr lang="en-US" altLang="zh-CN" sz="1600" noProof="1" smtClean="0">
+                              <a:rPr lang="en-US" altLang="zh-CN" sz="1800" noProof="1" smtClean="0">
                                 <a:solidFill>
                                   <a:schemeClr val="tx1"/>
                                 </a:solidFill>
@@ -4844,20 +4482,22 @@
                           </m:sSubPr>
                           <m:e>
                             <m:r>
-                              <a:rPr lang="en-US" altLang="zh-CN" sz="1600" noProof="1" smtClean="0">
+                              <a:rPr lang="en-US" altLang="zh-CN" sz="1800" noProof="1" smtClean="0">
                                 <a:solidFill>
                                   <a:schemeClr val="tx1"/>
                                 </a:solidFill>
+                                <a:latin typeface="Cambria Math" panose="02040503050406030204" pitchFamily="18" charset="0"/>
                               </a:rPr>
                               <m:t>𝑎</m:t>
                             </m:r>
                           </m:e>
                           <m:sub>
                             <m:r>
-                              <a:rPr lang="en-US" altLang="zh-CN" sz="1600" noProof="1" smtClean="0">
+                              <a:rPr lang="en-US" altLang="zh-CN" sz="1800" noProof="1" smtClean="0">
                                 <a:solidFill>
                                   <a:schemeClr val="tx1"/>
                                 </a:solidFill>
+                                <a:latin typeface="Cambria Math" panose="02040503050406030204" pitchFamily="18" charset="0"/>
                               </a:rPr>
                               <m:t>1</m:t>
                             </m:r>
@@ -4866,10 +4506,11 @@
                       </m:oMath>
                     </m:oMathPara>
                   </a14:m>
-                  <a:endParaRPr lang="en-US" altLang="zh-CN" sz="1600" noProof="1">
+                  <a:endParaRPr lang="en-US" altLang="zh-CN" sz="1800" noProof="1" smtClean="0">
                     <a:solidFill>
                       <a:schemeClr val="tx1"/>
                     </a:solidFill>
+                    <a:latin typeface="Cambria Math" panose="02040503050406030204" pitchFamily="18" charset="0"/>
                   </a:endParaRPr>
                 </a:p>
               </p:txBody>
@@ -4878,13 +4519,7 @@
           <mc:Fallback>
             <p:sp>
               <p:nvSpPr>
-                <p:cNvPr id="60" name="矩形 59">
-                  <a:extLst>
-                    <a:ext uri="{FF2B5EF4-FFF2-40B4-BE49-F238E27FC236}">
-                      <a16:creationId xmlns:a16="http://schemas.microsoft.com/office/drawing/2014/main" id="{CBF1CF63-9E76-65EF-71D0-1B567E2315E7}"/>
-                    </a:ext>
-                  </a:extLst>
-                </p:cNvPr>
+                <p:cNvPr id="60" name="矩形 59"/>
                 <p:cNvSpPr>
                   <a:spLocks noRot="1" noChangeAspect="1" noMove="1" noResize="1" noEditPoints="1" noAdjustHandles="1" noChangeArrowheads="1" noChangeShapeType="1" noTextEdit="1"/>
                 </p:cNvSpPr>
@@ -4898,11 +4533,8 @@
                 <a:prstGeom prst="rect">
                   <a:avLst/>
                 </a:prstGeom>
-                <a:blipFill>
-                  <a:blip r:embed="rId7"/>
-                  <a:stretch>
-                    <a:fillRect b="-4000"/>
-                  </a:stretch>
+                <a:blipFill rotWithShape="1">
+                  <a:blip r:embed="rId5"/>
                 </a:blipFill>
                 <a:ln w="25400">
                   <a:solidFill>
@@ -4910,6 +4542,22 @@
                   </a:solidFill>
                 </a:ln>
               </p:spPr>
+              <p:style>
+                <a:lnRef idx="2">
+                  <a:schemeClr val="accent1">
+                    <a:shade val="50000"/>
+                  </a:schemeClr>
+                </a:lnRef>
+                <a:fillRef idx="1">
+                  <a:schemeClr val="accent1"/>
+                </a:fillRef>
+                <a:effectRef idx="0">
+                  <a:schemeClr val="accent1"/>
+                </a:effectRef>
+                <a:fontRef idx="minor">
+                  <a:schemeClr val="lt1"/>
+                </a:fontRef>
+              </p:style>
               <p:txBody>
                 <a:bodyPr/>
                 <a:lstStyle/>
@@ -4927,13 +4575,7 @@
         </mc:AlternateContent>
         <p:sp>
           <p:nvSpPr>
-            <p:cNvPr id="61" name="矩形 60">
-              <a:extLst>
-                <a:ext uri="{FF2B5EF4-FFF2-40B4-BE49-F238E27FC236}">
-                  <a16:creationId xmlns:a16="http://schemas.microsoft.com/office/drawing/2014/main" id="{81564E85-D1C6-8427-1380-3F879BB358DD}"/>
-                </a:ext>
-              </a:extLst>
-            </p:cNvPr>
+            <p:cNvPr id="61" name="矩形 60"/>
             <p:cNvSpPr/>
             <p:nvPr/>
           </p:nvSpPr>
@@ -4978,13 +4620,18 @@
             <a:p>
               <a:pPr algn="ctr"/>
               <a:r>
-                <a:rPr lang="en-US" altLang="zh-CN" sz="1600" noProof="1">
+                <a:rPr lang="en-US" altLang="zh-CN" sz="1800" noProof="1">
                   <a:solidFill>
                     <a:schemeClr val="tx1"/>
                   </a:solidFill>
                 </a:rPr>
                 <a:t>...</a:t>
               </a:r>
+              <a:endParaRPr lang="en-US" altLang="zh-CN" sz="1800" noProof="1">
+                <a:solidFill>
+                  <a:schemeClr val="tx1"/>
+                </a:solidFill>
+              </a:endParaRPr>
             </a:p>
           </p:txBody>
         </p:sp>
@@ -4992,13 +4639,7 @@
           <mc:Choice xmlns:a14="http://schemas.microsoft.com/office/drawing/2010/main" Requires="a14">
             <p:sp>
               <p:nvSpPr>
-                <p:cNvPr id="62" name="矩形 61">
-                  <a:extLst>
-                    <a:ext uri="{FF2B5EF4-FFF2-40B4-BE49-F238E27FC236}">
-                      <a16:creationId xmlns:a16="http://schemas.microsoft.com/office/drawing/2014/main" id="{09C92B2D-B590-F0A7-A380-B83F589320DB}"/>
-                    </a:ext>
-                  </a:extLst>
-                </p:cNvPr>
+                <p:cNvPr id="62" name="矩形 61"/>
                 <p:cNvSpPr/>
                 <p:nvPr/>
               </p:nvSpPr>
@@ -5051,7 +4692,7 @@
                         <m:sSub>
                           <m:sSubPr>
                             <m:ctrlPr>
-                              <a:rPr lang="en-US" altLang="zh-CN" sz="1600" noProof="1" smtClean="0">
+                              <a:rPr lang="en-US" altLang="zh-CN" sz="1800" noProof="1" smtClean="0">
                                 <a:solidFill>
                                   <a:schemeClr val="tx1"/>
                                 </a:solidFill>
@@ -5060,20 +4701,22 @@
                           </m:sSubPr>
                           <m:e>
                             <m:r>
-                              <a:rPr lang="en-US" altLang="zh-CN" sz="1600" noProof="1" smtClean="0">
+                              <a:rPr lang="en-US" altLang="zh-CN" sz="1800" noProof="1" smtClean="0">
                                 <a:solidFill>
                                   <a:schemeClr val="tx1"/>
                                 </a:solidFill>
+                                <a:latin typeface="Cambria Math" panose="02040503050406030204" pitchFamily="18" charset="0"/>
                               </a:rPr>
                               <m:t>𝑎</m:t>
                             </m:r>
                           </m:e>
                           <m:sub>
                             <m:r>
-                              <a:rPr lang="en-US" altLang="zh-CN" sz="1600" noProof="1" smtClean="0">
+                              <a:rPr lang="en-US" altLang="zh-CN" sz="1800" noProof="1" smtClean="0">
                                 <a:solidFill>
                                   <a:schemeClr val="tx1"/>
                                 </a:solidFill>
+                                <a:latin typeface="Cambria Math" panose="02040503050406030204" pitchFamily="18" charset="0"/>
                               </a:rPr>
                               <m:t>8</m:t>
                             </m:r>
@@ -5082,10 +4725,11 @@
                       </m:oMath>
                     </m:oMathPara>
                   </a14:m>
-                  <a:endParaRPr lang="en-US" altLang="zh-CN" sz="1600" noProof="1">
+                  <a:endParaRPr lang="en-US" altLang="zh-CN" sz="1800" noProof="1" smtClean="0">
                     <a:solidFill>
                       <a:schemeClr val="tx1"/>
                     </a:solidFill>
+                    <a:latin typeface="Cambria Math" panose="02040503050406030204" pitchFamily="18" charset="0"/>
                   </a:endParaRPr>
                 </a:p>
               </p:txBody>
@@ -5094,13 +4738,7 @@
           <mc:Fallback>
             <p:sp>
               <p:nvSpPr>
-                <p:cNvPr id="62" name="矩形 61">
-                  <a:extLst>
-                    <a:ext uri="{FF2B5EF4-FFF2-40B4-BE49-F238E27FC236}">
-                      <a16:creationId xmlns:a16="http://schemas.microsoft.com/office/drawing/2014/main" id="{09C92B2D-B590-F0A7-A380-B83F589320DB}"/>
-                    </a:ext>
-                  </a:extLst>
-                </p:cNvPr>
+                <p:cNvPr id="62" name="矩形 61"/>
                 <p:cNvSpPr>
                   <a:spLocks noRot="1" noChangeAspect="1" noMove="1" noResize="1" noEditPoints="1" noAdjustHandles="1" noChangeArrowheads="1" noChangeShapeType="1" noTextEdit="1"/>
                 </p:cNvSpPr>
@@ -5114,11 +4752,8 @@
                 <a:prstGeom prst="rect">
                   <a:avLst/>
                 </a:prstGeom>
-                <a:blipFill>
-                  <a:blip r:embed="rId8"/>
-                  <a:stretch>
-                    <a:fillRect b="-6000"/>
-                  </a:stretch>
+                <a:blipFill rotWithShape="1">
+                  <a:blip r:embed="rId6"/>
                 </a:blipFill>
                 <a:ln w="25400">
                   <a:solidFill>
@@ -5126,6 +4761,22 @@
                   </a:solidFill>
                 </a:ln>
               </p:spPr>
+              <p:style>
+                <a:lnRef idx="2">
+                  <a:schemeClr val="accent1">
+                    <a:shade val="50000"/>
+                  </a:schemeClr>
+                </a:lnRef>
+                <a:fillRef idx="1">
+                  <a:schemeClr val="accent1"/>
+                </a:fillRef>
+                <a:effectRef idx="0">
+                  <a:schemeClr val="accent1"/>
+                </a:effectRef>
+                <a:fontRef idx="minor">
+                  <a:schemeClr val="lt1"/>
+                </a:fontRef>
+              </p:style>
               <p:txBody>
                 <a:bodyPr/>
                 <a:lstStyle/>
@@ -5145,13 +4796,7 @@
           <mc:Choice xmlns:a14="http://schemas.microsoft.com/office/drawing/2010/main" Requires="a14">
             <p:sp>
               <p:nvSpPr>
-                <p:cNvPr id="63" name="矩形 62">
-                  <a:extLst>
-                    <a:ext uri="{FF2B5EF4-FFF2-40B4-BE49-F238E27FC236}">
-                      <a16:creationId xmlns:a16="http://schemas.microsoft.com/office/drawing/2014/main" id="{6C92C178-E7F3-F6E6-B8A2-3AF0406804D2}"/>
-                    </a:ext>
-                  </a:extLst>
-                </p:cNvPr>
+                <p:cNvPr id="63" name="矩形 62"/>
                 <p:cNvSpPr/>
                 <p:nvPr/>
               </p:nvSpPr>
@@ -5198,7 +4843,7 @@
                         <m:sSub>
                           <m:sSubPr>
                             <m:ctrlPr>
-                              <a:rPr lang="en-US" altLang="zh-CN" sz="1600" i="1" noProof="1" smtClean="0">
+                              <a:rPr lang="en-US" altLang="zh-CN" sz="1800" i="1" noProof="1" smtClean="0">
                                 <a:solidFill>
                                   <a:schemeClr val="tx1"/>
                                 </a:solidFill>
@@ -5208,7 +4853,7 @@
                           </m:sSubPr>
                           <m:e>
                             <m:r>
-                              <a:rPr lang="en-US" altLang="zh-CN" sz="1600" i="1" noProof="1" smtClean="0">
+                              <a:rPr lang="en-US" altLang="zh-CN" sz="1800" i="1" noProof="1" smtClean="0">
                                 <a:solidFill>
                                   <a:schemeClr val="tx1"/>
                                 </a:solidFill>
@@ -5219,7 +4864,7 @@
                           </m:e>
                           <m:sub>
                             <m:r>
-                              <a:rPr lang="en-US" altLang="zh-CN" sz="1600" i="1" noProof="1" smtClean="0">
+                              <a:rPr lang="en-US" altLang="zh-CN" sz="1800" i="1" noProof="1" smtClean="0">
                                 <a:solidFill>
                                   <a:schemeClr val="tx1"/>
                                 </a:solidFill>
@@ -5232,10 +4877,11 @@
                       </m:oMath>
                     </m:oMathPara>
                   </a14:m>
-                  <a:endParaRPr lang="en-US" altLang="zh-CN" sz="1600" baseline="-25000" noProof="1">
+                  <a:endParaRPr lang="en-US" altLang="zh-CN" sz="1800" i="1" baseline="-25000" noProof="1" smtClean="0">
                     <a:solidFill>
                       <a:schemeClr val="tx1"/>
                     </a:solidFill>
+                    <a:latin typeface="Cambria Math" panose="02040503050406030204" pitchFamily="18" charset="0"/>
                   </a:endParaRPr>
                 </a:p>
               </p:txBody>
@@ -5244,13 +4890,7 @@
           <mc:Fallback>
             <p:sp>
               <p:nvSpPr>
-                <p:cNvPr id="63" name="矩形 62">
-                  <a:extLst>
-                    <a:ext uri="{FF2B5EF4-FFF2-40B4-BE49-F238E27FC236}">
-                      <a16:creationId xmlns:a16="http://schemas.microsoft.com/office/drawing/2014/main" id="{6C92C178-E7F3-F6E6-B8A2-3AF0406804D2}"/>
-                    </a:ext>
-                  </a:extLst>
-                </p:cNvPr>
+                <p:cNvPr id="63" name="矩形 62"/>
                 <p:cNvSpPr>
                   <a:spLocks noRot="1" noChangeAspect="1" noMove="1" noResize="1" noEditPoints="1" noAdjustHandles="1" noChangeArrowheads="1" noChangeShapeType="1" noTextEdit="1"/>
                 </p:cNvSpPr>
@@ -5264,14 +4904,27 @@
                 <a:prstGeom prst="rect">
                   <a:avLst/>
                 </a:prstGeom>
-                <a:blipFill>
-                  <a:blip r:embed="rId9"/>
-                  <a:stretch>
-                    <a:fillRect b="-6000"/>
-                  </a:stretch>
+                <a:blipFill rotWithShape="1">
+                  <a:blip r:embed="rId7"/>
                 </a:blipFill>
                 <a:ln w="25400"/>
               </p:spPr>
+              <p:style>
+                <a:lnRef idx="2">
+                  <a:schemeClr val="accent1">
+                    <a:shade val="50000"/>
+                  </a:schemeClr>
+                </a:lnRef>
+                <a:fillRef idx="1">
+                  <a:schemeClr val="accent1"/>
+                </a:fillRef>
+                <a:effectRef idx="0">
+                  <a:schemeClr val="accent1"/>
+                </a:effectRef>
+                <a:fontRef idx="minor">
+                  <a:schemeClr val="lt1"/>
+                </a:fontRef>
+              </p:style>
               <p:txBody>
                 <a:bodyPr/>
                 <a:lstStyle/>
@@ -5289,13 +4942,7 @@
         </mc:AlternateContent>
         <p:sp>
           <p:nvSpPr>
-            <p:cNvPr id="64" name="矩形 63">
-              <a:extLst>
-                <a:ext uri="{FF2B5EF4-FFF2-40B4-BE49-F238E27FC236}">
-                  <a16:creationId xmlns:a16="http://schemas.microsoft.com/office/drawing/2014/main" id="{D90145DD-E157-82F9-AEB4-BFAAEC819B29}"/>
-                </a:ext>
-              </a:extLst>
-            </p:cNvPr>
+            <p:cNvPr id="64" name="矩形 63"/>
             <p:cNvSpPr/>
             <p:nvPr/>
           </p:nvSpPr>
@@ -5339,127 +4986,125 @@
           </p:txBody>
         </p:sp>
       </p:grpSp>
-      <p:sp>
-        <p:nvSpPr>
-          <p:cNvPr id="66" name="右箭头 65">
+      <p:grpSp>
+        <p:nvGrpSpPr>
+          <p:cNvPr id="22" name="组合 21"/>
+          <p:cNvGrpSpPr/>
+          <p:nvPr/>
+        </p:nvGrpSpPr>
+        <p:grpSpPr>
+          <a:xfrm>
+            <a:off x="2006600" y="541655"/>
+            <a:ext cx="751840" cy="424180"/>
+            <a:chOff x="3173" y="824"/>
+            <a:chExt cx="1184" cy="668"/>
+          </a:xfrm>
+        </p:grpSpPr>
+        <p:sp>
+          <p:nvSpPr>
+            <p:cNvPr id="66" name="右箭头 65"/>
+            <p:cNvSpPr/>
+            <p:nvPr/>
+          </p:nvSpPr>
+          <p:spPr>
+            <a:xfrm rot="10800000">
+              <a:off x="3491" y="1272"/>
+              <a:ext cx="522" cy="220"/>
+            </a:xfrm>
+            <a:prstGeom prst="rightArrow">
+              <a:avLst/>
+            </a:prstGeom>
+          </p:spPr>
+          <p:style>
+            <a:lnRef idx="2">
+              <a:schemeClr val="accent1">
+                <a:shade val="50000"/>
+              </a:schemeClr>
+            </a:lnRef>
+            <a:fillRef idx="1">
+              <a:schemeClr val="accent1"/>
+            </a:fillRef>
+            <a:effectRef idx="0">
+              <a:schemeClr val="accent1"/>
+            </a:effectRef>
+            <a:fontRef idx="minor">
+              <a:schemeClr val="lt1"/>
+            </a:fontRef>
+          </p:style>
+          <p:txBody>
+            <a:bodyPr anchor="ctr"/>
+            <a:lstStyle/>
+            <a:p>
+              <a:pPr algn="ctr"/>
+              <a:endParaRPr lang="zh-CN" altLang="en-US" noProof="1"/>
+            </a:p>
+          </p:txBody>
+        </p:sp>
+        <p:sp>
+          <p:nvSpPr>
+            <p:cNvPr id="2070" name="文本框 66"/>
+            <p:cNvSpPr txBox="1">
+              <a:spLocks noChangeArrowheads="1"/>
+            </p:cNvSpPr>
+            <p:nvPr/>
+          </p:nvSpPr>
+          <p:spPr bwMode="auto">
+            <a:xfrm>
+              <a:off x="3173" y="824"/>
+              <a:ext cx="1185" cy="580"/>
+            </a:xfrm>
+            <a:prstGeom prst="rect">
+              <a:avLst/>
+            </a:prstGeom>
+            <a:noFill/>
+            <a:ln>
+              <a:noFill/>
+            </a:ln>
             <a:extLst>
-              <a:ext uri="{FF2B5EF4-FFF2-40B4-BE49-F238E27FC236}">
-                <a16:creationId xmlns:a16="http://schemas.microsoft.com/office/drawing/2014/main" id="{C064D45A-C2CF-271F-AB36-AF0ED0CB442E}"/>
+              <a:ext uri="{909E8E84-426E-40DD-AFC4-6F175D3DCCD1}">
+                <a14:hiddenFill xmlns:a14="http://schemas.microsoft.com/office/drawing/2010/main">
+                  <a:solidFill>
+                    <a:srgbClr val="FFFFFF"/>
+                  </a:solidFill>
+                </a14:hiddenFill>
+              </a:ext>
+              <a:ext uri="{91240B29-F687-4F45-9708-019B960494DF}">
+                <a14:hiddenLine xmlns:a14="http://schemas.microsoft.com/office/drawing/2010/main" w="9525">
+                  <a:solidFill>
+                    <a:srgbClr val="000000"/>
+                  </a:solidFill>
+                  <a:miter lim="800000"/>
+                  <a:headEnd/>
+                  <a:tailEnd/>
+                </a14:hiddenLine>
               </a:ext>
             </a:extLst>
-          </p:cNvPr>
-          <p:cNvSpPr/>
-          <p:nvPr/>
-        </p:nvSpPr>
-        <p:spPr>
-          <a:xfrm rot="10800000">
-            <a:off x="2144715" y="807492"/>
-            <a:ext cx="331787" cy="139700"/>
-          </a:xfrm>
-          <a:prstGeom prst="rightArrow">
-            <a:avLst/>
-          </a:prstGeom>
-        </p:spPr>
-        <p:style>
-          <a:lnRef idx="2">
-            <a:schemeClr val="accent1">
-              <a:shade val="50000"/>
-            </a:schemeClr>
-          </a:lnRef>
-          <a:fillRef idx="1">
-            <a:schemeClr val="accent1"/>
-          </a:fillRef>
-          <a:effectRef idx="0">
-            <a:schemeClr val="accent1"/>
-          </a:effectRef>
-          <a:fontRef idx="minor">
-            <a:schemeClr val="lt1"/>
-          </a:fontRef>
-        </p:style>
-        <p:txBody>
-          <a:bodyPr anchor="ctr"/>
-          <a:lstStyle/>
-          <a:p>
-            <a:pPr algn="ctr"/>
-            <a:endParaRPr lang="zh-CN" altLang="en-US" noProof="1"/>
-          </a:p>
-        </p:txBody>
-      </p:sp>
-      <p:sp>
-        <p:nvSpPr>
-          <p:cNvPr id="2070" name="文本框 66">
-            <a:extLst>
-              <a:ext uri="{FF2B5EF4-FFF2-40B4-BE49-F238E27FC236}">
-                <a16:creationId xmlns:a16="http://schemas.microsoft.com/office/drawing/2014/main" id="{C8965980-68A6-E285-D970-A100E0EF3B79}"/>
-              </a:ext>
-            </a:extLst>
-          </p:cNvPr>
-          <p:cNvSpPr txBox="1">
-            <a:spLocks noChangeArrowheads="1"/>
-          </p:cNvSpPr>
-          <p:nvPr/>
-        </p:nvSpPr>
-        <p:spPr bwMode="auto">
-          <a:xfrm>
-            <a:off x="1943102" y="540792"/>
-            <a:ext cx="752475" cy="336550"/>
-          </a:xfrm>
-          <a:prstGeom prst="rect">
-            <a:avLst/>
-          </a:prstGeom>
-          <a:noFill/>
-          <a:ln>
-            <a:noFill/>
-          </a:ln>
-          <a:extLst>
-            <a:ext uri="{909E8E84-426E-40DD-AFC4-6F175D3DCCD1}">
-              <a14:hiddenFill xmlns:a14="http://schemas.microsoft.com/office/drawing/2010/main">
-                <a:solidFill>
-                  <a:srgbClr val="FFFFFF"/>
-                </a:solidFill>
-              </a14:hiddenFill>
-            </a:ext>
-            <a:ext uri="{91240B29-F687-4F45-9708-019B960494DF}">
-              <a14:hiddenLine xmlns:a14="http://schemas.microsoft.com/office/drawing/2010/main" w="9525">
-                <a:solidFill>
-                  <a:srgbClr val="000000"/>
-                </a:solidFill>
-                <a:miter lim="800000"/>
-                <a:headEnd/>
-                <a:tailEnd/>
-              </a14:hiddenLine>
-            </a:ext>
-          </a:extLst>
-        </p:spPr>
-        <p:txBody>
-          <a:bodyPr>
-            <a:spAutoFit/>
-          </a:bodyPr>
-          <a:lstStyle/>
-          <a:p>
-            <a:pPr algn="ctr"/>
-            <a:r>
-              <a:rPr lang="en-US" altLang="zh-CN" sz="1600"/>
-              <a:t>tail</a:t>
-            </a:r>
-          </a:p>
-        </p:txBody>
-      </p:sp>
+          </p:spPr>
+          <p:txBody>
+            <a:bodyPr>
+              <a:spAutoFit/>
+            </a:bodyPr>
+            <a:lstStyle/>
+            <a:p>
+              <a:pPr algn="ctr"/>
+              <a:r>
+                <a:rPr lang="en-US" altLang="zh-CN" sz="1800"/>
+                <a:t>tail</a:t>
+              </a:r>
+              <a:endParaRPr lang="en-US" altLang="zh-CN" sz="1800"/>
+            </a:p>
+          </p:txBody>
+        </p:sp>
+      </p:grpSp>
       <p:cxnSp>
         <p:nvCxnSpPr>
-          <p:cNvPr id="70" name="直接连接符 69">
-            <a:extLst>
-              <a:ext uri="{FF2B5EF4-FFF2-40B4-BE49-F238E27FC236}">
-                <a16:creationId xmlns:a16="http://schemas.microsoft.com/office/drawing/2014/main" id="{39939C61-B481-1C24-2630-8EF27CA56AA4}"/>
-              </a:ext>
-            </a:extLst>
-          </p:cNvPr>
+          <p:cNvPr id="70" name="直接连接符 69"/>
           <p:cNvCxnSpPr/>
           <p:nvPr/>
         </p:nvCxnSpPr>
         <p:spPr>
           <a:xfrm flipH="1">
-            <a:off x="2568177" y="504282"/>
+            <a:off x="2639932" y="504282"/>
             <a:ext cx="12700" cy="2881312"/>
           </a:xfrm>
           <a:prstGeom prst="line">
@@ -5489,13 +5134,7 @@
       </p:cxnSp>
       <p:sp>
         <p:nvSpPr>
-          <p:cNvPr id="2073" name="文本框 70">
-            <a:extLst>
-              <a:ext uri="{FF2B5EF4-FFF2-40B4-BE49-F238E27FC236}">
-                <a16:creationId xmlns:a16="http://schemas.microsoft.com/office/drawing/2014/main" id="{69DA25F9-443C-3CFE-E9B5-BE587F1C19D4}"/>
-              </a:ext>
-            </a:extLst>
-          </p:cNvPr>
+          <p:cNvPr id="2073" name="文本框 70"/>
           <p:cNvSpPr txBox="1">
             <a:spLocks noChangeArrowheads="1"/>
           </p:cNvSpPr>
@@ -5503,8 +5142,8 @@
         </p:nvSpPr>
         <p:spPr bwMode="auto">
           <a:xfrm>
-            <a:off x="396875" y="3138180"/>
-            <a:ext cx="630238" cy="246221"/>
+            <a:off x="325120" y="3138180"/>
+            <a:ext cx="630238" cy="276860"/>
           </a:xfrm>
           <a:prstGeom prst="rect">
             <a:avLst/>
@@ -5541,21 +5180,16 @@
           <a:p>
             <a:pPr algn="ctr"/>
             <a:r>
-              <a:rPr lang="en-US" altLang="zh-CN" sz="1600" dirty="0"/>
+              <a:rPr lang="en-US" altLang="zh-CN" sz="1800" dirty="0"/>
               <a:t>Seg 0</a:t>
             </a:r>
+            <a:endParaRPr lang="en-US" altLang="zh-CN" sz="1800" dirty="0"/>
           </a:p>
         </p:txBody>
       </p:sp>
       <p:grpSp>
         <p:nvGrpSpPr>
-          <p:cNvPr id="55" name="组合 54">
-            <a:extLst>
-              <a:ext uri="{FF2B5EF4-FFF2-40B4-BE49-F238E27FC236}">
-                <a16:creationId xmlns:a16="http://schemas.microsoft.com/office/drawing/2014/main" id="{18E97FF2-F78F-8944-1A19-F1C3B1DD6163}"/>
-              </a:ext>
-            </a:extLst>
-          </p:cNvPr>
+          <p:cNvPr id="55" name="组合 54"/>
           <p:cNvGrpSpPr/>
           <p:nvPr/>
         </p:nvGrpSpPr>
@@ -5569,13 +5203,7 @@
         </p:grpSpPr>
         <p:sp>
           <p:nvSpPr>
-            <p:cNvPr id="73" name="矩形 72">
-              <a:extLst>
-                <a:ext uri="{FF2B5EF4-FFF2-40B4-BE49-F238E27FC236}">
-                  <a16:creationId xmlns:a16="http://schemas.microsoft.com/office/drawing/2014/main" id="{AFE14843-CFA2-24CC-4C7F-0A0E9EAEF5AC}"/>
-                </a:ext>
-              </a:extLst>
-            </p:cNvPr>
+            <p:cNvPr id="73" name="矩形 72"/>
             <p:cNvSpPr/>
             <p:nvPr/>
           </p:nvSpPr>
@@ -5627,13 +5255,7 @@
         </p:sp>
         <p:sp>
           <p:nvSpPr>
-            <p:cNvPr id="74" name="矩形 73">
-              <a:extLst>
-                <a:ext uri="{FF2B5EF4-FFF2-40B4-BE49-F238E27FC236}">
-                  <a16:creationId xmlns:a16="http://schemas.microsoft.com/office/drawing/2014/main" id="{AE98353E-145D-897C-00C2-F99C63FD978D}"/>
-                </a:ext>
-              </a:extLst>
-            </p:cNvPr>
+            <p:cNvPr id="74" name="矩形 73"/>
             <p:cNvSpPr/>
             <p:nvPr/>
           </p:nvSpPr>
@@ -5687,13 +5309,7 @@
         </p:sp>
         <p:sp>
           <p:nvSpPr>
-            <p:cNvPr id="75" name="矩形 74">
-              <a:extLst>
-                <a:ext uri="{FF2B5EF4-FFF2-40B4-BE49-F238E27FC236}">
-                  <a16:creationId xmlns:a16="http://schemas.microsoft.com/office/drawing/2014/main" id="{DA30E5CE-ED66-57E3-413F-F7EE67682E3B}"/>
-                </a:ext>
-              </a:extLst>
-            </p:cNvPr>
+            <p:cNvPr id="75" name="矩形 74"/>
             <p:cNvSpPr/>
             <p:nvPr/>
           </p:nvSpPr>
@@ -5745,13 +5361,7 @@
         </p:sp>
         <p:sp>
           <p:nvSpPr>
-            <p:cNvPr id="76" name="矩形 75">
-              <a:extLst>
-                <a:ext uri="{FF2B5EF4-FFF2-40B4-BE49-F238E27FC236}">
-                  <a16:creationId xmlns:a16="http://schemas.microsoft.com/office/drawing/2014/main" id="{0CF2386B-1A0B-0313-BD41-AEE47F2947AD}"/>
-                </a:ext>
-              </a:extLst>
-            </p:cNvPr>
+            <p:cNvPr id="76" name="矩形 75"/>
             <p:cNvSpPr/>
             <p:nvPr/>
           </p:nvSpPr>
@@ -5797,19 +5407,13 @@
       </p:grpSp>
       <p:grpSp>
         <p:nvGrpSpPr>
-          <p:cNvPr id="54" name="组合 53">
-            <a:extLst>
-              <a:ext uri="{FF2B5EF4-FFF2-40B4-BE49-F238E27FC236}">
-                <a16:creationId xmlns:a16="http://schemas.microsoft.com/office/drawing/2014/main" id="{35FAB034-3643-4014-3387-0FC6AC25845A}"/>
-              </a:ext>
-            </a:extLst>
-          </p:cNvPr>
+          <p:cNvPr id="54" name="组合 53"/>
           <p:cNvGrpSpPr/>
           <p:nvPr/>
         </p:nvGrpSpPr>
         <p:grpSpPr>
           <a:xfrm>
-            <a:off x="3756344" y="613817"/>
+            <a:off x="3828099" y="613817"/>
             <a:ext cx="431800" cy="2513015"/>
             <a:chOff x="3743325" y="613817"/>
             <a:chExt cx="431800" cy="2513015"/>
@@ -5817,13 +5421,7 @@
         </p:grpSpPr>
         <p:sp>
           <p:nvSpPr>
-            <p:cNvPr id="82" name="矩形 81">
-              <a:extLst>
-                <a:ext uri="{FF2B5EF4-FFF2-40B4-BE49-F238E27FC236}">
-                  <a16:creationId xmlns:a16="http://schemas.microsoft.com/office/drawing/2014/main" id="{364F87E8-1972-3001-C31C-10ADF0CFE16E}"/>
-                </a:ext>
-              </a:extLst>
-            </p:cNvPr>
+            <p:cNvPr id="82" name="矩形 81"/>
             <p:cNvSpPr/>
             <p:nvPr/>
           </p:nvSpPr>
@@ -5875,13 +5473,7 @@
         </p:sp>
         <p:sp>
           <p:nvSpPr>
-            <p:cNvPr id="84" name="矩形 83">
-              <a:extLst>
-                <a:ext uri="{FF2B5EF4-FFF2-40B4-BE49-F238E27FC236}">
-                  <a16:creationId xmlns:a16="http://schemas.microsoft.com/office/drawing/2014/main" id="{0679DF31-B959-A142-83E0-8BC0C315EF76}"/>
-                </a:ext>
-              </a:extLst>
-            </p:cNvPr>
+            <p:cNvPr id="84" name="矩形 83"/>
             <p:cNvSpPr/>
             <p:nvPr/>
           </p:nvSpPr>
@@ -5935,13 +5527,7 @@
         </p:sp>
         <p:sp>
           <p:nvSpPr>
-            <p:cNvPr id="85" name="矩形 84">
-              <a:extLst>
-                <a:ext uri="{FF2B5EF4-FFF2-40B4-BE49-F238E27FC236}">
-                  <a16:creationId xmlns:a16="http://schemas.microsoft.com/office/drawing/2014/main" id="{40DE160C-D241-BA7F-8EA4-8485983AD824}"/>
-                </a:ext>
-              </a:extLst>
-            </p:cNvPr>
+            <p:cNvPr id="85" name="矩形 84"/>
             <p:cNvSpPr/>
             <p:nvPr/>
           </p:nvSpPr>
@@ -5993,13 +5579,7 @@
         </p:sp>
         <p:sp>
           <p:nvSpPr>
-            <p:cNvPr id="86" name="矩形 85">
-              <a:extLst>
-                <a:ext uri="{FF2B5EF4-FFF2-40B4-BE49-F238E27FC236}">
-                  <a16:creationId xmlns:a16="http://schemas.microsoft.com/office/drawing/2014/main" id="{0C2EF4F7-03E5-1B16-1685-D8D4FC4C5194}"/>
-                </a:ext>
-              </a:extLst>
-            </p:cNvPr>
+            <p:cNvPr id="86" name="矩形 85"/>
             <p:cNvSpPr/>
             <p:nvPr/>
           </p:nvSpPr>
@@ -6053,13 +5633,7 @@
         </p:sp>
         <p:sp>
           <p:nvSpPr>
-            <p:cNvPr id="87" name="矩形 86">
-              <a:extLst>
-                <a:ext uri="{FF2B5EF4-FFF2-40B4-BE49-F238E27FC236}">
-                  <a16:creationId xmlns:a16="http://schemas.microsoft.com/office/drawing/2014/main" id="{B226EB50-E154-22E2-08D1-E18356C34EC8}"/>
-                </a:ext>
-              </a:extLst>
-            </p:cNvPr>
+            <p:cNvPr id="87" name="矩形 86"/>
             <p:cNvSpPr/>
             <p:nvPr/>
           </p:nvSpPr>
@@ -6111,13 +5685,7 @@
         </p:sp>
         <p:sp>
           <p:nvSpPr>
-            <p:cNvPr id="88" name="矩形 87">
-              <a:extLst>
-                <a:ext uri="{FF2B5EF4-FFF2-40B4-BE49-F238E27FC236}">
-                  <a16:creationId xmlns:a16="http://schemas.microsoft.com/office/drawing/2014/main" id="{37544575-A297-4812-3520-B2E47E3D3C3D}"/>
-                </a:ext>
-              </a:extLst>
-            </p:cNvPr>
+            <p:cNvPr id="88" name="矩形 87"/>
             <p:cNvSpPr/>
             <p:nvPr/>
           </p:nvSpPr>
@@ -6165,13 +5733,7 @@
         <mc:Choice xmlns:a14="http://schemas.microsoft.com/office/drawing/2010/main" Requires="a14">
           <p:sp>
             <p:nvSpPr>
-              <p:cNvPr id="98" name="矩形 97">
-                <a:extLst>
-                  <a:ext uri="{FF2B5EF4-FFF2-40B4-BE49-F238E27FC236}">
-                    <a16:creationId xmlns:a16="http://schemas.microsoft.com/office/drawing/2014/main" id="{A2A888A8-4E8B-1B7B-131C-E3B2DBD4BDBE}"/>
-                  </a:ext>
-                </a:extLst>
-              </p:cNvPr>
+              <p:cNvPr id="98" name="矩形 97"/>
               <p:cNvSpPr/>
               <p:nvPr/>
             </p:nvSpPr>
@@ -6222,7 +5784,7 @@
                       <m:sSub>
                         <m:sSubPr>
                           <m:ctrlPr>
-                            <a:rPr lang="en-US" altLang="zh-CN" sz="1600" i="1" noProof="1">
+                            <a:rPr lang="en-US" altLang="zh-CN" sz="1800" i="1" noProof="1">
                               <a:solidFill>
                                 <a:schemeClr val="tx1"/>
                               </a:solidFill>
@@ -6232,7 +5794,7 @@
                         </m:sSubPr>
                         <m:e>
                           <m:r>
-                            <a:rPr lang="en-US" altLang="zh-CN" sz="1600" i="1" noProof="1">
+                            <a:rPr lang="en-US" altLang="zh-CN" sz="1800" i="1" noProof="1">
                               <a:solidFill>
                                 <a:schemeClr val="tx1"/>
                               </a:solidFill>
@@ -6243,7 +5805,7 @@
                         </m:e>
                         <m:sub>
                           <m:r>
-                            <a:rPr lang="en-US" altLang="zh-CN" sz="1600" i="1" noProof="1">
+                            <a:rPr lang="en-US" altLang="zh-CN" sz="1800" i="1" noProof="1">
                               <a:solidFill>
                                 <a:schemeClr val="tx1"/>
                               </a:solidFill>
@@ -6256,10 +5818,11 @@
                     </m:oMath>
                   </m:oMathPara>
                 </a14:m>
-                <a:endParaRPr lang="en-US" altLang="zh-CN" sz="1600" baseline="-25000" noProof="1">
+                <a:endParaRPr lang="en-US" altLang="zh-CN" sz="1800" i="1" baseline="-25000" noProof="1">
                   <a:solidFill>
                     <a:schemeClr val="tx1"/>
                   </a:solidFill>
+                  <a:latin typeface="Cambria Math" panose="02040503050406030204" pitchFamily="18" charset="0"/>
                 </a:endParaRPr>
               </a:p>
             </p:txBody>
@@ -6268,13 +5831,7 @@
         <mc:Fallback>
           <p:sp>
             <p:nvSpPr>
-              <p:cNvPr id="98" name="矩形 97">
-                <a:extLst>
-                  <a:ext uri="{FF2B5EF4-FFF2-40B4-BE49-F238E27FC236}">
-                    <a16:creationId xmlns:a16="http://schemas.microsoft.com/office/drawing/2014/main" id="{A2A888A8-4E8B-1B7B-131C-E3B2DBD4BDBE}"/>
-                  </a:ext>
-                </a:extLst>
-              </p:cNvPr>
+              <p:cNvPr id="98" name="矩形 97"/>
               <p:cNvSpPr>
                 <a:spLocks noRot="1" noChangeAspect="1" noMove="1" noResize="1" noEditPoints="1" noAdjustHandles="1" noChangeArrowheads="1" noChangeShapeType="1" noTextEdit="1"/>
               </p:cNvSpPr>
@@ -6288,10 +5845,10 @@
               <a:prstGeom prst="rect">
                 <a:avLst/>
               </a:prstGeom>
-              <a:blipFill>
-                <a:blip r:embed="rId10"/>
+              <a:blipFill rotWithShape="1">
+                <a:blip r:embed="rId8"/>
                 <a:stretch>
-                  <a:fillRect/>
+                  <a:fillRect l="-3071" t="-3017" r="-2996" b="-2900"/>
                 </a:stretch>
               </a:blipFill>
               <a:ln w="25400">
@@ -6300,6 +5857,22 @@
                 </a:solidFill>
               </a:ln>
             </p:spPr>
+            <p:style>
+              <a:lnRef idx="2">
+                <a:schemeClr val="accent1">
+                  <a:shade val="50000"/>
+                </a:schemeClr>
+              </a:lnRef>
+              <a:fillRef idx="1">
+                <a:schemeClr val="accent1"/>
+              </a:fillRef>
+              <a:effectRef idx="0">
+                <a:schemeClr val="accent1"/>
+              </a:effectRef>
+              <a:fontRef idx="minor">
+                <a:schemeClr val="lt1"/>
+              </a:fontRef>
+            </p:style>
             <p:txBody>
               <a:bodyPr/>
               <a:lstStyle/>
@@ -6317,20 +5890,14 @@
       </mc:AlternateContent>
       <p:sp>
         <p:nvSpPr>
-          <p:cNvPr id="127" name="左弧形箭头 126">
-            <a:extLst>
-              <a:ext uri="{FF2B5EF4-FFF2-40B4-BE49-F238E27FC236}">
-                <a16:creationId xmlns:a16="http://schemas.microsoft.com/office/drawing/2014/main" id="{4490452C-EF75-2936-BA2C-4D2E8653CD31}"/>
-              </a:ext>
-            </a:extLst>
-          </p:cNvPr>
+          <p:cNvPr id="127" name="左弧形箭头 126"/>
           <p:cNvSpPr/>
           <p:nvPr/>
         </p:nvSpPr>
         <p:spPr>
           <a:xfrm>
-            <a:off x="5280025" y="1185319"/>
-            <a:ext cx="236538" cy="893763"/>
+            <a:off x="5280025" y="1209675"/>
+            <a:ext cx="236855" cy="869950"/>
           </a:xfrm>
           <a:prstGeom prst="curvedRightArrow">
             <a:avLst/>
@@ -6375,33 +5942,21 @@
       </p:sp>
       <p:grpSp>
         <p:nvGrpSpPr>
-          <p:cNvPr id="10" name="组合 9">
-            <a:extLst>
-              <a:ext uri="{FF2B5EF4-FFF2-40B4-BE49-F238E27FC236}">
-                <a16:creationId xmlns:a16="http://schemas.microsoft.com/office/drawing/2014/main" id="{7408F28E-3884-DC92-61B0-1EE80E04C3A9}"/>
-              </a:ext>
-            </a:extLst>
-          </p:cNvPr>
+          <p:cNvPr id="10" name="组合 9"/>
           <p:cNvGrpSpPr/>
           <p:nvPr/>
         </p:nvGrpSpPr>
         <p:grpSpPr>
           <a:xfrm>
             <a:off x="4147087" y="76369"/>
-            <a:ext cx="1306271" cy="306387"/>
+            <a:ext cx="1306271" cy="306943"/>
             <a:chOff x="3871094" y="162638"/>
-            <a:chExt cx="1306271" cy="306387"/>
+            <a:chExt cx="1306271" cy="306943"/>
           </a:xfrm>
         </p:grpSpPr>
         <p:sp>
           <p:nvSpPr>
-            <p:cNvPr id="2" name="矩形 1">
-              <a:extLst>
-                <a:ext uri="{FF2B5EF4-FFF2-40B4-BE49-F238E27FC236}">
-                  <a16:creationId xmlns:a16="http://schemas.microsoft.com/office/drawing/2014/main" id="{A48919D1-2EBC-4AAB-CE83-62AD1CE3CAEE}"/>
-                </a:ext>
-              </a:extLst>
-            </p:cNvPr>
+            <p:cNvPr id="2" name="矩形 1"/>
             <p:cNvSpPr/>
             <p:nvPr/>
           </p:nvSpPr>
@@ -6446,13 +6001,7 @@
         </p:sp>
         <p:sp>
           <p:nvSpPr>
-            <p:cNvPr id="2094" name="文本框 2">
-              <a:extLst>
-                <a:ext uri="{FF2B5EF4-FFF2-40B4-BE49-F238E27FC236}">
-                  <a16:creationId xmlns:a16="http://schemas.microsoft.com/office/drawing/2014/main" id="{453F7665-24DF-A915-5200-60509DC030BE}"/>
-                </a:ext>
-              </a:extLst>
-            </p:cNvPr>
+            <p:cNvPr id="2094" name="文本框 2"/>
             <p:cNvSpPr txBox="1">
               <a:spLocks noChangeArrowheads="1"/>
             </p:cNvSpPr>
@@ -6461,7 +6010,7 @@
           <p:spPr bwMode="auto">
             <a:xfrm>
               <a:off x="4212165" y="192721"/>
-              <a:ext cx="965200" cy="246221"/>
+              <a:ext cx="965200" cy="276860"/>
             </a:xfrm>
             <a:prstGeom prst="rect">
               <a:avLst/>
@@ -6497,42 +6046,31 @@
             <a:lstStyle/>
             <a:p>
               <a:r>
-                <a:rPr lang="en-US" altLang="zh-CN" sz="1600" dirty="0"/>
+                <a:rPr lang="en-US" altLang="zh-CN" sz="1800" dirty="0"/>
                 <a:t>unused</a:t>
               </a:r>
+              <a:endParaRPr lang="en-US" altLang="zh-CN" sz="1800" dirty="0"/>
             </a:p>
           </p:txBody>
         </p:sp>
       </p:grpSp>
       <p:grpSp>
         <p:nvGrpSpPr>
-          <p:cNvPr id="5" name="组合 4">
-            <a:extLst>
-              <a:ext uri="{FF2B5EF4-FFF2-40B4-BE49-F238E27FC236}">
-                <a16:creationId xmlns:a16="http://schemas.microsoft.com/office/drawing/2014/main" id="{DE345170-DA4A-B572-EEE3-1C07A9C81BD0}"/>
-              </a:ext>
-            </a:extLst>
-          </p:cNvPr>
+          <p:cNvPr id="5" name="组合 4"/>
           <p:cNvGrpSpPr/>
           <p:nvPr/>
         </p:nvGrpSpPr>
         <p:grpSpPr>
           <a:xfrm>
-            <a:off x="5269229" y="76369"/>
-            <a:ext cx="1177683" cy="303213"/>
+            <a:off x="5340984" y="76369"/>
+            <a:ext cx="1177683" cy="305356"/>
             <a:chOff x="3871094" y="-226327"/>
-            <a:chExt cx="1177683" cy="303213"/>
+            <a:chExt cx="1177683" cy="305356"/>
           </a:xfrm>
         </p:grpSpPr>
         <p:sp>
           <p:nvSpPr>
-            <p:cNvPr id="2095" name="文本框 4">
-              <a:extLst>
-                <a:ext uri="{FF2B5EF4-FFF2-40B4-BE49-F238E27FC236}">
-                  <a16:creationId xmlns:a16="http://schemas.microsoft.com/office/drawing/2014/main" id="{DB238D7B-D79D-78B3-6D3C-ACFF24D5B0A6}"/>
-                </a:ext>
-              </a:extLst>
-            </p:cNvPr>
+            <p:cNvPr id="2095" name="文本框 4"/>
             <p:cNvSpPr txBox="1">
               <a:spLocks noChangeArrowheads="1"/>
             </p:cNvSpPr>
@@ -6541,7 +6079,7 @@
           <p:spPr bwMode="auto">
             <a:xfrm>
               <a:off x="4212165" y="-197831"/>
-              <a:ext cx="836612" cy="246221"/>
+              <a:ext cx="836612" cy="276860"/>
             </a:xfrm>
             <a:prstGeom prst="rect">
               <a:avLst/>
@@ -6577,21 +6115,16 @@
             <a:lstStyle/>
             <a:p>
               <a:r>
-                <a:rPr lang="en-US" altLang="zh-CN" sz="1600" dirty="0"/>
+                <a:rPr lang="en-US" altLang="zh-CN" sz="1800" dirty="0"/>
                 <a:t>valid</a:t>
               </a:r>
+              <a:endParaRPr lang="en-US" altLang="zh-CN" sz="1800" dirty="0"/>
             </a:p>
           </p:txBody>
         </p:sp>
         <p:sp>
           <p:nvSpPr>
-            <p:cNvPr id="6" name="矩形 5">
-              <a:extLst>
-                <a:ext uri="{FF2B5EF4-FFF2-40B4-BE49-F238E27FC236}">
-                  <a16:creationId xmlns:a16="http://schemas.microsoft.com/office/drawing/2014/main" id="{6309E520-237D-ADAC-7098-44C1F6BEB765}"/>
-                </a:ext>
-              </a:extLst>
-            </p:cNvPr>
+            <p:cNvPr id="6" name="矩形 5"/>
             <p:cNvSpPr/>
             <p:nvPr/>
           </p:nvSpPr>
@@ -6644,13 +6177,7 @@
       </p:grpSp>
       <p:grpSp>
         <p:nvGrpSpPr>
-          <p:cNvPr id="51" name="组合 50">
-            <a:extLst>
-              <a:ext uri="{FF2B5EF4-FFF2-40B4-BE49-F238E27FC236}">
-                <a16:creationId xmlns:a16="http://schemas.microsoft.com/office/drawing/2014/main" id="{330C7EA2-0D0A-3214-944A-00FBE2B9438F}"/>
-              </a:ext>
-            </a:extLst>
-          </p:cNvPr>
+          <p:cNvPr id="51" name="组合 50"/>
           <p:cNvGrpSpPr/>
           <p:nvPr/>
         </p:nvGrpSpPr>
@@ -6666,13 +6193,7 @@
           <mc:Choice xmlns:a14="http://schemas.microsoft.com/office/drawing/2010/main" Requires="a14">
             <p:sp>
               <p:nvSpPr>
-                <p:cNvPr id="104" name="矩形 103">
-                  <a:extLst>
-                    <a:ext uri="{FF2B5EF4-FFF2-40B4-BE49-F238E27FC236}">
-                      <a16:creationId xmlns:a16="http://schemas.microsoft.com/office/drawing/2014/main" id="{16101639-3ABB-CB01-9E96-0C6C6C87E6DE}"/>
-                    </a:ext>
-                  </a:extLst>
-                </p:cNvPr>
+                <p:cNvPr id="104" name="矩形 103"/>
                 <p:cNvSpPr/>
                 <p:nvPr/>
               </p:nvSpPr>
@@ -6725,7 +6246,7 @@
                         <m:sSub>
                           <m:sSubPr>
                             <m:ctrlPr>
-                              <a:rPr lang="en-US" altLang="zh-CN" sz="1600" noProof="1">
+                              <a:rPr lang="en-US" altLang="zh-CN" sz="1800" noProof="1">
                                 <a:solidFill>
                                   <a:schemeClr val="tx1"/>
                                 </a:solidFill>
@@ -6734,20 +6255,22 @@
                           </m:sSubPr>
                           <m:e>
                             <m:r>
-                              <a:rPr lang="en-US" altLang="zh-CN" sz="1600" noProof="1">
+                              <a:rPr lang="en-US" altLang="zh-CN" sz="1800" noProof="1">
                                 <a:solidFill>
                                   <a:schemeClr val="tx1"/>
                                 </a:solidFill>
+                                <a:latin typeface="Cambria Math" panose="02040503050406030204" pitchFamily="18" charset="0"/>
                               </a:rPr>
                               <m:t>𝑎</m:t>
                             </m:r>
                           </m:e>
                           <m:sub>
                             <m:r>
-                              <a:rPr lang="en-US" altLang="zh-CN" sz="1600" noProof="1">
+                              <a:rPr lang="en-US" altLang="zh-CN" sz="1800" noProof="1">
                                 <a:solidFill>
                                   <a:schemeClr val="tx1"/>
                                 </a:solidFill>
+                                <a:latin typeface="Cambria Math" panose="02040503050406030204" pitchFamily="18" charset="0"/>
                               </a:rPr>
                               <m:t>0</m:t>
                             </m:r>
@@ -6756,10 +6279,11 @@
                       </m:oMath>
                     </m:oMathPara>
                   </a14:m>
-                  <a:endParaRPr lang="en-US" altLang="zh-CN" sz="1600" noProof="1">
+                  <a:endParaRPr lang="en-US" altLang="zh-CN" sz="1800" noProof="1">
                     <a:solidFill>
                       <a:schemeClr val="tx1"/>
                     </a:solidFill>
+                    <a:latin typeface="Cambria Math" panose="02040503050406030204" pitchFamily="18" charset="0"/>
                   </a:endParaRPr>
                 </a:p>
               </p:txBody>
@@ -6768,13 +6292,7 @@
           <mc:Fallback>
             <p:sp>
               <p:nvSpPr>
-                <p:cNvPr id="104" name="矩形 103">
-                  <a:extLst>
-                    <a:ext uri="{FF2B5EF4-FFF2-40B4-BE49-F238E27FC236}">
-                      <a16:creationId xmlns:a16="http://schemas.microsoft.com/office/drawing/2014/main" id="{16101639-3ABB-CB01-9E96-0C6C6C87E6DE}"/>
-                    </a:ext>
-                  </a:extLst>
-                </p:cNvPr>
+                <p:cNvPr id="104" name="矩形 103"/>
                 <p:cNvSpPr>
                   <a:spLocks noRot="1" noChangeAspect="1" noMove="1" noResize="1" noEditPoints="1" noAdjustHandles="1" noChangeArrowheads="1" noChangeShapeType="1" noTextEdit="1"/>
                 </p:cNvSpPr>
@@ -6788,11 +6306,8 @@
                 <a:prstGeom prst="rect">
                   <a:avLst/>
                 </a:prstGeom>
-                <a:blipFill>
-                  <a:blip r:embed="rId11"/>
-                  <a:stretch>
-                    <a:fillRect b="-6122"/>
-                  </a:stretch>
+                <a:blipFill rotWithShape="1">
+                  <a:blip r:embed="rId9"/>
                 </a:blipFill>
                 <a:ln w="25400">
                   <a:solidFill>
@@ -6800,6 +6315,22 @@
                   </a:solidFill>
                 </a:ln>
               </p:spPr>
+              <p:style>
+                <a:lnRef idx="2">
+                  <a:schemeClr val="accent1">
+                    <a:shade val="50000"/>
+                  </a:schemeClr>
+                </a:lnRef>
+                <a:fillRef idx="1">
+                  <a:schemeClr val="accent1"/>
+                </a:fillRef>
+                <a:effectRef idx="0">
+                  <a:schemeClr val="accent1"/>
+                </a:effectRef>
+                <a:fontRef idx="minor">
+                  <a:schemeClr val="lt1"/>
+                </a:fontRef>
+              </p:style>
               <p:txBody>
                 <a:bodyPr/>
                 <a:lstStyle/>
@@ -6819,13 +6350,7 @@
           <mc:Choice xmlns:a14="http://schemas.microsoft.com/office/drawing/2010/main" Requires="a14">
             <p:sp>
               <p:nvSpPr>
-                <p:cNvPr id="105" name="矩形 104">
-                  <a:extLst>
-                    <a:ext uri="{FF2B5EF4-FFF2-40B4-BE49-F238E27FC236}">
-                      <a16:creationId xmlns:a16="http://schemas.microsoft.com/office/drawing/2014/main" id="{A3AFB7DF-BF14-35B8-7A11-55F5267584C1}"/>
-                    </a:ext>
-                  </a:extLst>
-                </p:cNvPr>
+                <p:cNvPr id="105" name="矩形 104"/>
                 <p:cNvSpPr/>
                 <p:nvPr/>
               </p:nvSpPr>
@@ -6878,7 +6403,7 @@
                         <m:sSub>
                           <m:sSubPr>
                             <m:ctrlPr>
-                              <a:rPr lang="en-US" altLang="zh-CN" sz="1600" noProof="1">
+                              <a:rPr lang="en-US" altLang="zh-CN" sz="1800" noProof="1">
                                 <a:solidFill>
                                   <a:schemeClr val="tx1"/>
                                 </a:solidFill>
@@ -6887,20 +6412,22 @@
                           </m:sSubPr>
                           <m:e>
                             <m:r>
-                              <a:rPr lang="en-US" altLang="zh-CN" sz="1600" noProof="1">
+                              <a:rPr lang="en-US" altLang="zh-CN" sz="1800" noProof="1">
                                 <a:solidFill>
                                   <a:schemeClr val="tx1"/>
                                 </a:solidFill>
+                                <a:latin typeface="Cambria Math" panose="02040503050406030204" pitchFamily="18" charset="0"/>
                               </a:rPr>
                               <m:t>𝑎</m:t>
                             </m:r>
                           </m:e>
                           <m:sub>
                             <m:r>
-                              <a:rPr lang="en-US" altLang="zh-CN" sz="1600" noProof="1">
+                              <a:rPr lang="en-US" altLang="zh-CN" sz="1800" noProof="1">
                                 <a:solidFill>
                                   <a:schemeClr val="tx1"/>
                                 </a:solidFill>
+                                <a:latin typeface="Cambria Math" panose="02040503050406030204" pitchFamily="18" charset="0"/>
                               </a:rPr>
                               <m:t>2</m:t>
                             </m:r>
@@ -6909,10 +6436,11 @@
                       </m:oMath>
                     </m:oMathPara>
                   </a14:m>
-                  <a:endParaRPr lang="en-US" altLang="zh-CN" sz="1600" noProof="1">
+                  <a:endParaRPr lang="en-US" altLang="zh-CN" sz="1800" noProof="1">
                     <a:solidFill>
                       <a:schemeClr val="tx1"/>
                     </a:solidFill>
+                    <a:latin typeface="Cambria Math" panose="02040503050406030204" pitchFamily="18" charset="0"/>
                   </a:endParaRPr>
                 </a:p>
               </p:txBody>
@@ -6921,13 +6449,7 @@
           <mc:Fallback>
             <p:sp>
               <p:nvSpPr>
-                <p:cNvPr id="105" name="矩形 104">
-                  <a:extLst>
-                    <a:ext uri="{FF2B5EF4-FFF2-40B4-BE49-F238E27FC236}">
-                      <a16:creationId xmlns:a16="http://schemas.microsoft.com/office/drawing/2014/main" id="{A3AFB7DF-BF14-35B8-7A11-55F5267584C1}"/>
-                    </a:ext>
-                  </a:extLst>
-                </p:cNvPr>
+                <p:cNvPr id="105" name="矩形 104"/>
                 <p:cNvSpPr>
                   <a:spLocks noRot="1" noChangeAspect="1" noMove="1" noResize="1" noEditPoints="1" noAdjustHandles="1" noChangeArrowheads="1" noChangeShapeType="1" noTextEdit="1"/>
                 </p:cNvSpPr>
@@ -6941,11 +6463,8 @@
                 <a:prstGeom prst="rect">
                   <a:avLst/>
                 </a:prstGeom>
-                <a:blipFill>
-                  <a:blip r:embed="rId12"/>
-                  <a:stretch>
-                    <a:fillRect b="-4000"/>
-                  </a:stretch>
+                <a:blipFill rotWithShape="1">
+                  <a:blip r:embed="rId10"/>
                 </a:blipFill>
                 <a:ln w="25400">
                   <a:solidFill>
@@ -6953,6 +6472,22 @@
                   </a:solidFill>
                 </a:ln>
               </p:spPr>
+              <p:style>
+                <a:lnRef idx="2">
+                  <a:schemeClr val="accent1">
+                    <a:shade val="50000"/>
+                  </a:schemeClr>
+                </a:lnRef>
+                <a:fillRef idx="1">
+                  <a:schemeClr val="accent1"/>
+                </a:fillRef>
+                <a:effectRef idx="0">
+                  <a:schemeClr val="accent1"/>
+                </a:effectRef>
+                <a:fontRef idx="minor">
+                  <a:schemeClr val="lt1"/>
+                </a:fontRef>
+              </p:style>
               <p:txBody>
                 <a:bodyPr/>
                 <a:lstStyle/>
@@ -6970,13 +6505,7 @@
         </mc:AlternateContent>
         <p:sp>
           <p:nvSpPr>
-            <p:cNvPr id="106" name="矩形 105">
-              <a:extLst>
-                <a:ext uri="{FF2B5EF4-FFF2-40B4-BE49-F238E27FC236}">
-                  <a16:creationId xmlns:a16="http://schemas.microsoft.com/office/drawing/2014/main" id="{E7AE12CE-9D1E-AB24-E273-453D0F6E31ED}"/>
-                </a:ext>
-              </a:extLst>
-            </p:cNvPr>
+            <p:cNvPr id="106" name="矩形 105"/>
             <p:cNvSpPr/>
             <p:nvPr/>
           </p:nvSpPr>
@@ -7021,13 +6550,18 @@
             <a:p>
               <a:pPr algn="ctr"/>
               <a:r>
-                <a:rPr lang="en-US" altLang="zh-CN" sz="1600" noProof="1">
+                <a:rPr lang="en-US" altLang="zh-CN" sz="1800" noProof="1">
                   <a:solidFill>
                     <a:schemeClr val="tx1"/>
                   </a:solidFill>
                 </a:rPr>
                 <a:t>...</a:t>
               </a:r>
+              <a:endParaRPr lang="en-US" altLang="zh-CN" sz="1800" noProof="1">
+                <a:solidFill>
+                  <a:schemeClr val="tx1"/>
+                </a:solidFill>
+              </a:endParaRPr>
             </a:p>
           </p:txBody>
         </p:sp>
@@ -7035,13 +6569,7 @@
           <mc:Choice xmlns:a14="http://schemas.microsoft.com/office/drawing/2010/main" Requires="a14">
             <p:sp>
               <p:nvSpPr>
-                <p:cNvPr id="107" name="矩形 106">
-                  <a:extLst>
-                    <a:ext uri="{FF2B5EF4-FFF2-40B4-BE49-F238E27FC236}">
-                      <a16:creationId xmlns:a16="http://schemas.microsoft.com/office/drawing/2014/main" id="{78E2F1D8-F8EB-53C6-17AD-CB1DC84344C0}"/>
-                    </a:ext>
-                  </a:extLst>
-                </p:cNvPr>
+                <p:cNvPr id="107" name="矩形 106"/>
                 <p:cNvSpPr/>
                 <p:nvPr/>
               </p:nvSpPr>
@@ -7094,7 +6622,7 @@
                         <m:sSub>
                           <m:sSubPr>
                             <m:ctrlPr>
-                              <a:rPr lang="en-US" altLang="zh-CN" sz="1600" noProof="1">
+                              <a:rPr lang="en-US" altLang="zh-CN" sz="1800" noProof="1">
                                 <a:solidFill>
                                   <a:schemeClr val="tx1"/>
                                 </a:solidFill>
@@ -7103,20 +6631,22 @@
                           </m:sSubPr>
                           <m:e>
                             <m:r>
-                              <a:rPr lang="en-US" altLang="zh-CN" sz="1600" noProof="1">
+                              <a:rPr lang="en-US" altLang="zh-CN" sz="1800" noProof="1">
                                 <a:solidFill>
                                   <a:schemeClr val="tx1"/>
                                 </a:solidFill>
+                                <a:latin typeface="Cambria Math" panose="02040503050406030204" pitchFamily="18" charset="0"/>
                               </a:rPr>
                               <m:t>𝑎</m:t>
                             </m:r>
                           </m:e>
                           <m:sub>
                             <m:r>
-                              <a:rPr lang="en-US" altLang="zh-CN" sz="1600" noProof="1">
+                              <a:rPr lang="en-US" altLang="zh-CN" sz="1800" noProof="1">
                                 <a:solidFill>
                                   <a:schemeClr val="tx1"/>
                                 </a:solidFill>
+                                <a:latin typeface="Cambria Math" panose="02040503050406030204" pitchFamily="18" charset="0"/>
                               </a:rPr>
                               <m:t>8</m:t>
                             </m:r>
@@ -7125,10 +6655,11 @@
                       </m:oMath>
                     </m:oMathPara>
                   </a14:m>
-                  <a:endParaRPr lang="en-US" altLang="zh-CN" sz="1600" noProof="1">
+                  <a:endParaRPr lang="en-US" altLang="zh-CN" sz="1800" noProof="1">
                     <a:solidFill>
                       <a:schemeClr val="tx1"/>
                     </a:solidFill>
+                    <a:latin typeface="Cambria Math" panose="02040503050406030204" pitchFamily="18" charset="0"/>
                   </a:endParaRPr>
                 </a:p>
               </p:txBody>
@@ -7137,13 +6668,7 @@
           <mc:Fallback>
             <p:sp>
               <p:nvSpPr>
-                <p:cNvPr id="107" name="矩形 106">
-                  <a:extLst>
-                    <a:ext uri="{FF2B5EF4-FFF2-40B4-BE49-F238E27FC236}">
-                      <a16:creationId xmlns:a16="http://schemas.microsoft.com/office/drawing/2014/main" id="{78E2F1D8-F8EB-53C6-17AD-CB1DC84344C0}"/>
-                    </a:ext>
-                  </a:extLst>
-                </p:cNvPr>
+                <p:cNvPr id="107" name="矩形 106"/>
                 <p:cNvSpPr>
                   <a:spLocks noRot="1" noChangeAspect="1" noMove="1" noResize="1" noEditPoints="1" noAdjustHandles="1" noChangeArrowheads="1" noChangeShapeType="1" noTextEdit="1"/>
                 </p:cNvSpPr>
@@ -7157,11 +6682,8 @@
                 <a:prstGeom prst="rect">
                   <a:avLst/>
                 </a:prstGeom>
-                <a:blipFill>
-                  <a:blip r:embed="rId13"/>
-                  <a:stretch>
-                    <a:fillRect b="-6000"/>
-                  </a:stretch>
+                <a:blipFill rotWithShape="1">
+                  <a:blip r:embed="rId11"/>
                 </a:blipFill>
                 <a:ln w="25400">
                   <a:solidFill>
@@ -7169,6 +6691,22 @@
                   </a:solidFill>
                 </a:ln>
               </p:spPr>
+              <p:style>
+                <a:lnRef idx="2">
+                  <a:schemeClr val="accent1">
+                    <a:shade val="50000"/>
+                  </a:schemeClr>
+                </a:lnRef>
+                <a:fillRef idx="1">
+                  <a:schemeClr val="accent1"/>
+                </a:fillRef>
+                <a:effectRef idx="0">
+                  <a:schemeClr val="accent1"/>
+                </a:effectRef>
+                <a:fontRef idx="minor">
+                  <a:schemeClr val="lt1"/>
+                </a:fontRef>
+              </p:style>
               <p:txBody>
                 <a:bodyPr/>
                 <a:lstStyle/>
@@ -7186,13 +6724,7 @@
         </mc:AlternateContent>
         <p:sp>
           <p:nvSpPr>
-            <p:cNvPr id="108" name="矩形 107">
-              <a:extLst>
-                <a:ext uri="{FF2B5EF4-FFF2-40B4-BE49-F238E27FC236}">
-                  <a16:creationId xmlns:a16="http://schemas.microsoft.com/office/drawing/2014/main" id="{F10A59C4-60DF-6BBA-A203-AF086E9A453A}"/>
-                </a:ext>
-              </a:extLst>
-            </p:cNvPr>
+            <p:cNvPr id="108" name="矩形 107"/>
             <p:cNvSpPr/>
             <p:nvPr/>
           </p:nvSpPr>
@@ -7237,13 +6769,7 @@
         </p:sp>
         <p:sp>
           <p:nvSpPr>
-            <p:cNvPr id="7" name="矩形 6">
-              <a:extLst>
-                <a:ext uri="{FF2B5EF4-FFF2-40B4-BE49-F238E27FC236}">
-                  <a16:creationId xmlns:a16="http://schemas.microsoft.com/office/drawing/2014/main" id="{293E60CC-44D8-4AB3-6959-3DEA146F8A6B}"/>
-                </a:ext>
-              </a:extLst>
-            </p:cNvPr>
+            <p:cNvPr id="7" name="矩形 6"/>
             <p:cNvSpPr/>
             <p:nvPr/>
           </p:nvSpPr>
@@ -7295,13 +6821,7 @@
         </p:sp>
         <p:sp>
           <p:nvSpPr>
-            <p:cNvPr id="8" name="矩形 7">
-              <a:extLst>
-                <a:ext uri="{FF2B5EF4-FFF2-40B4-BE49-F238E27FC236}">
-                  <a16:creationId xmlns:a16="http://schemas.microsoft.com/office/drawing/2014/main" id="{396F0173-11F8-9F98-2431-9510E52522E9}"/>
-                </a:ext>
-              </a:extLst>
-            </p:cNvPr>
+            <p:cNvPr id="8" name="矩形 7"/>
             <p:cNvSpPr/>
             <p:nvPr/>
           </p:nvSpPr>
@@ -7355,13 +6875,7 @@
         </p:sp>
         <p:sp>
           <p:nvSpPr>
-            <p:cNvPr id="9" name="矩形 8">
-              <a:extLst>
-                <a:ext uri="{FF2B5EF4-FFF2-40B4-BE49-F238E27FC236}">
-                  <a16:creationId xmlns:a16="http://schemas.microsoft.com/office/drawing/2014/main" id="{C96F2950-F478-BAE2-0B6A-33AEBA9531C9}"/>
-                </a:ext>
-              </a:extLst>
-            </p:cNvPr>
+            <p:cNvPr id="9" name="矩形 8"/>
             <p:cNvSpPr/>
             <p:nvPr/>
           </p:nvSpPr>
@@ -7414,33 +6928,21 @@
       </p:grpSp>
       <p:grpSp>
         <p:nvGrpSpPr>
-          <p:cNvPr id="3" name="组合 2">
-            <a:extLst>
-              <a:ext uri="{FF2B5EF4-FFF2-40B4-BE49-F238E27FC236}">
-                <a16:creationId xmlns:a16="http://schemas.microsoft.com/office/drawing/2014/main" id="{3D4B08A1-03BD-480B-8D96-FC4650A01FB7}"/>
-              </a:ext>
-            </a:extLst>
-          </p:cNvPr>
+          <p:cNvPr id="3" name="组合 2"/>
           <p:cNvGrpSpPr/>
           <p:nvPr/>
         </p:nvGrpSpPr>
         <p:grpSpPr>
           <a:xfrm>
             <a:off x="6262780" y="76367"/>
-            <a:ext cx="1225308" cy="298450"/>
+            <a:ext cx="1225308" cy="302975"/>
             <a:chOff x="3871094" y="-610286"/>
-            <a:chExt cx="1225308" cy="298450"/>
+            <a:chExt cx="1225308" cy="302975"/>
           </a:xfrm>
         </p:grpSpPr>
         <p:sp>
           <p:nvSpPr>
-            <p:cNvPr id="23" name="矩形 22">
-              <a:extLst>
-                <a:ext uri="{FF2B5EF4-FFF2-40B4-BE49-F238E27FC236}">
-                  <a16:creationId xmlns:a16="http://schemas.microsoft.com/office/drawing/2014/main" id="{DCB6D2F3-2566-5BEC-9481-30726BBA996F}"/>
-                </a:ext>
-              </a:extLst>
-            </p:cNvPr>
+            <p:cNvPr id="23" name="矩形 22"/>
             <p:cNvSpPr/>
             <p:nvPr/>
           </p:nvSpPr>
@@ -7494,13 +6996,7 @@
         </p:sp>
         <p:sp>
           <p:nvSpPr>
-            <p:cNvPr id="2106" name="文本框 24">
-              <a:extLst>
-                <a:ext uri="{FF2B5EF4-FFF2-40B4-BE49-F238E27FC236}">
-                  <a16:creationId xmlns:a16="http://schemas.microsoft.com/office/drawing/2014/main" id="{C592329A-B1D1-ECA5-BD0A-ADD047374C5A}"/>
-                </a:ext>
-              </a:extLst>
-            </p:cNvPr>
+            <p:cNvPr id="2106" name="文本框 24"/>
             <p:cNvSpPr txBox="1">
               <a:spLocks noChangeArrowheads="1"/>
             </p:cNvSpPr>
@@ -7509,7 +7005,7 @@
           <p:spPr bwMode="auto">
             <a:xfrm>
               <a:off x="4212165" y="-584171"/>
-              <a:ext cx="884237" cy="246221"/>
+              <a:ext cx="884237" cy="276860"/>
             </a:xfrm>
             <a:prstGeom prst="rect">
               <a:avLst/>
@@ -7545,22 +7041,17 @@
             <a:lstStyle/>
             <a:p>
               <a:r>
-                <a:rPr lang="en-US" altLang="zh-CN" sz="1600" dirty="0"/>
+                <a:rPr lang="en-US" altLang="zh-CN" sz="1800" dirty="0"/>
                 <a:t>stale</a:t>
               </a:r>
+              <a:endParaRPr lang="en-US" altLang="zh-CN" sz="1800" dirty="0"/>
             </a:p>
           </p:txBody>
         </p:sp>
       </p:grpSp>
       <p:sp>
         <p:nvSpPr>
-          <p:cNvPr id="2107" name="文本框 70">
-            <a:extLst>
-              <a:ext uri="{FF2B5EF4-FFF2-40B4-BE49-F238E27FC236}">
-                <a16:creationId xmlns:a16="http://schemas.microsoft.com/office/drawing/2014/main" id="{D469DECC-CF6D-34D5-39F2-BC4C89977D4B}"/>
-              </a:ext>
-            </a:extLst>
-          </p:cNvPr>
+          <p:cNvPr id="2107" name="文本框 70"/>
           <p:cNvSpPr txBox="1">
             <a:spLocks noChangeArrowheads="1"/>
           </p:cNvSpPr>
@@ -7568,8 +7059,8 @@
         </p:nvSpPr>
         <p:spPr bwMode="auto">
           <a:xfrm>
-            <a:off x="1511300" y="3138180"/>
-            <a:ext cx="647700" cy="246221"/>
+            <a:off x="1583055" y="3138180"/>
+            <a:ext cx="647700" cy="276860"/>
           </a:xfrm>
           <a:prstGeom prst="rect">
             <a:avLst/>
@@ -7606,21 +7097,16 @@
           <a:p>
             <a:pPr algn="ctr"/>
             <a:r>
-              <a:rPr lang="en-US" altLang="zh-CN" sz="1600" dirty="0"/>
+              <a:rPr lang="en-US" altLang="zh-CN" sz="1800" dirty="0"/>
               <a:t>Seg 0</a:t>
             </a:r>
+            <a:endParaRPr lang="en-US" altLang="zh-CN" sz="1800" dirty="0"/>
           </a:p>
         </p:txBody>
       </p:sp>
       <p:sp>
         <p:nvSpPr>
-          <p:cNvPr id="2108" name="文本框 70">
-            <a:extLst>
-              <a:ext uri="{FF2B5EF4-FFF2-40B4-BE49-F238E27FC236}">
-                <a16:creationId xmlns:a16="http://schemas.microsoft.com/office/drawing/2014/main" id="{F57A38B0-66CA-C2EC-5807-1CDA3393769F}"/>
-              </a:ext>
-            </a:extLst>
-          </p:cNvPr>
+          <p:cNvPr id="2108" name="文本框 70"/>
           <p:cNvSpPr txBox="1">
             <a:spLocks noChangeArrowheads="1"/>
           </p:cNvSpPr>
@@ -7629,7 +7115,7 @@
         <p:spPr bwMode="auto">
           <a:xfrm>
             <a:off x="2987675" y="3138180"/>
-            <a:ext cx="673100" cy="246221"/>
+            <a:ext cx="673100" cy="276860"/>
           </a:xfrm>
           <a:prstGeom prst="rect">
             <a:avLst/>
@@ -7666,21 +7152,16 @@
           <a:p>
             <a:pPr algn="ctr"/>
             <a:r>
-              <a:rPr lang="en-US" altLang="zh-CN" sz="1600" dirty="0"/>
+              <a:rPr lang="en-US" altLang="zh-CN" sz="1800" dirty="0"/>
               <a:t>Seg 0</a:t>
             </a:r>
+            <a:endParaRPr lang="en-US" altLang="zh-CN" sz="1800" dirty="0"/>
           </a:p>
         </p:txBody>
       </p:sp>
       <p:sp>
         <p:nvSpPr>
-          <p:cNvPr id="2109" name="文本框 70">
-            <a:extLst>
-              <a:ext uri="{FF2B5EF4-FFF2-40B4-BE49-F238E27FC236}">
-                <a16:creationId xmlns:a16="http://schemas.microsoft.com/office/drawing/2014/main" id="{AC0C8E30-A882-28D7-13A5-40E281704C73}"/>
-              </a:ext>
-            </a:extLst>
-          </p:cNvPr>
+          <p:cNvPr id="2109" name="文本框 70"/>
           <p:cNvSpPr txBox="1">
             <a:spLocks noChangeArrowheads="1"/>
           </p:cNvSpPr>
@@ -7688,8 +7169,8 @@
         </p:nvSpPr>
         <p:spPr bwMode="auto">
           <a:xfrm>
-            <a:off x="3640457" y="3138180"/>
-            <a:ext cx="663575" cy="246221"/>
+            <a:off x="3712212" y="3138180"/>
+            <a:ext cx="663575" cy="276860"/>
           </a:xfrm>
           <a:prstGeom prst="rect">
             <a:avLst/>
@@ -7726,21 +7207,16 @@
           <a:p>
             <a:pPr algn="ctr"/>
             <a:r>
-              <a:rPr lang="en-US" altLang="zh-CN" sz="1600" dirty="0"/>
+              <a:rPr lang="en-US" altLang="zh-CN" sz="1800" dirty="0"/>
               <a:t>Seg 1</a:t>
             </a:r>
+            <a:endParaRPr lang="en-US" altLang="zh-CN" sz="1800" dirty="0"/>
           </a:p>
         </p:txBody>
       </p:sp>
       <p:sp>
         <p:nvSpPr>
-          <p:cNvPr id="2112" name="文本框 70">
-            <a:extLst>
-              <a:ext uri="{FF2B5EF4-FFF2-40B4-BE49-F238E27FC236}">
-                <a16:creationId xmlns:a16="http://schemas.microsoft.com/office/drawing/2014/main" id="{F6E19B06-06C6-0EDC-7C62-C94F81B07025}"/>
-              </a:ext>
-            </a:extLst>
-          </p:cNvPr>
+          <p:cNvPr id="2112" name="文本框 70"/>
           <p:cNvSpPr txBox="1">
             <a:spLocks noChangeArrowheads="1"/>
           </p:cNvSpPr>
@@ -7749,7 +7225,7 @@
         <p:spPr bwMode="auto">
           <a:xfrm>
             <a:off x="5567365" y="3138180"/>
-            <a:ext cx="623887" cy="246221"/>
+            <a:ext cx="623887" cy="276860"/>
           </a:xfrm>
           <a:prstGeom prst="rect">
             <a:avLst/>
@@ -7786,21 +7262,16 @@
           <a:p>
             <a:pPr algn="ctr"/>
             <a:r>
-              <a:rPr lang="en-US" altLang="zh-CN" sz="1600" dirty="0"/>
+              <a:rPr lang="en-US" altLang="zh-CN" sz="1800" dirty="0"/>
               <a:t>Seg 0</a:t>
             </a:r>
+            <a:endParaRPr lang="en-US" altLang="zh-CN" sz="1800" dirty="0"/>
           </a:p>
         </p:txBody>
       </p:sp>
       <p:sp>
         <p:nvSpPr>
-          <p:cNvPr id="2113" name="文本框 70">
-            <a:extLst>
-              <a:ext uri="{FF2B5EF4-FFF2-40B4-BE49-F238E27FC236}">
-                <a16:creationId xmlns:a16="http://schemas.microsoft.com/office/drawing/2014/main" id="{24F3124F-91E7-A573-F138-C79413BB0C74}"/>
-              </a:ext>
-            </a:extLst>
-          </p:cNvPr>
+          <p:cNvPr id="2113" name="文本框 70"/>
           <p:cNvSpPr txBox="1">
             <a:spLocks noChangeArrowheads="1"/>
           </p:cNvSpPr>
@@ -7808,8 +7279,8 @@
         </p:nvSpPr>
         <p:spPr bwMode="auto">
           <a:xfrm>
-            <a:off x="6150295" y="3138180"/>
-            <a:ext cx="688975" cy="246221"/>
+            <a:off x="6222050" y="3138180"/>
+            <a:ext cx="688975" cy="276860"/>
           </a:xfrm>
           <a:prstGeom prst="rect">
             <a:avLst/>
@@ -7846,27 +7317,22 @@
           <a:p>
             <a:pPr algn="ctr"/>
             <a:r>
-              <a:rPr lang="en-US" altLang="zh-CN" sz="1600" dirty="0"/>
+              <a:rPr lang="en-US" altLang="zh-CN" sz="1800" dirty="0"/>
               <a:t>Seg 1</a:t>
             </a:r>
+            <a:endParaRPr lang="en-US" altLang="zh-CN" sz="1800" dirty="0"/>
           </a:p>
         </p:txBody>
       </p:sp>
       <p:grpSp>
         <p:nvGrpSpPr>
-          <p:cNvPr id="11" name="组合 10">
-            <a:extLst>
-              <a:ext uri="{FF2B5EF4-FFF2-40B4-BE49-F238E27FC236}">
-                <a16:creationId xmlns:a16="http://schemas.microsoft.com/office/drawing/2014/main" id="{7CF5A93A-084C-28A3-83A2-8FE02CB61C38}"/>
-              </a:ext>
-            </a:extLst>
-          </p:cNvPr>
+          <p:cNvPr id="11" name="组合 10"/>
           <p:cNvGrpSpPr/>
           <p:nvPr/>
         </p:nvGrpSpPr>
         <p:grpSpPr>
           <a:xfrm>
-            <a:off x="5111753" y="799398"/>
+            <a:off x="5144138" y="807653"/>
             <a:ext cx="538162" cy="371632"/>
             <a:chOff x="5111753" y="799398"/>
             <a:chExt cx="538162" cy="371632"/>
@@ -7874,13 +7340,7 @@
         </p:grpSpPr>
         <p:sp>
           <p:nvSpPr>
-            <p:cNvPr id="2118" name="文本框 35">
-              <a:extLst>
-                <a:ext uri="{FF2B5EF4-FFF2-40B4-BE49-F238E27FC236}">
-                  <a16:creationId xmlns:a16="http://schemas.microsoft.com/office/drawing/2014/main" id="{66081E7C-4CD8-E28A-C1BF-A6FE54FE3AAC}"/>
-                </a:ext>
-              </a:extLst>
-            </p:cNvPr>
+            <p:cNvPr id="2118" name="文本框 35"/>
             <p:cNvSpPr txBox="1">
               <a:spLocks noChangeArrowheads="1"/>
             </p:cNvSpPr>
@@ -7889,7 +7349,7 @@
           <p:spPr bwMode="auto">
             <a:xfrm>
               <a:off x="5111753" y="799398"/>
-              <a:ext cx="538162" cy="246221"/>
+              <a:ext cx="538162" cy="276860"/>
             </a:xfrm>
             <a:prstGeom prst="rect">
               <a:avLst/>
@@ -7926,21 +7386,16 @@
             <a:p>
               <a:pPr algn="ctr"/>
               <a:r>
-                <a:rPr lang="en-US" altLang="zh-CN" sz="1600" dirty="0"/>
+                <a:rPr lang="en-US" altLang="zh-CN" sz="1800" dirty="0"/>
                 <a:t>tail</a:t>
               </a:r>
+              <a:endParaRPr lang="en-US" altLang="zh-CN" sz="1800" dirty="0"/>
             </a:p>
           </p:txBody>
         </p:sp>
         <p:sp>
           <p:nvSpPr>
-            <p:cNvPr id="52" name="右箭头 51">
-              <a:extLst>
-                <a:ext uri="{FF2B5EF4-FFF2-40B4-BE49-F238E27FC236}">
-                  <a16:creationId xmlns:a16="http://schemas.microsoft.com/office/drawing/2014/main" id="{9BA0E474-CD72-2470-F410-A327365196FD}"/>
-                </a:ext>
-              </a:extLst>
-            </p:cNvPr>
+            <p:cNvPr id="52" name="右箭头 51"/>
             <p:cNvSpPr/>
             <p:nvPr/>
           </p:nvSpPr>
@@ -7979,153 +7434,149 @@
           </p:txBody>
         </p:sp>
       </p:grpSp>
-      <p:sp>
-        <p:nvSpPr>
-          <p:cNvPr id="2122" name="文本框 35">
-            <a:extLst>
-              <a:ext uri="{FF2B5EF4-FFF2-40B4-BE49-F238E27FC236}">
-                <a16:creationId xmlns:a16="http://schemas.microsoft.com/office/drawing/2014/main" id="{99F36D1B-128A-959A-6F76-7810B1611846}"/>
-              </a:ext>
-            </a:extLst>
-          </p:cNvPr>
-          <p:cNvSpPr txBox="1">
-            <a:spLocks noChangeArrowheads="1"/>
-          </p:cNvSpPr>
-          <p:nvPr/>
-        </p:nvSpPr>
-        <p:spPr bwMode="auto">
-          <a:xfrm>
-            <a:off x="5111752" y="2199732"/>
-            <a:ext cx="538163" cy="338137"/>
-          </a:xfrm>
-          <a:prstGeom prst="rect">
-            <a:avLst/>
-          </a:prstGeom>
-          <a:noFill/>
-          <a:ln>
-            <a:noFill/>
-          </a:ln>
-          <a:extLst>
-            <a:ext uri="{909E8E84-426E-40DD-AFC4-6F175D3DCCD1}">
-              <a14:hiddenFill xmlns:a14="http://schemas.microsoft.com/office/drawing/2010/main">
-                <a:solidFill>
-                  <a:srgbClr val="FFFFFF"/>
-                </a:solidFill>
-              </a14:hiddenFill>
-            </a:ext>
-            <a:ext uri="{91240B29-F687-4F45-9708-019B960494DF}">
-              <a14:hiddenLine xmlns:a14="http://schemas.microsoft.com/office/drawing/2010/main" w="9525">
-                <a:solidFill>
-                  <a:srgbClr val="000000"/>
-                </a:solidFill>
-                <a:miter lim="800000"/>
-                <a:headEnd/>
-                <a:tailEnd/>
-              </a14:hiddenLine>
-            </a:ext>
-          </a:extLst>
-        </p:spPr>
-        <p:txBody>
-          <a:bodyPr>
-            <a:spAutoFit/>
-          </a:bodyPr>
-          <a:lstStyle/>
-          <a:p>
-            <a:pPr algn="ctr"/>
-            <a:r>
-              <a:rPr lang="en-US" altLang="zh-CN" sz="1600">
-                <a:solidFill>
-                  <a:srgbClr val="C00000"/>
-                </a:solidFill>
-              </a:rPr>
-              <a:t>tail</a:t>
-            </a:r>
-          </a:p>
-        </p:txBody>
-      </p:sp>
-      <p:sp>
-        <p:nvSpPr>
-          <p:cNvPr id="4" name="右箭头 3">
-            <a:extLst>
-              <a:ext uri="{FF2B5EF4-FFF2-40B4-BE49-F238E27FC236}">
-                <a16:creationId xmlns:a16="http://schemas.microsoft.com/office/drawing/2014/main" id="{6ACB7031-A9EC-DDEC-6A20-427F4715E927}"/>
-              </a:ext>
-            </a:extLst>
-          </p:cNvPr>
-          <p:cNvSpPr/>
-          <p:nvPr/>
-        </p:nvSpPr>
-        <p:spPr>
-          <a:xfrm>
-            <a:off x="5232400" y="2128292"/>
-            <a:ext cx="331788" cy="141288"/>
-          </a:xfrm>
-          <a:prstGeom prst="rightArrow">
-            <a:avLst/>
-          </a:prstGeom>
-          <a:solidFill>
-            <a:srgbClr val="C00000"/>
-          </a:solidFill>
-          <a:ln>
-            <a:solidFill>
-              <a:srgbClr val="C00000"/>
-            </a:solidFill>
-          </a:ln>
-        </p:spPr>
-        <p:style>
-          <a:lnRef idx="2">
-            <a:schemeClr val="accent1">
-              <a:shade val="50000"/>
-            </a:schemeClr>
-          </a:lnRef>
-          <a:fillRef idx="1">
-            <a:schemeClr val="accent1"/>
-          </a:fillRef>
-          <a:effectRef idx="0">
-            <a:schemeClr val="accent1"/>
-          </a:effectRef>
-          <a:fontRef idx="minor">
-            <a:schemeClr val="lt1"/>
-          </a:fontRef>
-        </p:style>
-        <p:txBody>
-          <a:bodyPr anchor="ctr"/>
-          <a:lstStyle/>
-          <a:p>
-            <a:pPr algn="ctr"/>
-            <a:endParaRPr lang="zh-CN" altLang="en-US" noProof="1"/>
-          </a:p>
-        </p:txBody>
-      </p:sp>
       <p:grpSp>
         <p:nvGrpSpPr>
-          <p:cNvPr id="26" name="组合 25">
-            <a:extLst>
-              <a:ext uri="{FF2B5EF4-FFF2-40B4-BE49-F238E27FC236}">
-                <a16:creationId xmlns:a16="http://schemas.microsoft.com/office/drawing/2014/main" id="{34739515-3EDF-6603-B292-F95BCD197484}"/>
-              </a:ext>
-            </a:extLst>
-          </p:cNvPr>
+          <p:cNvPr id="21" name="组合 20"/>
           <p:cNvGrpSpPr/>
           <p:nvPr/>
         </p:nvGrpSpPr>
         <p:grpSpPr>
           <a:xfrm>
-            <a:off x="896740" y="1505883"/>
-            <a:ext cx="755650" cy="308084"/>
-            <a:chOff x="896740" y="1505883"/>
-            <a:chExt cx="755650" cy="308084"/>
+            <a:off x="5150485" y="2144395"/>
+            <a:ext cx="538480" cy="439420"/>
+            <a:chOff x="8050" y="3352"/>
+            <a:chExt cx="848" cy="692"/>
           </a:xfrm>
         </p:grpSpPr>
         <p:sp>
           <p:nvSpPr>
-            <p:cNvPr id="2071" name="文本框 68">
-              <a:extLst>
-                <a:ext uri="{FF2B5EF4-FFF2-40B4-BE49-F238E27FC236}">
-                  <a16:creationId xmlns:a16="http://schemas.microsoft.com/office/drawing/2014/main" id="{C94619C8-8B64-9F60-CCB9-A4117360D292}"/>
-                </a:ext>
-              </a:extLst>
-            </p:cNvPr>
+            <p:cNvPr id="2122" name="文本框 35"/>
+            <p:cNvSpPr txBox="1">
+              <a:spLocks noChangeArrowheads="1"/>
+            </p:cNvSpPr>
+            <p:nvPr/>
+          </p:nvSpPr>
+          <p:spPr bwMode="auto">
+            <a:xfrm>
+              <a:off x="8050" y="3464"/>
+              <a:ext cx="848" cy="580"/>
+            </a:xfrm>
+            <a:prstGeom prst="rect">
+              <a:avLst/>
+            </a:prstGeom>
+            <a:noFill/>
+            <a:ln>
+              <a:noFill/>
+            </a:ln>
+            <a:extLst>
+              <a:ext uri="{909E8E84-426E-40DD-AFC4-6F175D3DCCD1}">
+                <a14:hiddenFill xmlns:a14="http://schemas.microsoft.com/office/drawing/2010/main">
+                  <a:solidFill>
+                    <a:srgbClr val="FFFFFF"/>
+                  </a:solidFill>
+                </a14:hiddenFill>
+              </a:ext>
+              <a:ext uri="{91240B29-F687-4F45-9708-019B960494DF}">
+                <a14:hiddenLine xmlns:a14="http://schemas.microsoft.com/office/drawing/2010/main" w="9525">
+                  <a:solidFill>
+                    <a:srgbClr val="000000"/>
+                  </a:solidFill>
+                  <a:miter lim="800000"/>
+                  <a:headEnd/>
+                  <a:tailEnd/>
+                </a14:hiddenLine>
+              </a:ext>
+            </a:extLst>
+          </p:spPr>
+          <p:txBody>
+            <a:bodyPr>
+              <a:spAutoFit/>
+            </a:bodyPr>
+            <a:lstStyle/>
+            <a:p>
+              <a:pPr algn="ctr"/>
+              <a:r>
+                <a:rPr lang="en-US" altLang="zh-CN" sz="1800">
+                  <a:solidFill>
+                    <a:srgbClr val="C00000"/>
+                  </a:solidFill>
+                </a:rPr>
+                <a:t>tail</a:t>
+              </a:r>
+              <a:endParaRPr lang="en-US" altLang="zh-CN" sz="1800">
+                <a:solidFill>
+                  <a:srgbClr val="C00000"/>
+                </a:solidFill>
+              </a:endParaRPr>
+            </a:p>
+          </p:txBody>
+        </p:sp>
+        <p:sp>
+          <p:nvSpPr>
+            <p:cNvPr id="4" name="右箭头 3"/>
+            <p:cNvSpPr/>
+            <p:nvPr/>
+          </p:nvSpPr>
+          <p:spPr>
+            <a:xfrm>
+              <a:off x="8240" y="3352"/>
+              <a:ext cx="523" cy="223"/>
+            </a:xfrm>
+            <a:prstGeom prst="rightArrow">
+              <a:avLst/>
+            </a:prstGeom>
+            <a:solidFill>
+              <a:srgbClr val="C00000"/>
+            </a:solidFill>
+            <a:ln>
+              <a:solidFill>
+                <a:srgbClr val="C00000"/>
+              </a:solidFill>
+            </a:ln>
+          </p:spPr>
+          <p:style>
+            <a:lnRef idx="2">
+              <a:schemeClr val="accent1">
+                <a:shade val="50000"/>
+              </a:schemeClr>
+            </a:lnRef>
+            <a:fillRef idx="1">
+              <a:schemeClr val="accent1"/>
+            </a:fillRef>
+            <a:effectRef idx="0">
+              <a:schemeClr val="accent1"/>
+            </a:effectRef>
+            <a:fontRef idx="minor">
+              <a:schemeClr val="lt1"/>
+            </a:fontRef>
+          </p:style>
+          <p:txBody>
+            <a:bodyPr anchor="ctr"/>
+            <a:lstStyle/>
+            <a:p>
+              <a:pPr algn="ctr"/>
+              <a:endParaRPr lang="zh-CN" altLang="en-US" noProof="1"/>
+            </a:p>
+          </p:txBody>
+        </p:sp>
+      </p:grpSp>
+      <p:grpSp>
+        <p:nvGrpSpPr>
+          <p:cNvPr id="26" name="组合 25"/>
+          <p:cNvGrpSpPr/>
+          <p:nvPr/>
+        </p:nvGrpSpPr>
+        <p:grpSpPr>
+          <a:xfrm>
+            <a:off x="896740" y="1474768"/>
+            <a:ext cx="755650" cy="325120"/>
+            <a:chOff x="896740" y="1505883"/>
+            <a:chExt cx="755650" cy="325120"/>
+          </a:xfrm>
+        </p:grpSpPr>
+        <p:sp>
+          <p:nvSpPr>
+            <p:cNvPr id="2071" name="文本框 68"/>
             <p:cNvSpPr txBox="1">
               <a:spLocks noChangeArrowheads="1"/>
             </p:cNvSpPr>
@@ -8134,7 +7585,7 @@
           <p:spPr bwMode="auto">
             <a:xfrm>
               <a:off x="896740" y="1505883"/>
-              <a:ext cx="755650" cy="215444"/>
+              <a:ext cx="755650" cy="245745"/>
             </a:xfrm>
             <a:prstGeom prst="rect">
               <a:avLst/>
@@ -8171,28 +7622,23 @@
             <a:p>
               <a:pPr algn="ctr"/>
               <a:r>
-                <a:rPr lang="en-US" altLang="zh-CN" sz="1400" dirty="0"/>
+                <a:rPr lang="en-US" altLang="zh-CN" sz="1600" dirty="0"/>
                 <a:t>update</a:t>
               </a:r>
+              <a:endParaRPr lang="en-US" altLang="zh-CN" sz="1600" dirty="0"/>
             </a:p>
           </p:txBody>
         </p:sp>
         <p:sp>
           <p:nvSpPr>
-            <p:cNvPr id="15" name="右箭头 14">
-              <a:extLst>
-                <a:ext uri="{FF2B5EF4-FFF2-40B4-BE49-F238E27FC236}">
-                  <a16:creationId xmlns:a16="http://schemas.microsoft.com/office/drawing/2014/main" id="{672C5C6B-53EC-D815-23FB-655C71A1C54E}"/>
-                </a:ext>
-              </a:extLst>
-            </p:cNvPr>
+            <p:cNvPr id="15" name="右箭头 14"/>
             <p:cNvSpPr/>
             <p:nvPr/>
           </p:nvSpPr>
           <p:spPr>
             <a:xfrm>
-              <a:off x="1012825" y="1694905"/>
-              <a:ext cx="534988" cy="119062"/>
+              <a:off x="977385" y="1712258"/>
+              <a:ext cx="635000" cy="118745"/>
             </a:xfrm>
             <a:prstGeom prst="rightArrow">
               <a:avLst/>
@@ -8234,13 +7680,7 @@
       </p:grpSp>
       <p:sp>
         <p:nvSpPr>
-          <p:cNvPr id="2125" name="文本框 2">
-            <a:extLst>
-              <a:ext uri="{FF2B5EF4-FFF2-40B4-BE49-F238E27FC236}">
-                <a16:creationId xmlns:a16="http://schemas.microsoft.com/office/drawing/2014/main" id="{D9E0079E-156C-9F67-B356-B70E0CB65240}"/>
-              </a:ext>
-            </a:extLst>
-          </p:cNvPr>
+          <p:cNvPr id="2125" name="文本框 2"/>
           <p:cNvSpPr txBox="1">
             <a:spLocks noChangeArrowheads="1"/>
           </p:cNvSpPr>
@@ -8249,7 +7689,7 @@
         <p:spPr bwMode="auto">
           <a:xfrm>
             <a:off x="1153316" y="3307486"/>
-            <a:ext cx="458788" cy="276999"/>
+            <a:ext cx="458788" cy="307340"/>
           </a:xfrm>
           <a:prstGeom prst="rect">
             <a:avLst/>
@@ -8285,27 +7725,22 @@
           <a:lstStyle/>
           <a:p>
             <a:r>
-              <a:rPr lang="en-US" altLang="zh-CN" dirty="0"/>
+              <a:rPr lang="en-US" altLang="zh-CN" sz="2000" dirty="0"/>
               <a:t>(a)</a:t>
             </a:r>
+            <a:endParaRPr lang="en-US" altLang="zh-CN" sz="2000" dirty="0"/>
           </a:p>
         </p:txBody>
       </p:sp>
       <p:sp>
         <p:nvSpPr>
-          <p:cNvPr id="2126" name="文本框 4">
-            <a:extLst>
-              <a:ext uri="{FF2B5EF4-FFF2-40B4-BE49-F238E27FC236}">
-                <a16:creationId xmlns:a16="http://schemas.microsoft.com/office/drawing/2014/main" id="{2830A5AD-BB85-408E-D764-C2AF1D7F12E4}"/>
-              </a:ext>
-            </a:extLst>
-          </p:cNvPr>
+          <p:cNvPr id="2126" name="文本框 4"/>
           <p:cNvSpPr txBox="1">
             <a:spLocks noChangeArrowheads="1"/>
           </p:cNvSpPr>
           <p:nvPr>
             <p:custDataLst>
-              <p:tags r:id="rId1"/>
+              <p:tags r:id="rId12"/>
             </p:custDataLst>
           </p:nvPr>
         </p:nvSpPr>
@@ -8351,24 +7786,19 @@
               <a:rPr lang="en-US" altLang="zh-CN" dirty="0"/>
               <a:t>(b)</a:t>
             </a:r>
+            <a:endParaRPr lang="en-US" altLang="zh-CN" dirty="0"/>
           </a:p>
         </p:txBody>
       </p:sp>
       <p:grpSp>
         <p:nvGrpSpPr>
-          <p:cNvPr id="14" name="组合 13">
-            <a:extLst>
-              <a:ext uri="{FF2B5EF4-FFF2-40B4-BE49-F238E27FC236}">
-                <a16:creationId xmlns:a16="http://schemas.microsoft.com/office/drawing/2014/main" id="{FCE53E75-CD45-95EB-72B0-01C3D957758C}"/>
-              </a:ext>
-            </a:extLst>
-          </p:cNvPr>
+          <p:cNvPr id="14" name="组合 13"/>
           <p:cNvGrpSpPr/>
           <p:nvPr/>
         </p:nvGrpSpPr>
         <p:grpSpPr>
           <a:xfrm>
-            <a:off x="6631465" y="867828"/>
+            <a:off x="6704490" y="864018"/>
             <a:ext cx="538162" cy="371632"/>
             <a:chOff x="5111753" y="799398"/>
             <a:chExt cx="538162" cy="371632"/>
@@ -8376,13 +7806,7 @@
         </p:grpSpPr>
         <p:sp>
           <p:nvSpPr>
-            <p:cNvPr id="24" name="文本框 35">
-              <a:extLst>
-                <a:ext uri="{FF2B5EF4-FFF2-40B4-BE49-F238E27FC236}">
-                  <a16:creationId xmlns:a16="http://schemas.microsoft.com/office/drawing/2014/main" id="{D05F40B1-F0E9-9735-19E4-B0443F9EDDF6}"/>
-                </a:ext>
-              </a:extLst>
-            </p:cNvPr>
+            <p:cNvPr id="24" name="文本框 35"/>
             <p:cNvSpPr txBox="1">
               <a:spLocks noChangeArrowheads="1"/>
             </p:cNvSpPr>
@@ -8391,7 +7815,7 @@
           <p:spPr bwMode="auto">
             <a:xfrm>
               <a:off x="5111753" y="799398"/>
-              <a:ext cx="538162" cy="246221"/>
+              <a:ext cx="538162" cy="276860"/>
             </a:xfrm>
             <a:prstGeom prst="rect">
               <a:avLst/>
@@ -8428,21 +7852,16 @@
             <a:p>
               <a:pPr algn="ctr"/>
               <a:r>
-                <a:rPr lang="en-US" altLang="zh-CN" sz="1600" dirty="0"/>
+                <a:rPr lang="en-US" altLang="zh-CN" sz="1800" dirty="0"/>
                 <a:t>tail</a:t>
               </a:r>
+              <a:endParaRPr lang="en-US" altLang="zh-CN" sz="1800" dirty="0"/>
             </a:p>
           </p:txBody>
         </p:sp>
         <p:sp>
           <p:nvSpPr>
-            <p:cNvPr id="25" name="右箭头 51">
-              <a:extLst>
-                <a:ext uri="{FF2B5EF4-FFF2-40B4-BE49-F238E27FC236}">
-                  <a16:creationId xmlns:a16="http://schemas.microsoft.com/office/drawing/2014/main" id="{0C5C1889-B309-3D53-42F6-3D7192F75F3B}"/>
-                </a:ext>
-              </a:extLst>
-            </p:cNvPr>
+            <p:cNvPr id="25" name="右箭头 51"/>
             <p:cNvSpPr/>
             <p:nvPr/>
           </p:nvSpPr>
@@ -8483,33 +7902,21 @@
       </p:grpSp>
       <p:grpSp>
         <p:nvGrpSpPr>
-          <p:cNvPr id="28" name="组合 27">
-            <a:extLst>
-              <a:ext uri="{FF2B5EF4-FFF2-40B4-BE49-F238E27FC236}">
-                <a16:creationId xmlns:a16="http://schemas.microsoft.com/office/drawing/2014/main" id="{BD209E43-50AE-1C86-115E-B733704EB93D}"/>
-              </a:ext>
-            </a:extLst>
-          </p:cNvPr>
+          <p:cNvPr id="28" name="组合 27"/>
           <p:cNvGrpSpPr/>
           <p:nvPr/>
         </p:nvGrpSpPr>
         <p:grpSpPr>
           <a:xfrm>
-            <a:off x="4594773" y="1505883"/>
-            <a:ext cx="755650" cy="308084"/>
+            <a:off x="4535718" y="1505883"/>
+            <a:ext cx="755650" cy="333484"/>
             <a:chOff x="896740" y="1505883"/>
-            <a:chExt cx="755650" cy="308084"/>
+            <a:chExt cx="755650" cy="333484"/>
           </a:xfrm>
         </p:grpSpPr>
         <p:sp>
           <p:nvSpPr>
-            <p:cNvPr id="29" name="文本框 68">
-              <a:extLst>
-                <a:ext uri="{FF2B5EF4-FFF2-40B4-BE49-F238E27FC236}">
-                  <a16:creationId xmlns:a16="http://schemas.microsoft.com/office/drawing/2014/main" id="{50257FE7-7382-BF91-618F-1E7EE1CB2878}"/>
-                </a:ext>
-              </a:extLst>
-            </p:cNvPr>
+            <p:cNvPr id="29" name="文本框 68"/>
             <p:cNvSpPr txBox="1">
               <a:spLocks noChangeArrowheads="1"/>
             </p:cNvSpPr>
@@ -8518,7 +7925,7 @@
           <p:spPr bwMode="auto">
             <a:xfrm>
               <a:off x="896740" y="1505883"/>
-              <a:ext cx="755650" cy="215444"/>
+              <a:ext cx="755650" cy="245745"/>
             </a:xfrm>
             <a:prstGeom prst="rect">
               <a:avLst/>
@@ -8555,27 +7962,22 @@
             <a:p>
               <a:pPr algn="ctr"/>
               <a:r>
-                <a:rPr lang="en-US" altLang="zh-CN" sz="1400" dirty="0"/>
+                <a:rPr lang="en-US" altLang="zh-CN" sz="1600" dirty="0"/>
                 <a:t>update</a:t>
               </a:r>
+              <a:endParaRPr lang="en-US" altLang="zh-CN" sz="1600" dirty="0"/>
             </a:p>
           </p:txBody>
         </p:sp>
         <p:sp>
           <p:nvSpPr>
-            <p:cNvPr id="30" name="右箭头 14">
-              <a:extLst>
-                <a:ext uri="{FF2B5EF4-FFF2-40B4-BE49-F238E27FC236}">
-                  <a16:creationId xmlns:a16="http://schemas.microsoft.com/office/drawing/2014/main" id="{ED53EAD6-9EDC-B3B0-9283-E489F2140C5A}"/>
-                </a:ext>
-              </a:extLst>
-            </p:cNvPr>
+            <p:cNvPr id="30" name="右箭头 14"/>
             <p:cNvSpPr/>
             <p:nvPr/>
           </p:nvSpPr>
           <p:spPr>
             <a:xfrm>
-              <a:off x="1012825" y="1694905"/>
+              <a:off x="1012825" y="1720305"/>
               <a:ext cx="534988" cy="119062"/>
             </a:xfrm>
             <a:prstGeom prst="rightArrow">
@@ -8618,19 +8020,13 @@
       </p:grpSp>
       <p:grpSp>
         <p:nvGrpSpPr>
-          <p:cNvPr id="50" name="组合 49">
-            <a:extLst>
-              <a:ext uri="{FF2B5EF4-FFF2-40B4-BE49-F238E27FC236}">
-                <a16:creationId xmlns:a16="http://schemas.microsoft.com/office/drawing/2014/main" id="{520DD9E3-94A6-83B6-5FC1-B708A78AD893}"/>
-              </a:ext>
-            </a:extLst>
-          </p:cNvPr>
+          <p:cNvPr id="50" name="组合 49"/>
           <p:cNvGrpSpPr/>
           <p:nvPr/>
         </p:nvGrpSpPr>
         <p:grpSpPr>
           <a:xfrm>
-            <a:off x="6278089" y="609055"/>
+            <a:off x="6349844" y="609055"/>
             <a:ext cx="433387" cy="2519364"/>
             <a:chOff x="6252846" y="609055"/>
             <a:chExt cx="433387" cy="2519364"/>
@@ -8640,13 +8036,7 @@
           <mc:Choice xmlns:a14="http://schemas.microsoft.com/office/drawing/2010/main" Requires="a14">
             <p:sp>
               <p:nvSpPr>
-                <p:cNvPr id="116" name="矩形 115">
-                  <a:extLst>
-                    <a:ext uri="{FF2B5EF4-FFF2-40B4-BE49-F238E27FC236}">
-                      <a16:creationId xmlns:a16="http://schemas.microsoft.com/office/drawing/2014/main" id="{9FD54C04-1DEE-5165-1918-67A800D84A6B}"/>
-                    </a:ext>
-                  </a:extLst>
-                </p:cNvPr>
+                <p:cNvPr id="116" name="矩形 115"/>
                 <p:cNvSpPr/>
                 <p:nvPr/>
               </p:nvSpPr>
@@ -8697,7 +8087,7 @@
                         <m:sSub>
                           <m:sSubPr>
                             <m:ctrlPr>
-                              <a:rPr lang="en-US" altLang="zh-CN" sz="1600" i="1" noProof="1" smtClean="0">
+                              <a:rPr lang="en-US" altLang="zh-CN" sz="1800" i="1" noProof="1" smtClean="0">
                                 <a:solidFill>
                                   <a:schemeClr val="tx1"/>
                                 </a:solidFill>
@@ -8707,7 +8097,7 @@
                           </m:sSubPr>
                           <m:e>
                             <m:r>
-                              <a:rPr lang="en-US" altLang="zh-CN" sz="1600" i="1" noProof="1">
+                              <a:rPr lang="en-US" altLang="zh-CN" sz="1800" i="1" noProof="1">
                                 <a:solidFill>
                                   <a:schemeClr val="tx1"/>
                                 </a:solidFill>
@@ -8718,7 +8108,7 @@
                           </m:e>
                           <m:sub>
                             <m:r>
-                              <a:rPr lang="en-US" altLang="zh-CN" sz="1600" i="1" noProof="1">
+                              <a:rPr lang="en-US" altLang="zh-CN" sz="1800" i="1" noProof="1">
                                 <a:solidFill>
                                   <a:schemeClr val="tx1"/>
                                 </a:solidFill>
@@ -8731,10 +8121,11 @@
                       </m:oMath>
                     </m:oMathPara>
                   </a14:m>
-                  <a:endParaRPr lang="en-US" altLang="zh-CN" sz="1600" baseline="-25000" noProof="1">
+                  <a:endParaRPr lang="en-US" altLang="zh-CN" sz="1800" i="1" baseline="-25000" noProof="1">
                     <a:solidFill>
                       <a:schemeClr val="tx1"/>
                     </a:solidFill>
+                    <a:latin typeface="Cambria Math" panose="02040503050406030204" pitchFamily="18" charset="0"/>
                   </a:endParaRPr>
                 </a:p>
               </p:txBody>
@@ -8743,13 +8134,7 @@
           <mc:Fallback>
             <p:sp>
               <p:nvSpPr>
-                <p:cNvPr id="116" name="矩形 115">
-                  <a:extLst>
-                    <a:ext uri="{FF2B5EF4-FFF2-40B4-BE49-F238E27FC236}">
-                      <a16:creationId xmlns:a16="http://schemas.microsoft.com/office/drawing/2014/main" id="{9FD54C04-1DEE-5165-1918-67A800D84A6B}"/>
-                    </a:ext>
-                  </a:extLst>
-                </p:cNvPr>
+                <p:cNvPr id="116" name="矩形 115"/>
                 <p:cNvSpPr>
                   <a:spLocks noRot="1" noChangeAspect="1" noMove="1" noResize="1" noEditPoints="1" noAdjustHandles="1" noChangeArrowheads="1" noChangeShapeType="1" noTextEdit="1"/>
                 </p:cNvSpPr>
@@ -8763,11 +8148,8 @@
                 <a:prstGeom prst="rect">
                   <a:avLst/>
                 </a:prstGeom>
-                <a:blipFill>
-                  <a:blip r:embed="rId14"/>
-                  <a:stretch>
-                    <a:fillRect b="-3922"/>
-                  </a:stretch>
+                <a:blipFill rotWithShape="1">
+                  <a:blip r:embed="rId13"/>
                 </a:blipFill>
                 <a:ln w="25400">
                   <a:solidFill>
@@ -8775,6 +8157,22 @@
                   </a:solidFill>
                 </a:ln>
               </p:spPr>
+              <p:style>
+                <a:lnRef idx="2">
+                  <a:schemeClr val="accent1">
+                    <a:shade val="50000"/>
+                  </a:schemeClr>
+                </a:lnRef>
+                <a:fillRef idx="1">
+                  <a:schemeClr val="accent1"/>
+                </a:fillRef>
+                <a:effectRef idx="0">
+                  <a:schemeClr val="accent1"/>
+                </a:effectRef>
+                <a:fontRef idx="minor">
+                  <a:schemeClr val="lt1"/>
+                </a:fontRef>
+              </p:style>
               <p:txBody>
                 <a:bodyPr/>
                 <a:lstStyle/>
@@ -8792,13 +8190,7 @@
         </mc:AlternateContent>
         <p:sp>
           <p:nvSpPr>
-            <p:cNvPr id="117" name="矩形 116">
-              <a:extLst>
-                <a:ext uri="{FF2B5EF4-FFF2-40B4-BE49-F238E27FC236}">
-                  <a16:creationId xmlns:a16="http://schemas.microsoft.com/office/drawing/2014/main" id="{A19DD24B-C174-C3ED-8B9B-74D436671147}"/>
-                </a:ext>
-              </a:extLst>
-            </p:cNvPr>
+            <p:cNvPr id="117" name="矩形 116"/>
             <p:cNvSpPr/>
             <p:nvPr/>
           </p:nvSpPr>
@@ -8843,13 +8235,7 @@
         </p:sp>
         <p:sp>
           <p:nvSpPr>
-            <p:cNvPr id="18" name="矩形 17">
-              <a:extLst>
-                <a:ext uri="{FF2B5EF4-FFF2-40B4-BE49-F238E27FC236}">
-                  <a16:creationId xmlns:a16="http://schemas.microsoft.com/office/drawing/2014/main" id="{CDE82042-280A-1B49-DE3D-976BC1BBEA41}"/>
-                </a:ext>
-              </a:extLst>
-            </p:cNvPr>
+            <p:cNvPr id="18" name="矩形 17"/>
             <p:cNvSpPr/>
             <p:nvPr/>
           </p:nvSpPr>
@@ -8901,13 +8287,7 @@
         </p:sp>
         <p:sp>
           <p:nvSpPr>
-            <p:cNvPr id="19" name="矩形 18">
-              <a:extLst>
-                <a:ext uri="{FF2B5EF4-FFF2-40B4-BE49-F238E27FC236}">
-                  <a16:creationId xmlns:a16="http://schemas.microsoft.com/office/drawing/2014/main" id="{E9FC531F-C2A7-DC59-EC07-26008D410C98}"/>
-                </a:ext>
-              </a:extLst>
-            </p:cNvPr>
+            <p:cNvPr id="19" name="矩形 18"/>
             <p:cNvSpPr/>
             <p:nvPr/>
           </p:nvSpPr>
@@ -8961,13 +8341,7 @@
         </p:sp>
         <p:sp>
           <p:nvSpPr>
-            <p:cNvPr id="20" name="矩形 19">
-              <a:extLst>
-                <a:ext uri="{FF2B5EF4-FFF2-40B4-BE49-F238E27FC236}">
-                  <a16:creationId xmlns:a16="http://schemas.microsoft.com/office/drawing/2014/main" id="{0D0940AB-D24C-655E-51D4-122AFF15380B}"/>
-                </a:ext>
-              </a:extLst>
-            </p:cNvPr>
+            <p:cNvPr id="20" name="矩形 19"/>
             <p:cNvSpPr/>
             <p:nvPr/>
           </p:nvSpPr>
@@ -9021,13 +8395,7 @@
           <mc:Choice xmlns:a14="http://schemas.microsoft.com/office/drawing/2010/main" Requires="a14">
             <p:sp>
               <p:nvSpPr>
-                <p:cNvPr id="31" name="矩形 30">
-                  <a:extLst>
-                    <a:ext uri="{FF2B5EF4-FFF2-40B4-BE49-F238E27FC236}">
-                      <a16:creationId xmlns:a16="http://schemas.microsoft.com/office/drawing/2014/main" id="{48B6DEB3-1E93-FFFF-5373-C7E71C85C22D}"/>
-                    </a:ext>
-                  </a:extLst>
-                </p:cNvPr>
+                <p:cNvPr id="31" name="矩形 30"/>
                 <p:cNvSpPr/>
                 <p:nvPr/>
               </p:nvSpPr>
@@ -9080,7 +8448,7 @@
                         <m:sSub>
                           <m:sSubPr>
                             <m:ctrlPr>
-                              <a:rPr lang="en-US" altLang="zh-CN" sz="1600" noProof="1">
+                              <a:rPr lang="en-US" altLang="zh-CN" sz="1800" noProof="1">
                                 <a:solidFill>
                                   <a:schemeClr val="tx1"/>
                                 </a:solidFill>
@@ -9089,20 +8457,22 @@
                           </m:sSubPr>
                           <m:e>
                             <m:r>
-                              <a:rPr lang="en-US" altLang="zh-CN" sz="1600" noProof="1">
+                              <a:rPr lang="en-US" altLang="zh-CN" sz="1800" noProof="1">
                                 <a:solidFill>
                                   <a:schemeClr val="tx1"/>
                                 </a:solidFill>
+                                <a:latin typeface="Cambria Math" panose="02040503050406030204" pitchFamily="18" charset="0"/>
                               </a:rPr>
                               <m:t>𝑎</m:t>
                             </m:r>
                           </m:e>
                           <m:sub>
                             <m:r>
-                              <a:rPr lang="en-US" altLang="zh-CN" sz="1600" noProof="1">
+                              <a:rPr lang="en-US" altLang="zh-CN" sz="1800" noProof="1">
                                 <a:solidFill>
                                   <a:schemeClr val="tx1"/>
                                 </a:solidFill>
+                                <a:latin typeface="Cambria Math" panose="02040503050406030204" pitchFamily="18" charset="0"/>
                               </a:rPr>
                               <m:t>1</m:t>
                             </m:r>
@@ -9111,10 +8481,11 @@
                       </m:oMath>
                     </m:oMathPara>
                   </a14:m>
-                  <a:endParaRPr lang="en-US" altLang="zh-CN" sz="1600" noProof="1">
+                  <a:endParaRPr lang="en-US" altLang="zh-CN" sz="1800" noProof="1">
                     <a:solidFill>
                       <a:schemeClr val="tx1"/>
                     </a:solidFill>
+                    <a:latin typeface="Cambria Math" panose="02040503050406030204" pitchFamily="18" charset="0"/>
                   </a:endParaRPr>
                 </a:p>
               </p:txBody>
@@ -9123,13 +8494,7 @@
           <mc:Fallback>
             <p:sp>
               <p:nvSpPr>
-                <p:cNvPr id="31" name="矩形 30">
-                  <a:extLst>
-                    <a:ext uri="{FF2B5EF4-FFF2-40B4-BE49-F238E27FC236}">
-                      <a16:creationId xmlns:a16="http://schemas.microsoft.com/office/drawing/2014/main" id="{48B6DEB3-1E93-FFFF-5373-C7E71C85C22D}"/>
-                    </a:ext>
-                  </a:extLst>
-                </p:cNvPr>
+                <p:cNvPr id="31" name="矩形 30"/>
                 <p:cNvSpPr>
                   <a:spLocks noRot="1" noChangeAspect="1" noMove="1" noResize="1" noEditPoints="1" noAdjustHandles="1" noChangeArrowheads="1" noChangeShapeType="1" noTextEdit="1"/>
                 </p:cNvSpPr>
@@ -9143,11 +8508,8 @@
                 <a:prstGeom prst="rect">
                   <a:avLst/>
                 </a:prstGeom>
-                <a:blipFill>
-                  <a:blip r:embed="rId15"/>
-                  <a:stretch>
-                    <a:fillRect b="-4000"/>
-                  </a:stretch>
+                <a:blipFill rotWithShape="1">
+                  <a:blip r:embed="rId14"/>
                 </a:blipFill>
                 <a:ln w="25400">
                   <a:solidFill>
@@ -9155,6 +8517,22 @@
                   </a:solidFill>
                 </a:ln>
               </p:spPr>
+              <p:style>
+                <a:lnRef idx="2">
+                  <a:schemeClr val="accent1">
+                    <a:shade val="50000"/>
+                  </a:schemeClr>
+                </a:lnRef>
+                <a:fillRef idx="1">
+                  <a:schemeClr val="accent1"/>
+                </a:fillRef>
+                <a:effectRef idx="0">
+                  <a:schemeClr val="accent1"/>
+                </a:effectRef>
+                <a:fontRef idx="minor">
+                  <a:schemeClr val="lt1"/>
+                </a:fontRef>
+              </p:style>
               <p:txBody>
                 <a:bodyPr/>
                 <a:lstStyle/>
@@ -9174,13 +8552,7 @@
           <mc:Choice xmlns:a14="http://schemas.microsoft.com/office/drawing/2010/main" Requires="a14">
             <p:sp>
               <p:nvSpPr>
-                <p:cNvPr id="33" name="矩形 32">
-                  <a:extLst>
-                    <a:ext uri="{FF2B5EF4-FFF2-40B4-BE49-F238E27FC236}">
-                      <a16:creationId xmlns:a16="http://schemas.microsoft.com/office/drawing/2014/main" id="{BA2E1FE5-3B5E-FEF3-84E5-4405C0809A16}"/>
-                    </a:ext>
-                  </a:extLst>
-                </p:cNvPr>
+                <p:cNvPr id="33" name="矩形 32"/>
                 <p:cNvSpPr/>
                 <p:nvPr/>
               </p:nvSpPr>
@@ -9233,7 +8605,7 @@
                         <m:sSub>
                           <m:sSubPr>
                             <m:ctrlPr>
-                              <a:rPr lang="en-US" altLang="zh-CN" sz="1600" noProof="1">
+                              <a:rPr lang="en-US" altLang="zh-CN" sz="1800" noProof="1">
                                 <a:solidFill>
                                   <a:schemeClr val="tx1"/>
                                 </a:solidFill>
@@ -9242,20 +8614,22 @@
                           </m:sSubPr>
                           <m:e>
                             <m:r>
-                              <a:rPr lang="en-US" altLang="zh-CN" sz="1600" noProof="1">
+                              <a:rPr lang="en-US" altLang="zh-CN" sz="1800" noProof="1">
                                 <a:solidFill>
                                   <a:schemeClr val="tx1"/>
                                 </a:solidFill>
+                                <a:latin typeface="Cambria Math" panose="02040503050406030204" pitchFamily="18" charset="0"/>
                               </a:rPr>
                               <m:t>𝑎</m:t>
                             </m:r>
                           </m:e>
                           <m:sub>
                             <m:r>
-                              <a:rPr lang="en-US" altLang="zh-CN" sz="1600" noProof="1">
+                              <a:rPr lang="en-US" altLang="zh-CN" sz="1800" noProof="1">
                                 <a:solidFill>
                                   <a:schemeClr val="tx1"/>
                                 </a:solidFill>
+                                <a:latin typeface="Cambria Math" panose="02040503050406030204" pitchFamily="18" charset="0"/>
                               </a:rPr>
                               <m:t>3</m:t>
                             </m:r>
@@ -9264,10 +8638,11 @@
                       </m:oMath>
                     </m:oMathPara>
                   </a14:m>
-                  <a:endParaRPr lang="en-US" altLang="zh-CN" sz="1600" noProof="1">
+                  <a:endParaRPr lang="en-US" altLang="zh-CN" sz="1800" noProof="1">
                     <a:solidFill>
                       <a:schemeClr val="tx1"/>
                     </a:solidFill>
+                    <a:latin typeface="Cambria Math" panose="02040503050406030204" pitchFamily="18" charset="0"/>
                   </a:endParaRPr>
                 </a:p>
               </p:txBody>
@@ -9276,13 +8651,7 @@
           <mc:Fallback>
             <p:sp>
               <p:nvSpPr>
-                <p:cNvPr id="33" name="矩形 32">
-                  <a:extLst>
-                    <a:ext uri="{FF2B5EF4-FFF2-40B4-BE49-F238E27FC236}">
-                      <a16:creationId xmlns:a16="http://schemas.microsoft.com/office/drawing/2014/main" id="{BA2E1FE5-3B5E-FEF3-84E5-4405C0809A16}"/>
-                    </a:ext>
-                  </a:extLst>
-                </p:cNvPr>
+                <p:cNvPr id="33" name="矩形 32"/>
                 <p:cNvSpPr>
                   <a:spLocks noRot="1" noChangeAspect="1" noMove="1" noResize="1" noEditPoints="1" noAdjustHandles="1" noChangeArrowheads="1" noChangeShapeType="1" noTextEdit="1"/>
                 </p:cNvSpPr>
@@ -9296,11 +8665,8 @@
                 <a:prstGeom prst="rect">
                   <a:avLst/>
                 </a:prstGeom>
-                <a:blipFill>
-                  <a:blip r:embed="rId16"/>
-                  <a:stretch>
-                    <a:fillRect b="-4000"/>
-                  </a:stretch>
+                <a:blipFill rotWithShape="1">
+                  <a:blip r:embed="rId15"/>
                 </a:blipFill>
                 <a:ln w="25400">
                   <a:solidFill>
@@ -9308,6 +8674,22 @@
                   </a:solidFill>
                 </a:ln>
               </p:spPr>
+              <p:style>
+                <a:lnRef idx="2">
+                  <a:schemeClr val="accent1">
+                    <a:shade val="50000"/>
+                  </a:schemeClr>
+                </a:lnRef>
+                <a:fillRef idx="1">
+                  <a:schemeClr val="accent1"/>
+                </a:fillRef>
+                <a:effectRef idx="0">
+                  <a:schemeClr val="accent1"/>
+                </a:effectRef>
+                <a:fontRef idx="minor">
+                  <a:schemeClr val="lt1"/>
+                </a:fontRef>
+              </p:style>
               <p:txBody>
                 <a:bodyPr/>
                 <a:lstStyle/>
@@ -9325,13 +8707,7 @@
         </mc:AlternateContent>
         <p:sp>
           <p:nvSpPr>
-            <p:cNvPr id="34" name="矩形 33">
-              <a:extLst>
-                <a:ext uri="{FF2B5EF4-FFF2-40B4-BE49-F238E27FC236}">
-                  <a16:creationId xmlns:a16="http://schemas.microsoft.com/office/drawing/2014/main" id="{F5D639B0-9664-6DAC-900D-A4230E0A2E75}"/>
-                </a:ext>
-              </a:extLst>
-            </p:cNvPr>
+            <p:cNvPr id="34" name="矩形 33"/>
             <p:cNvSpPr/>
             <p:nvPr/>
           </p:nvSpPr>
@@ -9376,46 +8752,39 @@
             <a:p>
               <a:pPr algn="ctr"/>
               <a:r>
-                <a:rPr lang="en-US" altLang="zh-CN" sz="1600" noProof="1">
+                <a:rPr lang="en-US" altLang="zh-CN" sz="1800" noProof="1">
                   <a:solidFill>
                     <a:schemeClr val="tx1"/>
                   </a:solidFill>
                 </a:rPr>
                 <a:t>...</a:t>
               </a:r>
+              <a:endParaRPr lang="en-US" altLang="zh-CN" sz="1800" noProof="1">
+                <a:solidFill>
+                  <a:schemeClr val="tx1"/>
+                </a:solidFill>
+              </a:endParaRPr>
             </a:p>
           </p:txBody>
         </p:sp>
       </p:grpSp>
       <p:grpSp>
         <p:nvGrpSpPr>
-          <p:cNvPr id="35" name="组合 34">
-            <a:extLst>
-              <a:ext uri="{FF2B5EF4-FFF2-40B4-BE49-F238E27FC236}">
-                <a16:creationId xmlns:a16="http://schemas.microsoft.com/office/drawing/2014/main" id="{9A2E8B44-419F-0487-7BC1-AD7A72080D24}"/>
-              </a:ext>
-            </a:extLst>
-          </p:cNvPr>
+          <p:cNvPr id="35" name="组合 34"/>
           <p:cNvGrpSpPr/>
           <p:nvPr/>
         </p:nvGrpSpPr>
         <p:grpSpPr>
           <a:xfrm>
-            <a:off x="4098927" y="1984554"/>
+            <a:off x="4244977" y="1979474"/>
             <a:ext cx="538162" cy="371632"/>
-            <a:chOff x="5111753" y="799398"/>
+            <a:chOff x="5137788" y="799398"/>
             <a:chExt cx="538162" cy="371632"/>
           </a:xfrm>
         </p:grpSpPr>
         <p:sp>
           <p:nvSpPr>
-            <p:cNvPr id="36" name="文本框 35">
-              <a:extLst>
-                <a:ext uri="{FF2B5EF4-FFF2-40B4-BE49-F238E27FC236}">
-                  <a16:creationId xmlns:a16="http://schemas.microsoft.com/office/drawing/2014/main" id="{6FABDBA4-6F41-7942-9BFB-4EA8CE910958}"/>
-                </a:ext>
-              </a:extLst>
-            </p:cNvPr>
+            <p:cNvPr id="36" name="文本框 35"/>
             <p:cNvSpPr txBox="1">
               <a:spLocks noChangeArrowheads="1"/>
             </p:cNvSpPr>
@@ -9423,8 +8792,8 @@
           </p:nvSpPr>
           <p:spPr bwMode="auto">
             <a:xfrm>
-              <a:off x="5111753" y="799398"/>
-              <a:ext cx="538162" cy="246221"/>
+              <a:off x="5137788" y="799398"/>
+              <a:ext cx="538162" cy="276860"/>
             </a:xfrm>
             <a:prstGeom prst="rect">
               <a:avLst/>
@@ -9461,21 +8830,16 @@
             <a:p>
               <a:pPr algn="ctr"/>
               <a:r>
-                <a:rPr lang="en-US" altLang="zh-CN" sz="1600" dirty="0"/>
+                <a:rPr lang="en-US" altLang="zh-CN" sz="1800" dirty="0"/>
                 <a:t>tail</a:t>
               </a:r>
+              <a:endParaRPr lang="en-US" altLang="zh-CN" sz="1800" dirty="0"/>
             </a:p>
           </p:txBody>
         </p:sp>
         <p:sp>
           <p:nvSpPr>
-            <p:cNvPr id="37" name="右箭头 51">
-              <a:extLst>
-                <a:ext uri="{FF2B5EF4-FFF2-40B4-BE49-F238E27FC236}">
-                  <a16:creationId xmlns:a16="http://schemas.microsoft.com/office/drawing/2014/main" id="{B6E953B5-122A-0D0B-021F-40CF634A85F8}"/>
-                </a:ext>
-              </a:extLst>
-            </p:cNvPr>
+            <p:cNvPr id="37" name="右箭头 51"/>
             <p:cNvSpPr/>
             <p:nvPr/>
           </p:nvSpPr>
@@ -9516,19 +8880,13 @@
       </p:grpSp>
       <p:grpSp>
         <p:nvGrpSpPr>
-          <p:cNvPr id="42" name="组合 41">
-            <a:extLst>
-              <a:ext uri="{FF2B5EF4-FFF2-40B4-BE49-F238E27FC236}">
-                <a16:creationId xmlns:a16="http://schemas.microsoft.com/office/drawing/2014/main" id="{ED14517F-92DE-0A0E-98D4-5ED6EFEA1EED}"/>
-              </a:ext>
-            </a:extLst>
-          </p:cNvPr>
+          <p:cNvPr id="42" name="组合 41"/>
           <p:cNvGrpSpPr/>
           <p:nvPr/>
         </p:nvGrpSpPr>
         <p:grpSpPr>
           <a:xfrm>
-            <a:off x="0" y="1978991"/>
+            <a:off x="-71755" y="1978991"/>
             <a:ext cx="538162" cy="371632"/>
             <a:chOff x="5111753" y="799398"/>
             <a:chExt cx="538162" cy="371632"/>
@@ -9536,13 +8894,7 @@
         </p:grpSpPr>
         <p:sp>
           <p:nvSpPr>
-            <p:cNvPr id="43" name="文本框 35">
-              <a:extLst>
-                <a:ext uri="{FF2B5EF4-FFF2-40B4-BE49-F238E27FC236}">
-                  <a16:creationId xmlns:a16="http://schemas.microsoft.com/office/drawing/2014/main" id="{1351DA64-C58D-A727-992A-F9D7B03986B4}"/>
-                </a:ext>
-              </a:extLst>
-            </p:cNvPr>
+            <p:cNvPr id="43" name="文本框 35"/>
             <p:cNvSpPr txBox="1">
               <a:spLocks noChangeArrowheads="1"/>
             </p:cNvSpPr>
@@ -9551,7 +8903,7 @@
           <p:spPr bwMode="auto">
             <a:xfrm>
               <a:off x="5111753" y="799398"/>
-              <a:ext cx="538162" cy="246221"/>
+              <a:ext cx="538162" cy="276860"/>
             </a:xfrm>
             <a:prstGeom prst="rect">
               <a:avLst/>
@@ -9588,21 +8940,16 @@
             <a:p>
               <a:pPr algn="ctr"/>
               <a:r>
-                <a:rPr lang="en-US" altLang="zh-CN" sz="1600" dirty="0"/>
+                <a:rPr lang="en-US" altLang="zh-CN" sz="1800" dirty="0"/>
                 <a:t>tail</a:t>
               </a:r>
+              <a:endParaRPr lang="en-US" altLang="zh-CN" sz="1800" dirty="0"/>
             </a:p>
           </p:txBody>
         </p:sp>
         <p:sp>
           <p:nvSpPr>
-            <p:cNvPr id="44" name="右箭头 51">
-              <a:extLst>
-                <a:ext uri="{FF2B5EF4-FFF2-40B4-BE49-F238E27FC236}">
-                  <a16:creationId xmlns:a16="http://schemas.microsoft.com/office/drawing/2014/main" id="{DA8E4D12-FFAE-3F77-2C4B-662ECEABE703}"/>
-                </a:ext>
-              </a:extLst>
-            </p:cNvPr>
+            <p:cNvPr id="44" name="右箭头 51"/>
             <p:cNvSpPr/>
             <p:nvPr/>
           </p:nvSpPr>
@@ -9643,19 +8990,13 @@
       </p:grpSp>
       <p:grpSp>
         <p:nvGrpSpPr>
-          <p:cNvPr id="45" name="组合 44">
-            <a:extLst>
-              <a:ext uri="{FF2B5EF4-FFF2-40B4-BE49-F238E27FC236}">
-                <a16:creationId xmlns:a16="http://schemas.microsoft.com/office/drawing/2014/main" id="{5497846C-DE2A-A7E0-13C1-CA743EB4859E}"/>
-              </a:ext>
-            </a:extLst>
-          </p:cNvPr>
+          <p:cNvPr id="45" name="组合 44"/>
           <p:cNvGrpSpPr/>
           <p:nvPr/>
         </p:nvGrpSpPr>
         <p:grpSpPr>
           <a:xfrm>
-            <a:off x="2590008" y="1934617"/>
+            <a:off x="2591278" y="1935887"/>
             <a:ext cx="538162" cy="371632"/>
             <a:chOff x="5111753" y="799398"/>
             <a:chExt cx="538162" cy="371632"/>
@@ -9663,13 +9004,7 @@
         </p:grpSpPr>
         <p:sp>
           <p:nvSpPr>
-            <p:cNvPr id="46" name="文本框 35">
-              <a:extLst>
-                <a:ext uri="{FF2B5EF4-FFF2-40B4-BE49-F238E27FC236}">
-                  <a16:creationId xmlns:a16="http://schemas.microsoft.com/office/drawing/2014/main" id="{5EAB5661-0E80-367E-007D-7692F1DDA5D6}"/>
-                </a:ext>
-              </a:extLst>
-            </p:cNvPr>
+            <p:cNvPr id="46" name="文本框 35"/>
             <p:cNvSpPr txBox="1">
               <a:spLocks noChangeArrowheads="1"/>
             </p:cNvSpPr>
@@ -9678,7 +9013,7 @@
           <p:spPr bwMode="auto">
             <a:xfrm>
               <a:off x="5111753" y="799398"/>
-              <a:ext cx="538162" cy="246221"/>
+              <a:ext cx="538162" cy="276860"/>
             </a:xfrm>
             <a:prstGeom prst="rect">
               <a:avLst/>
@@ -9715,21 +9050,16 @@
             <a:p>
               <a:pPr algn="ctr"/>
               <a:r>
-                <a:rPr lang="en-US" altLang="zh-CN" sz="1600" dirty="0"/>
+                <a:rPr lang="en-US" altLang="zh-CN" sz="1800" dirty="0"/>
                 <a:t>tail</a:t>
               </a:r>
+              <a:endParaRPr lang="en-US" altLang="zh-CN" sz="1800" dirty="0"/>
             </a:p>
           </p:txBody>
         </p:sp>
         <p:sp>
           <p:nvSpPr>
-            <p:cNvPr id="47" name="右箭头 51">
-              <a:extLst>
-                <a:ext uri="{FF2B5EF4-FFF2-40B4-BE49-F238E27FC236}">
-                  <a16:creationId xmlns:a16="http://schemas.microsoft.com/office/drawing/2014/main" id="{5BDF0967-2ABA-6D05-6BDC-86B3BC519772}"/>
-                </a:ext>
-              </a:extLst>
-            </p:cNvPr>
+            <p:cNvPr id="47" name="右箭头 51"/>
             <p:cNvSpPr/>
             <p:nvPr/>
           </p:nvSpPr>
@@ -9777,15 +9107,15 @@
 </file>
 
 <file path=ppt/tags/tag1.xml><?xml version="1.0" encoding="utf-8"?>
-<p:tagLst xmlns:a="http://schemas.openxmlformats.org/drawingml/2006/main" xmlns:r="http://schemas.openxmlformats.org/officeDocument/2006/relationships" xmlns:p="http://schemas.openxmlformats.org/presentationml/2006/main">
-  <p:tag name="KSO_WPP_MARK_KEY" val="f417334e-f1e6-46ce-8c8b-541da886499f"/>
-  <p:tag name="COMMONDATA" val="eyJoZGlkIjoiNWMyNzk1NjJkYjg5Yzk1OTQwMjA3ODhmZjc4ODZlMTgifQ=="/>
+<p:tagLst xmlns:p="http://schemas.openxmlformats.org/presentationml/2006/main">
+  <p:tag name="KSO_WM_BEAUTIFY_FLAG" val=""/>
 </p:tagLst>
 </file>
 
 <file path=ppt/tags/tag2.xml><?xml version="1.0" encoding="utf-8"?>
-<p:tagLst xmlns:a="http://schemas.openxmlformats.org/drawingml/2006/main" xmlns:r="http://schemas.openxmlformats.org/officeDocument/2006/relationships" xmlns:p="http://schemas.openxmlformats.org/presentationml/2006/main">
-  <p:tag name="KSO_WM_BEAUTIFY_FLAG" val=""/>
+<p:tagLst xmlns:p="http://schemas.openxmlformats.org/presentationml/2006/main">
+  <p:tag name="KSO_WPP_MARK_KEY" val="f417334e-f1e6-46ce-8c8b-541da886499f"/>
+  <p:tag name="COMMONDATA" val="eyJoZGlkIjoiNWMyNzk1NjJkYjg5Yzk1OTQwMjA3ODhmZjc4ODZlMTgifQ=="/>
 </p:tagLst>
 </file>
 
@@ -9980,7 +9310,6 @@
       </a:bgFillStyleLst>
     </a:fmtScheme>
   </a:themeElements>
-  <a:objectDefaults/>
   <a:extraClrSchemeLst>
     <a:extraClrScheme>
       <a:clrScheme name="默认设计模板 1">

--- a/PPT/DESIGN3.3 RB_example.pptx
+++ b/PPT/DESIGN3.3 RB_example.pptx
@@ -5,12 +5,12 @@
     <p:sldMasterId id="2147483648" r:id="rId1"/>
   </p:sldMasterIdLst>
   <p:sldIdLst>
-    <p:sldId id="256" r:id="rId3"/>
+    <p:sldId id="256" r:id="rId2"/>
   </p:sldIdLst>
-  <p:sldSz cx="7198995" cy="3600450"/>
+  <p:sldSz cx="7199313" cy="3600450"/>
   <p:notesSz cx="6858000" cy="9144000"/>
   <p:custDataLst>
-    <p:tags r:id="rId7"/>
+    <p:tags r:id="rId3"/>
   </p:custDataLst>
   <p:defaultTextStyle>
     <a:defPPr>
@@ -201,7 +201,6 @@
               <a:rPr lang="zh-CN" altLang="en-US" noProof="1"/>
               <a:t>单击此处编辑母版标题样式</a:t>
             </a:r>
-            <a:endParaRPr lang="zh-CN" altLang="en-US" noProof="1"/>
           </a:p>
         </p:txBody>
       </p:sp>
@@ -266,7 +265,6 @@
               <a:rPr lang="zh-CN" altLang="en-US" noProof="1"/>
               <a:t>单击此处编辑母版副标题样式</a:t>
             </a:r>
-            <a:endParaRPr lang="zh-CN" altLang="en-US" noProof="1"/>
           </a:p>
         </p:txBody>
       </p:sp>
@@ -337,6 +335,7 @@
           <a:p>
             <a:fld id="{5CAC2CE5-F3B5-4AA1-B756-2DC5A88B11E1}" type="slidenum">
               <a:rPr lang="zh-CN" altLang="en-US"/>
+              <a:t>‹#›</a:t>
             </a:fld>
             <a:endParaRPr lang="zh-CN" altLang="en-US"/>
           </a:p>
@@ -386,7 +385,6 @@
               <a:rPr lang="zh-CN" altLang="en-US" noProof="1"/>
               <a:t>单击此处编辑母版标题样式</a:t>
             </a:r>
-            <a:endParaRPr lang="zh-CN" altLang="en-US" noProof="1"/>
           </a:p>
         </p:txBody>
       </p:sp>
@@ -410,7 +408,6 @@
               <a:rPr lang="zh-CN" altLang="en-US" noProof="1"/>
               <a:t>单击此处编辑母版文本样式</a:t>
             </a:r>
-            <a:endParaRPr lang="zh-CN" altLang="en-US" noProof="1"/>
           </a:p>
           <a:p>
             <a:pPr lvl="1"/>
@@ -418,7 +415,6 @@
               <a:rPr lang="zh-CN" altLang="en-US" noProof="1"/>
               <a:t>第二级</a:t>
             </a:r>
-            <a:endParaRPr lang="zh-CN" altLang="en-US" noProof="1"/>
           </a:p>
           <a:p>
             <a:pPr lvl="2"/>
@@ -426,7 +422,6 @@
               <a:rPr lang="zh-CN" altLang="en-US" noProof="1"/>
               <a:t>第三级</a:t>
             </a:r>
-            <a:endParaRPr lang="zh-CN" altLang="en-US" noProof="1"/>
           </a:p>
           <a:p>
             <a:pPr lvl="3"/>
@@ -434,7 +429,6 @@
               <a:rPr lang="zh-CN" altLang="en-US" noProof="1"/>
               <a:t>第四级</a:t>
             </a:r>
-            <a:endParaRPr lang="zh-CN" altLang="en-US" noProof="1"/>
           </a:p>
           <a:p>
             <a:pPr lvl="4"/>
@@ -442,7 +436,6 @@
               <a:rPr lang="zh-CN" altLang="en-US" noProof="1"/>
               <a:t>第五级</a:t>
             </a:r>
-            <a:endParaRPr lang="zh-CN" altLang="en-US" noProof="1"/>
           </a:p>
         </p:txBody>
       </p:sp>
@@ -513,6 +506,7 @@
           <a:p>
             <a:fld id="{EAFA5EBE-69E2-423D-8198-8849284E360D}" type="slidenum">
               <a:rPr lang="zh-CN" altLang="en-US"/>
+              <a:t>‹#›</a:t>
             </a:fld>
             <a:endParaRPr lang="zh-CN" altLang="en-US"/>
           </a:p>
@@ -567,7 +561,6 @@
               <a:rPr lang="zh-CN" altLang="en-US" noProof="1"/>
               <a:t>单击此处编辑母版标题样式</a:t>
             </a:r>
-            <a:endParaRPr lang="zh-CN" altLang="en-US" noProof="1"/>
           </a:p>
         </p:txBody>
       </p:sp>
@@ -596,7 +589,6 @@
               <a:rPr lang="zh-CN" altLang="en-US" noProof="1"/>
               <a:t>单击此处编辑母版文本样式</a:t>
             </a:r>
-            <a:endParaRPr lang="zh-CN" altLang="en-US" noProof="1"/>
           </a:p>
           <a:p>
             <a:pPr lvl="1"/>
@@ -604,7 +596,6 @@
               <a:rPr lang="zh-CN" altLang="en-US" noProof="1"/>
               <a:t>第二级</a:t>
             </a:r>
-            <a:endParaRPr lang="zh-CN" altLang="en-US" noProof="1"/>
           </a:p>
           <a:p>
             <a:pPr lvl="2"/>
@@ -612,7 +603,6 @@
               <a:rPr lang="zh-CN" altLang="en-US" noProof="1"/>
               <a:t>第三级</a:t>
             </a:r>
-            <a:endParaRPr lang="zh-CN" altLang="en-US" noProof="1"/>
           </a:p>
           <a:p>
             <a:pPr lvl="3"/>
@@ -620,7 +610,6 @@
               <a:rPr lang="zh-CN" altLang="en-US" noProof="1"/>
               <a:t>第四级</a:t>
             </a:r>
-            <a:endParaRPr lang="zh-CN" altLang="en-US" noProof="1"/>
           </a:p>
           <a:p>
             <a:pPr lvl="4"/>
@@ -628,7 +617,6 @@
               <a:rPr lang="zh-CN" altLang="en-US" noProof="1"/>
               <a:t>第五级</a:t>
             </a:r>
-            <a:endParaRPr lang="zh-CN" altLang="en-US" noProof="1"/>
           </a:p>
         </p:txBody>
       </p:sp>
@@ -699,6 +687,7 @@
           <a:p>
             <a:fld id="{9391214E-E0A8-463D-9C19-E0CF0CBFBE6F}" type="slidenum">
               <a:rPr lang="zh-CN" altLang="en-US"/>
+              <a:t>‹#›</a:t>
             </a:fld>
             <a:endParaRPr lang="zh-CN" altLang="en-US"/>
           </a:p>
@@ -748,7 +737,6 @@
               <a:rPr lang="zh-CN" altLang="en-US" noProof="1"/>
               <a:t>单击此处编辑母版标题样式</a:t>
             </a:r>
-            <a:endParaRPr lang="zh-CN" altLang="en-US" noProof="1"/>
           </a:p>
         </p:txBody>
       </p:sp>
@@ -772,7 +760,6 @@
               <a:rPr lang="zh-CN" altLang="en-US" noProof="1"/>
               <a:t>单击此处编辑母版文本样式</a:t>
             </a:r>
-            <a:endParaRPr lang="zh-CN" altLang="en-US" noProof="1"/>
           </a:p>
           <a:p>
             <a:pPr lvl="1"/>
@@ -780,7 +767,6 @@
               <a:rPr lang="zh-CN" altLang="en-US" noProof="1"/>
               <a:t>第二级</a:t>
             </a:r>
-            <a:endParaRPr lang="zh-CN" altLang="en-US" noProof="1"/>
           </a:p>
           <a:p>
             <a:pPr lvl="2"/>
@@ -788,7 +774,6 @@
               <a:rPr lang="zh-CN" altLang="en-US" noProof="1"/>
               <a:t>第三级</a:t>
             </a:r>
-            <a:endParaRPr lang="zh-CN" altLang="en-US" noProof="1"/>
           </a:p>
           <a:p>
             <a:pPr lvl="3"/>
@@ -796,7 +781,6 @@
               <a:rPr lang="zh-CN" altLang="en-US" noProof="1"/>
               <a:t>第四级</a:t>
             </a:r>
-            <a:endParaRPr lang="zh-CN" altLang="en-US" noProof="1"/>
           </a:p>
           <a:p>
             <a:pPr lvl="4"/>
@@ -804,7 +788,6 @@
               <a:rPr lang="zh-CN" altLang="en-US" noProof="1"/>
               <a:t>第五级</a:t>
             </a:r>
-            <a:endParaRPr lang="zh-CN" altLang="en-US" noProof="1"/>
           </a:p>
         </p:txBody>
       </p:sp>
@@ -875,6 +858,7 @@
           <a:p>
             <a:fld id="{202E73E9-D97F-40EE-A22C-5CB48C0C93A4}" type="slidenum">
               <a:rPr lang="zh-CN" altLang="en-US"/>
+              <a:t>‹#›</a:t>
             </a:fld>
             <a:endParaRPr lang="zh-CN" altLang="en-US"/>
           </a:p>
@@ -933,7 +917,6 @@
               <a:rPr lang="zh-CN" altLang="en-US" noProof="1"/>
               <a:t>单击此处编辑母版标题样式</a:t>
             </a:r>
-            <a:endParaRPr lang="zh-CN" altLang="en-US" noProof="1"/>
           </a:p>
         </p:txBody>
       </p:sp>
@@ -1053,7 +1036,6 @@
               <a:rPr lang="zh-CN" altLang="en-US" noProof="1"/>
               <a:t>单击此处编辑母版文本样式</a:t>
             </a:r>
-            <a:endParaRPr lang="zh-CN" altLang="en-US" noProof="1"/>
           </a:p>
         </p:txBody>
       </p:sp>
@@ -1124,6 +1106,7 @@
           <a:p>
             <a:fld id="{DDE23841-BC2E-45CA-8388-4C3C9708E41C}" type="slidenum">
               <a:rPr lang="zh-CN" altLang="en-US"/>
+              <a:t>‹#›</a:t>
             </a:fld>
             <a:endParaRPr lang="zh-CN" altLang="en-US"/>
           </a:p>
@@ -1173,7 +1156,6 @@
               <a:rPr lang="zh-CN" altLang="en-US" noProof="1"/>
               <a:t>单击此处编辑母版标题样式</a:t>
             </a:r>
-            <a:endParaRPr lang="zh-CN" altLang="en-US" noProof="1"/>
           </a:p>
         </p:txBody>
       </p:sp>
@@ -1202,7 +1184,6 @@
               <a:rPr lang="zh-CN" altLang="en-US" noProof="1"/>
               <a:t>单击此处编辑母版文本样式</a:t>
             </a:r>
-            <a:endParaRPr lang="zh-CN" altLang="en-US" noProof="1"/>
           </a:p>
           <a:p>
             <a:pPr lvl="1"/>
@@ -1210,7 +1191,6 @@
               <a:rPr lang="zh-CN" altLang="en-US" noProof="1"/>
               <a:t>第二级</a:t>
             </a:r>
-            <a:endParaRPr lang="zh-CN" altLang="en-US" noProof="1"/>
           </a:p>
           <a:p>
             <a:pPr lvl="2"/>
@@ -1218,7 +1198,6 @@
               <a:rPr lang="zh-CN" altLang="en-US" noProof="1"/>
               <a:t>第三级</a:t>
             </a:r>
-            <a:endParaRPr lang="zh-CN" altLang="en-US" noProof="1"/>
           </a:p>
           <a:p>
             <a:pPr lvl="3"/>
@@ -1226,7 +1205,6 @@
               <a:rPr lang="zh-CN" altLang="en-US" noProof="1"/>
               <a:t>第四级</a:t>
             </a:r>
-            <a:endParaRPr lang="zh-CN" altLang="en-US" noProof="1"/>
           </a:p>
           <a:p>
             <a:pPr lvl="4"/>
@@ -1234,7 +1212,6 @@
               <a:rPr lang="zh-CN" altLang="en-US" noProof="1"/>
               <a:t>第五级</a:t>
             </a:r>
-            <a:endParaRPr lang="zh-CN" altLang="en-US" noProof="1"/>
           </a:p>
         </p:txBody>
       </p:sp>
@@ -1263,7 +1240,6 @@
               <a:rPr lang="zh-CN" altLang="en-US" noProof="1"/>
               <a:t>单击此处编辑母版文本样式</a:t>
             </a:r>
-            <a:endParaRPr lang="zh-CN" altLang="en-US" noProof="1"/>
           </a:p>
           <a:p>
             <a:pPr lvl="1"/>
@@ -1271,7 +1247,6 @@
               <a:rPr lang="zh-CN" altLang="en-US" noProof="1"/>
               <a:t>第二级</a:t>
             </a:r>
-            <a:endParaRPr lang="zh-CN" altLang="en-US" noProof="1"/>
           </a:p>
           <a:p>
             <a:pPr lvl="2"/>
@@ -1279,7 +1254,6 @@
               <a:rPr lang="zh-CN" altLang="en-US" noProof="1"/>
               <a:t>第三级</a:t>
             </a:r>
-            <a:endParaRPr lang="zh-CN" altLang="en-US" noProof="1"/>
           </a:p>
           <a:p>
             <a:pPr lvl="3"/>
@@ -1287,7 +1261,6 @@
               <a:rPr lang="zh-CN" altLang="en-US" noProof="1"/>
               <a:t>第四级</a:t>
             </a:r>
-            <a:endParaRPr lang="zh-CN" altLang="en-US" noProof="1"/>
           </a:p>
           <a:p>
             <a:pPr lvl="4"/>
@@ -1295,7 +1268,6 @@
               <a:rPr lang="zh-CN" altLang="en-US" noProof="1"/>
               <a:t>第五级</a:t>
             </a:r>
-            <a:endParaRPr lang="zh-CN" altLang="en-US" noProof="1"/>
           </a:p>
         </p:txBody>
       </p:sp>
@@ -1366,6 +1338,7 @@
           <a:p>
             <a:fld id="{3CC3C192-40FD-4C14-9675-96C021957E09}" type="slidenum">
               <a:rPr lang="zh-CN" altLang="en-US"/>
+              <a:t>‹#›</a:t>
             </a:fld>
             <a:endParaRPr lang="zh-CN" altLang="en-US"/>
           </a:p>
@@ -1420,7 +1393,6 @@
               <a:rPr lang="zh-CN" altLang="en-US" noProof="1"/>
               <a:t>单击此处编辑母版标题样式</a:t>
             </a:r>
-            <a:endParaRPr lang="zh-CN" altLang="en-US" noProof="1"/>
           </a:p>
         </p:txBody>
       </p:sp>
@@ -1486,7 +1458,6 @@
               <a:rPr lang="zh-CN" altLang="en-US" noProof="1"/>
               <a:t>单击此处编辑母版文本样式</a:t>
             </a:r>
-            <a:endParaRPr lang="zh-CN" altLang="en-US" noProof="1"/>
           </a:p>
         </p:txBody>
       </p:sp>
@@ -1515,7 +1486,6 @@
               <a:rPr lang="zh-CN" altLang="en-US" noProof="1"/>
               <a:t>单击此处编辑母版文本样式</a:t>
             </a:r>
-            <a:endParaRPr lang="zh-CN" altLang="en-US" noProof="1"/>
           </a:p>
           <a:p>
             <a:pPr lvl="1"/>
@@ -1523,7 +1493,6 @@
               <a:rPr lang="zh-CN" altLang="en-US" noProof="1"/>
               <a:t>第二级</a:t>
             </a:r>
-            <a:endParaRPr lang="zh-CN" altLang="en-US" noProof="1"/>
           </a:p>
           <a:p>
             <a:pPr lvl="2"/>
@@ -1531,7 +1500,6 @@
               <a:rPr lang="zh-CN" altLang="en-US" noProof="1"/>
               <a:t>第三级</a:t>
             </a:r>
-            <a:endParaRPr lang="zh-CN" altLang="en-US" noProof="1"/>
           </a:p>
           <a:p>
             <a:pPr lvl="3"/>
@@ -1539,7 +1507,6 @@
               <a:rPr lang="zh-CN" altLang="en-US" noProof="1"/>
               <a:t>第四级</a:t>
             </a:r>
-            <a:endParaRPr lang="zh-CN" altLang="en-US" noProof="1"/>
           </a:p>
           <a:p>
             <a:pPr lvl="4"/>
@@ -1547,7 +1514,6 @@
               <a:rPr lang="zh-CN" altLang="en-US" noProof="1"/>
               <a:t>第五级</a:t>
             </a:r>
-            <a:endParaRPr lang="zh-CN" altLang="en-US" noProof="1"/>
           </a:p>
         </p:txBody>
       </p:sp>
@@ -1613,7 +1579,6 @@
               <a:rPr lang="zh-CN" altLang="en-US" noProof="1"/>
               <a:t>单击此处编辑母版文本样式</a:t>
             </a:r>
-            <a:endParaRPr lang="zh-CN" altLang="en-US" noProof="1"/>
           </a:p>
         </p:txBody>
       </p:sp>
@@ -1642,7 +1607,6 @@
               <a:rPr lang="zh-CN" altLang="en-US" noProof="1"/>
               <a:t>单击此处编辑母版文本样式</a:t>
             </a:r>
-            <a:endParaRPr lang="zh-CN" altLang="en-US" noProof="1"/>
           </a:p>
           <a:p>
             <a:pPr lvl="1"/>
@@ -1650,7 +1614,6 @@
               <a:rPr lang="zh-CN" altLang="en-US" noProof="1"/>
               <a:t>第二级</a:t>
             </a:r>
-            <a:endParaRPr lang="zh-CN" altLang="en-US" noProof="1"/>
           </a:p>
           <a:p>
             <a:pPr lvl="2"/>
@@ -1658,7 +1621,6 @@
               <a:rPr lang="zh-CN" altLang="en-US" noProof="1"/>
               <a:t>第三级</a:t>
             </a:r>
-            <a:endParaRPr lang="zh-CN" altLang="en-US" noProof="1"/>
           </a:p>
           <a:p>
             <a:pPr lvl="3"/>
@@ -1666,7 +1628,6 @@
               <a:rPr lang="zh-CN" altLang="en-US" noProof="1"/>
               <a:t>第四级</a:t>
             </a:r>
-            <a:endParaRPr lang="zh-CN" altLang="en-US" noProof="1"/>
           </a:p>
           <a:p>
             <a:pPr lvl="4"/>
@@ -1674,7 +1635,6 @@
               <a:rPr lang="zh-CN" altLang="en-US" noProof="1"/>
               <a:t>第五级</a:t>
             </a:r>
-            <a:endParaRPr lang="zh-CN" altLang="en-US" noProof="1"/>
           </a:p>
         </p:txBody>
       </p:sp>
@@ -1745,6 +1705,7 @@
           <a:p>
             <a:fld id="{87A11D4D-DAFC-4B8F-8BF1-BA015E14D91B}" type="slidenum">
               <a:rPr lang="zh-CN" altLang="en-US"/>
+              <a:t>‹#›</a:t>
             </a:fld>
             <a:endParaRPr lang="zh-CN" altLang="en-US"/>
           </a:p>
@@ -1794,7 +1755,6 @@
               <a:rPr lang="zh-CN" altLang="en-US" noProof="1"/>
               <a:t>单击此处编辑母版标题样式</a:t>
             </a:r>
-            <a:endParaRPr lang="zh-CN" altLang="en-US" noProof="1"/>
           </a:p>
         </p:txBody>
       </p:sp>
@@ -1865,6 +1825,7 @@
           <a:p>
             <a:fld id="{09CD5A2B-CBB2-4BB0-9485-6A3A40199849}" type="slidenum">
               <a:rPr lang="zh-CN" altLang="en-US"/>
+              <a:t>‹#›</a:t>
             </a:fld>
             <a:endParaRPr lang="zh-CN" altLang="en-US"/>
           </a:p>
@@ -1962,6 +1923,7 @@
           <a:p>
             <a:fld id="{809C3216-3C8A-4B56-BC8B-8424E37A4759}" type="slidenum">
               <a:rPr lang="zh-CN" altLang="en-US"/>
+              <a:t>‹#›</a:t>
             </a:fld>
             <a:endParaRPr lang="zh-CN" altLang="en-US"/>
           </a:p>
@@ -2020,7 +1982,6 @@
               <a:rPr lang="zh-CN" altLang="en-US" noProof="1"/>
               <a:t>单击此处编辑母版标题样式</a:t>
             </a:r>
-            <a:endParaRPr lang="zh-CN" altLang="en-US" noProof="1"/>
           </a:p>
         </p:txBody>
       </p:sp>
@@ -2077,7 +2038,6 @@
               <a:rPr lang="zh-CN" altLang="en-US" noProof="1"/>
               <a:t>单击此处编辑母版文本样式</a:t>
             </a:r>
-            <a:endParaRPr lang="zh-CN" altLang="en-US" noProof="1"/>
           </a:p>
           <a:p>
             <a:pPr lvl="1"/>
@@ -2085,7 +2045,6 @@
               <a:rPr lang="zh-CN" altLang="en-US" noProof="1"/>
               <a:t>第二级</a:t>
             </a:r>
-            <a:endParaRPr lang="zh-CN" altLang="en-US" noProof="1"/>
           </a:p>
           <a:p>
             <a:pPr lvl="2"/>
@@ -2093,7 +2052,6 @@
               <a:rPr lang="zh-CN" altLang="en-US" noProof="1"/>
               <a:t>第三级</a:t>
             </a:r>
-            <a:endParaRPr lang="zh-CN" altLang="en-US" noProof="1"/>
           </a:p>
           <a:p>
             <a:pPr lvl="3"/>
@@ -2101,7 +2059,6 @@
               <a:rPr lang="zh-CN" altLang="en-US" noProof="1"/>
               <a:t>第四级</a:t>
             </a:r>
-            <a:endParaRPr lang="zh-CN" altLang="en-US" noProof="1"/>
           </a:p>
           <a:p>
             <a:pPr lvl="4"/>
@@ -2109,7 +2066,6 @@
               <a:rPr lang="zh-CN" altLang="en-US" noProof="1"/>
               <a:t>第五级</a:t>
             </a:r>
-            <a:endParaRPr lang="zh-CN" altLang="en-US" noProof="1"/>
           </a:p>
         </p:txBody>
       </p:sp>
@@ -2175,7 +2131,6 @@
               <a:rPr lang="zh-CN" altLang="en-US" noProof="1"/>
               <a:t>单击此处编辑母版文本样式</a:t>
             </a:r>
-            <a:endParaRPr lang="zh-CN" altLang="en-US" noProof="1"/>
           </a:p>
         </p:txBody>
       </p:sp>
@@ -2246,6 +2201,7 @@
           <a:p>
             <a:fld id="{2E7DBC98-20CE-4767-BAAE-912D3048A5DC}" type="slidenum">
               <a:rPr lang="zh-CN" altLang="en-US"/>
+              <a:t>‹#›</a:t>
             </a:fld>
             <a:endParaRPr lang="zh-CN" altLang="en-US"/>
           </a:p>
@@ -2304,7 +2260,6 @@
               <a:rPr lang="zh-CN" altLang="en-US" noProof="1"/>
               <a:t>单击此处编辑母版标题样式</a:t>
             </a:r>
-            <a:endParaRPr lang="zh-CN" altLang="en-US" noProof="1"/>
           </a:p>
         </p:txBody>
       </p:sp>
@@ -2431,7 +2386,6 @@
               <a:rPr lang="zh-CN" altLang="en-US" noProof="1"/>
               <a:t>单击此处编辑母版文本样式</a:t>
             </a:r>
-            <a:endParaRPr lang="zh-CN" altLang="en-US" noProof="1"/>
           </a:p>
         </p:txBody>
       </p:sp>
@@ -2502,6 +2456,7 @@
           <a:p>
             <a:fld id="{A5F54967-052C-480B-81EB-0146E380C87A}" type="slidenum">
               <a:rPr lang="zh-CN" altLang="en-US"/>
+              <a:t>‹#›</a:t>
             </a:fld>
             <a:endParaRPr lang="zh-CN" altLang="en-US"/>
           </a:p>
@@ -2572,7 +2527,6 @@
               <a:rPr lang="zh-CN" altLang="en-US" noProof="1"/>
               <a:t>单击此处编辑母版标题样式</a:t>
             </a:r>
-            <a:endParaRPr lang="zh-CN" altLang="en-US" noProof="1"/>
           </a:p>
         </p:txBody>
       </p:sp>
@@ -2608,7 +2562,6 @@
               <a:rPr lang="zh-CN" altLang="en-US" noProof="1"/>
               <a:t>单击此处编辑母版文本样式</a:t>
             </a:r>
-            <a:endParaRPr lang="zh-CN" altLang="en-US" noProof="1"/>
           </a:p>
           <a:p>
             <a:pPr lvl="1"/>
@@ -2616,7 +2569,6 @@
               <a:rPr lang="zh-CN" altLang="en-US" noProof="1"/>
               <a:t>第二级</a:t>
             </a:r>
-            <a:endParaRPr lang="zh-CN" altLang="en-US" noProof="1"/>
           </a:p>
           <a:p>
             <a:pPr lvl="2"/>
@@ -2624,7 +2576,6 @@
               <a:rPr lang="zh-CN" altLang="en-US" noProof="1"/>
               <a:t>第三级</a:t>
             </a:r>
-            <a:endParaRPr lang="zh-CN" altLang="en-US" noProof="1"/>
           </a:p>
           <a:p>
             <a:pPr lvl="3"/>
@@ -2632,7 +2583,6 @@
               <a:rPr lang="zh-CN" altLang="en-US" noProof="1"/>
               <a:t>第四级</a:t>
             </a:r>
-            <a:endParaRPr lang="zh-CN" altLang="en-US" noProof="1"/>
           </a:p>
           <a:p>
             <a:pPr lvl="4"/>
@@ -2640,7 +2590,6 @@
               <a:rPr lang="zh-CN" altLang="en-US" noProof="1"/>
               <a:t>第五级</a:t>
             </a:r>
-            <a:endParaRPr lang="zh-CN" altLang="en-US" noProof="1"/>
           </a:p>
         </p:txBody>
       </p:sp>
@@ -2747,6 +2696,7 @@
           <a:p>
             <a:fld id="{37A04C04-47FB-458E-91F1-D4B3D651580F}" type="slidenum">
               <a:rPr lang="zh-CN" altLang="en-US"/>
+              <a:t>‹#›</a:t>
             </a:fld>
             <a:endParaRPr lang="zh-CN" altLang="en-US"/>
           </a:p>
@@ -3328,7 +3278,6 @@
               <a:rPr lang="en-US" altLang="zh-CN" dirty="0"/>
               <a:t>update queue</a:t>
             </a:r>
-            <a:endParaRPr lang="en-US" altLang="zh-CN" dirty="0"/>
           </a:p>
         </p:txBody>
       </p:sp>
@@ -3387,7 +3336,7 @@
                       <m:sSub>
                         <m:sSubPr>
                           <m:ctrlPr>
-                            <a:rPr lang="en-US" altLang="zh-CN" sz="1800" i="1" noProof="1">
+                            <a:rPr lang="en-US" altLang="zh-CN" i="1" noProof="1">
                               <a:solidFill>
                                 <a:schemeClr val="tx1"/>
                               </a:solidFill>
@@ -3397,7 +3346,7 @@
                         </m:sSubPr>
                         <m:e>
                           <m:r>
-                            <a:rPr lang="en-US" altLang="zh-CN" sz="1800" i="1" noProof="1">
+                            <a:rPr lang="en-US" altLang="zh-CN" i="1" noProof="1">
                               <a:solidFill>
                                 <a:schemeClr val="tx1"/>
                               </a:solidFill>
@@ -3408,7 +3357,7 @@
                         </m:e>
                         <m:sub>
                           <m:r>
-                            <a:rPr lang="en-US" altLang="zh-CN" sz="1800" i="1" noProof="1">
+                            <a:rPr lang="en-US" altLang="zh-CN" i="1" noProof="1">
                               <a:solidFill>
                                 <a:schemeClr val="tx1"/>
                               </a:solidFill>
@@ -3421,7 +3370,7 @@
                     </m:oMath>
                   </m:oMathPara>
                 </a14:m>
-                <a:endParaRPr lang="en-US" altLang="zh-CN" sz="1800" i="1" baseline="-25000" noProof="1">
+                <a:endParaRPr lang="en-US" altLang="zh-CN" i="1" baseline="-25000" noProof="1">
                   <a:solidFill>
                     <a:schemeClr val="tx1"/>
                   </a:solidFill>
@@ -3448,10 +3397,10 @@
               <a:prstGeom prst="rect">
                 <a:avLst/>
               </a:prstGeom>
-              <a:blipFill rotWithShape="1">
-                <a:blip r:embed="rId1"/>
+              <a:blipFill>
+                <a:blip r:embed="rId3"/>
                 <a:stretch>
-                  <a:fillRect l="-3134" t="-3006" r="-2836" b="-2964"/>
+                  <a:fillRect/>
                 </a:stretch>
               </a:blipFill>
               <a:ln w="25400">
@@ -3460,22 +3409,6 @@
                 </a:solidFill>
               </a:ln>
             </p:spPr>
-            <p:style>
-              <a:lnRef idx="2">
-                <a:schemeClr val="accent1">
-                  <a:shade val="50000"/>
-                </a:schemeClr>
-              </a:lnRef>
-              <a:fillRef idx="1">
-                <a:schemeClr val="accent1"/>
-              </a:fillRef>
-              <a:effectRef idx="0">
-                <a:schemeClr val="accent1"/>
-              </a:effectRef>
-              <a:fontRef idx="minor">
-                <a:schemeClr val="lt1"/>
-              </a:fontRef>
-            </p:style>
             <p:txBody>
               <a:bodyPr/>
               <a:lstStyle/>
@@ -3546,7 +3479,7 @@
                       <m:sSub>
                         <m:sSubPr>
                           <m:ctrlPr>
-                            <a:rPr lang="en-US" altLang="zh-CN" sz="1800" i="1" noProof="1">
+                            <a:rPr lang="en-US" altLang="zh-CN" i="1" noProof="1">
                               <a:solidFill>
                                 <a:schemeClr val="tx1"/>
                               </a:solidFill>
@@ -3556,7 +3489,7 @@
                         </m:sSubPr>
                         <m:e>
                           <m:r>
-                            <a:rPr lang="en-US" altLang="zh-CN" sz="1800" i="1" noProof="1">
+                            <a:rPr lang="en-US" altLang="zh-CN" i="1" noProof="1">
                               <a:solidFill>
                                 <a:schemeClr val="tx1"/>
                               </a:solidFill>
@@ -3567,7 +3500,7 @@
                         </m:e>
                         <m:sub>
                           <m:r>
-                            <a:rPr lang="en-US" altLang="zh-CN" sz="1800" i="1" noProof="1">
+                            <a:rPr lang="en-US" altLang="zh-CN" i="1" noProof="1">
                               <a:solidFill>
                                 <a:schemeClr val="tx1"/>
                               </a:solidFill>
@@ -3580,7 +3513,7 @@
                     </m:oMath>
                   </m:oMathPara>
                 </a14:m>
-                <a:endParaRPr lang="en-US" altLang="zh-CN" sz="1800" i="1" baseline="-25000" noProof="1">
+                <a:endParaRPr lang="en-US" altLang="zh-CN" i="1" baseline="-25000" noProof="1">
                   <a:solidFill>
                     <a:schemeClr val="tx1"/>
                   </a:solidFill>
@@ -3607,10 +3540,10 @@
               <a:prstGeom prst="rect">
                 <a:avLst/>
               </a:prstGeom>
-              <a:blipFill rotWithShape="1">
-                <a:blip r:embed="rId2"/>
+              <a:blipFill>
+                <a:blip r:embed="rId4"/>
                 <a:stretch>
-                  <a:fillRect l="-3019" t="-3017" r="-2944" b="-2900"/>
+                  <a:fillRect/>
                 </a:stretch>
               </a:blipFill>
               <a:ln w="25400">
@@ -3619,22 +3552,6 @@
                 </a:solidFill>
               </a:ln>
             </p:spPr>
-            <p:style>
-              <a:lnRef idx="2">
-                <a:schemeClr val="accent1">
-                  <a:shade val="50000"/>
-                </a:schemeClr>
-              </a:lnRef>
-              <a:fillRef idx="1">
-                <a:schemeClr val="accent1"/>
-              </a:fillRef>
-              <a:effectRef idx="0">
-                <a:schemeClr val="accent1"/>
-              </a:effectRef>
-              <a:fontRef idx="minor">
-                <a:schemeClr val="lt1"/>
-              </a:fontRef>
-            </p:style>
             <p:txBody>
               <a:bodyPr/>
               <a:lstStyle/>
@@ -3695,18 +3612,13 @@
           <a:p>
             <a:pPr algn="ctr"/>
             <a:r>
-              <a:rPr lang="en-US" altLang="zh-CN" sz="1800" noProof="1">
+              <a:rPr lang="en-US" altLang="zh-CN" noProof="1">
                 <a:solidFill>
                   <a:schemeClr val="tx1"/>
                 </a:solidFill>
               </a:rPr>
               <a:t>...</a:t>
             </a:r>
-            <a:endParaRPr lang="en-US" altLang="zh-CN" sz="1800" noProof="1">
-              <a:solidFill>
-                <a:schemeClr val="tx1"/>
-              </a:solidFill>
-            </a:endParaRPr>
           </a:p>
         </p:txBody>
       </p:sp>
@@ -3765,7 +3677,7 @@
                       <m:sSub>
                         <m:sSubPr>
                           <m:ctrlPr>
-                            <a:rPr lang="en-US" altLang="zh-CN" sz="1800" i="1" noProof="1" smtClean="0">
+                            <a:rPr lang="en-US" altLang="zh-CN" i="1" noProof="1" smtClean="0">
                               <a:solidFill>
                                 <a:schemeClr val="tx1"/>
                               </a:solidFill>
@@ -3775,7 +3687,7 @@
                         </m:sSubPr>
                         <m:e>
                           <m:r>
-                            <a:rPr lang="en-US" altLang="zh-CN" sz="1800" i="1" noProof="1">
+                            <a:rPr lang="en-US" altLang="zh-CN" i="1" noProof="1">
                               <a:solidFill>
                                 <a:schemeClr val="tx1"/>
                               </a:solidFill>
@@ -3786,7 +3698,7 @@
                         </m:e>
                         <m:sub>
                           <m:r>
-                            <a:rPr lang="en-US" altLang="zh-CN" sz="1800" i="1" noProof="1">
+                            <a:rPr lang="en-US" altLang="zh-CN" i="1" noProof="1">
                               <a:solidFill>
                                 <a:schemeClr val="tx1"/>
                               </a:solidFill>
@@ -3799,7 +3711,7 @@
                     </m:oMath>
                   </m:oMathPara>
                 </a14:m>
-                <a:endParaRPr lang="en-US" altLang="zh-CN" sz="1800" i="1" baseline="-25000" noProof="1">
+                <a:endParaRPr lang="en-US" altLang="zh-CN" i="1" baseline="-25000" noProof="1">
                   <a:solidFill>
                     <a:schemeClr val="tx1"/>
                   </a:solidFill>
@@ -3826,10 +3738,10 @@
               <a:prstGeom prst="rect">
                 <a:avLst/>
               </a:prstGeom>
-              <a:blipFill rotWithShape="1">
-                <a:blip r:embed="rId3"/>
+              <a:blipFill>
+                <a:blip r:embed="rId5"/>
                 <a:stretch>
-                  <a:fillRect l="-3008" t="-3017" r="-3008" b="-2900"/>
+                  <a:fillRect/>
                 </a:stretch>
               </a:blipFill>
               <a:ln w="25400">
@@ -3838,22 +3750,6 @@
                 </a:solidFill>
               </a:ln>
             </p:spPr>
-            <p:style>
-              <a:lnRef idx="2">
-                <a:schemeClr val="accent1">
-                  <a:shade val="50000"/>
-                </a:schemeClr>
-              </a:lnRef>
-              <a:fillRef idx="1">
-                <a:schemeClr val="accent1"/>
-              </a:fillRef>
-              <a:effectRef idx="0">
-                <a:schemeClr val="accent1"/>
-              </a:effectRef>
-              <a:fontRef idx="minor">
-                <a:schemeClr val="lt1"/>
-              </a:fontRef>
-            </p:style>
             <p:txBody>
               <a:bodyPr/>
               <a:lstStyle/>
@@ -3927,7 +3823,7 @@
             <a:lstStyle/>
             <a:p>
               <a:pPr algn="ctr"/>
-              <a:endParaRPr lang="en-US" altLang="zh-CN" sz="1600" baseline="-25000" noProof="1">
+              <a:endParaRPr lang="en-US" altLang="zh-CN" baseline="-25000" noProof="1">
                 <a:solidFill>
                   <a:schemeClr val="tx1"/>
                 </a:solidFill>
@@ -3981,7 +3877,7 @@
             <a:lstStyle/>
             <a:p>
               <a:pPr algn="ctr"/>
-              <a:endParaRPr lang="en-US" altLang="zh-CN" sz="1600" noProof="1">
+              <a:endParaRPr lang="en-US" altLang="zh-CN" noProof="1">
                 <a:solidFill>
                   <a:schemeClr val="tx1"/>
                 </a:solidFill>
@@ -4033,7 +3929,7 @@
             <a:lstStyle/>
             <a:p>
               <a:pPr algn="ctr"/>
-              <a:endParaRPr lang="en-US" altLang="zh-CN" sz="1600" baseline="-25000" noProof="1">
+              <a:endParaRPr lang="en-US" altLang="zh-CN" baseline="-25000" noProof="1">
                 <a:solidFill>
                   <a:schemeClr val="tx1"/>
                 </a:solidFill>
@@ -4078,7 +3974,7 @@
             <a:lstStyle/>
             <a:p>
               <a:pPr algn="ctr"/>
-              <a:endParaRPr lang="en-US" altLang="zh-CN" sz="1600" baseline="-25000" noProof="1">
+              <a:endParaRPr lang="en-US" altLang="zh-CN" baseline="-25000" noProof="1">
                 <a:solidFill>
                   <a:schemeClr val="tx1"/>
                 </a:solidFill>
@@ -4145,7 +4041,7 @@
             <a:lstStyle/>
             <a:p>
               <a:pPr algn="ctr"/>
-              <a:endParaRPr lang="en-US" altLang="zh-CN" sz="1600" baseline="-25000" noProof="1">
+              <a:endParaRPr lang="en-US" altLang="zh-CN" baseline="-25000" noProof="1">
                 <a:solidFill>
                   <a:schemeClr val="tx1"/>
                 </a:solidFill>
@@ -4199,7 +4095,7 @@
             <a:lstStyle/>
             <a:p>
               <a:pPr algn="ctr"/>
-              <a:endParaRPr lang="en-US" altLang="zh-CN" sz="1600" noProof="1">
+              <a:endParaRPr lang="en-US" altLang="zh-CN" noProof="1">
                 <a:solidFill>
                   <a:schemeClr val="tx1"/>
                 </a:solidFill>
@@ -4251,7 +4147,7 @@
             <a:lstStyle/>
             <a:p>
               <a:pPr algn="ctr"/>
-              <a:endParaRPr lang="en-US" altLang="zh-CN" sz="1600" baseline="-25000" noProof="1">
+              <a:endParaRPr lang="en-US" altLang="zh-CN" baseline="-25000" noProof="1">
                 <a:solidFill>
                   <a:schemeClr val="tx1"/>
                 </a:solidFill>
@@ -4259,8 +4155,8 @@
             </a:p>
           </p:txBody>
         </p:sp>
-        <mc:AlternateContent xmlns:mc="http://schemas.openxmlformats.org/markup-compatibility/2006">
-          <mc:Choice xmlns:a14="http://schemas.microsoft.com/office/drawing/2010/main" Requires="a14">
+        <mc:AlternateContent xmlns:mc="http://schemas.openxmlformats.org/markup-compatibility/2006" xmlns:a14="http://schemas.microsoft.com/office/drawing/2010/main">
+          <mc:Choice Requires="a14">
             <p:sp>
               <p:nvSpPr>
                 <p:cNvPr id="59" name="矩形 58"/>
@@ -4316,16 +4212,17 @@
                         <m:sSub>
                           <m:sSubPr>
                             <m:ctrlPr>
-                              <a:rPr lang="en-US" altLang="zh-CN" sz="1800" noProof="1" smtClean="0">
+                              <a:rPr lang="en-US" altLang="zh-CN" i="1" noProof="1" smtClean="0">
                                 <a:solidFill>
                                   <a:schemeClr val="tx1"/>
                                 </a:solidFill>
+                                <a:latin typeface="Cambria Math" panose="02040503050406030204" pitchFamily="18" charset="0"/>
                               </a:rPr>
                             </m:ctrlPr>
                           </m:sSubPr>
                           <m:e>
                             <m:r>
-                              <a:rPr lang="en-US" altLang="zh-CN" sz="1800" noProof="1" smtClean="0">
+                              <a:rPr lang="en-US" altLang="zh-CN" noProof="1" smtClean="0">
                                 <a:solidFill>
                                   <a:schemeClr val="tx1"/>
                                 </a:solidFill>
@@ -4336,7 +4233,7 @@
                           </m:e>
                           <m:sub>
                             <m:r>
-                              <a:rPr lang="en-US" altLang="zh-CN" sz="1800" noProof="1" smtClean="0">
+                              <a:rPr lang="en-US" altLang="zh-CN" noProof="1" smtClean="0">
                                 <a:solidFill>
                                   <a:schemeClr val="tx1"/>
                                 </a:solidFill>
@@ -4349,7 +4246,7 @@
                       </m:oMath>
                     </m:oMathPara>
                   </a14:m>
-                  <a:endParaRPr lang="en-US" altLang="zh-CN" sz="1800" noProof="1" smtClean="0">
+                  <a:endParaRPr lang="en-US" altLang="zh-CN" noProof="1">
                     <a:solidFill>
                       <a:schemeClr val="tx1"/>
                     </a:solidFill>
@@ -4359,7 +4256,7 @@
               </p:txBody>
             </p:sp>
           </mc:Choice>
-          <mc:Fallback>
+          <mc:Fallback xmlns="">
             <p:sp>
               <p:nvSpPr>
                 <p:cNvPr id="59" name="矩形 58"/>
@@ -4377,7 +4274,7 @@
                   <a:avLst/>
                 </a:prstGeom>
                 <a:blipFill rotWithShape="1">
-                  <a:blip r:embed="rId4"/>
+                  <a:blip r:embed="rId6"/>
                 </a:blipFill>
                 <a:ln w="25400">
                   <a:solidFill>
@@ -4416,8 +4313,8 @@
             </p:sp>
           </mc:Fallback>
         </mc:AlternateContent>
-        <mc:AlternateContent xmlns:mc="http://schemas.openxmlformats.org/markup-compatibility/2006">
-          <mc:Choice xmlns:a14="http://schemas.microsoft.com/office/drawing/2010/main" Requires="a14">
+        <mc:AlternateContent xmlns:mc="http://schemas.openxmlformats.org/markup-compatibility/2006" xmlns:a14="http://schemas.microsoft.com/office/drawing/2010/main">
+          <mc:Choice Requires="a14">
             <p:sp>
               <p:nvSpPr>
                 <p:cNvPr id="60" name="矩形 59"/>
@@ -4473,16 +4370,17 @@
                         <m:sSub>
                           <m:sSubPr>
                             <m:ctrlPr>
-                              <a:rPr lang="en-US" altLang="zh-CN" sz="1800" noProof="1" smtClean="0">
+                              <a:rPr lang="en-US" altLang="zh-CN" i="1" noProof="1" smtClean="0">
                                 <a:solidFill>
                                   <a:schemeClr val="tx1"/>
                                 </a:solidFill>
+                                <a:latin typeface="Cambria Math" panose="02040503050406030204" pitchFamily="18" charset="0"/>
                               </a:rPr>
                             </m:ctrlPr>
                           </m:sSubPr>
                           <m:e>
                             <m:r>
-                              <a:rPr lang="en-US" altLang="zh-CN" sz="1800" noProof="1" smtClean="0">
+                              <a:rPr lang="en-US" altLang="zh-CN" noProof="1" smtClean="0">
                                 <a:solidFill>
                                   <a:schemeClr val="tx1"/>
                                 </a:solidFill>
@@ -4493,7 +4391,7 @@
                           </m:e>
                           <m:sub>
                             <m:r>
-                              <a:rPr lang="en-US" altLang="zh-CN" sz="1800" noProof="1" smtClean="0">
+                              <a:rPr lang="en-US" altLang="zh-CN" noProof="1" smtClean="0">
                                 <a:solidFill>
                                   <a:schemeClr val="tx1"/>
                                 </a:solidFill>
@@ -4506,7 +4404,7 @@
                       </m:oMath>
                     </m:oMathPara>
                   </a14:m>
-                  <a:endParaRPr lang="en-US" altLang="zh-CN" sz="1800" noProof="1" smtClean="0">
+                  <a:endParaRPr lang="en-US" altLang="zh-CN" noProof="1">
                     <a:solidFill>
                       <a:schemeClr val="tx1"/>
                     </a:solidFill>
@@ -4516,7 +4414,7 @@
               </p:txBody>
             </p:sp>
           </mc:Choice>
-          <mc:Fallback>
+          <mc:Fallback xmlns="">
             <p:sp>
               <p:nvSpPr>
                 <p:cNvPr id="60" name="矩形 59"/>
@@ -4534,7 +4432,7 @@
                   <a:avLst/>
                 </a:prstGeom>
                 <a:blipFill rotWithShape="1">
-                  <a:blip r:embed="rId5"/>
+                  <a:blip r:embed="rId7"/>
                 </a:blipFill>
                 <a:ln w="25400">
                   <a:solidFill>
@@ -4620,23 +4518,18 @@
             <a:p>
               <a:pPr algn="ctr"/>
               <a:r>
-                <a:rPr lang="en-US" altLang="zh-CN" sz="1800" noProof="1">
+                <a:rPr lang="en-US" altLang="zh-CN" noProof="1">
                   <a:solidFill>
                     <a:schemeClr val="tx1"/>
                   </a:solidFill>
                 </a:rPr>
                 <a:t>...</a:t>
               </a:r>
-              <a:endParaRPr lang="en-US" altLang="zh-CN" sz="1800" noProof="1">
-                <a:solidFill>
-                  <a:schemeClr val="tx1"/>
-                </a:solidFill>
-              </a:endParaRPr>
             </a:p>
           </p:txBody>
         </p:sp>
-        <mc:AlternateContent xmlns:mc="http://schemas.openxmlformats.org/markup-compatibility/2006">
-          <mc:Choice xmlns:a14="http://schemas.microsoft.com/office/drawing/2010/main" Requires="a14">
+        <mc:AlternateContent xmlns:mc="http://schemas.openxmlformats.org/markup-compatibility/2006" xmlns:a14="http://schemas.microsoft.com/office/drawing/2010/main">
+          <mc:Choice Requires="a14">
             <p:sp>
               <p:nvSpPr>
                 <p:cNvPr id="62" name="矩形 61"/>
@@ -4692,16 +4585,17 @@
                         <m:sSub>
                           <m:sSubPr>
                             <m:ctrlPr>
-                              <a:rPr lang="en-US" altLang="zh-CN" sz="1800" noProof="1" smtClean="0">
+                              <a:rPr lang="en-US" altLang="zh-CN" i="1" noProof="1" smtClean="0">
                                 <a:solidFill>
                                   <a:schemeClr val="tx1"/>
                                 </a:solidFill>
+                                <a:latin typeface="Cambria Math" panose="02040503050406030204" pitchFamily="18" charset="0"/>
                               </a:rPr>
                             </m:ctrlPr>
                           </m:sSubPr>
                           <m:e>
                             <m:r>
-                              <a:rPr lang="en-US" altLang="zh-CN" sz="1800" noProof="1" smtClean="0">
+                              <a:rPr lang="en-US" altLang="zh-CN" noProof="1" smtClean="0">
                                 <a:solidFill>
                                   <a:schemeClr val="tx1"/>
                                 </a:solidFill>
@@ -4712,7 +4606,7 @@
                           </m:e>
                           <m:sub>
                             <m:r>
-                              <a:rPr lang="en-US" altLang="zh-CN" sz="1800" noProof="1" smtClean="0">
+                              <a:rPr lang="en-US" altLang="zh-CN" noProof="1" smtClean="0">
                                 <a:solidFill>
                                   <a:schemeClr val="tx1"/>
                                 </a:solidFill>
@@ -4725,7 +4619,7 @@
                       </m:oMath>
                     </m:oMathPara>
                   </a14:m>
-                  <a:endParaRPr lang="en-US" altLang="zh-CN" sz="1800" noProof="1" smtClean="0">
+                  <a:endParaRPr lang="en-US" altLang="zh-CN" noProof="1">
                     <a:solidFill>
                       <a:schemeClr val="tx1"/>
                     </a:solidFill>
@@ -4735,7 +4629,7 @@
               </p:txBody>
             </p:sp>
           </mc:Choice>
-          <mc:Fallback>
+          <mc:Fallback xmlns="">
             <p:sp>
               <p:nvSpPr>
                 <p:cNvPr id="62" name="矩形 61"/>
@@ -4753,7 +4647,7 @@
                   <a:avLst/>
                 </a:prstGeom>
                 <a:blipFill rotWithShape="1">
-                  <a:blip r:embed="rId6"/>
+                  <a:blip r:embed="rId8"/>
                 </a:blipFill>
                 <a:ln w="25400">
                   <a:solidFill>
@@ -4792,8 +4686,8 @@
             </p:sp>
           </mc:Fallback>
         </mc:AlternateContent>
-        <mc:AlternateContent xmlns:mc="http://schemas.openxmlformats.org/markup-compatibility/2006">
-          <mc:Choice xmlns:a14="http://schemas.microsoft.com/office/drawing/2010/main" Requires="a14">
+        <mc:AlternateContent xmlns:mc="http://schemas.openxmlformats.org/markup-compatibility/2006" xmlns:a14="http://schemas.microsoft.com/office/drawing/2010/main">
+          <mc:Choice Requires="a14">
             <p:sp>
               <p:nvSpPr>
                 <p:cNvPr id="63" name="矩形 62"/>
@@ -4843,7 +4737,7 @@
                         <m:sSub>
                           <m:sSubPr>
                             <m:ctrlPr>
-                              <a:rPr lang="en-US" altLang="zh-CN" sz="1800" i="1" noProof="1" smtClean="0">
+                              <a:rPr lang="en-US" altLang="zh-CN" i="1" noProof="1" smtClean="0">
                                 <a:solidFill>
                                   <a:schemeClr val="tx1"/>
                                 </a:solidFill>
@@ -4853,7 +4747,7 @@
                           </m:sSubPr>
                           <m:e>
                             <m:r>
-                              <a:rPr lang="en-US" altLang="zh-CN" sz="1800" i="1" noProof="1" smtClean="0">
+                              <a:rPr lang="en-US" altLang="zh-CN" i="1" noProof="1" smtClean="0">
                                 <a:solidFill>
                                   <a:schemeClr val="tx1"/>
                                 </a:solidFill>
@@ -4864,7 +4758,7 @@
                           </m:e>
                           <m:sub>
                             <m:r>
-                              <a:rPr lang="en-US" altLang="zh-CN" sz="1800" i="1" noProof="1" smtClean="0">
+                              <a:rPr lang="en-US" altLang="zh-CN" i="1" noProof="1" smtClean="0">
                                 <a:solidFill>
                                   <a:schemeClr val="tx1"/>
                                 </a:solidFill>
@@ -4877,7 +4771,7 @@
                       </m:oMath>
                     </m:oMathPara>
                   </a14:m>
-                  <a:endParaRPr lang="en-US" altLang="zh-CN" sz="1800" i="1" baseline="-25000" noProof="1" smtClean="0">
+                  <a:endParaRPr lang="en-US" altLang="zh-CN" i="1" baseline="-25000" noProof="1">
                     <a:solidFill>
                       <a:schemeClr val="tx1"/>
                     </a:solidFill>
@@ -4887,7 +4781,7 @@
               </p:txBody>
             </p:sp>
           </mc:Choice>
-          <mc:Fallback>
+          <mc:Fallback xmlns="">
             <p:sp>
               <p:nvSpPr>
                 <p:cNvPr id="63" name="矩形 62"/>
@@ -4905,7 +4799,7 @@
                   <a:avLst/>
                 </a:prstGeom>
                 <a:blipFill rotWithShape="1">
-                  <a:blip r:embed="rId7"/>
+                  <a:blip r:embed="rId9"/>
                 </a:blipFill>
                 <a:ln w="25400"/>
               </p:spPr>
@@ -4977,7 +4871,7 @@
             <a:lstStyle/>
             <a:p>
               <a:pPr algn="ctr"/>
-              <a:endParaRPr lang="en-US" altLang="zh-CN" sz="700" baseline="-25000" noProof="1">
+              <a:endParaRPr lang="en-US" altLang="zh-CN" baseline="-25000" noProof="1">
                 <a:solidFill>
                   <a:schemeClr val="tx1"/>
                 </a:solidFill>
@@ -5088,10 +4982,9 @@
             <a:p>
               <a:pPr algn="ctr"/>
               <a:r>
-                <a:rPr lang="en-US" altLang="zh-CN" sz="1800"/>
+                <a:rPr lang="en-US" altLang="zh-CN" dirty="0"/>
                 <a:t>tail</a:t>
               </a:r>
-              <a:endParaRPr lang="en-US" altLang="zh-CN" sz="1800"/>
             </a:p>
           </p:txBody>
         </p:sp>
@@ -5180,10 +5073,9 @@
           <a:p>
             <a:pPr algn="ctr"/>
             <a:r>
-              <a:rPr lang="en-US" altLang="zh-CN" sz="1800" dirty="0"/>
+              <a:rPr lang="en-US" altLang="zh-CN" dirty="0"/>
               <a:t>Seg 0</a:t>
             </a:r>
-            <a:endParaRPr lang="en-US" altLang="zh-CN" sz="1800" dirty="0"/>
           </a:p>
         </p:txBody>
       </p:sp>
@@ -5245,7 +5137,7 @@
             <a:lstStyle/>
             <a:p>
               <a:pPr algn="ctr"/>
-              <a:endParaRPr lang="en-US" altLang="zh-CN" sz="1600" baseline="-25000" noProof="1">
+              <a:endParaRPr lang="en-US" altLang="zh-CN" baseline="-25000" noProof="1">
                 <a:solidFill>
                   <a:schemeClr val="tx1"/>
                 </a:solidFill>
@@ -5299,7 +5191,7 @@
             <a:lstStyle/>
             <a:p>
               <a:pPr algn="ctr"/>
-              <a:endParaRPr lang="en-US" altLang="zh-CN" sz="1600" noProof="1">
+              <a:endParaRPr lang="en-US" altLang="zh-CN" noProof="1">
                 <a:solidFill>
                   <a:schemeClr val="tx1"/>
                 </a:solidFill>
@@ -5351,7 +5243,7 @@
             <a:lstStyle/>
             <a:p>
               <a:pPr algn="ctr"/>
-              <a:endParaRPr lang="en-US" altLang="zh-CN" sz="1600" baseline="-25000" noProof="1">
+              <a:endParaRPr lang="en-US" altLang="zh-CN" baseline="-25000" noProof="1">
                 <a:solidFill>
                   <a:schemeClr val="tx1"/>
                 </a:solidFill>
@@ -5396,7 +5288,7 @@
             <a:lstStyle/>
             <a:p>
               <a:pPr algn="ctr"/>
-              <a:endParaRPr lang="en-US" altLang="zh-CN" sz="1600" baseline="-25000" noProof="1">
+              <a:endParaRPr lang="en-US" altLang="zh-CN" baseline="-25000" noProof="1">
                 <a:solidFill>
                   <a:schemeClr val="tx1"/>
                 </a:solidFill>
@@ -5463,7 +5355,7 @@
             <a:lstStyle/>
             <a:p>
               <a:pPr algn="ctr"/>
-              <a:endParaRPr lang="en-US" altLang="zh-CN" sz="1600" baseline="-25000" noProof="1">
+              <a:endParaRPr lang="en-US" altLang="zh-CN" baseline="-25000" noProof="1">
                 <a:solidFill>
                   <a:schemeClr val="tx1"/>
                 </a:solidFill>
@@ -5517,7 +5409,7 @@
             <a:lstStyle/>
             <a:p>
               <a:pPr algn="ctr"/>
-              <a:endParaRPr lang="en-US" altLang="zh-CN" sz="1600" noProof="1">
+              <a:endParaRPr lang="en-US" altLang="zh-CN" noProof="1">
                 <a:solidFill>
                   <a:schemeClr val="tx1"/>
                 </a:solidFill>
@@ -5569,7 +5461,7 @@
             <a:lstStyle/>
             <a:p>
               <a:pPr algn="ctr"/>
-              <a:endParaRPr lang="en-US" altLang="zh-CN" sz="1600" baseline="-25000" noProof="1">
+              <a:endParaRPr lang="en-US" altLang="zh-CN" baseline="-25000" noProof="1">
                 <a:solidFill>
                   <a:schemeClr val="tx1"/>
                 </a:solidFill>
@@ -5623,7 +5515,7 @@
             <a:lstStyle/>
             <a:p>
               <a:pPr algn="ctr"/>
-              <a:endParaRPr lang="en-US" altLang="zh-CN" sz="1600" noProof="1">
+              <a:endParaRPr lang="en-US" altLang="zh-CN" noProof="1">
                 <a:solidFill>
                   <a:schemeClr val="tx1"/>
                 </a:solidFill>
@@ -5675,7 +5567,7 @@
             <a:lstStyle/>
             <a:p>
               <a:pPr algn="ctr"/>
-              <a:endParaRPr lang="en-US" altLang="zh-CN" sz="1600" baseline="-25000" noProof="1">
+              <a:endParaRPr lang="en-US" altLang="zh-CN" baseline="-25000" noProof="1">
                 <a:solidFill>
                   <a:schemeClr val="tx1"/>
                 </a:solidFill>
@@ -5720,7 +5612,7 @@
             <a:lstStyle/>
             <a:p>
               <a:pPr algn="ctr"/>
-              <a:endParaRPr lang="en-US" altLang="zh-CN" sz="1600" baseline="-25000" noProof="1">
+              <a:endParaRPr lang="en-US" altLang="zh-CN" baseline="-25000" noProof="1">
                 <a:solidFill>
                   <a:schemeClr val="tx1"/>
                 </a:solidFill>
@@ -5784,7 +5676,7 @@
                       <m:sSub>
                         <m:sSubPr>
                           <m:ctrlPr>
-                            <a:rPr lang="en-US" altLang="zh-CN" sz="1800" i="1" noProof="1">
+                            <a:rPr lang="en-US" altLang="zh-CN" i="1" noProof="1">
                               <a:solidFill>
                                 <a:schemeClr val="tx1"/>
                               </a:solidFill>
@@ -5794,7 +5686,7 @@
                         </m:sSubPr>
                         <m:e>
                           <m:r>
-                            <a:rPr lang="en-US" altLang="zh-CN" sz="1800" i="1" noProof="1">
+                            <a:rPr lang="en-US" altLang="zh-CN" i="1" noProof="1">
                               <a:solidFill>
                                 <a:schemeClr val="tx1"/>
                               </a:solidFill>
@@ -5805,7 +5697,7 @@
                         </m:e>
                         <m:sub>
                           <m:r>
-                            <a:rPr lang="en-US" altLang="zh-CN" sz="1800" i="1" noProof="1">
+                            <a:rPr lang="en-US" altLang="zh-CN" i="1" noProof="1">
                               <a:solidFill>
                                 <a:schemeClr val="tx1"/>
                               </a:solidFill>
@@ -5818,7 +5710,7 @@
                     </m:oMath>
                   </m:oMathPara>
                 </a14:m>
-                <a:endParaRPr lang="en-US" altLang="zh-CN" sz="1800" i="1" baseline="-25000" noProof="1">
+                <a:endParaRPr lang="en-US" altLang="zh-CN" i="1" baseline="-25000" noProof="1">
                   <a:solidFill>
                     <a:schemeClr val="tx1"/>
                   </a:solidFill>
@@ -5845,10 +5737,10 @@
               <a:prstGeom prst="rect">
                 <a:avLst/>
               </a:prstGeom>
-              <a:blipFill rotWithShape="1">
-                <a:blip r:embed="rId8"/>
+              <a:blipFill>
+                <a:blip r:embed="rId10"/>
                 <a:stretch>
-                  <a:fillRect l="-3071" t="-3017" r="-2996" b="-2900"/>
+                  <a:fillRect/>
                 </a:stretch>
               </a:blipFill>
               <a:ln w="25400">
@@ -5857,22 +5749,6 @@
                 </a:solidFill>
               </a:ln>
             </p:spPr>
-            <p:style>
-              <a:lnRef idx="2">
-                <a:schemeClr val="accent1">
-                  <a:shade val="50000"/>
-                </a:schemeClr>
-              </a:lnRef>
-              <a:fillRef idx="1">
-                <a:schemeClr val="accent1"/>
-              </a:fillRef>
-              <a:effectRef idx="0">
-                <a:schemeClr val="accent1"/>
-              </a:effectRef>
-              <a:fontRef idx="minor">
-                <a:schemeClr val="lt1"/>
-              </a:fontRef>
-            </p:style>
             <p:txBody>
               <a:bodyPr/>
               <a:lstStyle/>
@@ -5991,7 +5867,7 @@
             <a:lstStyle/>
             <a:p>
               <a:pPr algn="ctr"/>
-              <a:endParaRPr lang="en-US" altLang="zh-CN" sz="1600" baseline="-25000" noProof="1">
+              <a:endParaRPr lang="en-US" altLang="zh-CN" baseline="-25000" noProof="1">
                 <a:solidFill>
                   <a:schemeClr val="tx1"/>
                 </a:solidFill>
@@ -6046,10 +5922,9 @@
             <a:lstStyle/>
             <a:p>
               <a:r>
-                <a:rPr lang="en-US" altLang="zh-CN" sz="1800" dirty="0"/>
+                <a:rPr lang="en-US" altLang="zh-CN" dirty="0"/>
                 <a:t>unused</a:t>
               </a:r>
-              <a:endParaRPr lang="en-US" altLang="zh-CN" sz="1800" dirty="0"/>
             </a:p>
           </p:txBody>
         </p:sp>
@@ -6115,10 +5990,9 @@
             <a:lstStyle/>
             <a:p>
               <a:r>
-                <a:rPr lang="en-US" altLang="zh-CN" sz="1800" dirty="0"/>
+                <a:rPr lang="en-US" altLang="zh-CN" dirty="0"/>
                 <a:t>valid</a:t>
               </a:r>
-              <a:endParaRPr lang="en-US" altLang="zh-CN" sz="1800" dirty="0"/>
             </a:p>
           </p:txBody>
         </p:sp>
@@ -6166,7 +6040,7 @@
             <a:lstStyle/>
             <a:p>
               <a:pPr algn="ctr"/>
-              <a:endParaRPr lang="en-US" altLang="zh-CN" sz="1600" baseline="-25000" noProof="1">
+              <a:endParaRPr lang="en-US" altLang="zh-CN" baseline="-25000" noProof="1">
                 <a:solidFill>
                   <a:schemeClr val="tx1"/>
                 </a:solidFill>
@@ -6189,8 +6063,8 @@
             <a:chExt cx="434975" cy="2514598"/>
           </a:xfrm>
         </p:grpSpPr>
-        <mc:AlternateContent xmlns:mc="http://schemas.openxmlformats.org/markup-compatibility/2006">
-          <mc:Choice xmlns:a14="http://schemas.microsoft.com/office/drawing/2010/main" Requires="a14">
+        <mc:AlternateContent xmlns:mc="http://schemas.openxmlformats.org/markup-compatibility/2006" xmlns:a14="http://schemas.microsoft.com/office/drawing/2010/main">
+          <mc:Choice Requires="a14">
             <p:sp>
               <p:nvSpPr>
                 <p:cNvPr id="104" name="矩形 103"/>
@@ -6246,16 +6120,17 @@
                         <m:sSub>
                           <m:sSubPr>
                             <m:ctrlPr>
-                              <a:rPr lang="en-US" altLang="zh-CN" sz="1800" noProof="1">
+                              <a:rPr lang="en-US" altLang="zh-CN" i="1" noProof="1">
                                 <a:solidFill>
                                   <a:schemeClr val="tx1"/>
                                 </a:solidFill>
+                                <a:latin typeface="Cambria Math" panose="02040503050406030204" pitchFamily="18" charset="0"/>
                               </a:rPr>
                             </m:ctrlPr>
                           </m:sSubPr>
                           <m:e>
                             <m:r>
-                              <a:rPr lang="en-US" altLang="zh-CN" sz="1800" noProof="1">
+                              <a:rPr lang="en-US" altLang="zh-CN" noProof="1">
                                 <a:solidFill>
                                   <a:schemeClr val="tx1"/>
                                 </a:solidFill>
@@ -6266,7 +6141,7 @@
                           </m:e>
                           <m:sub>
                             <m:r>
-                              <a:rPr lang="en-US" altLang="zh-CN" sz="1800" noProof="1">
+                              <a:rPr lang="en-US" altLang="zh-CN" noProof="1">
                                 <a:solidFill>
                                   <a:schemeClr val="tx1"/>
                                 </a:solidFill>
@@ -6279,7 +6154,7 @@
                       </m:oMath>
                     </m:oMathPara>
                   </a14:m>
-                  <a:endParaRPr lang="en-US" altLang="zh-CN" sz="1800" noProof="1">
+                  <a:endParaRPr lang="en-US" altLang="zh-CN" noProof="1">
                     <a:solidFill>
                       <a:schemeClr val="tx1"/>
                     </a:solidFill>
@@ -6289,7 +6164,7 @@
               </p:txBody>
             </p:sp>
           </mc:Choice>
-          <mc:Fallback>
+          <mc:Fallback xmlns="">
             <p:sp>
               <p:nvSpPr>
                 <p:cNvPr id="104" name="矩形 103"/>
@@ -6307,7 +6182,7 @@
                   <a:avLst/>
                 </a:prstGeom>
                 <a:blipFill rotWithShape="1">
-                  <a:blip r:embed="rId9"/>
+                  <a:blip r:embed="rId11"/>
                 </a:blipFill>
                 <a:ln w="25400">
                   <a:solidFill>
@@ -6346,8 +6221,8 @@
             </p:sp>
           </mc:Fallback>
         </mc:AlternateContent>
-        <mc:AlternateContent xmlns:mc="http://schemas.openxmlformats.org/markup-compatibility/2006">
-          <mc:Choice xmlns:a14="http://schemas.microsoft.com/office/drawing/2010/main" Requires="a14">
+        <mc:AlternateContent xmlns:mc="http://schemas.openxmlformats.org/markup-compatibility/2006" xmlns:a14="http://schemas.microsoft.com/office/drawing/2010/main">
+          <mc:Choice Requires="a14">
             <p:sp>
               <p:nvSpPr>
                 <p:cNvPr id="105" name="矩形 104"/>
@@ -6403,16 +6278,17 @@
                         <m:sSub>
                           <m:sSubPr>
                             <m:ctrlPr>
-                              <a:rPr lang="en-US" altLang="zh-CN" sz="1800" noProof="1">
+                              <a:rPr lang="en-US" altLang="zh-CN" i="1" noProof="1">
                                 <a:solidFill>
                                   <a:schemeClr val="tx1"/>
                                 </a:solidFill>
+                                <a:latin typeface="Cambria Math" panose="02040503050406030204" pitchFamily="18" charset="0"/>
                               </a:rPr>
                             </m:ctrlPr>
                           </m:sSubPr>
                           <m:e>
                             <m:r>
-                              <a:rPr lang="en-US" altLang="zh-CN" sz="1800" noProof="1">
+                              <a:rPr lang="en-US" altLang="zh-CN" noProof="1">
                                 <a:solidFill>
                                   <a:schemeClr val="tx1"/>
                                 </a:solidFill>
@@ -6423,7 +6299,7 @@
                           </m:e>
                           <m:sub>
                             <m:r>
-                              <a:rPr lang="en-US" altLang="zh-CN" sz="1800" noProof="1">
+                              <a:rPr lang="en-US" altLang="zh-CN" noProof="1">
                                 <a:solidFill>
                                   <a:schemeClr val="tx1"/>
                                 </a:solidFill>
@@ -6436,7 +6312,7 @@
                       </m:oMath>
                     </m:oMathPara>
                   </a14:m>
-                  <a:endParaRPr lang="en-US" altLang="zh-CN" sz="1800" noProof="1">
+                  <a:endParaRPr lang="en-US" altLang="zh-CN" noProof="1">
                     <a:solidFill>
                       <a:schemeClr val="tx1"/>
                     </a:solidFill>
@@ -6446,7 +6322,7 @@
               </p:txBody>
             </p:sp>
           </mc:Choice>
-          <mc:Fallback>
+          <mc:Fallback xmlns="">
             <p:sp>
               <p:nvSpPr>
                 <p:cNvPr id="105" name="矩形 104"/>
@@ -6464,7 +6340,7 @@
                   <a:avLst/>
                 </a:prstGeom>
                 <a:blipFill rotWithShape="1">
-                  <a:blip r:embed="rId10"/>
+                  <a:blip r:embed="rId12"/>
                 </a:blipFill>
                 <a:ln w="25400">
                   <a:solidFill>
@@ -6550,23 +6426,18 @@
             <a:p>
               <a:pPr algn="ctr"/>
               <a:r>
-                <a:rPr lang="en-US" altLang="zh-CN" sz="1800" noProof="1">
+                <a:rPr lang="en-US" altLang="zh-CN" noProof="1">
                   <a:solidFill>
                     <a:schemeClr val="tx1"/>
                   </a:solidFill>
                 </a:rPr>
                 <a:t>...</a:t>
               </a:r>
-              <a:endParaRPr lang="en-US" altLang="zh-CN" sz="1800" noProof="1">
-                <a:solidFill>
-                  <a:schemeClr val="tx1"/>
-                </a:solidFill>
-              </a:endParaRPr>
             </a:p>
           </p:txBody>
         </p:sp>
-        <mc:AlternateContent xmlns:mc="http://schemas.openxmlformats.org/markup-compatibility/2006">
-          <mc:Choice xmlns:a14="http://schemas.microsoft.com/office/drawing/2010/main" Requires="a14">
+        <mc:AlternateContent xmlns:mc="http://schemas.openxmlformats.org/markup-compatibility/2006" xmlns:a14="http://schemas.microsoft.com/office/drawing/2010/main">
+          <mc:Choice Requires="a14">
             <p:sp>
               <p:nvSpPr>
                 <p:cNvPr id="107" name="矩形 106"/>
@@ -6622,16 +6493,17 @@
                         <m:sSub>
                           <m:sSubPr>
                             <m:ctrlPr>
-                              <a:rPr lang="en-US" altLang="zh-CN" sz="1800" noProof="1">
+                              <a:rPr lang="en-US" altLang="zh-CN" i="1" noProof="1">
                                 <a:solidFill>
                                   <a:schemeClr val="tx1"/>
                                 </a:solidFill>
+                                <a:latin typeface="Cambria Math" panose="02040503050406030204" pitchFamily="18" charset="0"/>
                               </a:rPr>
                             </m:ctrlPr>
                           </m:sSubPr>
                           <m:e>
                             <m:r>
-                              <a:rPr lang="en-US" altLang="zh-CN" sz="1800" noProof="1">
+                              <a:rPr lang="en-US" altLang="zh-CN" noProof="1">
                                 <a:solidFill>
                                   <a:schemeClr val="tx1"/>
                                 </a:solidFill>
@@ -6642,7 +6514,7 @@
                           </m:e>
                           <m:sub>
                             <m:r>
-                              <a:rPr lang="en-US" altLang="zh-CN" sz="1800" noProof="1">
+                              <a:rPr lang="en-US" altLang="zh-CN" noProof="1">
                                 <a:solidFill>
                                   <a:schemeClr val="tx1"/>
                                 </a:solidFill>
@@ -6655,7 +6527,7 @@
                       </m:oMath>
                     </m:oMathPara>
                   </a14:m>
-                  <a:endParaRPr lang="en-US" altLang="zh-CN" sz="1800" noProof="1">
+                  <a:endParaRPr lang="en-US" altLang="zh-CN" noProof="1">
                     <a:solidFill>
                       <a:schemeClr val="tx1"/>
                     </a:solidFill>
@@ -6665,7 +6537,7 @@
               </p:txBody>
             </p:sp>
           </mc:Choice>
-          <mc:Fallback>
+          <mc:Fallback xmlns="">
             <p:sp>
               <p:nvSpPr>
                 <p:cNvPr id="107" name="矩形 106"/>
@@ -6683,7 +6555,7 @@
                   <a:avLst/>
                 </a:prstGeom>
                 <a:blipFill rotWithShape="1">
-                  <a:blip r:embed="rId11"/>
+                  <a:blip r:embed="rId13"/>
                 </a:blipFill>
                 <a:ln w="25400">
                   <a:solidFill>
@@ -6759,7 +6631,7 @@
             <a:lstStyle/>
             <a:p>
               <a:pPr algn="ctr"/>
-              <a:endParaRPr lang="en-US" altLang="zh-CN" sz="1600" baseline="-25000" noProof="1">
+              <a:endParaRPr lang="en-US" altLang="zh-CN" baseline="-25000" noProof="1">
                 <a:solidFill>
                   <a:schemeClr val="tx1"/>
                 </a:solidFill>
@@ -6811,7 +6683,7 @@
             <a:lstStyle/>
             <a:p>
               <a:pPr algn="ctr"/>
-              <a:endParaRPr lang="en-US" altLang="zh-CN" sz="1600" baseline="-25000" noProof="1">
+              <a:endParaRPr lang="en-US" altLang="zh-CN" baseline="-25000" noProof="1">
                 <a:solidFill>
                   <a:schemeClr val="tx1"/>
                 </a:solidFill>
@@ -6865,7 +6737,7 @@
             <a:lstStyle/>
             <a:p>
               <a:pPr algn="ctr"/>
-              <a:endParaRPr lang="en-US" altLang="zh-CN" sz="1600" noProof="1">
+              <a:endParaRPr lang="en-US" altLang="zh-CN" noProof="1">
                 <a:solidFill>
                   <a:schemeClr val="tx1"/>
                 </a:solidFill>
@@ -6917,7 +6789,7 @@
             <a:lstStyle/>
             <a:p>
               <a:pPr algn="ctr"/>
-              <a:endParaRPr lang="en-US" altLang="zh-CN" sz="1600" baseline="-25000" noProof="1">
+              <a:endParaRPr lang="en-US" altLang="zh-CN" baseline="-25000" noProof="1">
                 <a:solidFill>
                   <a:schemeClr val="tx1"/>
                 </a:solidFill>
@@ -6986,7 +6858,7 @@
             <a:lstStyle/>
             <a:p>
               <a:pPr algn="ctr"/>
-              <a:endParaRPr lang="en-US" altLang="zh-CN" sz="1600" noProof="1">
+              <a:endParaRPr lang="en-US" altLang="zh-CN" noProof="1">
                 <a:solidFill>
                   <a:schemeClr val="tx1"/>
                 </a:solidFill>
@@ -7041,10 +6913,9 @@
             <a:lstStyle/>
             <a:p>
               <a:r>
-                <a:rPr lang="en-US" altLang="zh-CN" sz="1800" dirty="0"/>
+                <a:rPr lang="en-US" altLang="zh-CN" dirty="0"/>
                 <a:t>stale</a:t>
               </a:r>
-              <a:endParaRPr lang="en-US" altLang="zh-CN" sz="1800" dirty="0"/>
             </a:p>
           </p:txBody>
         </p:sp>
@@ -7097,10 +6968,9 @@
           <a:p>
             <a:pPr algn="ctr"/>
             <a:r>
-              <a:rPr lang="en-US" altLang="zh-CN" sz="1800" dirty="0"/>
+              <a:rPr lang="en-US" altLang="zh-CN" dirty="0"/>
               <a:t>Seg 0</a:t>
             </a:r>
-            <a:endParaRPr lang="en-US" altLang="zh-CN" sz="1800" dirty="0"/>
           </a:p>
         </p:txBody>
       </p:sp>
@@ -7152,10 +7022,9 @@
           <a:p>
             <a:pPr algn="ctr"/>
             <a:r>
-              <a:rPr lang="en-US" altLang="zh-CN" sz="1800" dirty="0"/>
+              <a:rPr lang="en-US" altLang="zh-CN" dirty="0"/>
               <a:t>Seg 0</a:t>
             </a:r>
-            <a:endParaRPr lang="en-US" altLang="zh-CN" sz="1800" dirty="0"/>
           </a:p>
         </p:txBody>
       </p:sp>
@@ -7207,10 +7076,9 @@
           <a:p>
             <a:pPr algn="ctr"/>
             <a:r>
-              <a:rPr lang="en-US" altLang="zh-CN" sz="1800" dirty="0"/>
+              <a:rPr lang="en-US" altLang="zh-CN" dirty="0"/>
               <a:t>Seg 1</a:t>
             </a:r>
-            <a:endParaRPr lang="en-US" altLang="zh-CN" sz="1800" dirty="0"/>
           </a:p>
         </p:txBody>
       </p:sp>
@@ -7262,10 +7130,9 @@
           <a:p>
             <a:pPr algn="ctr"/>
             <a:r>
-              <a:rPr lang="en-US" altLang="zh-CN" sz="1800" dirty="0"/>
+              <a:rPr lang="en-US" altLang="zh-CN" dirty="0"/>
               <a:t>Seg 0</a:t>
             </a:r>
-            <a:endParaRPr lang="en-US" altLang="zh-CN" sz="1800" dirty="0"/>
           </a:p>
         </p:txBody>
       </p:sp>
@@ -7317,10 +7184,9 @@
           <a:p>
             <a:pPr algn="ctr"/>
             <a:r>
-              <a:rPr lang="en-US" altLang="zh-CN" sz="1800" dirty="0"/>
+              <a:rPr lang="en-US" altLang="zh-CN" dirty="0"/>
               <a:t>Seg 1</a:t>
             </a:r>
-            <a:endParaRPr lang="en-US" altLang="zh-CN" sz="1800" dirty="0"/>
           </a:p>
         </p:txBody>
       </p:sp>
@@ -7386,10 +7252,9 @@
             <a:p>
               <a:pPr algn="ctr"/>
               <a:r>
-                <a:rPr lang="en-US" altLang="zh-CN" sz="1800" dirty="0"/>
+                <a:rPr lang="en-US" altLang="zh-CN" dirty="0"/>
                 <a:t>tail</a:t>
               </a:r>
-              <a:endParaRPr lang="en-US" altLang="zh-CN" sz="1800" dirty="0"/>
             </a:p>
           </p:txBody>
         </p:sp>
@@ -7496,18 +7361,13 @@
             <a:p>
               <a:pPr algn="ctr"/>
               <a:r>
-                <a:rPr lang="en-US" altLang="zh-CN" sz="1800">
+                <a:rPr lang="en-US" altLang="zh-CN" dirty="0">
                   <a:solidFill>
                     <a:srgbClr val="C00000"/>
                   </a:solidFill>
                 </a:rPr>
                 <a:t>tail</a:t>
               </a:r>
-              <a:endParaRPr lang="en-US" altLang="zh-CN" sz="1800">
-                <a:solidFill>
-                  <a:srgbClr val="C00000"/>
-                </a:solidFill>
-              </a:endParaRPr>
             </a:p>
           </p:txBody>
         </p:sp>
@@ -7560,127 +7420,9 @@
           </p:txBody>
         </p:sp>
       </p:grpSp>
-      <p:grpSp>
-        <p:nvGrpSpPr>
-          <p:cNvPr id="26" name="组合 25"/>
-          <p:cNvGrpSpPr/>
-          <p:nvPr/>
-        </p:nvGrpSpPr>
-        <p:grpSpPr>
-          <a:xfrm>
-            <a:off x="896740" y="1474768"/>
-            <a:ext cx="755650" cy="325120"/>
-            <a:chOff x="896740" y="1505883"/>
-            <a:chExt cx="755650" cy="325120"/>
-          </a:xfrm>
-        </p:grpSpPr>
-        <p:sp>
-          <p:nvSpPr>
-            <p:cNvPr id="2071" name="文本框 68"/>
-            <p:cNvSpPr txBox="1">
-              <a:spLocks noChangeArrowheads="1"/>
-            </p:cNvSpPr>
-            <p:nvPr/>
-          </p:nvSpPr>
-          <p:spPr bwMode="auto">
-            <a:xfrm>
-              <a:off x="896740" y="1505883"/>
-              <a:ext cx="755650" cy="245745"/>
-            </a:xfrm>
-            <a:prstGeom prst="rect">
-              <a:avLst/>
-            </a:prstGeom>
-            <a:noFill/>
-            <a:ln>
-              <a:noFill/>
-            </a:ln>
-            <a:extLst>
-              <a:ext uri="{909E8E84-426E-40DD-AFC4-6F175D3DCCD1}">
-                <a14:hiddenFill xmlns:a14="http://schemas.microsoft.com/office/drawing/2010/main">
-                  <a:solidFill>
-                    <a:srgbClr val="FFFFFF"/>
-                  </a:solidFill>
-                </a14:hiddenFill>
-              </a:ext>
-              <a:ext uri="{91240B29-F687-4F45-9708-019B960494DF}">
-                <a14:hiddenLine xmlns:a14="http://schemas.microsoft.com/office/drawing/2010/main" w="9525">
-                  <a:solidFill>
-                    <a:srgbClr val="000000"/>
-                  </a:solidFill>
-                  <a:miter lim="800000"/>
-                  <a:headEnd/>
-                  <a:tailEnd/>
-                </a14:hiddenLine>
-              </a:ext>
-            </a:extLst>
-          </p:spPr>
-          <p:txBody>
-            <a:bodyPr lIns="0" tIns="0" rIns="0" bIns="0">
-              <a:spAutoFit/>
-            </a:bodyPr>
-            <a:lstStyle/>
-            <a:p>
-              <a:pPr algn="ctr"/>
-              <a:r>
-                <a:rPr lang="en-US" altLang="zh-CN" sz="1600" dirty="0"/>
-                <a:t>update</a:t>
-              </a:r>
-              <a:endParaRPr lang="en-US" altLang="zh-CN" sz="1600" dirty="0"/>
-            </a:p>
-          </p:txBody>
-        </p:sp>
-        <p:sp>
-          <p:nvSpPr>
-            <p:cNvPr id="15" name="右箭头 14"/>
-            <p:cNvSpPr/>
-            <p:nvPr/>
-          </p:nvSpPr>
-          <p:spPr>
-            <a:xfrm>
-              <a:off x="977385" y="1712258"/>
-              <a:ext cx="635000" cy="118745"/>
-            </a:xfrm>
-            <a:prstGeom prst="rightArrow">
-              <a:avLst/>
-            </a:prstGeom>
-            <a:solidFill>
-              <a:schemeClr val="tx1"/>
-            </a:solidFill>
-            <a:ln>
-              <a:solidFill>
-                <a:schemeClr val="tx1"/>
-              </a:solidFill>
-            </a:ln>
-          </p:spPr>
-          <p:style>
-            <a:lnRef idx="2">
-              <a:schemeClr val="accent1">
-                <a:shade val="50000"/>
-              </a:schemeClr>
-            </a:lnRef>
-            <a:fillRef idx="1">
-              <a:schemeClr val="accent1"/>
-            </a:fillRef>
-            <a:effectRef idx="0">
-              <a:schemeClr val="accent1"/>
-            </a:effectRef>
-            <a:fontRef idx="minor">
-              <a:schemeClr val="lt1"/>
-            </a:fontRef>
-          </p:style>
-          <p:txBody>
-            <a:bodyPr anchor="ctr"/>
-            <a:lstStyle/>
-            <a:p>
-              <a:pPr algn="ctr"/>
-              <a:endParaRPr lang="zh-CN" altLang="en-US" noProof="1"/>
-            </a:p>
-          </p:txBody>
-        </p:sp>
-      </p:grpSp>
       <p:sp>
         <p:nvSpPr>
-          <p:cNvPr id="2125" name="文本框 2"/>
+          <p:cNvPr id="2071" name="文本框 68"/>
           <p:cNvSpPr txBox="1">
             <a:spLocks noChangeArrowheads="1"/>
           </p:cNvSpPr>
@@ -7688,8 +7430,8 @@
         </p:nvSpPr>
         <p:spPr bwMode="auto">
           <a:xfrm>
-            <a:off x="1153316" y="3307486"/>
-            <a:ext cx="458788" cy="307340"/>
+            <a:off x="896740" y="1440185"/>
+            <a:ext cx="755650" cy="276999"/>
           </a:xfrm>
           <a:prstGeom prst="rect">
             <a:avLst/>
@@ -7724,11 +7466,112 @@
           </a:bodyPr>
           <a:lstStyle/>
           <a:p>
+            <a:pPr algn="ctr"/>
             <a:r>
-              <a:rPr lang="en-US" altLang="zh-CN" sz="2000" dirty="0"/>
+              <a:rPr lang="en-US" altLang="zh-CN" dirty="0"/>
+              <a:t>update</a:t>
+            </a:r>
+          </a:p>
+        </p:txBody>
+      </p:sp>
+      <p:sp>
+        <p:nvSpPr>
+          <p:cNvPr id="15" name="右箭头 14"/>
+          <p:cNvSpPr/>
+          <p:nvPr/>
+        </p:nvSpPr>
+        <p:spPr>
+          <a:xfrm>
+            <a:off x="977385" y="1681143"/>
+            <a:ext cx="635000" cy="118745"/>
+          </a:xfrm>
+          <a:prstGeom prst="rightArrow">
+            <a:avLst/>
+          </a:prstGeom>
+          <a:solidFill>
+            <a:schemeClr val="tx1"/>
+          </a:solidFill>
+          <a:ln>
+            <a:solidFill>
+              <a:schemeClr val="tx1"/>
+            </a:solidFill>
+          </a:ln>
+        </p:spPr>
+        <p:style>
+          <a:lnRef idx="2">
+            <a:schemeClr val="accent1">
+              <a:shade val="50000"/>
+            </a:schemeClr>
+          </a:lnRef>
+          <a:fillRef idx="1">
+            <a:schemeClr val="accent1"/>
+          </a:fillRef>
+          <a:effectRef idx="0">
+            <a:schemeClr val="accent1"/>
+          </a:effectRef>
+          <a:fontRef idx="minor">
+            <a:schemeClr val="lt1"/>
+          </a:fontRef>
+        </p:style>
+        <p:txBody>
+          <a:bodyPr anchor="ctr"/>
+          <a:lstStyle/>
+          <a:p>
+            <a:pPr algn="ctr"/>
+            <a:endParaRPr lang="zh-CN" altLang="en-US" noProof="1"/>
+          </a:p>
+        </p:txBody>
+      </p:sp>
+      <p:sp>
+        <p:nvSpPr>
+          <p:cNvPr id="2125" name="文本框 2"/>
+          <p:cNvSpPr txBox="1">
+            <a:spLocks noChangeArrowheads="1"/>
+          </p:cNvSpPr>
+          <p:nvPr/>
+        </p:nvSpPr>
+        <p:spPr bwMode="auto">
+          <a:xfrm>
+            <a:off x="1153316" y="3307486"/>
+            <a:ext cx="458788" cy="276999"/>
+          </a:xfrm>
+          <a:prstGeom prst="rect">
+            <a:avLst/>
+          </a:prstGeom>
+          <a:noFill/>
+          <a:ln>
+            <a:noFill/>
+          </a:ln>
+          <a:extLst>
+            <a:ext uri="{909E8E84-426E-40DD-AFC4-6F175D3DCCD1}">
+              <a14:hiddenFill xmlns:a14="http://schemas.microsoft.com/office/drawing/2010/main">
+                <a:solidFill>
+                  <a:srgbClr val="FFFFFF"/>
+                </a:solidFill>
+              </a14:hiddenFill>
+            </a:ext>
+            <a:ext uri="{91240B29-F687-4F45-9708-019B960494DF}">
+              <a14:hiddenLine xmlns:a14="http://schemas.microsoft.com/office/drawing/2010/main" w="9525">
+                <a:solidFill>
+                  <a:srgbClr val="000000"/>
+                </a:solidFill>
+                <a:miter lim="800000"/>
+                <a:headEnd/>
+                <a:tailEnd/>
+              </a14:hiddenLine>
+            </a:ext>
+          </a:extLst>
+        </p:spPr>
+        <p:txBody>
+          <a:bodyPr lIns="0" tIns="0" rIns="0" bIns="0">
+            <a:spAutoFit/>
+          </a:bodyPr>
+          <a:lstStyle/>
+          <a:p>
+            <a:r>
+              <a:rPr lang="en-US" altLang="zh-CN" dirty="0"/>
               <a:t>(a)</a:t>
             </a:r>
-            <a:endParaRPr lang="en-US" altLang="zh-CN" sz="2000" dirty="0"/>
           </a:p>
         </p:txBody>
       </p:sp>
@@ -7740,7 +7583,7 @@
           </p:cNvSpPr>
           <p:nvPr>
             <p:custDataLst>
-              <p:tags r:id="rId12"/>
+              <p:tags r:id="rId1"/>
             </p:custDataLst>
           </p:nvPr>
         </p:nvSpPr>
@@ -7786,7 +7629,6 @@
               <a:rPr lang="en-US" altLang="zh-CN" dirty="0"/>
               <a:t>(b)</a:t>
             </a:r>
-            <a:endParaRPr lang="en-US" altLang="zh-CN" dirty="0"/>
           </a:p>
         </p:txBody>
       </p:sp>
@@ -7852,10 +7694,9 @@
             <a:p>
               <a:pPr algn="ctr"/>
               <a:r>
-                <a:rPr lang="en-US" altLang="zh-CN" sz="1800" dirty="0"/>
+                <a:rPr lang="en-US" altLang="zh-CN" dirty="0"/>
                 <a:t>tail</a:t>
               </a:r>
-              <a:endParaRPr lang="en-US" altLang="zh-CN" sz="1800" dirty="0"/>
             </a:p>
           </p:txBody>
         </p:sp>
@@ -7900,124 +7741,108 @@
           </p:txBody>
         </p:sp>
       </p:grpSp>
-      <p:grpSp>
-        <p:nvGrpSpPr>
-          <p:cNvPr id="28" name="组合 27"/>
-          <p:cNvGrpSpPr/>
+      <p:sp>
+        <p:nvSpPr>
+          <p:cNvPr id="29" name="文本框 68"/>
+          <p:cNvSpPr txBox="1">
+            <a:spLocks noChangeArrowheads="1"/>
+          </p:cNvSpPr>
           <p:nvPr/>
-        </p:nvGrpSpPr>
-        <p:grpSpPr>
+        </p:nvSpPr>
+        <p:spPr bwMode="auto">
           <a:xfrm>
-            <a:off x="4535718" y="1505883"/>
-            <a:ext cx="755650" cy="333484"/>
-            <a:chOff x="896740" y="1505883"/>
-            <a:chExt cx="755650" cy="333484"/>
+            <a:off x="4535718" y="1440185"/>
+            <a:ext cx="755650" cy="276999"/>
           </a:xfrm>
-        </p:grpSpPr>
-        <p:sp>
-          <p:nvSpPr>
-            <p:cNvPr id="29" name="文本框 68"/>
-            <p:cNvSpPr txBox="1">
-              <a:spLocks noChangeArrowheads="1"/>
-            </p:cNvSpPr>
-            <p:nvPr/>
-          </p:nvSpPr>
-          <p:spPr bwMode="auto">
-            <a:xfrm>
-              <a:off x="896740" y="1505883"/>
-              <a:ext cx="755650" cy="245745"/>
-            </a:xfrm>
-            <a:prstGeom prst="rect">
-              <a:avLst/>
-            </a:prstGeom>
+          <a:prstGeom prst="rect">
+            <a:avLst/>
+          </a:prstGeom>
+          <a:noFill/>
+          <a:ln>
             <a:noFill/>
-            <a:ln>
-              <a:noFill/>
-            </a:ln>
-            <a:extLst>
-              <a:ext uri="{909E8E84-426E-40DD-AFC4-6F175D3DCCD1}">
-                <a14:hiddenFill xmlns:a14="http://schemas.microsoft.com/office/drawing/2010/main">
-                  <a:solidFill>
-                    <a:srgbClr val="FFFFFF"/>
-                  </a:solidFill>
-                </a14:hiddenFill>
-              </a:ext>
-              <a:ext uri="{91240B29-F687-4F45-9708-019B960494DF}">
-                <a14:hiddenLine xmlns:a14="http://schemas.microsoft.com/office/drawing/2010/main" w="9525">
-                  <a:solidFill>
-                    <a:srgbClr val="000000"/>
-                  </a:solidFill>
-                  <a:miter lim="800000"/>
-                  <a:headEnd/>
-                  <a:tailEnd/>
-                </a14:hiddenLine>
-              </a:ext>
-            </a:extLst>
-          </p:spPr>
-          <p:txBody>
-            <a:bodyPr lIns="0" tIns="0" rIns="0" bIns="0">
-              <a:spAutoFit/>
-            </a:bodyPr>
-            <a:lstStyle/>
-            <a:p>
-              <a:pPr algn="ctr"/>
-              <a:r>
-                <a:rPr lang="en-US" altLang="zh-CN" sz="1600" dirty="0"/>
-                <a:t>update</a:t>
-              </a:r>
-              <a:endParaRPr lang="en-US" altLang="zh-CN" sz="1600" dirty="0"/>
-            </a:p>
-          </p:txBody>
-        </p:sp>
-        <p:sp>
-          <p:nvSpPr>
-            <p:cNvPr id="30" name="右箭头 14"/>
-            <p:cNvSpPr/>
-            <p:nvPr/>
-          </p:nvSpPr>
-          <p:spPr>
-            <a:xfrm>
-              <a:off x="1012825" y="1720305"/>
-              <a:ext cx="534988" cy="119062"/>
-            </a:xfrm>
-            <a:prstGeom prst="rightArrow">
-              <a:avLst/>
-            </a:prstGeom>
+          </a:ln>
+          <a:extLst>
+            <a:ext uri="{909E8E84-426E-40DD-AFC4-6F175D3DCCD1}">
+              <a14:hiddenFill xmlns:a14="http://schemas.microsoft.com/office/drawing/2010/main">
+                <a:solidFill>
+                  <a:srgbClr val="FFFFFF"/>
+                </a:solidFill>
+              </a14:hiddenFill>
+            </a:ext>
+            <a:ext uri="{91240B29-F687-4F45-9708-019B960494DF}">
+              <a14:hiddenLine xmlns:a14="http://schemas.microsoft.com/office/drawing/2010/main" w="9525">
+                <a:solidFill>
+                  <a:srgbClr val="000000"/>
+                </a:solidFill>
+                <a:miter lim="800000"/>
+                <a:headEnd/>
+                <a:tailEnd/>
+              </a14:hiddenLine>
+            </a:ext>
+          </a:extLst>
+        </p:spPr>
+        <p:txBody>
+          <a:bodyPr lIns="0" tIns="0" rIns="0" bIns="0">
+            <a:spAutoFit/>
+          </a:bodyPr>
+          <a:lstStyle/>
+          <a:p>
+            <a:pPr algn="ctr"/>
+            <a:r>
+              <a:rPr lang="en-US" altLang="zh-CN" dirty="0"/>
+              <a:t>update</a:t>
+            </a:r>
+          </a:p>
+        </p:txBody>
+      </p:sp>
+      <p:sp>
+        <p:nvSpPr>
+          <p:cNvPr id="30" name="右箭头 14"/>
+          <p:cNvSpPr/>
+          <p:nvPr/>
+        </p:nvSpPr>
+        <p:spPr>
+          <a:xfrm>
+            <a:off x="4651803" y="1681143"/>
+            <a:ext cx="534988" cy="119062"/>
+          </a:xfrm>
+          <a:prstGeom prst="rightArrow">
+            <a:avLst/>
+          </a:prstGeom>
+          <a:solidFill>
+            <a:schemeClr val="tx1"/>
+          </a:solidFill>
+          <a:ln>
             <a:solidFill>
               <a:schemeClr val="tx1"/>
             </a:solidFill>
-            <a:ln>
-              <a:solidFill>
-                <a:schemeClr val="tx1"/>
-              </a:solidFill>
-            </a:ln>
-          </p:spPr>
-          <p:style>
-            <a:lnRef idx="2">
-              <a:schemeClr val="accent1">
-                <a:shade val="50000"/>
-              </a:schemeClr>
-            </a:lnRef>
-            <a:fillRef idx="1">
-              <a:schemeClr val="accent1"/>
-            </a:fillRef>
-            <a:effectRef idx="0">
-              <a:schemeClr val="accent1"/>
-            </a:effectRef>
-            <a:fontRef idx="minor">
-              <a:schemeClr val="lt1"/>
-            </a:fontRef>
-          </p:style>
-          <p:txBody>
-            <a:bodyPr anchor="ctr"/>
-            <a:lstStyle/>
-            <a:p>
-              <a:pPr algn="ctr"/>
-              <a:endParaRPr lang="zh-CN" altLang="en-US" noProof="1"/>
-            </a:p>
-          </p:txBody>
-        </p:sp>
-      </p:grpSp>
+          </a:ln>
+        </p:spPr>
+        <p:style>
+          <a:lnRef idx="2">
+            <a:schemeClr val="accent1">
+              <a:shade val="50000"/>
+            </a:schemeClr>
+          </a:lnRef>
+          <a:fillRef idx="1">
+            <a:schemeClr val="accent1"/>
+          </a:fillRef>
+          <a:effectRef idx="0">
+            <a:schemeClr val="accent1"/>
+          </a:effectRef>
+          <a:fontRef idx="minor">
+            <a:schemeClr val="lt1"/>
+          </a:fontRef>
+        </p:style>
+        <p:txBody>
+          <a:bodyPr anchor="ctr"/>
+          <a:lstStyle/>
+          <a:p>
+            <a:pPr algn="ctr"/>
+            <a:endParaRPr lang="zh-CN" altLang="en-US" noProof="1"/>
+          </a:p>
+        </p:txBody>
+      </p:sp>
       <p:grpSp>
         <p:nvGrpSpPr>
           <p:cNvPr id="50" name="组合 49"/>
@@ -8032,8 +7857,8 @@
             <a:chExt cx="433387" cy="2519364"/>
           </a:xfrm>
         </p:grpSpPr>
-        <mc:AlternateContent xmlns:mc="http://schemas.openxmlformats.org/markup-compatibility/2006">
-          <mc:Choice xmlns:a14="http://schemas.microsoft.com/office/drawing/2010/main" Requires="a14">
+        <mc:AlternateContent xmlns:mc="http://schemas.openxmlformats.org/markup-compatibility/2006" xmlns:a14="http://schemas.microsoft.com/office/drawing/2010/main">
+          <mc:Choice Requires="a14">
             <p:sp>
               <p:nvSpPr>
                 <p:cNvPr id="116" name="矩形 115"/>
@@ -8087,7 +7912,7 @@
                         <m:sSub>
                           <m:sSubPr>
                             <m:ctrlPr>
-                              <a:rPr lang="en-US" altLang="zh-CN" sz="1800" i="1" noProof="1" smtClean="0">
+                              <a:rPr lang="en-US" altLang="zh-CN" i="1" noProof="1" smtClean="0">
                                 <a:solidFill>
                                   <a:schemeClr val="tx1"/>
                                 </a:solidFill>
@@ -8097,7 +7922,7 @@
                           </m:sSubPr>
                           <m:e>
                             <m:r>
-                              <a:rPr lang="en-US" altLang="zh-CN" sz="1800" i="1" noProof="1">
+                              <a:rPr lang="en-US" altLang="zh-CN" i="1" noProof="1">
                                 <a:solidFill>
                                   <a:schemeClr val="tx1"/>
                                 </a:solidFill>
@@ -8108,7 +7933,7 @@
                           </m:e>
                           <m:sub>
                             <m:r>
-                              <a:rPr lang="en-US" altLang="zh-CN" sz="1800" i="1" noProof="1">
+                              <a:rPr lang="en-US" altLang="zh-CN" i="1" noProof="1">
                                 <a:solidFill>
                                   <a:schemeClr val="tx1"/>
                                 </a:solidFill>
@@ -8121,7 +7946,7 @@
                       </m:oMath>
                     </m:oMathPara>
                   </a14:m>
-                  <a:endParaRPr lang="en-US" altLang="zh-CN" sz="1800" i="1" baseline="-25000" noProof="1">
+                  <a:endParaRPr lang="en-US" altLang="zh-CN" i="1" baseline="-25000" noProof="1">
                     <a:solidFill>
                       <a:schemeClr val="tx1"/>
                     </a:solidFill>
@@ -8131,7 +7956,7 @@
               </p:txBody>
             </p:sp>
           </mc:Choice>
-          <mc:Fallback>
+          <mc:Fallback xmlns="">
             <p:sp>
               <p:nvSpPr>
                 <p:cNvPr id="116" name="矩形 115"/>
@@ -8149,7 +7974,7 @@
                   <a:avLst/>
                 </a:prstGeom>
                 <a:blipFill rotWithShape="1">
-                  <a:blip r:embed="rId13"/>
+                  <a:blip r:embed="rId14"/>
                 </a:blipFill>
                 <a:ln w="25400">
                   <a:solidFill>
@@ -8225,7 +8050,7 @@
             <a:lstStyle/>
             <a:p>
               <a:pPr algn="ctr"/>
-              <a:endParaRPr lang="en-US" altLang="zh-CN" sz="1600" baseline="-25000" noProof="1">
+              <a:endParaRPr lang="en-US" altLang="zh-CN" baseline="-25000" noProof="1">
                 <a:solidFill>
                   <a:schemeClr val="tx1"/>
                 </a:solidFill>
@@ -8277,7 +8102,7 @@
             <a:lstStyle/>
             <a:p>
               <a:pPr algn="ctr"/>
-              <a:endParaRPr lang="en-US" altLang="zh-CN" sz="1600" baseline="-25000" noProof="1">
+              <a:endParaRPr lang="en-US" altLang="zh-CN" baseline="-25000" noProof="1">
                 <a:solidFill>
                   <a:schemeClr val="tx1"/>
                 </a:solidFill>
@@ -8331,7 +8156,7 @@
             <a:lstStyle/>
             <a:p>
               <a:pPr algn="ctr"/>
-              <a:endParaRPr lang="en-US" altLang="zh-CN" sz="1600" noProof="1">
+              <a:endParaRPr lang="en-US" altLang="zh-CN" noProof="1">
                 <a:solidFill>
                   <a:schemeClr val="tx1"/>
                 </a:solidFill>
@@ -8383,7 +8208,7 @@
             <a:lstStyle/>
             <a:p>
               <a:pPr algn="ctr"/>
-              <a:endParaRPr lang="en-US" altLang="zh-CN" sz="1600" baseline="-25000" noProof="1">
+              <a:endParaRPr lang="en-US" altLang="zh-CN" baseline="-25000" noProof="1">
                 <a:solidFill>
                   <a:schemeClr val="tx1"/>
                 </a:solidFill>
@@ -8391,8 +8216,8 @@
             </a:p>
           </p:txBody>
         </p:sp>
-        <mc:AlternateContent xmlns:mc="http://schemas.openxmlformats.org/markup-compatibility/2006">
-          <mc:Choice xmlns:a14="http://schemas.microsoft.com/office/drawing/2010/main" Requires="a14">
+        <mc:AlternateContent xmlns:mc="http://schemas.openxmlformats.org/markup-compatibility/2006" xmlns:a14="http://schemas.microsoft.com/office/drawing/2010/main">
+          <mc:Choice Requires="a14">
             <p:sp>
               <p:nvSpPr>
                 <p:cNvPr id="31" name="矩形 30"/>
@@ -8448,16 +8273,17 @@
                         <m:sSub>
                           <m:sSubPr>
                             <m:ctrlPr>
-                              <a:rPr lang="en-US" altLang="zh-CN" sz="1800" noProof="1">
+                              <a:rPr lang="en-US" altLang="zh-CN" i="1" noProof="1">
                                 <a:solidFill>
                                   <a:schemeClr val="tx1"/>
                                 </a:solidFill>
+                                <a:latin typeface="Cambria Math" panose="02040503050406030204" pitchFamily="18" charset="0"/>
                               </a:rPr>
                             </m:ctrlPr>
                           </m:sSubPr>
                           <m:e>
                             <m:r>
-                              <a:rPr lang="en-US" altLang="zh-CN" sz="1800" noProof="1">
+                              <a:rPr lang="en-US" altLang="zh-CN" noProof="1">
                                 <a:solidFill>
                                   <a:schemeClr val="tx1"/>
                                 </a:solidFill>
@@ -8468,7 +8294,7 @@
                           </m:e>
                           <m:sub>
                             <m:r>
-                              <a:rPr lang="en-US" altLang="zh-CN" sz="1800" noProof="1">
+                              <a:rPr lang="en-US" altLang="zh-CN" noProof="1">
                                 <a:solidFill>
                                   <a:schemeClr val="tx1"/>
                                 </a:solidFill>
@@ -8481,7 +8307,7 @@
                       </m:oMath>
                     </m:oMathPara>
                   </a14:m>
-                  <a:endParaRPr lang="en-US" altLang="zh-CN" sz="1800" noProof="1">
+                  <a:endParaRPr lang="en-US" altLang="zh-CN" noProof="1">
                     <a:solidFill>
                       <a:schemeClr val="tx1"/>
                     </a:solidFill>
@@ -8491,7 +8317,7 @@
               </p:txBody>
             </p:sp>
           </mc:Choice>
-          <mc:Fallback>
+          <mc:Fallback xmlns="">
             <p:sp>
               <p:nvSpPr>
                 <p:cNvPr id="31" name="矩形 30"/>
@@ -8509,7 +8335,7 @@
                   <a:avLst/>
                 </a:prstGeom>
                 <a:blipFill rotWithShape="1">
-                  <a:blip r:embed="rId14"/>
+                  <a:blip r:embed="rId15"/>
                 </a:blipFill>
                 <a:ln w="25400">
                   <a:solidFill>
@@ -8548,8 +8374,8 @@
             </p:sp>
           </mc:Fallback>
         </mc:AlternateContent>
-        <mc:AlternateContent xmlns:mc="http://schemas.openxmlformats.org/markup-compatibility/2006">
-          <mc:Choice xmlns:a14="http://schemas.microsoft.com/office/drawing/2010/main" Requires="a14">
+        <mc:AlternateContent xmlns:mc="http://schemas.openxmlformats.org/markup-compatibility/2006" xmlns:a14="http://schemas.microsoft.com/office/drawing/2010/main">
+          <mc:Choice Requires="a14">
             <p:sp>
               <p:nvSpPr>
                 <p:cNvPr id="33" name="矩形 32"/>
@@ -8605,16 +8431,17 @@
                         <m:sSub>
                           <m:sSubPr>
                             <m:ctrlPr>
-                              <a:rPr lang="en-US" altLang="zh-CN" sz="1800" noProof="1">
+                              <a:rPr lang="en-US" altLang="zh-CN" i="1" noProof="1">
                                 <a:solidFill>
                                   <a:schemeClr val="tx1"/>
                                 </a:solidFill>
+                                <a:latin typeface="Cambria Math" panose="02040503050406030204" pitchFamily="18" charset="0"/>
                               </a:rPr>
                             </m:ctrlPr>
                           </m:sSubPr>
                           <m:e>
                             <m:r>
-                              <a:rPr lang="en-US" altLang="zh-CN" sz="1800" noProof="1">
+                              <a:rPr lang="en-US" altLang="zh-CN" noProof="1">
                                 <a:solidFill>
                                   <a:schemeClr val="tx1"/>
                                 </a:solidFill>
@@ -8625,7 +8452,7 @@
                           </m:e>
                           <m:sub>
                             <m:r>
-                              <a:rPr lang="en-US" altLang="zh-CN" sz="1800" noProof="1">
+                              <a:rPr lang="en-US" altLang="zh-CN" noProof="1">
                                 <a:solidFill>
                                   <a:schemeClr val="tx1"/>
                                 </a:solidFill>
@@ -8638,7 +8465,7 @@
                       </m:oMath>
                     </m:oMathPara>
                   </a14:m>
-                  <a:endParaRPr lang="en-US" altLang="zh-CN" sz="1800" noProof="1">
+                  <a:endParaRPr lang="en-US" altLang="zh-CN" noProof="1">
                     <a:solidFill>
                       <a:schemeClr val="tx1"/>
                     </a:solidFill>
@@ -8648,7 +8475,7 @@
               </p:txBody>
             </p:sp>
           </mc:Choice>
-          <mc:Fallback>
+          <mc:Fallback xmlns="">
             <p:sp>
               <p:nvSpPr>
                 <p:cNvPr id="33" name="矩形 32"/>
@@ -8666,7 +8493,7 @@
                   <a:avLst/>
                 </a:prstGeom>
                 <a:blipFill rotWithShape="1">
-                  <a:blip r:embed="rId15"/>
+                  <a:blip r:embed="rId16"/>
                 </a:blipFill>
                 <a:ln w="25400">
                   <a:solidFill>
@@ -8752,18 +8579,13 @@
             <a:p>
               <a:pPr algn="ctr"/>
               <a:r>
-                <a:rPr lang="en-US" altLang="zh-CN" sz="1800" noProof="1">
+                <a:rPr lang="en-US" altLang="zh-CN" noProof="1">
                   <a:solidFill>
                     <a:schemeClr val="tx1"/>
                   </a:solidFill>
                 </a:rPr>
                 <a:t>...</a:t>
               </a:r>
-              <a:endParaRPr lang="en-US" altLang="zh-CN" sz="1800" noProof="1">
-                <a:solidFill>
-                  <a:schemeClr val="tx1"/>
-                </a:solidFill>
-              </a:endParaRPr>
             </a:p>
           </p:txBody>
         </p:sp>
@@ -8830,10 +8652,9 @@
             <a:p>
               <a:pPr algn="ctr"/>
               <a:r>
-                <a:rPr lang="en-US" altLang="zh-CN" sz="1800" dirty="0"/>
+                <a:rPr lang="en-US" altLang="zh-CN" dirty="0"/>
                 <a:t>tail</a:t>
               </a:r>
-              <a:endParaRPr lang="en-US" altLang="zh-CN" sz="1800" dirty="0"/>
             </a:p>
           </p:txBody>
         </p:sp>
@@ -8940,10 +8761,9 @@
             <a:p>
               <a:pPr algn="ctr"/>
               <a:r>
-                <a:rPr lang="en-US" altLang="zh-CN" sz="1800" dirty="0"/>
+                <a:rPr lang="en-US" altLang="zh-CN" dirty="0"/>
                 <a:t>tail</a:t>
               </a:r>
-              <a:endParaRPr lang="en-US" altLang="zh-CN" sz="1800" dirty="0"/>
             </a:p>
           </p:txBody>
         </p:sp>
@@ -9050,10 +8870,9 @@
             <a:p>
               <a:pPr algn="ctr"/>
               <a:r>
-                <a:rPr lang="en-US" altLang="zh-CN" sz="1800" dirty="0"/>
+                <a:rPr lang="en-US" altLang="zh-CN" dirty="0"/>
                 <a:t>tail</a:t>
               </a:r>
-              <a:endParaRPr lang="en-US" altLang="zh-CN" sz="1800" dirty="0"/>
             </a:p>
           </p:txBody>
         </p:sp>
@@ -9107,15 +8926,15 @@
 </file>
 
 <file path=ppt/tags/tag1.xml><?xml version="1.0" encoding="utf-8"?>
-<p:tagLst xmlns:p="http://schemas.openxmlformats.org/presentationml/2006/main">
-  <p:tag name="KSO_WM_BEAUTIFY_FLAG" val=""/>
+<p:tagLst xmlns:a="http://schemas.openxmlformats.org/drawingml/2006/main" xmlns:r="http://schemas.openxmlformats.org/officeDocument/2006/relationships" xmlns:p="http://schemas.openxmlformats.org/presentationml/2006/main">
+  <p:tag name="KSO_WPP_MARK_KEY" val="f417334e-f1e6-46ce-8c8b-541da886499f"/>
+  <p:tag name="COMMONDATA" val="eyJoZGlkIjoiNWMyNzk1NjJkYjg5Yzk1OTQwMjA3ODhmZjc4ODZlMTgifQ=="/>
 </p:tagLst>
 </file>
 
 <file path=ppt/tags/tag2.xml><?xml version="1.0" encoding="utf-8"?>
-<p:tagLst xmlns:p="http://schemas.openxmlformats.org/presentationml/2006/main">
-  <p:tag name="KSO_WPP_MARK_KEY" val="f417334e-f1e6-46ce-8c8b-541da886499f"/>
-  <p:tag name="COMMONDATA" val="eyJoZGlkIjoiNWMyNzk1NjJkYjg5Yzk1OTQwMjA3ODhmZjc4ODZlMTgifQ=="/>
+<p:tagLst xmlns:a="http://schemas.openxmlformats.org/drawingml/2006/main" xmlns:r="http://schemas.openxmlformats.org/officeDocument/2006/relationships" xmlns:p="http://schemas.openxmlformats.org/presentationml/2006/main">
+  <p:tag name="KSO_WM_BEAUTIFY_FLAG" val=""/>
 </p:tagLst>
 </file>
 
@@ -9310,6 +9129,7 @@
       </a:bgFillStyleLst>
     </a:fmtScheme>
   </a:themeElements>
+  <a:objectDefaults/>
   <a:extraClrSchemeLst>
     <a:extraClrScheme>
       <a:clrScheme name="默认设计模板 1">
